--- a/boilerplate-slides.pptx
+++ b/boilerplate-slides.pptx
@@ -125,7 +125,7 @@
   </p:defaultTextStyle>
   <p:extLst>
     <p:ext uri="{EFAFB233-063F-42B5-8137-9DF3F51BA10A}">
-      <p15:sldGuideLst xmlns="" xmlns:p15="http://schemas.microsoft.com/office/powerpoint/2012/main">
+      <p15:sldGuideLst xmlns:p15="http://schemas.microsoft.com/office/powerpoint/2012/main" xmlns="">
         <p15:guide id="1" orient="horz" pos="430" userDrawn="1">
           <p15:clr>
             <a:srgbClr val="A4A3A4"/>
@@ -2699,7 +2699,7 @@
           <a:pPr rtl="0"/>
           <a:r>
             <a:rPr lang="en-US" b="1" dirty="0" smtClean="0"/>
-            <a:t>Anything!</a:t>
+            <a:t>…Much more</a:t>
           </a:r>
           <a:endParaRPr lang="en-US" dirty="0"/>
         </a:p>
@@ -2965,17 +2965,17 @@
       </dgm:t>
     </dgm:pt>
     <dgm:pt modelId="{1808B7BD-8F50-42D2-8811-9452CDF17D64}">
-      <dgm:prSet phldrT="[Text]"/>
+      <dgm:prSet phldrT="[Text]" custT="1"/>
       <dgm:spPr/>
       <dgm:t>
         <a:bodyPr/>
         <a:lstStyle/>
         <a:p>
           <a:r>
-            <a:rPr lang="en-US" dirty="0" smtClean="0"/>
-            <a:t>Web Map</a:t>
+            <a:rPr lang="en-US" sz="2300" dirty="0" smtClean="0"/>
+            <a:t>Web Map, Group, Group Items</a:t>
           </a:r>
-          <a:endParaRPr lang="en-US" dirty="0"/>
+          <a:endParaRPr lang="en-US" sz="1400" dirty="0"/>
         </a:p>
       </dgm:t>
     </dgm:pt>
@@ -3010,7 +3010,7 @@
         <a:p>
           <a:r>
             <a:rPr lang="en-US" sz="2400" dirty="0" smtClean="0"/>
-            <a:t>Organization </a:t>
+            <a:t>Organization Settings </a:t>
           </a:r>
           <a:r>
             <a:rPr lang="en-US" sz="1400" dirty="0" smtClean="0"/>
@@ -3695,6 +3695,158 @@
         </a:p>
       </dgm:t>
     </dgm:pt>
+    <dgm:pt modelId="{084BD119-9D83-0C42-AF16-BF9B1F0889B2}">
+      <dgm:prSet/>
+      <dgm:spPr/>
+      <dgm:t>
+        <a:bodyPr/>
+        <a:lstStyle/>
+        <a:p>
+          <a:r>
+            <a:rPr lang="en-US" dirty="0" smtClean="0"/>
+            <a:t>Localization</a:t>
+          </a:r>
+          <a:endParaRPr lang="en-US" dirty="0"/>
+        </a:p>
+      </dgm:t>
+    </dgm:pt>
+    <dgm:pt modelId="{D587217C-2A83-1548-883E-2EFBFF3AE070}" type="parTrans" cxnId="{22E7E96A-6AB8-7C47-BDD1-2F89B7BB9ED5}">
+      <dgm:prSet/>
+      <dgm:spPr/>
+      <dgm:t>
+        <a:bodyPr/>
+        <a:lstStyle/>
+        <a:p>
+          <a:endParaRPr lang="en-US"/>
+        </a:p>
+      </dgm:t>
+    </dgm:pt>
+    <dgm:pt modelId="{462AB36D-E1B3-6147-AFCB-A2C449E5C2DB}" type="sibTrans" cxnId="{22E7E96A-6AB8-7C47-BDD1-2F89B7BB9ED5}">
+      <dgm:prSet/>
+      <dgm:spPr/>
+      <dgm:t>
+        <a:bodyPr/>
+        <a:lstStyle/>
+        <a:p>
+          <a:endParaRPr lang="en-US"/>
+        </a:p>
+      </dgm:t>
+    </dgm:pt>
+    <dgm:pt modelId="{B725634D-9612-D143-9B8A-1F4BA8FC94EF}">
+      <dgm:prSet/>
+      <dgm:spPr/>
+      <dgm:t>
+        <a:bodyPr/>
+        <a:lstStyle/>
+        <a:p>
+          <a:r>
+            <a:rPr lang="en-US" dirty="0" smtClean="0"/>
+            <a:t>Group Info</a:t>
+          </a:r>
+          <a:endParaRPr lang="en-US" dirty="0"/>
+        </a:p>
+      </dgm:t>
+    </dgm:pt>
+    <dgm:pt modelId="{16FADB52-14F6-2E4E-AC58-BF34A922F125}" type="parTrans" cxnId="{EF7FBE96-632F-9E43-B51D-4AC43C5CF428}">
+      <dgm:prSet/>
+      <dgm:spPr/>
+      <dgm:t>
+        <a:bodyPr/>
+        <a:lstStyle/>
+        <a:p>
+          <a:endParaRPr lang="en-US"/>
+        </a:p>
+      </dgm:t>
+    </dgm:pt>
+    <dgm:pt modelId="{8037F5A5-CB5F-C348-9C24-D025F5454818}" type="sibTrans" cxnId="{EF7FBE96-632F-9E43-B51D-4AC43C5CF428}">
+      <dgm:prSet/>
+      <dgm:spPr/>
+      <dgm:t>
+        <a:bodyPr/>
+        <a:lstStyle/>
+        <a:p>
+          <a:endParaRPr lang="en-US"/>
+        </a:p>
+      </dgm:t>
+    </dgm:pt>
+    <dgm:pt modelId="{BA01AD93-52BD-CC42-890B-2DE72FC01A42}">
+      <dgm:prSet/>
+      <dgm:spPr/>
+      <dgm:t>
+        <a:bodyPr/>
+        <a:lstStyle/>
+        <a:p>
+          <a:r>
+            <a:rPr lang="en-US" dirty="0" smtClean="0"/>
+            <a:t>Group Items</a:t>
+          </a:r>
+          <a:endParaRPr lang="en-US" dirty="0"/>
+        </a:p>
+      </dgm:t>
+    </dgm:pt>
+    <dgm:pt modelId="{40A9AB8F-2863-FD44-83EB-AC2EC30F8ACD}" type="parTrans" cxnId="{66AC96E7-D6B7-E140-88AE-E6A3DBA694C9}">
+      <dgm:prSet/>
+      <dgm:spPr/>
+      <dgm:t>
+        <a:bodyPr/>
+        <a:lstStyle/>
+        <a:p>
+          <a:endParaRPr lang="en-US"/>
+        </a:p>
+      </dgm:t>
+    </dgm:pt>
+    <dgm:pt modelId="{02D89CA1-D01F-5C43-B577-1FECE3873161}" type="sibTrans" cxnId="{66AC96E7-D6B7-E140-88AE-E6A3DBA694C9}">
+      <dgm:prSet/>
+      <dgm:spPr/>
+      <dgm:t>
+        <a:bodyPr/>
+        <a:lstStyle/>
+        <a:p>
+          <a:endParaRPr lang="en-US"/>
+        </a:p>
+      </dgm:t>
+    </dgm:pt>
+    <dgm:pt modelId="{6D1F3F87-943C-0848-812A-DDC1880D987F}">
+      <dgm:prSet/>
+      <dgm:spPr/>
+      <dgm:t>
+        <a:bodyPr/>
+        <a:lstStyle/>
+        <a:p>
+          <a:r>
+            <a:rPr lang="en-US" dirty="0" err="1" smtClean="0"/>
+            <a:t>Webmap</a:t>
+          </a:r>
+          <a:r>
+            <a:rPr lang="en-US" dirty="0" smtClean="0"/>
+            <a:t> Item</a:t>
+          </a:r>
+          <a:endParaRPr lang="en-US" dirty="0"/>
+        </a:p>
+      </dgm:t>
+    </dgm:pt>
+    <dgm:pt modelId="{4AF3EC19-3E69-254F-939A-43EF8B1BB5B4}" type="parTrans" cxnId="{80688565-53DA-CD48-A5D4-B015FFFDD1D7}">
+      <dgm:prSet/>
+      <dgm:spPr/>
+      <dgm:t>
+        <a:bodyPr/>
+        <a:lstStyle/>
+        <a:p>
+          <a:endParaRPr lang="en-US"/>
+        </a:p>
+      </dgm:t>
+    </dgm:pt>
+    <dgm:pt modelId="{41B1D054-F0D4-B847-8169-2659FD194CEB}" type="sibTrans" cxnId="{80688565-53DA-CD48-A5D4-B015FFFDD1D7}">
+      <dgm:prSet/>
+      <dgm:spPr/>
+      <dgm:t>
+        <a:bodyPr/>
+        <a:lstStyle/>
+        <a:p>
+          <a:endParaRPr lang="en-US"/>
+        </a:p>
+      </dgm:t>
+    </dgm:pt>
     <dgm:pt modelId="{6CB31142-5EF1-D343-AA3A-1696A47FAB7A}" type="pres">
       <dgm:prSet presAssocID="{08E54ECB-9517-A345-A1A6-FCB13B1D9F7A}" presName="Name0" presStyleCnt="0">
         <dgm:presLayoutVars>
@@ -3705,7 +3857,7 @@
       <dgm:spPr/>
     </dgm:pt>
     <dgm:pt modelId="{7FB6FC54-5AC3-FF4C-BCA1-537FCB5AF275}" type="pres">
-      <dgm:prSet presAssocID="{8EA9C801-76E9-6A48-AB99-8B5612F3CACD}" presName="node" presStyleLbl="node1" presStyleIdx="0" presStyleCnt="4">
+      <dgm:prSet presAssocID="{8EA9C801-76E9-6A48-AB99-8B5612F3CACD}" presName="node" presStyleLbl="node1" presStyleIdx="0" presStyleCnt="8">
         <dgm:presLayoutVars>
           <dgm:bulletEnabled val="1"/>
         </dgm:presLayoutVars>
@@ -3720,7 +3872,7 @@
       </dgm:t>
     </dgm:pt>
     <dgm:pt modelId="{514F042E-B533-444E-AD23-EEC170E9106B}" type="pres">
-      <dgm:prSet presAssocID="{86357CF9-32CD-CB45-8285-89E41A2404E2}" presName="sibTrans" presStyleLbl="sibTrans2D1" presStyleIdx="0" presStyleCnt="3"/>
+      <dgm:prSet presAssocID="{86357CF9-32CD-CB45-8285-89E41A2404E2}" presName="sibTrans" presStyleLbl="sibTrans2D1" presStyleIdx="0" presStyleCnt="7"/>
       <dgm:spPr/>
       <dgm:t>
         <a:bodyPr/>
@@ -3731,7 +3883,7 @@
       </dgm:t>
     </dgm:pt>
     <dgm:pt modelId="{0479FFE0-93F1-8248-ACA9-769C6992DADB}" type="pres">
-      <dgm:prSet presAssocID="{86357CF9-32CD-CB45-8285-89E41A2404E2}" presName="connectorText" presStyleLbl="sibTrans2D1" presStyleIdx="0" presStyleCnt="3"/>
+      <dgm:prSet presAssocID="{86357CF9-32CD-CB45-8285-89E41A2404E2}" presName="connectorText" presStyleLbl="sibTrans2D1" presStyleIdx="0" presStyleCnt="7"/>
       <dgm:spPr/>
       <dgm:t>
         <a:bodyPr/>
@@ -3741,8 +3893,77 @@
         </a:p>
       </dgm:t>
     </dgm:pt>
+    <dgm:pt modelId="{87D803E3-EB89-BC47-9037-0610E99B4F6F}" type="pres">
+      <dgm:prSet presAssocID="{6D1F3F87-943C-0848-812A-DDC1880D987F}" presName="node" presStyleLbl="node1" presStyleIdx="1" presStyleCnt="8">
+        <dgm:presLayoutVars>
+          <dgm:bulletEnabled val="1"/>
+        </dgm:presLayoutVars>
+      </dgm:prSet>
+      <dgm:spPr/>
+      <dgm:t>
+        <a:bodyPr/>
+        <a:lstStyle/>
+        <a:p>
+          <a:endParaRPr lang="en-US"/>
+        </a:p>
+      </dgm:t>
+    </dgm:pt>
+    <dgm:pt modelId="{5BCFA16E-CCDF-644A-9C7E-4482157A7136}" type="pres">
+      <dgm:prSet presAssocID="{41B1D054-F0D4-B847-8169-2659FD194CEB}" presName="sibTrans" presStyleLbl="sibTrans2D1" presStyleIdx="1" presStyleCnt="7"/>
+      <dgm:spPr/>
+    </dgm:pt>
+    <dgm:pt modelId="{17D90017-9F6A-A049-986C-8F506B116FD6}" type="pres">
+      <dgm:prSet presAssocID="{41B1D054-F0D4-B847-8169-2659FD194CEB}" presName="connectorText" presStyleLbl="sibTrans2D1" presStyleIdx="1" presStyleCnt="7"/>
+      <dgm:spPr/>
+    </dgm:pt>
+    <dgm:pt modelId="{4C6D66A1-89C2-5045-9CF6-AE19FF69C2E4}" type="pres">
+      <dgm:prSet presAssocID="{BA01AD93-52BD-CC42-890B-2DE72FC01A42}" presName="node" presStyleLbl="node1" presStyleIdx="2" presStyleCnt="8">
+        <dgm:presLayoutVars>
+          <dgm:bulletEnabled val="1"/>
+        </dgm:presLayoutVars>
+      </dgm:prSet>
+      <dgm:spPr/>
+      <dgm:t>
+        <a:bodyPr/>
+        <a:lstStyle/>
+        <a:p>
+          <a:endParaRPr lang="en-US"/>
+        </a:p>
+      </dgm:t>
+    </dgm:pt>
+    <dgm:pt modelId="{322E1A56-CEEF-1842-B9B3-2F1A14649CBB}" type="pres">
+      <dgm:prSet presAssocID="{02D89CA1-D01F-5C43-B577-1FECE3873161}" presName="sibTrans" presStyleLbl="sibTrans2D1" presStyleIdx="2" presStyleCnt="7"/>
+      <dgm:spPr/>
+    </dgm:pt>
+    <dgm:pt modelId="{B81CB57E-AF36-B841-AFEC-D750065D705E}" type="pres">
+      <dgm:prSet presAssocID="{02D89CA1-D01F-5C43-B577-1FECE3873161}" presName="connectorText" presStyleLbl="sibTrans2D1" presStyleIdx="2" presStyleCnt="7"/>
+      <dgm:spPr/>
+    </dgm:pt>
+    <dgm:pt modelId="{5920BD7D-0322-AB4C-BE49-E37C38368DCC}" type="pres">
+      <dgm:prSet presAssocID="{B725634D-9612-D143-9B8A-1F4BA8FC94EF}" presName="node" presStyleLbl="node1" presStyleIdx="3" presStyleCnt="8">
+        <dgm:presLayoutVars>
+          <dgm:bulletEnabled val="1"/>
+        </dgm:presLayoutVars>
+      </dgm:prSet>
+      <dgm:spPr/>
+      <dgm:t>
+        <a:bodyPr/>
+        <a:lstStyle/>
+        <a:p>
+          <a:endParaRPr lang="en-US"/>
+        </a:p>
+      </dgm:t>
+    </dgm:pt>
+    <dgm:pt modelId="{B1B64BFB-4A9D-7248-A990-B9ADA5557F79}" type="pres">
+      <dgm:prSet presAssocID="{8037F5A5-CB5F-C348-9C24-D025F5454818}" presName="sibTrans" presStyleLbl="sibTrans2D1" presStyleIdx="3" presStyleCnt="7"/>
+      <dgm:spPr/>
+    </dgm:pt>
+    <dgm:pt modelId="{15B3EA7A-CA85-0B43-89DD-48258819E549}" type="pres">
+      <dgm:prSet presAssocID="{8037F5A5-CB5F-C348-9C24-D025F5454818}" presName="connectorText" presStyleLbl="sibTrans2D1" presStyleIdx="3" presStyleCnt="7"/>
+      <dgm:spPr/>
+    </dgm:pt>
     <dgm:pt modelId="{08021080-8440-2348-BBF8-2151E19C7BAF}" type="pres">
-      <dgm:prSet presAssocID="{F9173228-3A3E-EA49-A3BC-761DC46ABA3A}" presName="node" presStyleLbl="node1" presStyleIdx="1" presStyleCnt="4">
+      <dgm:prSet presAssocID="{F9173228-3A3E-EA49-A3BC-761DC46ABA3A}" presName="node" presStyleLbl="node1" presStyleIdx="4" presStyleCnt="8">
         <dgm:presLayoutVars>
           <dgm:bulletEnabled val="1"/>
         </dgm:presLayoutVars>
@@ -3757,7 +3978,7 @@
       </dgm:t>
     </dgm:pt>
     <dgm:pt modelId="{DD442D23-0A48-BC4C-BE1C-928FDDFFF2B9}" type="pres">
-      <dgm:prSet presAssocID="{6CDDC22F-B390-BC4E-B054-CA58445F957A}" presName="sibTrans" presStyleLbl="sibTrans2D1" presStyleIdx="1" presStyleCnt="3"/>
+      <dgm:prSet presAssocID="{6CDDC22F-B390-BC4E-B054-CA58445F957A}" presName="sibTrans" presStyleLbl="sibTrans2D1" presStyleIdx="4" presStyleCnt="7"/>
       <dgm:spPr/>
       <dgm:t>
         <a:bodyPr/>
@@ -3768,7 +3989,7 @@
       </dgm:t>
     </dgm:pt>
     <dgm:pt modelId="{81C71DB6-4FFD-8D46-A23A-E4547AB2CF14}" type="pres">
-      <dgm:prSet presAssocID="{6CDDC22F-B390-BC4E-B054-CA58445F957A}" presName="connectorText" presStyleLbl="sibTrans2D1" presStyleIdx="1" presStyleCnt="3"/>
+      <dgm:prSet presAssocID="{6CDDC22F-B390-BC4E-B054-CA58445F957A}" presName="connectorText" presStyleLbl="sibTrans2D1" presStyleIdx="4" presStyleCnt="7"/>
       <dgm:spPr/>
       <dgm:t>
         <a:bodyPr/>
@@ -3779,7 +4000,7 @@
       </dgm:t>
     </dgm:pt>
     <dgm:pt modelId="{4A8E0414-497C-F54A-AE02-48206D011499}" type="pres">
-      <dgm:prSet presAssocID="{2AA78337-0235-DA48-A96D-081D3368F6BF}" presName="node" presStyleLbl="node1" presStyleIdx="2" presStyleCnt="4">
+      <dgm:prSet presAssocID="{2AA78337-0235-DA48-A96D-081D3368F6BF}" presName="node" presStyleLbl="node1" presStyleIdx="5" presStyleCnt="8">
         <dgm:presLayoutVars>
           <dgm:bulletEnabled val="1"/>
         </dgm:presLayoutVars>
@@ -3794,7 +4015,7 @@
       </dgm:t>
     </dgm:pt>
     <dgm:pt modelId="{7BA6AFF8-01FB-574D-A406-4817CC5DEECD}" type="pres">
-      <dgm:prSet presAssocID="{CE562522-21D6-B040-843A-26C246D957D9}" presName="sibTrans" presStyleLbl="sibTrans2D1" presStyleIdx="2" presStyleCnt="3"/>
+      <dgm:prSet presAssocID="{CE562522-21D6-B040-843A-26C246D957D9}" presName="sibTrans" presStyleLbl="sibTrans2D1" presStyleIdx="5" presStyleCnt="7"/>
       <dgm:spPr/>
       <dgm:t>
         <a:bodyPr/>
@@ -3805,7 +4026,7 @@
       </dgm:t>
     </dgm:pt>
     <dgm:pt modelId="{0692C0CE-CD73-B242-A4C1-1E3A6E1E5F9D}" type="pres">
-      <dgm:prSet presAssocID="{CE562522-21D6-B040-843A-26C246D957D9}" presName="connectorText" presStyleLbl="sibTrans2D1" presStyleIdx="2" presStyleCnt="3"/>
+      <dgm:prSet presAssocID="{CE562522-21D6-B040-843A-26C246D957D9}" presName="connectorText" presStyleLbl="sibTrans2D1" presStyleIdx="5" presStyleCnt="7"/>
       <dgm:spPr/>
       <dgm:t>
         <a:bodyPr/>
@@ -3815,8 +4036,31 @@
         </a:p>
       </dgm:t>
     </dgm:pt>
+    <dgm:pt modelId="{1A110707-564F-8949-BA63-EFB62FE4A89A}" type="pres">
+      <dgm:prSet presAssocID="{084BD119-9D83-0C42-AF16-BF9B1F0889B2}" presName="node" presStyleLbl="node1" presStyleIdx="6" presStyleCnt="8">
+        <dgm:presLayoutVars>
+          <dgm:bulletEnabled val="1"/>
+        </dgm:presLayoutVars>
+      </dgm:prSet>
+      <dgm:spPr/>
+      <dgm:t>
+        <a:bodyPr/>
+        <a:lstStyle/>
+        <a:p>
+          <a:endParaRPr lang="en-US"/>
+        </a:p>
+      </dgm:t>
+    </dgm:pt>
+    <dgm:pt modelId="{D87BB7E4-563E-8B47-87CF-5C66BB3E1766}" type="pres">
+      <dgm:prSet presAssocID="{462AB36D-E1B3-6147-AFCB-A2C449E5C2DB}" presName="sibTrans" presStyleLbl="sibTrans2D1" presStyleIdx="6" presStyleCnt="7"/>
+      <dgm:spPr/>
+    </dgm:pt>
+    <dgm:pt modelId="{BE25B0AC-AB8F-1048-B676-1B6F35D3151A}" type="pres">
+      <dgm:prSet presAssocID="{462AB36D-E1B3-6147-AFCB-A2C449E5C2DB}" presName="connectorText" presStyleLbl="sibTrans2D1" presStyleIdx="6" presStyleCnt="7"/>
+      <dgm:spPr/>
+    </dgm:pt>
     <dgm:pt modelId="{2C5E49C2-67BA-C04A-B93E-53C81992EB48}" type="pres">
-      <dgm:prSet presAssocID="{ACED6185-D1EA-E841-94D0-FA658C08E905}" presName="node" presStyleLbl="node1" presStyleIdx="3" presStyleCnt="4">
+      <dgm:prSet presAssocID="{ACED6185-D1EA-E841-94D0-FA658C08E905}" presName="node" presStyleLbl="node1" presStyleIdx="7" presStyleCnt="8">
         <dgm:presLayoutVars>
           <dgm:bulletEnabled val="1"/>
         </dgm:presLayoutVars>
@@ -3832,31 +4076,59 @@
     </dgm:pt>
   </dgm:ptLst>
   <dgm:cxnLst>
+    <dgm:cxn modelId="{CB1EE71B-CFDC-C541-A3AD-B10F7ADC1391}" type="presOf" srcId="{6CDDC22F-B390-BC4E-B054-CA58445F957A}" destId="{DD442D23-0A48-BC4C-BE1C-928FDDFFF2B9}" srcOrd="0" destOrd="0" presId="urn:microsoft.com/office/officeart/2005/8/layout/process1"/>
+    <dgm:cxn modelId="{2BACA9F3-C421-7141-9766-B25A2733CE08}" type="presOf" srcId="{41B1D054-F0D4-B847-8169-2659FD194CEB}" destId="{17D90017-9F6A-A049-986C-8F506B116FD6}" srcOrd="1" destOrd="0" presId="urn:microsoft.com/office/officeart/2005/8/layout/process1"/>
+    <dgm:cxn modelId="{193A3540-6971-2147-A103-E3E197AFB02D}" type="presOf" srcId="{2AA78337-0235-DA48-A96D-081D3368F6BF}" destId="{4A8E0414-497C-F54A-AE02-48206D011499}" srcOrd="0" destOrd="0" presId="urn:microsoft.com/office/officeart/2005/8/layout/process1"/>
+    <dgm:cxn modelId="{2997C465-C4BD-B945-BCE1-D6A83EF8B179}" type="presOf" srcId="{6CDDC22F-B390-BC4E-B054-CA58445F957A}" destId="{81C71DB6-4FFD-8D46-A23A-E4547AB2CF14}" srcOrd="1" destOrd="0" presId="urn:microsoft.com/office/officeart/2005/8/layout/process1"/>
+    <dgm:cxn modelId="{C74DFA76-8D69-DE40-BEDA-DA28A336032D}" srcId="{08E54ECB-9517-A345-A1A6-FCB13B1D9F7A}" destId="{2AA78337-0235-DA48-A96D-081D3368F6BF}" srcOrd="5" destOrd="0" parTransId="{A56974B8-1563-7646-8C32-4074AC3B63D2}" sibTransId="{CE562522-21D6-B040-843A-26C246D957D9}"/>
+    <dgm:cxn modelId="{BBBFACFC-FBDA-B444-8F8F-3B810F3C5F68}" type="presOf" srcId="{02D89CA1-D01F-5C43-B577-1FECE3873161}" destId="{322E1A56-CEEF-1842-B9B3-2F1A14649CBB}" srcOrd="0" destOrd="0" presId="urn:microsoft.com/office/officeart/2005/8/layout/process1"/>
+    <dgm:cxn modelId="{1CADCD1C-479F-7D42-98F2-2F8331106313}" type="presOf" srcId="{CE562522-21D6-B040-843A-26C246D957D9}" destId="{7BA6AFF8-01FB-574D-A406-4817CC5DEECD}" srcOrd="0" destOrd="0" presId="urn:microsoft.com/office/officeart/2005/8/layout/process1"/>
+    <dgm:cxn modelId="{2CEF6358-3A86-7845-9617-709C698FBFE1}" type="presOf" srcId="{B725634D-9612-D143-9B8A-1F4BA8FC94EF}" destId="{5920BD7D-0322-AB4C-BE49-E37C38368DCC}" srcOrd="0" destOrd="0" presId="urn:microsoft.com/office/officeart/2005/8/layout/process1"/>
+    <dgm:cxn modelId="{36B8B178-95C4-4549-AEAC-2CD6D860589A}" type="presOf" srcId="{86357CF9-32CD-CB45-8285-89E41A2404E2}" destId="{0479FFE0-93F1-8248-ACA9-769C6992DADB}" srcOrd="1" destOrd="0" presId="urn:microsoft.com/office/officeart/2005/8/layout/process1"/>
+    <dgm:cxn modelId="{C1FF2FF0-03DD-254E-9D9C-6E5AC96E30D6}" type="presOf" srcId="{41B1D054-F0D4-B847-8169-2659FD194CEB}" destId="{5BCFA16E-CCDF-644A-9C7E-4482157A7136}" srcOrd="0" destOrd="0" presId="urn:microsoft.com/office/officeart/2005/8/layout/process1"/>
+    <dgm:cxn modelId="{F48D43B1-478A-E641-AF94-1F387FB6D136}" type="presOf" srcId="{084BD119-9D83-0C42-AF16-BF9B1F0889B2}" destId="{1A110707-564F-8949-BA63-EFB62FE4A89A}" srcOrd="0" destOrd="0" presId="urn:microsoft.com/office/officeart/2005/8/layout/process1"/>
+    <dgm:cxn modelId="{503AD609-5D34-8A44-B424-840EF14F5100}" type="presOf" srcId="{ACED6185-D1EA-E841-94D0-FA658C08E905}" destId="{2C5E49C2-67BA-C04A-B93E-53C81992EB48}" srcOrd="0" destOrd="0" presId="urn:microsoft.com/office/officeart/2005/8/layout/process1"/>
+    <dgm:cxn modelId="{2B4DC71C-9CBE-B842-9A15-C8E3842F4DC3}" srcId="{08E54ECB-9517-A345-A1A6-FCB13B1D9F7A}" destId="{F9173228-3A3E-EA49-A3BC-761DC46ABA3A}" srcOrd="4" destOrd="0" parTransId="{5060515D-3887-894D-AB41-56E1882B6BFC}" sibTransId="{6CDDC22F-B390-BC4E-B054-CA58445F957A}"/>
+    <dgm:cxn modelId="{85B3EB2C-49D8-3B41-BF15-E54976CB7B63}" type="presOf" srcId="{86357CF9-32CD-CB45-8285-89E41A2404E2}" destId="{514F042E-B533-444E-AD23-EEC170E9106B}" srcOrd="0" destOrd="0" presId="urn:microsoft.com/office/officeart/2005/8/layout/process1"/>
+    <dgm:cxn modelId="{AC255C3B-7113-7643-B418-CF424915DC71}" type="presOf" srcId="{8EA9C801-76E9-6A48-AB99-8B5612F3CACD}" destId="{7FB6FC54-5AC3-FF4C-BCA1-537FCB5AF275}" srcOrd="0" destOrd="0" presId="urn:microsoft.com/office/officeart/2005/8/layout/process1"/>
+    <dgm:cxn modelId="{FEAB9250-F2D5-5241-9E5B-D1ED897B2B0A}" type="presOf" srcId="{02D89CA1-D01F-5C43-B577-1FECE3873161}" destId="{B81CB57E-AF36-B841-AFEC-D750065D705E}" srcOrd="1" destOrd="0" presId="urn:microsoft.com/office/officeart/2005/8/layout/process1"/>
+    <dgm:cxn modelId="{4950661D-2C49-754C-9A6A-89A6F5666367}" type="presOf" srcId="{BA01AD93-52BD-CC42-890B-2DE72FC01A42}" destId="{4C6D66A1-89C2-5045-9CF6-AE19FF69C2E4}" srcOrd="0" destOrd="0" presId="urn:microsoft.com/office/officeart/2005/8/layout/process1"/>
+    <dgm:cxn modelId="{EF7FBE96-632F-9E43-B51D-4AC43C5CF428}" srcId="{08E54ECB-9517-A345-A1A6-FCB13B1D9F7A}" destId="{B725634D-9612-D143-9B8A-1F4BA8FC94EF}" srcOrd="3" destOrd="0" parTransId="{16FADB52-14F6-2E4E-AC58-BF34A922F125}" sibTransId="{8037F5A5-CB5F-C348-9C24-D025F5454818}"/>
+    <dgm:cxn modelId="{0F4F47FB-3A45-8944-B272-E98A4910AFCA}" type="presOf" srcId="{8037F5A5-CB5F-C348-9C24-D025F5454818}" destId="{15B3EA7A-CA85-0B43-89DD-48258819E549}" srcOrd="1" destOrd="0" presId="urn:microsoft.com/office/officeart/2005/8/layout/process1"/>
+    <dgm:cxn modelId="{E8068B93-F769-A741-9F98-C139BFB05B44}" type="presOf" srcId="{8037F5A5-CB5F-C348-9C24-D025F5454818}" destId="{B1B64BFB-4A9D-7248-A990-B9ADA5557F79}" srcOrd="0" destOrd="0" presId="urn:microsoft.com/office/officeart/2005/8/layout/process1"/>
+    <dgm:cxn modelId="{4CD43B59-CB61-DE45-A9F9-FA343F057BC2}" type="presOf" srcId="{462AB36D-E1B3-6147-AFCB-A2C449E5C2DB}" destId="{BE25B0AC-AB8F-1048-B676-1B6F35D3151A}" srcOrd="1" destOrd="0" presId="urn:microsoft.com/office/officeart/2005/8/layout/process1"/>
+    <dgm:cxn modelId="{54710C19-E1B2-5949-AD9F-7426A72791FF}" type="presOf" srcId="{08E54ECB-9517-A345-A1A6-FCB13B1D9F7A}" destId="{6CB31142-5EF1-D343-AA3A-1696A47FAB7A}" srcOrd="0" destOrd="0" presId="urn:microsoft.com/office/officeart/2005/8/layout/process1"/>
+    <dgm:cxn modelId="{C134308A-BB0C-6140-BA41-EC9027CDB4C9}" srcId="{08E54ECB-9517-A345-A1A6-FCB13B1D9F7A}" destId="{ACED6185-D1EA-E841-94D0-FA658C08E905}" srcOrd="7" destOrd="0" parTransId="{7D12F082-A350-9E4C-858E-2675761D3CDB}" sibTransId="{2FCDBDCD-D88E-E343-B9C1-7FBF0C85508B}"/>
+    <dgm:cxn modelId="{C1DC3D98-31F2-2F4F-8323-AC7CC1E4234E}" type="presOf" srcId="{462AB36D-E1B3-6147-AFCB-A2C449E5C2DB}" destId="{D87BB7E4-563E-8B47-87CF-5C66BB3E1766}" srcOrd="0" destOrd="0" presId="urn:microsoft.com/office/officeart/2005/8/layout/process1"/>
+    <dgm:cxn modelId="{80688565-53DA-CD48-A5D4-B015FFFDD1D7}" srcId="{08E54ECB-9517-A345-A1A6-FCB13B1D9F7A}" destId="{6D1F3F87-943C-0848-812A-DDC1880D987F}" srcOrd="1" destOrd="0" parTransId="{4AF3EC19-3E69-254F-939A-43EF8B1BB5B4}" sibTransId="{41B1D054-F0D4-B847-8169-2659FD194CEB}"/>
+    <dgm:cxn modelId="{61611C02-A877-BC4F-A5C4-8B615B8C39CE}" type="presOf" srcId="{F9173228-3A3E-EA49-A3BC-761DC46ABA3A}" destId="{08021080-8440-2348-BBF8-2151E19C7BAF}" srcOrd="0" destOrd="0" presId="urn:microsoft.com/office/officeart/2005/8/layout/process1"/>
+    <dgm:cxn modelId="{66AC96E7-D6B7-E140-88AE-E6A3DBA694C9}" srcId="{08E54ECB-9517-A345-A1A6-FCB13B1D9F7A}" destId="{BA01AD93-52BD-CC42-890B-2DE72FC01A42}" srcOrd="2" destOrd="0" parTransId="{40A9AB8F-2863-FD44-83EB-AC2EC30F8ACD}" sibTransId="{02D89CA1-D01F-5C43-B577-1FECE3873161}"/>
+    <dgm:cxn modelId="{22E7E96A-6AB8-7C47-BDD1-2F89B7BB9ED5}" srcId="{08E54ECB-9517-A345-A1A6-FCB13B1D9F7A}" destId="{084BD119-9D83-0C42-AF16-BF9B1F0889B2}" srcOrd="6" destOrd="0" parTransId="{D587217C-2A83-1548-883E-2EFBFF3AE070}" sibTransId="{462AB36D-E1B3-6147-AFCB-A2C449E5C2DB}"/>
     <dgm:cxn modelId="{84BA78C8-08B5-6743-BA00-C24AEFA14959}" srcId="{08E54ECB-9517-A345-A1A6-FCB13B1D9F7A}" destId="{8EA9C801-76E9-6A48-AB99-8B5612F3CACD}" srcOrd="0" destOrd="0" parTransId="{03DF6D97-ECF1-304D-8218-417E33B46855}" sibTransId="{86357CF9-32CD-CB45-8285-89E41A2404E2}"/>
-    <dgm:cxn modelId="{10F31083-F7D6-5E41-BCC8-B5160CB7D40A}" type="presOf" srcId="{CE562522-21D6-B040-843A-26C246D957D9}" destId="{7BA6AFF8-01FB-574D-A406-4817CC5DEECD}" srcOrd="0" destOrd="0" presId="urn:microsoft.com/office/officeart/2005/8/layout/process1"/>
-    <dgm:cxn modelId="{C134308A-BB0C-6140-BA41-EC9027CDB4C9}" srcId="{08E54ECB-9517-A345-A1A6-FCB13B1D9F7A}" destId="{ACED6185-D1EA-E841-94D0-FA658C08E905}" srcOrd="3" destOrd="0" parTransId="{7D12F082-A350-9E4C-858E-2675761D3CDB}" sibTransId="{2FCDBDCD-D88E-E343-B9C1-7FBF0C85508B}"/>
-    <dgm:cxn modelId="{C74DFA76-8D69-DE40-BEDA-DA28A336032D}" srcId="{08E54ECB-9517-A345-A1A6-FCB13B1D9F7A}" destId="{2AA78337-0235-DA48-A96D-081D3368F6BF}" srcOrd="2" destOrd="0" parTransId="{A56974B8-1563-7646-8C32-4074AC3B63D2}" sibTransId="{CE562522-21D6-B040-843A-26C246D957D9}"/>
-    <dgm:cxn modelId="{8EAA1F9B-BB76-7F4D-9387-EBECC23B1BEF}" type="presOf" srcId="{2AA78337-0235-DA48-A96D-081D3368F6BF}" destId="{4A8E0414-497C-F54A-AE02-48206D011499}" srcOrd="0" destOrd="0" presId="urn:microsoft.com/office/officeart/2005/8/layout/process1"/>
-    <dgm:cxn modelId="{A1ED9141-F236-D843-AB52-A77C389B5D7D}" type="presOf" srcId="{CE562522-21D6-B040-843A-26C246D957D9}" destId="{0692C0CE-CD73-B242-A4C1-1E3A6E1E5F9D}" srcOrd="1" destOrd="0" presId="urn:microsoft.com/office/officeart/2005/8/layout/process1"/>
-    <dgm:cxn modelId="{0F480CFA-95BA-0248-BEA1-228EF867E45D}" type="presOf" srcId="{6CDDC22F-B390-BC4E-B054-CA58445F957A}" destId="{DD442D23-0A48-BC4C-BE1C-928FDDFFF2B9}" srcOrd="0" destOrd="0" presId="urn:microsoft.com/office/officeart/2005/8/layout/process1"/>
-    <dgm:cxn modelId="{A61C398B-C47C-A14E-B4F1-EEF67B66E407}" type="presOf" srcId="{86357CF9-32CD-CB45-8285-89E41A2404E2}" destId="{514F042E-B533-444E-AD23-EEC170E9106B}" srcOrd="0" destOrd="0" presId="urn:microsoft.com/office/officeart/2005/8/layout/process1"/>
-    <dgm:cxn modelId="{54710C19-E1B2-5949-AD9F-7426A72791FF}" type="presOf" srcId="{08E54ECB-9517-A345-A1A6-FCB13B1D9F7A}" destId="{6CB31142-5EF1-D343-AA3A-1696A47FAB7A}" srcOrd="0" destOrd="0" presId="urn:microsoft.com/office/officeart/2005/8/layout/process1"/>
-    <dgm:cxn modelId="{EAF9E738-76F6-BC42-96F2-604784491AE9}" type="presOf" srcId="{86357CF9-32CD-CB45-8285-89E41A2404E2}" destId="{0479FFE0-93F1-8248-ACA9-769C6992DADB}" srcOrd="1" destOrd="0" presId="urn:microsoft.com/office/officeart/2005/8/layout/process1"/>
-    <dgm:cxn modelId="{B277DBB8-9DAC-F840-A57F-08D699C30A4E}" type="presOf" srcId="{F9173228-3A3E-EA49-A3BC-761DC46ABA3A}" destId="{08021080-8440-2348-BBF8-2151E19C7BAF}" srcOrd="0" destOrd="0" presId="urn:microsoft.com/office/officeart/2005/8/layout/process1"/>
-    <dgm:cxn modelId="{CE5934DB-8614-CC43-BF55-632536ACE5B6}" type="presOf" srcId="{8EA9C801-76E9-6A48-AB99-8B5612F3CACD}" destId="{7FB6FC54-5AC3-FF4C-BCA1-537FCB5AF275}" srcOrd="0" destOrd="0" presId="urn:microsoft.com/office/officeart/2005/8/layout/process1"/>
-    <dgm:cxn modelId="{50441249-DF82-7841-90D4-47F0BDBFFFF6}" type="presOf" srcId="{6CDDC22F-B390-BC4E-B054-CA58445F957A}" destId="{81C71DB6-4FFD-8D46-A23A-E4547AB2CF14}" srcOrd="1" destOrd="0" presId="urn:microsoft.com/office/officeart/2005/8/layout/process1"/>
-    <dgm:cxn modelId="{84AC0D2C-DAC8-0D46-ADF6-9DBAE8BF0BEA}" type="presOf" srcId="{ACED6185-D1EA-E841-94D0-FA658C08E905}" destId="{2C5E49C2-67BA-C04A-B93E-53C81992EB48}" srcOrd="0" destOrd="0" presId="urn:microsoft.com/office/officeart/2005/8/layout/process1"/>
-    <dgm:cxn modelId="{2B4DC71C-9CBE-B842-9A15-C8E3842F4DC3}" srcId="{08E54ECB-9517-A345-A1A6-FCB13B1D9F7A}" destId="{F9173228-3A3E-EA49-A3BC-761DC46ABA3A}" srcOrd="1" destOrd="0" parTransId="{5060515D-3887-894D-AB41-56E1882B6BFC}" sibTransId="{6CDDC22F-B390-BC4E-B054-CA58445F957A}"/>
-    <dgm:cxn modelId="{CD8A4FAC-4E0F-3447-9033-C1579AE93729}" type="presParOf" srcId="{6CB31142-5EF1-D343-AA3A-1696A47FAB7A}" destId="{7FB6FC54-5AC3-FF4C-BCA1-537FCB5AF275}" srcOrd="0" destOrd="0" presId="urn:microsoft.com/office/officeart/2005/8/layout/process1"/>
-    <dgm:cxn modelId="{987E0ED5-D4FD-B349-92DD-77CD4F0BA114}" type="presParOf" srcId="{6CB31142-5EF1-D343-AA3A-1696A47FAB7A}" destId="{514F042E-B533-444E-AD23-EEC170E9106B}" srcOrd="1" destOrd="0" presId="urn:microsoft.com/office/officeart/2005/8/layout/process1"/>
-    <dgm:cxn modelId="{B0627518-C6C8-B145-998A-DE1F5BDC24E6}" type="presParOf" srcId="{514F042E-B533-444E-AD23-EEC170E9106B}" destId="{0479FFE0-93F1-8248-ACA9-769C6992DADB}" srcOrd="0" destOrd="0" presId="urn:microsoft.com/office/officeart/2005/8/layout/process1"/>
-    <dgm:cxn modelId="{38D2CBA0-0968-9F48-B803-9C912EFAFB55}" type="presParOf" srcId="{6CB31142-5EF1-D343-AA3A-1696A47FAB7A}" destId="{08021080-8440-2348-BBF8-2151E19C7BAF}" srcOrd="2" destOrd="0" presId="urn:microsoft.com/office/officeart/2005/8/layout/process1"/>
-    <dgm:cxn modelId="{887051A5-3B97-9C47-8664-B399BBF717DA}" type="presParOf" srcId="{6CB31142-5EF1-D343-AA3A-1696A47FAB7A}" destId="{DD442D23-0A48-BC4C-BE1C-928FDDFFF2B9}" srcOrd="3" destOrd="0" presId="urn:microsoft.com/office/officeart/2005/8/layout/process1"/>
-    <dgm:cxn modelId="{89E07B5D-3159-1E46-8827-28F879780F71}" type="presParOf" srcId="{DD442D23-0A48-BC4C-BE1C-928FDDFFF2B9}" destId="{81C71DB6-4FFD-8D46-A23A-E4547AB2CF14}" srcOrd="0" destOrd="0" presId="urn:microsoft.com/office/officeart/2005/8/layout/process1"/>
-    <dgm:cxn modelId="{0E4DEE48-1294-AE4F-9008-D474D0734712}" type="presParOf" srcId="{6CB31142-5EF1-D343-AA3A-1696A47FAB7A}" destId="{4A8E0414-497C-F54A-AE02-48206D011499}" srcOrd="4" destOrd="0" presId="urn:microsoft.com/office/officeart/2005/8/layout/process1"/>
-    <dgm:cxn modelId="{A742E3AF-8CF1-F84F-B703-9B82241DD9DA}" type="presParOf" srcId="{6CB31142-5EF1-D343-AA3A-1696A47FAB7A}" destId="{7BA6AFF8-01FB-574D-A406-4817CC5DEECD}" srcOrd="5" destOrd="0" presId="urn:microsoft.com/office/officeart/2005/8/layout/process1"/>
-    <dgm:cxn modelId="{DF0CECD4-044F-DB4C-BF1B-5FF30EB7A586}" type="presParOf" srcId="{7BA6AFF8-01FB-574D-A406-4817CC5DEECD}" destId="{0692C0CE-CD73-B242-A4C1-1E3A6E1E5F9D}" srcOrd="0" destOrd="0" presId="urn:microsoft.com/office/officeart/2005/8/layout/process1"/>
-    <dgm:cxn modelId="{6378110F-06CA-5A47-98B1-BAA41167497E}" type="presParOf" srcId="{6CB31142-5EF1-D343-AA3A-1696A47FAB7A}" destId="{2C5E49C2-67BA-C04A-B93E-53C81992EB48}" srcOrd="6" destOrd="0" presId="urn:microsoft.com/office/officeart/2005/8/layout/process1"/>
+    <dgm:cxn modelId="{1F43EFDD-4DC4-FB4C-BB54-4C68845F4AA8}" type="presOf" srcId="{CE562522-21D6-B040-843A-26C246D957D9}" destId="{0692C0CE-CD73-B242-A4C1-1E3A6E1E5F9D}" srcOrd="1" destOrd="0" presId="urn:microsoft.com/office/officeart/2005/8/layout/process1"/>
+    <dgm:cxn modelId="{C741E381-7733-5846-B494-CD849A3EBDE9}" type="presOf" srcId="{6D1F3F87-943C-0848-812A-DDC1880D987F}" destId="{87D803E3-EB89-BC47-9037-0610E99B4F6F}" srcOrd="0" destOrd="0" presId="urn:microsoft.com/office/officeart/2005/8/layout/process1"/>
+    <dgm:cxn modelId="{40C14DCF-E9EC-BB4D-8264-C24419400E71}" type="presParOf" srcId="{6CB31142-5EF1-D343-AA3A-1696A47FAB7A}" destId="{7FB6FC54-5AC3-FF4C-BCA1-537FCB5AF275}" srcOrd="0" destOrd="0" presId="urn:microsoft.com/office/officeart/2005/8/layout/process1"/>
+    <dgm:cxn modelId="{9D4AE957-D57A-894B-B569-B08E353EF272}" type="presParOf" srcId="{6CB31142-5EF1-D343-AA3A-1696A47FAB7A}" destId="{514F042E-B533-444E-AD23-EEC170E9106B}" srcOrd="1" destOrd="0" presId="urn:microsoft.com/office/officeart/2005/8/layout/process1"/>
+    <dgm:cxn modelId="{6C7BFDA8-CA2C-FC4F-9CA1-5E2052F4BD5A}" type="presParOf" srcId="{514F042E-B533-444E-AD23-EEC170E9106B}" destId="{0479FFE0-93F1-8248-ACA9-769C6992DADB}" srcOrd="0" destOrd="0" presId="urn:microsoft.com/office/officeart/2005/8/layout/process1"/>
+    <dgm:cxn modelId="{AB35DE7B-36DC-ED48-9A86-D73748E8BEE6}" type="presParOf" srcId="{6CB31142-5EF1-D343-AA3A-1696A47FAB7A}" destId="{87D803E3-EB89-BC47-9037-0610E99B4F6F}" srcOrd="2" destOrd="0" presId="urn:microsoft.com/office/officeart/2005/8/layout/process1"/>
+    <dgm:cxn modelId="{AED7352C-BC72-4146-96FE-60FB5E576421}" type="presParOf" srcId="{6CB31142-5EF1-D343-AA3A-1696A47FAB7A}" destId="{5BCFA16E-CCDF-644A-9C7E-4482157A7136}" srcOrd="3" destOrd="0" presId="urn:microsoft.com/office/officeart/2005/8/layout/process1"/>
+    <dgm:cxn modelId="{50847FFA-225A-4147-A538-4F5A4C9C84A3}" type="presParOf" srcId="{5BCFA16E-CCDF-644A-9C7E-4482157A7136}" destId="{17D90017-9F6A-A049-986C-8F506B116FD6}" srcOrd="0" destOrd="0" presId="urn:microsoft.com/office/officeart/2005/8/layout/process1"/>
+    <dgm:cxn modelId="{35A28296-E1BE-1449-AED7-D537FA196E78}" type="presParOf" srcId="{6CB31142-5EF1-D343-AA3A-1696A47FAB7A}" destId="{4C6D66A1-89C2-5045-9CF6-AE19FF69C2E4}" srcOrd="4" destOrd="0" presId="urn:microsoft.com/office/officeart/2005/8/layout/process1"/>
+    <dgm:cxn modelId="{397C227C-4F34-A14A-8AAF-4F01CE1BAA85}" type="presParOf" srcId="{6CB31142-5EF1-D343-AA3A-1696A47FAB7A}" destId="{322E1A56-CEEF-1842-B9B3-2F1A14649CBB}" srcOrd="5" destOrd="0" presId="urn:microsoft.com/office/officeart/2005/8/layout/process1"/>
+    <dgm:cxn modelId="{4952BD19-C199-E841-BD93-B3CA0EAFCB85}" type="presParOf" srcId="{322E1A56-CEEF-1842-B9B3-2F1A14649CBB}" destId="{B81CB57E-AF36-B841-AFEC-D750065D705E}" srcOrd="0" destOrd="0" presId="urn:microsoft.com/office/officeart/2005/8/layout/process1"/>
+    <dgm:cxn modelId="{CCEC72AC-3D1F-EF4A-80B1-FA3FAF4B16EF}" type="presParOf" srcId="{6CB31142-5EF1-D343-AA3A-1696A47FAB7A}" destId="{5920BD7D-0322-AB4C-BE49-E37C38368DCC}" srcOrd="6" destOrd="0" presId="urn:microsoft.com/office/officeart/2005/8/layout/process1"/>
+    <dgm:cxn modelId="{A4CB3CEA-7943-D247-8917-87AC6603BFE0}" type="presParOf" srcId="{6CB31142-5EF1-D343-AA3A-1696A47FAB7A}" destId="{B1B64BFB-4A9D-7248-A990-B9ADA5557F79}" srcOrd="7" destOrd="0" presId="urn:microsoft.com/office/officeart/2005/8/layout/process1"/>
+    <dgm:cxn modelId="{2E440883-AF1C-2B44-8D8A-B3FEDC11F240}" type="presParOf" srcId="{B1B64BFB-4A9D-7248-A990-B9ADA5557F79}" destId="{15B3EA7A-CA85-0B43-89DD-48258819E549}" srcOrd="0" destOrd="0" presId="urn:microsoft.com/office/officeart/2005/8/layout/process1"/>
+    <dgm:cxn modelId="{7DE255BB-593A-B24F-A48C-235CC9E58160}" type="presParOf" srcId="{6CB31142-5EF1-D343-AA3A-1696A47FAB7A}" destId="{08021080-8440-2348-BBF8-2151E19C7BAF}" srcOrd="8" destOrd="0" presId="urn:microsoft.com/office/officeart/2005/8/layout/process1"/>
+    <dgm:cxn modelId="{061A321E-DF0E-0541-BB90-FDD43418B654}" type="presParOf" srcId="{6CB31142-5EF1-D343-AA3A-1696A47FAB7A}" destId="{DD442D23-0A48-BC4C-BE1C-928FDDFFF2B9}" srcOrd="9" destOrd="0" presId="urn:microsoft.com/office/officeart/2005/8/layout/process1"/>
+    <dgm:cxn modelId="{8999172D-CD95-8240-8791-D2F3DEC299B7}" type="presParOf" srcId="{DD442D23-0A48-BC4C-BE1C-928FDDFFF2B9}" destId="{81C71DB6-4FFD-8D46-A23A-E4547AB2CF14}" srcOrd="0" destOrd="0" presId="urn:microsoft.com/office/officeart/2005/8/layout/process1"/>
+    <dgm:cxn modelId="{FF9D1EF4-7318-D046-BE5F-C2FB489564C8}" type="presParOf" srcId="{6CB31142-5EF1-D343-AA3A-1696A47FAB7A}" destId="{4A8E0414-497C-F54A-AE02-48206D011499}" srcOrd="10" destOrd="0" presId="urn:microsoft.com/office/officeart/2005/8/layout/process1"/>
+    <dgm:cxn modelId="{1879877F-BE21-724D-B7D2-4CB778B43B99}" type="presParOf" srcId="{6CB31142-5EF1-D343-AA3A-1696A47FAB7A}" destId="{7BA6AFF8-01FB-574D-A406-4817CC5DEECD}" srcOrd="11" destOrd="0" presId="urn:microsoft.com/office/officeart/2005/8/layout/process1"/>
+    <dgm:cxn modelId="{8254C19E-F050-4B4A-B4DE-C4E452D4F83B}" type="presParOf" srcId="{7BA6AFF8-01FB-574D-A406-4817CC5DEECD}" destId="{0692C0CE-CD73-B242-A4C1-1E3A6E1E5F9D}" srcOrd="0" destOrd="0" presId="urn:microsoft.com/office/officeart/2005/8/layout/process1"/>
+    <dgm:cxn modelId="{1C240BE5-295B-1B4F-BACD-121C43A8A4DD}" type="presParOf" srcId="{6CB31142-5EF1-D343-AA3A-1696A47FAB7A}" destId="{1A110707-564F-8949-BA63-EFB62FE4A89A}" srcOrd="12" destOrd="0" presId="urn:microsoft.com/office/officeart/2005/8/layout/process1"/>
+    <dgm:cxn modelId="{95E99C46-5FAC-5E46-BDEF-37231B988D11}" type="presParOf" srcId="{6CB31142-5EF1-D343-AA3A-1696A47FAB7A}" destId="{D87BB7E4-563E-8B47-87CF-5C66BB3E1766}" srcOrd="13" destOrd="0" presId="urn:microsoft.com/office/officeart/2005/8/layout/process1"/>
+    <dgm:cxn modelId="{8DFDC45F-7D1A-F348-867F-8319933046C5}" type="presParOf" srcId="{D87BB7E4-563E-8B47-87CF-5C66BB3E1766}" destId="{BE25B0AC-AB8F-1048-B676-1B6F35D3151A}" srcOrd="0" destOrd="0" presId="urn:microsoft.com/office/officeart/2005/8/layout/process1"/>
+    <dgm:cxn modelId="{E3B3BD3C-990D-7D4A-B2BB-D53F75D924F1}" type="presParOf" srcId="{6CB31142-5EF1-D343-AA3A-1696A47FAB7A}" destId="{2C5E49C2-67BA-C04A-B93E-53C81992EB48}" srcOrd="14" destOrd="0" presId="urn:microsoft.com/office/officeart/2005/8/layout/process1"/>
   </dgm:cxnLst>
   <dgm:bg/>
   <dgm:whole/>
@@ -4336,7 +4608,7 @@
           </a:pPr>
           <a:r>
             <a:rPr lang="en-US" sz="2600" b="1" kern="1200" dirty="0" smtClean="0"/>
-            <a:t>Anything!</a:t>
+            <a:t>…Much more</a:t>
           </a:r>
           <a:endParaRPr lang="en-US" sz="2600" kern="1200" dirty="0"/>
         </a:p>
@@ -4644,9 +4916,9 @@
           </a:pPr>
           <a:r>
             <a:rPr lang="en-US" sz="2300" kern="1200" dirty="0" smtClean="0"/>
-            <a:t>Web Map</a:t>
+            <a:t>Web Map, Group, Group Items</a:t>
           </a:r>
-          <a:endParaRPr lang="en-US" sz="2300" kern="1200" dirty="0"/>
+          <a:endParaRPr lang="en-US" sz="1400" kern="1200" dirty="0"/>
         </a:p>
       </dsp:txBody>
       <dsp:txXfrm>
@@ -4721,7 +4993,7 @@
           </a:pPr>
           <a:r>
             <a:rPr lang="en-US" sz="2400" kern="1200" dirty="0" smtClean="0"/>
-            <a:t>Organization </a:t>
+            <a:t>Organization Settings </a:t>
           </a:r>
           <a:r>
             <a:rPr lang="en-US" sz="1400" kern="1200" dirty="0" smtClean="0"/>
@@ -5123,8 +5395,8 @@
       </dsp:nvSpPr>
       <dsp:spPr>
         <a:xfrm>
-          <a:off x="7751979" y="2109704"/>
-          <a:ext cx="1844704" cy="1106822"/>
+          <a:off x="8709256" y="2396606"/>
+          <a:ext cx="888364" cy="533018"/>
         </a:xfrm>
         <a:prstGeom prst="roundRect">
           <a:avLst>
@@ -5167,12 +5439,12 @@
         </a:fontRef>
       </dsp:style>
       <dsp:txBody>
-        <a:bodyPr spcFirstLastPara="0" vert="horz" wrap="square" lIns="80010" tIns="80010" rIns="80010" bIns="80010" numCol="1" spcCol="1270" anchor="ctr" anchorCtr="0">
+        <a:bodyPr spcFirstLastPara="0" vert="horz" wrap="square" lIns="38100" tIns="38100" rIns="38100" bIns="38100" numCol="1" spcCol="1270" anchor="ctr" anchorCtr="0">
           <a:noAutofit/>
         </a:bodyPr>
         <a:lstStyle/>
         <a:p>
-          <a:pPr lvl="0" algn="ctr" defTabSz="933450">
+          <a:pPr lvl="0" algn="ctr" defTabSz="444500">
             <a:lnSpc>
               <a:spcPct val="90000"/>
             </a:lnSpc>
@@ -5184,15 +5456,15 @@
             </a:spcAft>
           </a:pPr>
           <a:r>
-            <a:rPr lang="en-US" sz="2100" kern="1200" dirty="0" smtClean="0"/>
+            <a:rPr lang="en-US" sz="1000" kern="1200" dirty="0" smtClean="0"/>
             <a:t>URL Parameters</a:t>
           </a:r>
-          <a:endParaRPr lang="en-US" sz="2100" kern="1200" dirty="0"/>
+          <a:endParaRPr lang="en-US" sz="1000" kern="1200" dirty="0"/>
         </a:p>
       </dsp:txBody>
       <dsp:txXfrm>
-        <a:off x="7784397" y="2142122"/>
-        <a:ext cx="1779868" cy="1041986"/>
+        <a:off x="8724868" y="2412218"/>
+        <a:ext cx="857140" cy="501794"/>
       </dsp:txXfrm>
     </dsp:sp>
     <dsp:sp modelId="{514F042E-B533-444E-AD23-EEC170E9106B}">
@@ -5202,8 +5474,8 @@
       </dsp:nvSpPr>
       <dsp:spPr>
         <a:xfrm rot="10800000">
-          <a:off x="7176431" y="2434372"/>
-          <a:ext cx="391077" cy="457486"/>
+          <a:off x="8432086" y="2552958"/>
+          <a:ext cx="188333" cy="220314"/>
         </a:xfrm>
         <a:prstGeom prst="rightArrow">
           <a:avLst>
@@ -5244,7 +5516,7 @@
         </a:bodyPr>
         <a:lstStyle/>
         <a:p>
-          <a:pPr lvl="0" algn="ctr" defTabSz="755650">
+          <a:pPr lvl="0" algn="ctr" defTabSz="355600">
             <a:lnSpc>
               <a:spcPct val="90000"/>
             </a:lnSpc>
@@ -5255,23 +5527,23 @@
               <a:spcPct val="35000"/>
             </a:spcAft>
           </a:pPr>
-          <a:endParaRPr lang="en-US" sz="1700" kern="1200"/>
+          <a:endParaRPr lang="en-US" sz="800" kern="1200"/>
         </a:p>
       </dsp:txBody>
       <dsp:txXfrm rot="10800000">
-        <a:off x="7293754" y="2525869"/>
-        <a:ext cx="273754" cy="274492"/>
+        <a:off x="8488586" y="2597021"/>
+        <a:ext cx="131833" cy="132188"/>
       </dsp:txXfrm>
     </dsp:sp>
-    <dsp:sp modelId="{08021080-8440-2348-BBF8-2151E19C7BAF}">
+    <dsp:sp modelId="{87D803E3-EB89-BC47-9037-0610E99B4F6F}">
       <dsp:nvSpPr>
         <dsp:cNvPr id="0" name=""/>
         <dsp:cNvSpPr/>
       </dsp:nvSpPr>
       <dsp:spPr>
         <a:xfrm>
-          <a:off x="5169392" y="2109704"/>
-          <a:ext cx="1844704" cy="1106822"/>
+          <a:off x="7465545" y="2396606"/>
+          <a:ext cx="888364" cy="533018"/>
         </a:xfrm>
         <a:prstGeom prst="roundRect">
           <a:avLst>
@@ -5280,9 +5552,9 @@
         </a:prstGeom>
         <a:solidFill>
           <a:schemeClr val="accent5">
-            <a:hueOff val="-5132093"/>
-            <a:satOff val="1190"/>
-            <a:lumOff val="4379"/>
+            <a:hueOff val="-2199468"/>
+            <a:satOff val="510"/>
+            <a:lumOff val="1877"/>
             <a:alphaOff val="0"/>
           </a:schemeClr>
         </a:solidFill>
@@ -5314,12 +5586,12 @@
         </a:fontRef>
       </dsp:style>
       <dsp:txBody>
-        <a:bodyPr spcFirstLastPara="0" vert="horz" wrap="square" lIns="80010" tIns="80010" rIns="80010" bIns="80010" numCol="1" spcCol="1270" anchor="ctr" anchorCtr="0">
+        <a:bodyPr spcFirstLastPara="0" vert="horz" wrap="square" lIns="38100" tIns="38100" rIns="38100" bIns="38100" numCol="1" spcCol="1270" anchor="ctr" anchorCtr="0">
           <a:noAutofit/>
         </a:bodyPr>
         <a:lstStyle/>
         <a:p>
-          <a:pPr lvl="0" algn="ctr" defTabSz="933450">
+          <a:pPr lvl="0" algn="ctr" defTabSz="444500">
             <a:lnSpc>
               <a:spcPct val="90000"/>
             </a:lnSpc>
@@ -5331,12 +5603,146 @@
             </a:spcAft>
           </a:pPr>
           <a:r>
-            <a:rPr lang="en-US" sz="2100" kern="1200" dirty="0" smtClean="0"/>
-            <a:t>Application</a:t>
+            <a:rPr lang="en-US" sz="1000" kern="1200" dirty="0" err="1" smtClean="0"/>
+            <a:t>Webmap</a:t>
           </a:r>
+          <a:r>
+            <a:rPr lang="en-US" sz="1000" kern="1200" dirty="0" smtClean="0"/>
+            <a:t> Item</a:t>
+          </a:r>
+          <a:endParaRPr lang="en-US" sz="1000" kern="1200" dirty="0"/>
         </a:p>
+      </dsp:txBody>
+      <dsp:txXfrm>
+        <a:off x="7481157" y="2412218"/>
+        <a:ext cx="857140" cy="501794"/>
+      </dsp:txXfrm>
+    </dsp:sp>
+    <dsp:sp modelId="{5BCFA16E-CCDF-644A-9C7E-4482157A7136}">
+      <dsp:nvSpPr>
+        <dsp:cNvPr id="0" name=""/>
+        <dsp:cNvSpPr/>
+      </dsp:nvSpPr>
+      <dsp:spPr>
+        <a:xfrm rot="10800000">
+          <a:off x="7188376" y="2552958"/>
+          <a:ext cx="188333" cy="220314"/>
+        </a:xfrm>
+        <a:prstGeom prst="rightArrow">
+          <a:avLst>
+            <a:gd name="adj1" fmla="val 60000"/>
+            <a:gd name="adj2" fmla="val 50000"/>
+          </a:avLst>
+        </a:prstGeom>
+        <a:solidFill>
+          <a:schemeClr val="accent5">
+            <a:hueOff val="-2566046"/>
+            <a:satOff val="595"/>
+            <a:lumOff val="2190"/>
+            <a:alphaOff val="0"/>
+          </a:schemeClr>
+        </a:solidFill>
+        <a:ln>
+          <a:noFill/>
+        </a:ln>
+        <a:effectLst/>
+      </dsp:spPr>
+      <dsp:style>
+        <a:lnRef idx="0">
+          <a:scrgbClr r="0" g="0" b="0"/>
+        </a:lnRef>
+        <a:fillRef idx="1">
+          <a:scrgbClr r="0" g="0" b="0"/>
+        </a:fillRef>
+        <a:effectRef idx="0">
+          <a:scrgbClr r="0" g="0" b="0"/>
+        </a:effectRef>
+        <a:fontRef idx="minor">
+          <a:schemeClr val="lt1"/>
+        </a:fontRef>
+      </dsp:style>
+      <dsp:txBody>
+        <a:bodyPr spcFirstLastPara="0" vert="horz" wrap="square" lIns="0" tIns="0" rIns="0" bIns="0" numCol="1" spcCol="1270" anchor="ctr" anchorCtr="0">
+          <a:noAutofit/>
+        </a:bodyPr>
+        <a:lstStyle/>
         <a:p>
-          <a:pPr lvl="0" algn="ctr" defTabSz="933450">
+          <a:pPr lvl="0" algn="ctr" defTabSz="355600">
+            <a:lnSpc>
+              <a:spcPct val="90000"/>
+            </a:lnSpc>
+            <a:spcBef>
+              <a:spcPct val="0"/>
+            </a:spcBef>
+            <a:spcAft>
+              <a:spcPct val="35000"/>
+            </a:spcAft>
+          </a:pPr>
+          <a:endParaRPr lang="en-US" sz="800" kern="1200"/>
+        </a:p>
+      </dsp:txBody>
+      <dsp:txXfrm rot="10800000">
+        <a:off x="7244876" y="2597021"/>
+        <a:ext cx="131833" cy="132188"/>
+      </dsp:txXfrm>
+    </dsp:sp>
+    <dsp:sp modelId="{4C6D66A1-89C2-5045-9CF6-AE19FF69C2E4}">
+      <dsp:nvSpPr>
+        <dsp:cNvPr id="0" name=""/>
+        <dsp:cNvSpPr/>
+      </dsp:nvSpPr>
+      <dsp:spPr>
+        <a:xfrm>
+          <a:off x="6221835" y="2396606"/>
+          <a:ext cx="888364" cy="533018"/>
+        </a:xfrm>
+        <a:prstGeom prst="roundRect">
+          <a:avLst>
+            <a:gd name="adj" fmla="val 10000"/>
+          </a:avLst>
+        </a:prstGeom>
+        <a:solidFill>
+          <a:schemeClr val="accent5">
+            <a:hueOff val="-4398937"/>
+            <a:satOff val="1020"/>
+            <a:lumOff val="3753"/>
+            <a:alphaOff val="0"/>
+          </a:schemeClr>
+        </a:solidFill>
+        <a:ln w="25400" cap="flat" cmpd="sng" algn="ctr">
+          <a:solidFill>
+            <a:schemeClr val="lt1">
+              <a:hueOff val="0"/>
+              <a:satOff val="0"/>
+              <a:lumOff val="0"/>
+              <a:alphaOff val="0"/>
+            </a:schemeClr>
+          </a:solidFill>
+          <a:prstDash val="solid"/>
+        </a:ln>
+        <a:effectLst/>
+      </dsp:spPr>
+      <dsp:style>
+        <a:lnRef idx="2">
+          <a:scrgbClr r="0" g="0" b="0"/>
+        </a:lnRef>
+        <a:fillRef idx="1">
+          <a:scrgbClr r="0" g="0" b="0"/>
+        </a:fillRef>
+        <a:effectRef idx="0">
+          <a:scrgbClr r="0" g="0" b="0"/>
+        </a:effectRef>
+        <a:fontRef idx="minor">
+          <a:schemeClr val="lt1"/>
+        </a:fontRef>
+      </dsp:style>
+      <dsp:txBody>
+        <a:bodyPr spcFirstLastPara="0" vert="horz" wrap="square" lIns="38100" tIns="38100" rIns="38100" bIns="38100" numCol="1" spcCol="1270" anchor="ctr" anchorCtr="0">
+          <a:noAutofit/>
+        </a:bodyPr>
+        <a:lstStyle/>
+        <a:p>
+          <a:pPr lvl="0" algn="ctr" defTabSz="444500">
             <a:lnSpc>
               <a:spcPct val="90000"/>
             </a:lnSpc>
@@ -5348,26 +5754,173 @@
             </a:spcAft>
           </a:pPr>
           <a:r>
-            <a:rPr lang="en-US" sz="2100" kern="1200" dirty="0" smtClean="0"/>
-            <a:t>Configuration</a:t>
+            <a:rPr lang="en-US" sz="1000" kern="1200" dirty="0" smtClean="0"/>
+            <a:t>Group Items</a:t>
           </a:r>
-          <a:endParaRPr lang="en-US" sz="2100" kern="1200" dirty="0"/>
+          <a:endParaRPr lang="en-US" sz="1000" kern="1200" dirty="0"/>
         </a:p>
       </dsp:txBody>
       <dsp:txXfrm>
-        <a:off x="5201810" y="2142122"/>
-        <a:ext cx="1779868" cy="1041986"/>
+        <a:off x="6237447" y="2412218"/>
+        <a:ext cx="857140" cy="501794"/>
       </dsp:txXfrm>
     </dsp:sp>
-    <dsp:sp modelId="{DD442D23-0A48-BC4C-BE1C-928FDDFFF2B9}">
+    <dsp:sp modelId="{322E1A56-CEEF-1842-B9B3-2F1A14649CBB}">
       <dsp:nvSpPr>
         <dsp:cNvPr id="0" name=""/>
         <dsp:cNvSpPr/>
       </dsp:nvSpPr>
       <dsp:spPr>
         <a:xfrm rot="10800000">
-          <a:off x="4593844" y="2434372"/>
-          <a:ext cx="391077" cy="457486"/>
+          <a:off x="5944665" y="2552958"/>
+          <a:ext cx="188333" cy="220314"/>
+        </a:xfrm>
+        <a:prstGeom prst="rightArrow">
+          <a:avLst>
+            <a:gd name="adj1" fmla="val 60000"/>
+            <a:gd name="adj2" fmla="val 50000"/>
+          </a:avLst>
+        </a:prstGeom>
+        <a:solidFill>
+          <a:schemeClr val="accent5">
+            <a:hueOff val="-5132093"/>
+            <a:satOff val="1190"/>
+            <a:lumOff val="4379"/>
+            <a:alphaOff val="0"/>
+          </a:schemeClr>
+        </a:solidFill>
+        <a:ln>
+          <a:noFill/>
+        </a:ln>
+        <a:effectLst/>
+      </dsp:spPr>
+      <dsp:style>
+        <a:lnRef idx="0">
+          <a:scrgbClr r="0" g="0" b="0"/>
+        </a:lnRef>
+        <a:fillRef idx="1">
+          <a:scrgbClr r="0" g="0" b="0"/>
+        </a:fillRef>
+        <a:effectRef idx="0">
+          <a:scrgbClr r="0" g="0" b="0"/>
+        </a:effectRef>
+        <a:fontRef idx="minor">
+          <a:schemeClr val="lt1"/>
+        </a:fontRef>
+      </dsp:style>
+      <dsp:txBody>
+        <a:bodyPr spcFirstLastPara="0" vert="horz" wrap="square" lIns="0" tIns="0" rIns="0" bIns="0" numCol="1" spcCol="1270" anchor="ctr" anchorCtr="0">
+          <a:noAutofit/>
+        </a:bodyPr>
+        <a:lstStyle/>
+        <a:p>
+          <a:pPr lvl="0" algn="ctr" defTabSz="355600">
+            <a:lnSpc>
+              <a:spcPct val="90000"/>
+            </a:lnSpc>
+            <a:spcBef>
+              <a:spcPct val="0"/>
+            </a:spcBef>
+            <a:spcAft>
+              <a:spcPct val="35000"/>
+            </a:spcAft>
+          </a:pPr>
+          <a:endParaRPr lang="en-US" sz="800" kern="1200"/>
+        </a:p>
+      </dsp:txBody>
+      <dsp:txXfrm rot="10800000">
+        <a:off x="6001165" y="2597021"/>
+        <a:ext cx="131833" cy="132188"/>
+      </dsp:txXfrm>
+    </dsp:sp>
+    <dsp:sp modelId="{5920BD7D-0322-AB4C-BE49-E37C38368DCC}">
+      <dsp:nvSpPr>
+        <dsp:cNvPr id="0" name=""/>
+        <dsp:cNvSpPr/>
+      </dsp:nvSpPr>
+      <dsp:spPr>
+        <a:xfrm>
+          <a:off x="4978124" y="2396606"/>
+          <a:ext cx="888364" cy="533018"/>
+        </a:xfrm>
+        <a:prstGeom prst="roundRect">
+          <a:avLst>
+            <a:gd name="adj" fmla="val 10000"/>
+          </a:avLst>
+        </a:prstGeom>
+        <a:solidFill>
+          <a:schemeClr val="accent5">
+            <a:hueOff val="-6598405"/>
+            <a:satOff val="1530"/>
+            <a:lumOff val="5630"/>
+            <a:alphaOff val="0"/>
+          </a:schemeClr>
+        </a:solidFill>
+        <a:ln w="25400" cap="flat" cmpd="sng" algn="ctr">
+          <a:solidFill>
+            <a:schemeClr val="lt1">
+              <a:hueOff val="0"/>
+              <a:satOff val="0"/>
+              <a:lumOff val="0"/>
+              <a:alphaOff val="0"/>
+            </a:schemeClr>
+          </a:solidFill>
+          <a:prstDash val="solid"/>
+        </a:ln>
+        <a:effectLst/>
+      </dsp:spPr>
+      <dsp:style>
+        <a:lnRef idx="2">
+          <a:scrgbClr r="0" g="0" b="0"/>
+        </a:lnRef>
+        <a:fillRef idx="1">
+          <a:scrgbClr r="0" g="0" b="0"/>
+        </a:fillRef>
+        <a:effectRef idx="0">
+          <a:scrgbClr r="0" g="0" b="0"/>
+        </a:effectRef>
+        <a:fontRef idx="minor">
+          <a:schemeClr val="lt1"/>
+        </a:fontRef>
+      </dsp:style>
+      <dsp:txBody>
+        <a:bodyPr spcFirstLastPara="0" vert="horz" wrap="square" lIns="38100" tIns="38100" rIns="38100" bIns="38100" numCol="1" spcCol="1270" anchor="ctr" anchorCtr="0">
+          <a:noAutofit/>
+        </a:bodyPr>
+        <a:lstStyle/>
+        <a:p>
+          <a:pPr lvl="0" algn="ctr" defTabSz="444500">
+            <a:lnSpc>
+              <a:spcPct val="90000"/>
+            </a:lnSpc>
+            <a:spcBef>
+              <a:spcPct val="0"/>
+            </a:spcBef>
+            <a:spcAft>
+              <a:spcPct val="35000"/>
+            </a:spcAft>
+          </a:pPr>
+          <a:r>
+            <a:rPr lang="en-US" sz="1000" kern="1200" dirty="0" smtClean="0"/>
+            <a:t>Group Info</a:t>
+          </a:r>
+          <a:endParaRPr lang="en-US" sz="1000" kern="1200" dirty="0"/>
+        </a:p>
+      </dsp:txBody>
+      <dsp:txXfrm>
+        <a:off x="4993736" y="2412218"/>
+        <a:ext cx="857140" cy="501794"/>
+      </dsp:txXfrm>
+    </dsp:sp>
+    <dsp:sp modelId="{B1B64BFB-4A9D-7248-A990-B9ADA5557F79}">
+      <dsp:nvSpPr>
+        <dsp:cNvPr id="0" name=""/>
+        <dsp:cNvSpPr/>
+      </dsp:nvSpPr>
+      <dsp:spPr>
+        <a:xfrm rot="10800000">
+          <a:off x="4700954" y="2552958"/>
+          <a:ext cx="188333" cy="220314"/>
         </a:xfrm>
         <a:prstGeom prst="rightArrow">
           <a:avLst>
@@ -5408,7 +5961,7 @@
         </a:bodyPr>
         <a:lstStyle/>
         <a:p>
-          <a:pPr lvl="0" algn="ctr" defTabSz="755650">
+          <a:pPr lvl="0" algn="ctr" defTabSz="355600">
             <a:lnSpc>
               <a:spcPct val="90000"/>
             </a:lnSpc>
@@ -5419,23 +5972,23 @@
               <a:spcPct val="35000"/>
             </a:spcAft>
           </a:pPr>
-          <a:endParaRPr lang="en-US" sz="1700" kern="1200"/>
+          <a:endParaRPr lang="en-US" sz="800" kern="1200"/>
         </a:p>
       </dsp:txBody>
       <dsp:txXfrm rot="10800000">
-        <a:off x="4711167" y="2525869"/>
-        <a:ext cx="273754" cy="274492"/>
+        <a:off x="4757454" y="2597021"/>
+        <a:ext cx="131833" cy="132188"/>
       </dsp:txXfrm>
     </dsp:sp>
-    <dsp:sp modelId="{4A8E0414-497C-F54A-AE02-48206D011499}">
+    <dsp:sp modelId="{08021080-8440-2348-BBF8-2151E19C7BAF}">
       <dsp:nvSpPr>
         <dsp:cNvPr id="0" name=""/>
         <dsp:cNvSpPr/>
       </dsp:nvSpPr>
       <dsp:spPr>
         <a:xfrm>
-          <a:off x="2586805" y="2109704"/>
-          <a:ext cx="1844704" cy="1106822"/>
+          <a:off x="3734413" y="2396606"/>
+          <a:ext cx="888364" cy="533018"/>
         </a:xfrm>
         <a:prstGeom prst="roundRect">
           <a:avLst>
@@ -5444,9 +5997,9 @@
         </a:prstGeom>
         <a:solidFill>
           <a:schemeClr val="accent5">
-            <a:hueOff val="-10264186"/>
-            <a:satOff val="2381"/>
-            <a:lumOff val="8758"/>
+            <a:hueOff val="-8797874"/>
+            <a:satOff val="2041"/>
+            <a:lumOff val="7507"/>
             <a:alphaOff val="0"/>
           </a:schemeClr>
         </a:solidFill>
@@ -5478,12 +6031,12 @@
         </a:fontRef>
       </dsp:style>
       <dsp:txBody>
-        <a:bodyPr spcFirstLastPara="0" vert="horz" wrap="square" lIns="80010" tIns="80010" rIns="80010" bIns="80010" numCol="1" spcCol="1270" anchor="ctr" anchorCtr="0">
+        <a:bodyPr spcFirstLastPara="0" vert="horz" wrap="square" lIns="38100" tIns="38100" rIns="38100" bIns="38100" numCol="1" spcCol="1270" anchor="ctr" anchorCtr="0">
           <a:noAutofit/>
         </a:bodyPr>
         <a:lstStyle/>
         <a:p>
-          <a:pPr lvl="0" algn="ctr" defTabSz="933450">
+          <a:pPr lvl="0" algn="ctr" defTabSz="444500">
             <a:lnSpc>
               <a:spcPct val="90000"/>
             </a:lnSpc>
@@ -5495,12 +6048,12 @@
             </a:spcAft>
           </a:pPr>
           <a:r>
-            <a:rPr lang="en-US" sz="2100" kern="1200" dirty="0" smtClean="0"/>
-            <a:t>Organization</a:t>
+            <a:rPr lang="en-US" sz="1000" kern="1200" dirty="0" smtClean="0"/>
+            <a:t>Application</a:t>
           </a:r>
         </a:p>
         <a:p>
-          <a:pPr lvl="0" algn="ctr" defTabSz="933450">
+          <a:pPr lvl="0" algn="ctr" defTabSz="444500">
             <a:lnSpc>
               <a:spcPct val="90000"/>
             </a:lnSpc>
@@ -5512,15 +6065,179 @@
             </a:spcAft>
           </a:pPr>
           <a:r>
-            <a:rPr lang="en-US" sz="2100" kern="1200" dirty="0" smtClean="0"/>
-            <a:t>Settings</a:t>
+            <a:rPr lang="en-US" sz="1000" kern="1200" dirty="0" smtClean="0"/>
+            <a:t>Configuration</a:t>
           </a:r>
-          <a:endParaRPr lang="en-US" sz="2100" kern="1200" dirty="0"/>
+          <a:endParaRPr lang="en-US" sz="1000" kern="1200" dirty="0"/>
         </a:p>
       </dsp:txBody>
       <dsp:txXfrm>
-        <a:off x="2619223" y="2142122"/>
-        <a:ext cx="1779868" cy="1041986"/>
+        <a:off x="3750025" y="2412218"/>
+        <a:ext cx="857140" cy="501794"/>
+      </dsp:txXfrm>
+    </dsp:sp>
+    <dsp:sp modelId="{DD442D23-0A48-BC4C-BE1C-928FDDFFF2B9}">
+      <dsp:nvSpPr>
+        <dsp:cNvPr id="0" name=""/>
+        <dsp:cNvSpPr/>
+      </dsp:nvSpPr>
+      <dsp:spPr>
+        <a:xfrm rot="10800000">
+          <a:off x="3457243" y="2552958"/>
+          <a:ext cx="188333" cy="220314"/>
+        </a:xfrm>
+        <a:prstGeom prst="rightArrow">
+          <a:avLst>
+            <a:gd name="adj1" fmla="val 60000"/>
+            <a:gd name="adj2" fmla="val 50000"/>
+          </a:avLst>
+        </a:prstGeom>
+        <a:solidFill>
+          <a:schemeClr val="accent5">
+            <a:hueOff val="-10264186"/>
+            <a:satOff val="2381"/>
+            <a:lumOff val="8758"/>
+            <a:alphaOff val="0"/>
+          </a:schemeClr>
+        </a:solidFill>
+        <a:ln>
+          <a:noFill/>
+        </a:ln>
+        <a:effectLst/>
+      </dsp:spPr>
+      <dsp:style>
+        <a:lnRef idx="0">
+          <a:scrgbClr r="0" g="0" b="0"/>
+        </a:lnRef>
+        <a:fillRef idx="1">
+          <a:scrgbClr r="0" g="0" b="0"/>
+        </a:fillRef>
+        <a:effectRef idx="0">
+          <a:scrgbClr r="0" g="0" b="0"/>
+        </a:effectRef>
+        <a:fontRef idx="minor">
+          <a:schemeClr val="lt1"/>
+        </a:fontRef>
+      </dsp:style>
+      <dsp:txBody>
+        <a:bodyPr spcFirstLastPara="0" vert="horz" wrap="square" lIns="0" tIns="0" rIns="0" bIns="0" numCol="1" spcCol="1270" anchor="ctr" anchorCtr="0">
+          <a:noAutofit/>
+        </a:bodyPr>
+        <a:lstStyle/>
+        <a:p>
+          <a:pPr lvl="0" algn="ctr" defTabSz="355600">
+            <a:lnSpc>
+              <a:spcPct val="90000"/>
+            </a:lnSpc>
+            <a:spcBef>
+              <a:spcPct val="0"/>
+            </a:spcBef>
+            <a:spcAft>
+              <a:spcPct val="35000"/>
+            </a:spcAft>
+          </a:pPr>
+          <a:endParaRPr lang="en-US" sz="800" kern="1200"/>
+        </a:p>
+      </dsp:txBody>
+      <dsp:txXfrm rot="10800000">
+        <a:off x="3513743" y="2597021"/>
+        <a:ext cx="131833" cy="132188"/>
+      </dsp:txXfrm>
+    </dsp:sp>
+    <dsp:sp modelId="{4A8E0414-497C-F54A-AE02-48206D011499}">
+      <dsp:nvSpPr>
+        <dsp:cNvPr id="0" name=""/>
+        <dsp:cNvSpPr/>
+      </dsp:nvSpPr>
+      <dsp:spPr>
+        <a:xfrm>
+          <a:off x="2490703" y="2396606"/>
+          <a:ext cx="888364" cy="533018"/>
+        </a:xfrm>
+        <a:prstGeom prst="roundRect">
+          <a:avLst>
+            <a:gd name="adj" fmla="val 10000"/>
+          </a:avLst>
+        </a:prstGeom>
+        <a:solidFill>
+          <a:schemeClr val="accent5">
+            <a:hueOff val="-10997342"/>
+            <a:satOff val="2551"/>
+            <a:lumOff val="9384"/>
+            <a:alphaOff val="0"/>
+          </a:schemeClr>
+        </a:solidFill>
+        <a:ln w="25400" cap="flat" cmpd="sng" algn="ctr">
+          <a:solidFill>
+            <a:schemeClr val="lt1">
+              <a:hueOff val="0"/>
+              <a:satOff val="0"/>
+              <a:lumOff val="0"/>
+              <a:alphaOff val="0"/>
+            </a:schemeClr>
+          </a:solidFill>
+          <a:prstDash val="solid"/>
+        </a:ln>
+        <a:effectLst/>
+      </dsp:spPr>
+      <dsp:style>
+        <a:lnRef idx="2">
+          <a:scrgbClr r="0" g="0" b="0"/>
+        </a:lnRef>
+        <a:fillRef idx="1">
+          <a:scrgbClr r="0" g="0" b="0"/>
+        </a:fillRef>
+        <a:effectRef idx="0">
+          <a:scrgbClr r="0" g="0" b="0"/>
+        </a:effectRef>
+        <a:fontRef idx="minor">
+          <a:schemeClr val="lt1"/>
+        </a:fontRef>
+      </dsp:style>
+      <dsp:txBody>
+        <a:bodyPr spcFirstLastPara="0" vert="horz" wrap="square" lIns="38100" tIns="38100" rIns="38100" bIns="38100" numCol="1" spcCol="1270" anchor="ctr" anchorCtr="0">
+          <a:noAutofit/>
+        </a:bodyPr>
+        <a:lstStyle/>
+        <a:p>
+          <a:pPr lvl="0" algn="ctr" defTabSz="444500">
+            <a:lnSpc>
+              <a:spcPct val="90000"/>
+            </a:lnSpc>
+            <a:spcBef>
+              <a:spcPct val="0"/>
+            </a:spcBef>
+            <a:spcAft>
+              <a:spcPct val="35000"/>
+            </a:spcAft>
+          </a:pPr>
+          <a:r>
+            <a:rPr lang="en-US" sz="1000" kern="1200" dirty="0" smtClean="0"/>
+            <a:t>Organization</a:t>
+          </a:r>
+        </a:p>
+        <a:p>
+          <a:pPr lvl="0" algn="ctr" defTabSz="444500">
+            <a:lnSpc>
+              <a:spcPct val="90000"/>
+            </a:lnSpc>
+            <a:spcBef>
+              <a:spcPct val="0"/>
+            </a:spcBef>
+            <a:spcAft>
+              <a:spcPct val="35000"/>
+            </a:spcAft>
+          </a:pPr>
+          <a:r>
+            <a:rPr lang="en-US" sz="1000" kern="1200" dirty="0" smtClean="0"/>
+            <a:t>Settings</a:t>
+          </a:r>
+          <a:endParaRPr lang="en-US" sz="1000" kern="1200" dirty="0"/>
+        </a:p>
+      </dsp:txBody>
+      <dsp:txXfrm>
+        <a:off x="2506315" y="2412218"/>
+        <a:ext cx="857140" cy="501794"/>
       </dsp:txXfrm>
     </dsp:sp>
     <dsp:sp modelId="{7BA6AFF8-01FB-574D-A406-4817CC5DEECD}">
@@ -5530,8 +6247,155 @@
       </dsp:nvSpPr>
       <dsp:spPr>
         <a:xfrm rot="10800000">
-          <a:off x="2011257" y="2434372"/>
-          <a:ext cx="391077" cy="457486"/>
+          <a:off x="2213533" y="2552958"/>
+          <a:ext cx="188333" cy="220314"/>
+        </a:xfrm>
+        <a:prstGeom prst="rightArrow">
+          <a:avLst>
+            <a:gd name="adj1" fmla="val 60000"/>
+            <a:gd name="adj2" fmla="val 50000"/>
+          </a:avLst>
+        </a:prstGeom>
+        <a:solidFill>
+          <a:schemeClr val="accent5">
+            <a:hueOff val="-12830232"/>
+            <a:satOff val="2976"/>
+            <a:lumOff val="10948"/>
+            <a:alphaOff val="0"/>
+          </a:schemeClr>
+        </a:solidFill>
+        <a:ln>
+          <a:noFill/>
+        </a:ln>
+        <a:effectLst/>
+      </dsp:spPr>
+      <dsp:style>
+        <a:lnRef idx="0">
+          <a:scrgbClr r="0" g="0" b="0"/>
+        </a:lnRef>
+        <a:fillRef idx="1">
+          <a:scrgbClr r="0" g="0" b="0"/>
+        </a:fillRef>
+        <a:effectRef idx="0">
+          <a:scrgbClr r="0" g="0" b="0"/>
+        </a:effectRef>
+        <a:fontRef idx="minor">
+          <a:schemeClr val="lt1"/>
+        </a:fontRef>
+      </dsp:style>
+      <dsp:txBody>
+        <a:bodyPr spcFirstLastPara="0" vert="horz" wrap="square" lIns="0" tIns="0" rIns="0" bIns="0" numCol="1" spcCol="1270" anchor="ctr" anchorCtr="0">
+          <a:noAutofit/>
+        </a:bodyPr>
+        <a:lstStyle/>
+        <a:p>
+          <a:pPr lvl="0" algn="ctr" defTabSz="355600">
+            <a:lnSpc>
+              <a:spcPct val="90000"/>
+            </a:lnSpc>
+            <a:spcBef>
+              <a:spcPct val="0"/>
+            </a:spcBef>
+            <a:spcAft>
+              <a:spcPct val="35000"/>
+            </a:spcAft>
+          </a:pPr>
+          <a:endParaRPr lang="en-US" sz="800" kern="1200"/>
+        </a:p>
+      </dsp:txBody>
+      <dsp:txXfrm rot="10800000">
+        <a:off x="2270033" y="2597021"/>
+        <a:ext cx="131833" cy="132188"/>
+      </dsp:txXfrm>
+    </dsp:sp>
+    <dsp:sp modelId="{1A110707-564F-8949-BA63-EFB62FE4A89A}">
+      <dsp:nvSpPr>
+        <dsp:cNvPr id="0" name=""/>
+        <dsp:cNvSpPr/>
+      </dsp:nvSpPr>
+      <dsp:spPr>
+        <a:xfrm>
+          <a:off x="1246992" y="2396606"/>
+          <a:ext cx="888364" cy="533018"/>
+        </a:xfrm>
+        <a:prstGeom prst="roundRect">
+          <a:avLst>
+            <a:gd name="adj" fmla="val 10000"/>
+          </a:avLst>
+        </a:prstGeom>
+        <a:solidFill>
+          <a:schemeClr val="accent5">
+            <a:hueOff val="-13196810"/>
+            <a:satOff val="3061"/>
+            <a:lumOff val="11260"/>
+            <a:alphaOff val="0"/>
+          </a:schemeClr>
+        </a:solidFill>
+        <a:ln w="25400" cap="flat" cmpd="sng" algn="ctr">
+          <a:solidFill>
+            <a:schemeClr val="lt1">
+              <a:hueOff val="0"/>
+              <a:satOff val="0"/>
+              <a:lumOff val="0"/>
+              <a:alphaOff val="0"/>
+            </a:schemeClr>
+          </a:solidFill>
+          <a:prstDash val="solid"/>
+        </a:ln>
+        <a:effectLst/>
+      </dsp:spPr>
+      <dsp:style>
+        <a:lnRef idx="2">
+          <a:scrgbClr r="0" g="0" b="0"/>
+        </a:lnRef>
+        <a:fillRef idx="1">
+          <a:scrgbClr r="0" g="0" b="0"/>
+        </a:fillRef>
+        <a:effectRef idx="0">
+          <a:scrgbClr r="0" g="0" b="0"/>
+        </a:effectRef>
+        <a:fontRef idx="minor">
+          <a:schemeClr val="lt1"/>
+        </a:fontRef>
+      </dsp:style>
+      <dsp:txBody>
+        <a:bodyPr spcFirstLastPara="0" vert="horz" wrap="square" lIns="38100" tIns="38100" rIns="38100" bIns="38100" numCol="1" spcCol="1270" anchor="ctr" anchorCtr="0">
+          <a:noAutofit/>
+        </a:bodyPr>
+        <a:lstStyle/>
+        <a:p>
+          <a:pPr lvl="0" algn="ctr" defTabSz="444500">
+            <a:lnSpc>
+              <a:spcPct val="90000"/>
+            </a:lnSpc>
+            <a:spcBef>
+              <a:spcPct val="0"/>
+            </a:spcBef>
+            <a:spcAft>
+              <a:spcPct val="35000"/>
+            </a:spcAft>
+          </a:pPr>
+          <a:r>
+            <a:rPr lang="en-US" sz="1000" kern="1200" dirty="0" smtClean="0"/>
+            <a:t>Localization</a:t>
+          </a:r>
+          <a:endParaRPr lang="en-US" sz="1000" kern="1200" dirty="0"/>
+        </a:p>
+      </dsp:txBody>
+      <dsp:txXfrm>
+        <a:off x="1262604" y="2412218"/>
+        <a:ext cx="857140" cy="501794"/>
+      </dsp:txXfrm>
+    </dsp:sp>
+    <dsp:sp modelId="{D87BB7E4-563E-8B47-87CF-5C66BB3E1766}">
+      <dsp:nvSpPr>
+        <dsp:cNvPr id="0" name=""/>
+        <dsp:cNvSpPr/>
+      </dsp:nvSpPr>
+      <dsp:spPr>
+        <a:xfrm rot="10800000">
+          <a:off x="969822" y="2552958"/>
+          <a:ext cx="188333" cy="220314"/>
         </a:xfrm>
         <a:prstGeom prst="rightArrow">
           <a:avLst>
@@ -5572,7 +6436,7 @@
         </a:bodyPr>
         <a:lstStyle/>
         <a:p>
-          <a:pPr lvl="0" algn="ctr" defTabSz="755650">
+          <a:pPr lvl="0" algn="ctr" defTabSz="355600">
             <a:lnSpc>
               <a:spcPct val="90000"/>
             </a:lnSpc>
@@ -5583,12 +6447,12 @@
               <a:spcPct val="35000"/>
             </a:spcAft>
           </a:pPr>
-          <a:endParaRPr lang="en-US" sz="1700" kern="1200"/>
+          <a:endParaRPr lang="en-US" sz="800" kern="1200"/>
         </a:p>
       </dsp:txBody>
       <dsp:txXfrm rot="10800000">
-        <a:off x="2128580" y="2525869"/>
-        <a:ext cx="273754" cy="274492"/>
+        <a:off x="1026322" y="2597021"/>
+        <a:ext cx="131833" cy="132188"/>
       </dsp:txXfrm>
     </dsp:sp>
     <dsp:sp modelId="{2C5E49C2-67BA-C04A-B93E-53C81992EB48}">
@@ -5598,8 +6462,8 @@
       </dsp:nvSpPr>
       <dsp:spPr>
         <a:xfrm>
-          <a:off x="4219" y="2109704"/>
-          <a:ext cx="1844704" cy="1106822"/>
+          <a:off x="3281" y="2396606"/>
+          <a:ext cx="888364" cy="533018"/>
         </a:xfrm>
         <a:prstGeom prst="roundRect">
           <a:avLst>
@@ -5642,12 +6506,12 @@
         </a:fontRef>
       </dsp:style>
       <dsp:txBody>
-        <a:bodyPr spcFirstLastPara="0" vert="horz" wrap="square" lIns="80010" tIns="80010" rIns="80010" bIns="80010" numCol="1" spcCol="1270" anchor="ctr" anchorCtr="0">
+        <a:bodyPr spcFirstLastPara="0" vert="horz" wrap="square" lIns="38100" tIns="38100" rIns="38100" bIns="38100" numCol="1" spcCol="1270" anchor="ctr" anchorCtr="0">
           <a:noAutofit/>
         </a:bodyPr>
         <a:lstStyle/>
         <a:p>
-          <a:pPr lvl="0" algn="ctr" defTabSz="933450">
+          <a:pPr lvl="0" algn="ctr" defTabSz="444500">
             <a:lnSpc>
               <a:spcPct val="90000"/>
             </a:lnSpc>
@@ -5659,12 +6523,12 @@
             </a:spcAft>
           </a:pPr>
           <a:r>
-            <a:rPr lang="en-US" sz="2100" kern="1200" dirty="0" smtClean="0"/>
+            <a:rPr lang="en-US" sz="1000" kern="1200" dirty="0" smtClean="0"/>
             <a:t>Default</a:t>
           </a:r>
         </a:p>
         <a:p>
-          <a:pPr lvl="0" algn="ctr" defTabSz="933450">
+          <a:pPr lvl="0" algn="ctr" defTabSz="444500">
             <a:lnSpc>
               <a:spcPct val="90000"/>
             </a:lnSpc>
@@ -5676,15 +6540,15 @@
             </a:spcAft>
           </a:pPr>
           <a:r>
-            <a:rPr lang="en-US" sz="2100" kern="1200" dirty="0" smtClean="0"/>
+            <a:rPr lang="en-US" sz="1000" kern="1200" dirty="0" smtClean="0"/>
             <a:t>Configuration</a:t>
           </a:r>
-          <a:endParaRPr lang="en-US" sz="2100" kern="1200" dirty="0"/>
+          <a:endParaRPr lang="en-US" sz="1000" kern="1200" dirty="0"/>
         </a:p>
       </dsp:txBody>
       <dsp:txXfrm>
-        <a:off x="36637" y="2142122"/>
-        <a:ext cx="1779868" cy="1041986"/>
+        <a:off x="18893" y="2412218"/>
+        <a:ext cx="857140" cy="501794"/>
       </dsp:txXfrm>
     </dsp:sp>
   </dsp:spTree>
@@ -9360,7 +10224,7 @@
             <a:fld id="{5498D241-0AB7-BC44-80E8-F0A20AF46E9E}" type="datetimeFigureOut">
               <a:rPr lang="en-US" smtClean="0"/>
               <a:pPr/>
-              <a:t>3/18/14</a:t>
+              <a:t>2/3/15</a:t>
             </a:fld>
             <a:endParaRPr lang="en-US" dirty="0"/>
           </a:p>
@@ -15693,7 +16557,7 @@
       </p:sp>
       <p:pic>
         <p:nvPicPr>
-          <p:cNvPr id="5" name="Picture Placeholder 4" descr="Screen Shot 2014-03-05 at 1.42.14 PM.png"/>
+          <p:cNvPr id="6" name="Picture Placeholder 5" descr="Screen Shot 2015-02-03 at 2.51.04 PM.png"/>
           <p:cNvPicPr>
             <a:picLocks noGrp="1" noChangeAspect="1"/>
           </p:cNvPicPr>
@@ -15702,58 +16566,17 @@
           </p:nvPr>
         </p:nvPicPr>
         <p:blipFill rotWithShape="1">
-          <a:blip r:embed="rId3" cstate="email">
+          <a:blip r:embed="rId3">
             <a:extLst>
               <a:ext uri="{28A0092B-C50C-407E-A947-70E740481C1C}">
-                <a14:useLocalDpi xmlns:a14="http://schemas.microsoft.com/office/drawing/2010/main"/>
+                <a14:useLocalDpi xmlns:a14="http://schemas.microsoft.com/office/drawing/2010/main" val="0"/>
               </a:ext>
             </a:extLst>
           </a:blip>
-          <a:srcRect/>
+          <a:srcRect l="20124"/>
           <a:stretch/>
         </p:blipFill>
         <p:spPr/>
-      </p:pic>
-      <p:pic>
-        <p:nvPicPr>
-          <p:cNvPr id="1026" name="Picture 2" descr="App"/>
-          <p:cNvPicPr>
-            <a:picLocks noChangeAspect="1" noChangeArrowheads="1"/>
-          </p:cNvPicPr>
-          <p:nvPr/>
-        </p:nvPicPr>
-        <p:blipFill>
-          <a:blip r:embed="rId4" cstate="email">
-            <a:extLst>
-              <a:ext uri="{28A0092B-C50C-407E-A947-70E740481C1C}">
-                <a14:useLocalDpi xmlns:a14="http://schemas.microsoft.com/office/drawing/2010/main"/>
-              </a:ext>
-            </a:extLst>
-          </a:blip>
-          <a:srcRect/>
-          <a:stretch>
-            <a:fillRect/>
-          </a:stretch>
-        </p:blipFill>
-        <p:spPr bwMode="auto">
-          <a:xfrm>
-            <a:off x="1371600" y="3429000"/>
-            <a:ext cx="3192728" cy="2367813"/>
-          </a:xfrm>
-          <a:prstGeom prst="rect">
-            <a:avLst/>
-          </a:prstGeom>
-          <a:noFill/>
-          <a:extLst>
-            <a:ext uri="{909E8E84-426E-40dd-AFC4-6F175D3DCCD1}">
-              <a14:hiddenFill xmlns:a14="http://schemas.microsoft.com/office/drawing/2010/main">
-                <a:solidFill>
-                  <a:srgbClr val="FFFFFF"/>
-                </a:solidFill>
-              </a14:hiddenFill>
-            </a:ext>
-          </a:extLst>
-        </p:spPr>
       </p:pic>
     </p:spTree>
     <p:extLst>
@@ -18187,7 +19010,7 @@
             <p:ph sz="quarter" idx="10"/>
             <p:extLst>
               <p:ext uri="{D42A27DB-BD31-4B8C-83A1-F6EECF244321}">
-                <p14:modId xmlns:p14="http://schemas.microsoft.com/office/powerpoint/2010/main" val="4204614960"/>
+                <p14:modId xmlns:p14="http://schemas.microsoft.com/office/powerpoint/2010/main" val="859084708"/>
               </p:ext>
             </p:extLst>
           </p:nvPr>
@@ -20441,7 +21264,7 @@
           <p:nvPr>
             <p:extLst>
               <p:ext uri="{D42A27DB-BD31-4B8C-83A1-F6EECF244321}">
-                <p14:modId xmlns:p14="http://schemas.microsoft.com/office/powerpoint/2010/main" val="268674772"/>
+                <p14:modId xmlns:p14="http://schemas.microsoft.com/office/powerpoint/2010/main" val="1901620828"/>
               </p:ext>
             </p:extLst>
           </p:nvPr>
@@ -21143,7 +21966,7 @@
           <p:nvPr>
             <p:extLst>
               <p:ext uri="{D42A27DB-BD31-4B8C-83A1-F6EECF244321}">
-                <p14:modId xmlns:p14="http://schemas.microsoft.com/office/powerpoint/2010/main" val="2465464694"/>
+                <p14:modId xmlns:p14="http://schemas.microsoft.com/office/powerpoint/2010/main" val="836572321"/>
               </p:ext>
             </p:extLst>
           </p:nvPr>
@@ -21230,7 +22053,7 @@
                                         <p:tgtEl>
                                           <p:spTgt spid="29">
                                             <p:graphicEl>
-                                              <a:dgm id="{7BA6AFF8-01FB-574D-A406-4817CC5DEECD}"/>
+                                              <a:dgm id="{7FB6FC54-5AC3-FF4C-BCA1-537FCB5AF275}"/>
                                             </p:graphicEl>
                                           </p:spTgt>
                                         </p:tgtEl>
@@ -21248,7 +22071,7 @@
                                         <p:tgtEl>
                                           <p:spTgt spid="29">
                                             <p:graphicEl>
-                                              <a:dgm id="{7BA6AFF8-01FB-574D-A406-4817CC5DEECD}"/>
+                                              <a:dgm id="{7FB6FC54-5AC3-FF4C-BCA1-537FCB5AF275}"/>
                                             </p:graphicEl>
                                           </p:spTgt>
                                         </p:tgtEl>
@@ -21275,92 +22098,7 @@
                                         <p:tgtEl>
                                           <p:spTgt spid="29">
                                             <p:graphicEl>
-                                              <a:dgm id="{7BA6AFF8-01FB-574D-A406-4817CC5DEECD}"/>
-                                            </p:graphicEl>
-                                          </p:spTgt>
-                                        </p:tgtEl>
-                                        <p:attrNameLst>
-                                          <p:attrName>ppt_h</p:attrName>
-                                        </p:attrNameLst>
-                                      </p:cBhvr>
-                                      <p:tavLst>
-                                        <p:tav tm="0">
-                                          <p:val>
-                                            <p:fltVal val="0"/>
-                                          </p:val>
-                                        </p:tav>
-                                        <p:tav tm="100000">
-                                          <p:val>
-                                            <p:strVal val="#ppt_h"/>
-                                          </p:val>
-                                        </p:tav>
-                                      </p:tavLst>
-                                    </p:anim>
-                                  </p:childTnLst>
-                                </p:cTn>
-                              </p:par>
-                              <p:par>
-                                <p:cTn id="9" presetID="23" presetClass="entr" presetSubtype="16" fill="hold" grpId="0" nodeType="withEffect">
-                                  <p:stCondLst>
-                                    <p:cond delay="0"/>
-                                  </p:stCondLst>
-                                  <p:childTnLst>
-                                    <p:set>
-                                      <p:cBhvr>
-                                        <p:cTn id="10" dur="1" fill="hold">
-                                          <p:stCondLst>
-                                            <p:cond delay="0"/>
-                                          </p:stCondLst>
-                                        </p:cTn>
-                                        <p:tgtEl>
-                                          <p:spTgt spid="29">
-                                            <p:graphicEl>
-                                              <a:dgm id="{2C5E49C2-67BA-C04A-B93E-53C81992EB48}"/>
-                                            </p:graphicEl>
-                                          </p:spTgt>
-                                        </p:tgtEl>
-                                        <p:attrNameLst>
-                                          <p:attrName>style.visibility</p:attrName>
-                                        </p:attrNameLst>
-                                      </p:cBhvr>
-                                      <p:to>
-                                        <p:strVal val="visible"/>
-                                      </p:to>
-                                    </p:set>
-                                    <p:anim calcmode="lin" valueType="num">
-                                      <p:cBhvr>
-                                        <p:cTn id="11" dur="500" fill="hold"/>
-                                        <p:tgtEl>
-                                          <p:spTgt spid="29">
-                                            <p:graphicEl>
-                                              <a:dgm id="{2C5E49C2-67BA-C04A-B93E-53C81992EB48}"/>
-                                            </p:graphicEl>
-                                          </p:spTgt>
-                                        </p:tgtEl>
-                                        <p:attrNameLst>
-                                          <p:attrName>ppt_w</p:attrName>
-                                        </p:attrNameLst>
-                                      </p:cBhvr>
-                                      <p:tavLst>
-                                        <p:tav tm="0">
-                                          <p:val>
-                                            <p:fltVal val="0"/>
-                                          </p:val>
-                                        </p:tav>
-                                        <p:tav tm="100000">
-                                          <p:val>
-                                            <p:strVal val="#ppt_w"/>
-                                          </p:val>
-                                        </p:tav>
-                                      </p:tavLst>
-                                    </p:anim>
-                                    <p:anim calcmode="lin" valueType="num">
-                                      <p:cBhvr>
-                                        <p:cTn id="12" dur="500" fill="hold"/>
-                                        <p:tgtEl>
-                                          <p:spTgt spid="29">
-                                            <p:graphicEl>
-                                              <a:dgm id="{2C5E49C2-67BA-C04A-B93E-53C81992EB48}"/>
+                                              <a:dgm id="{7FB6FC54-5AC3-FF4C-BCA1-537FCB5AF275}"/>
                                             </p:graphicEl>
                                           </p:spTgt>
                                         </p:tgtEl>
@@ -21391,19 +22129,104 @@
                     </p:cTn>
                   </p:par>
                   <p:par>
-                    <p:cTn id="13" fill="hold">
+                    <p:cTn id="9" fill="hold">
                       <p:stCondLst>
                         <p:cond delay="indefinite"/>
                       </p:stCondLst>
                       <p:childTnLst>
                         <p:par>
-                          <p:cTn id="14" fill="hold">
+                          <p:cTn id="10" fill="hold">
                             <p:stCondLst>
                               <p:cond delay="0"/>
                             </p:stCondLst>
                             <p:childTnLst>
                               <p:par>
-                                <p:cTn id="15" presetID="23" presetClass="entr" presetSubtype="16" fill="hold" grpId="0" nodeType="clickEffect">
+                                <p:cTn id="11" presetID="23" presetClass="entr" presetSubtype="16" fill="hold" grpId="0" nodeType="clickEffect">
+                                  <p:stCondLst>
+                                    <p:cond delay="0"/>
+                                  </p:stCondLst>
+                                  <p:childTnLst>
+                                    <p:set>
+                                      <p:cBhvr>
+                                        <p:cTn id="12" dur="1" fill="hold">
+                                          <p:stCondLst>
+                                            <p:cond delay="0"/>
+                                          </p:stCondLst>
+                                        </p:cTn>
+                                        <p:tgtEl>
+                                          <p:spTgt spid="29">
+                                            <p:graphicEl>
+                                              <a:dgm id="{514F042E-B533-444E-AD23-EEC170E9106B}"/>
+                                            </p:graphicEl>
+                                          </p:spTgt>
+                                        </p:tgtEl>
+                                        <p:attrNameLst>
+                                          <p:attrName>style.visibility</p:attrName>
+                                        </p:attrNameLst>
+                                      </p:cBhvr>
+                                      <p:to>
+                                        <p:strVal val="visible"/>
+                                      </p:to>
+                                    </p:set>
+                                    <p:anim calcmode="lin" valueType="num">
+                                      <p:cBhvr>
+                                        <p:cTn id="13" dur="500" fill="hold"/>
+                                        <p:tgtEl>
+                                          <p:spTgt spid="29">
+                                            <p:graphicEl>
+                                              <a:dgm id="{514F042E-B533-444E-AD23-EEC170E9106B}"/>
+                                            </p:graphicEl>
+                                          </p:spTgt>
+                                        </p:tgtEl>
+                                        <p:attrNameLst>
+                                          <p:attrName>ppt_w</p:attrName>
+                                        </p:attrNameLst>
+                                      </p:cBhvr>
+                                      <p:tavLst>
+                                        <p:tav tm="0">
+                                          <p:val>
+                                            <p:fltVal val="0"/>
+                                          </p:val>
+                                        </p:tav>
+                                        <p:tav tm="100000">
+                                          <p:val>
+                                            <p:strVal val="#ppt_w"/>
+                                          </p:val>
+                                        </p:tav>
+                                      </p:tavLst>
+                                    </p:anim>
+                                    <p:anim calcmode="lin" valueType="num">
+                                      <p:cBhvr>
+                                        <p:cTn id="14" dur="500" fill="hold"/>
+                                        <p:tgtEl>
+                                          <p:spTgt spid="29">
+                                            <p:graphicEl>
+                                              <a:dgm id="{514F042E-B533-444E-AD23-EEC170E9106B}"/>
+                                            </p:graphicEl>
+                                          </p:spTgt>
+                                        </p:tgtEl>
+                                        <p:attrNameLst>
+                                          <p:attrName>ppt_h</p:attrName>
+                                        </p:attrNameLst>
+                                      </p:cBhvr>
+                                      <p:tavLst>
+                                        <p:tav tm="0">
+                                          <p:val>
+                                            <p:fltVal val="0"/>
+                                          </p:val>
+                                        </p:tav>
+                                        <p:tav tm="100000">
+                                          <p:val>
+                                            <p:strVal val="#ppt_h"/>
+                                          </p:val>
+                                        </p:tav>
+                                      </p:tavLst>
+                                    </p:anim>
+                                  </p:childTnLst>
+                                </p:cTn>
+                              </p:par>
+                              <p:par>
+                                <p:cTn id="15" presetID="23" presetClass="entr" presetSubtype="16" fill="hold" grpId="0" nodeType="withEffect">
                                   <p:stCondLst>
                                     <p:cond delay="0"/>
                                   </p:stCondLst>
@@ -21411,6 +22234,485 @@
                                     <p:set>
                                       <p:cBhvr>
                                         <p:cTn id="16" dur="1" fill="hold">
+                                          <p:stCondLst>
+                                            <p:cond delay="0"/>
+                                          </p:stCondLst>
+                                        </p:cTn>
+                                        <p:tgtEl>
+                                          <p:spTgt spid="29">
+                                            <p:graphicEl>
+                                              <a:dgm id="{4C6D66A1-89C2-5045-9CF6-AE19FF69C2E4}"/>
+                                            </p:graphicEl>
+                                          </p:spTgt>
+                                        </p:tgtEl>
+                                        <p:attrNameLst>
+                                          <p:attrName>style.visibility</p:attrName>
+                                        </p:attrNameLst>
+                                      </p:cBhvr>
+                                      <p:to>
+                                        <p:strVal val="visible"/>
+                                      </p:to>
+                                    </p:set>
+                                    <p:anim calcmode="lin" valueType="num">
+                                      <p:cBhvr>
+                                        <p:cTn id="17" dur="500" fill="hold"/>
+                                        <p:tgtEl>
+                                          <p:spTgt spid="29">
+                                            <p:graphicEl>
+                                              <a:dgm id="{4C6D66A1-89C2-5045-9CF6-AE19FF69C2E4}"/>
+                                            </p:graphicEl>
+                                          </p:spTgt>
+                                        </p:tgtEl>
+                                        <p:attrNameLst>
+                                          <p:attrName>ppt_w</p:attrName>
+                                        </p:attrNameLst>
+                                      </p:cBhvr>
+                                      <p:tavLst>
+                                        <p:tav tm="0">
+                                          <p:val>
+                                            <p:fltVal val="0"/>
+                                          </p:val>
+                                        </p:tav>
+                                        <p:tav tm="100000">
+                                          <p:val>
+                                            <p:strVal val="#ppt_w"/>
+                                          </p:val>
+                                        </p:tav>
+                                      </p:tavLst>
+                                    </p:anim>
+                                    <p:anim calcmode="lin" valueType="num">
+                                      <p:cBhvr>
+                                        <p:cTn id="18" dur="500" fill="hold"/>
+                                        <p:tgtEl>
+                                          <p:spTgt spid="29">
+                                            <p:graphicEl>
+                                              <a:dgm id="{4C6D66A1-89C2-5045-9CF6-AE19FF69C2E4}"/>
+                                            </p:graphicEl>
+                                          </p:spTgt>
+                                        </p:tgtEl>
+                                        <p:attrNameLst>
+                                          <p:attrName>ppt_h</p:attrName>
+                                        </p:attrNameLst>
+                                      </p:cBhvr>
+                                      <p:tavLst>
+                                        <p:tav tm="0">
+                                          <p:val>
+                                            <p:fltVal val="0"/>
+                                          </p:val>
+                                        </p:tav>
+                                        <p:tav tm="100000">
+                                          <p:val>
+                                            <p:strVal val="#ppt_h"/>
+                                          </p:val>
+                                        </p:tav>
+                                      </p:tavLst>
+                                    </p:anim>
+                                  </p:childTnLst>
+                                </p:cTn>
+                              </p:par>
+                            </p:childTnLst>
+                          </p:cTn>
+                        </p:par>
+                      </p:childTnLst>
+                    </p:cTn>
+                  </p:par>
+                  <p:par>
+                    <p:cTn id="19" fill="hold">
+                      <p:stCondLst>
+                        <p:cond delay="indefinite"/>
+                      </p:stCondLst>
+                      <p:childTnLst>
+                        <p:par>
+                          <p:cTn id="20" fill="hold">
+                            <p:stCondLst>
+                              <p:cond delay="0"/>
+                            </p:stCondLst>
+                            <p:childTnLst>
+                              <p:par>
+                                <p:cTn id="21" presetID="23" presetClass="entr" presetSubtype="16" fill="hold" grpId="0" nodeType="clickEffect">
+                                  <p:stCondLst>
+                                    <p:cond delay="0"/>
+                                  </p:stCondLst>
+                                  <p:childTnLst>
+                                    <p:set>
+                                      <p:cBhvr>
+                                        <p:cTn id="22" dur="1" fill="hold">
+                                          <p:stCondLst>
+                                            <p:cond delay="0"/>
+                                          </p:stCondLst>
+                                        </p:cTn>
+                                        <p:tgtEl>
+                                          <p:spTgt spid="29">
+                                            <p:graphicEl>
+                                              <a:dgm id="{322E1A56-CEEF-1842-B9B3-2F1A14649CBB}"/>
+                                            </p:graphicEl>
+                                          </p:spTgt>
+                                        </p:tgtEl>
+                                        <p:attrNameLst>
+                                          <p:attrName>style.visibility</p:attrName>
+                                        </p:attrNameLst>
+                                      </p:cBhvr>
+                                      <p:to>
+                                        <p:strVal val="visible"/>
+                                      </p:to>
+                                    </p:set>
+                                    <p:anim calcmode="lin" valueType="num">
+                                      <p:cBhvr>
+                                        <p:cTn id="23" dur="500" fill="hold"/>
+                                        <p:tgtEl>
+                                          <p:spTgt spid="29">
+                                            <p:graphicEl>
+                                              <a:dgm id="{322E1A56-CEEF-1842-B9B3-2F1A14649CBB}"/>
+                                            </p:graphicEl>
+                                          </p:spTgt>
+                                        </p:tgtEl>
+                                        <p:attrNameLst>
+                                          <p:attrName>ppt_w</p:attrName>
+                                        </p:attrNameLst>
+                                      </p:cBhvr>
+                                      <p:tavLst>
+                                        <p:tav tm="0">
+                                          <p:val>
+                                            <p:fltVal val="0"/>
+                                          </p:val>
+                                        </p:tav>
+                                        <p:tav tm="100000">
+                                          <p:val>
+                                            <p:strVal val="#ppt_w"/>
+                                          </p:val>
+                                        </p:tav>
+                                      </p:tavLst>
+                                    </p:anim>
+                                    <p:anim calcmode="lin" valueType="num">
+                                      <p:cBhvr>
+                                        <p:cTn id="24" dur="500" fill="hold"/>
+                                        <p:tgtEl>
+                                          <p:spTgt spid="29">
+                                            <p:graphicEl>
+                                              <a:dgm id="{322E1A56-CEEF-1842-B9B3-2F1A14649CBB}"/>
+                                            </p:graphicEl>
+                                          </p:spTgt>
+                                        </p:tgtEl>
+                                        <p:attrNameLst>
+                                          <p:attrName>ppt_h</p:attrName>
+                                        </p:attrNameLst>
+                                      </p:cBhvr>
+                                      <p:tavLst>
+                                        <p:tav tm="0">
+                                          <p:val>
+                                            <p:fltVal val="0"/>
+                                          </p:val>
+                                        </p:tav>
+                                        <p:tav tm="100000">
+                                          <p:val>
+                                            <p:strVal val="#ppt_h"/>
+                                          </p:val>
+                                        </p:tav>
+                                      </p:tavLst>
+                                    </p:anim>
+                                  </p:childTnLst>
+                                </p:cTn>
+                              </p:par>
+                              <p:par>
+                                <p:cTn id="25" presetID="23" presetClass="entr" presetSubtype="16" fill="hold" grpId="0" nodeType="withEffect">
+                                  <p:stCondLst>
+                                    <p:cond delay="0"/>
+                                  </p:stCondLst>
+                                  <p:childTnLst>
+                                    <p:set>
+                                      <p:cBhvr>
+                                        <p:cTn id="26" dur="1" fill="hold">
+                                          <p:stCondLst>
+                                            <p:cond delay="0"/>
+                                          </p:stCondLst>
+                                        </p:cTn>
+                                        <p:tgtEl>
+                                          <p:spTgt spid="29">
+                                            <p:graphicEl>
+                                              <a:dgm id="{5920BD7D-0322-AB4C-BE49-E37C38368DCC}"/>
+                                            </p:graphicEl>
+                                          </p:spTgt>
+                                        </p:tgtEl>
+                                        <p:attrNameLst>
+                                          <p:attrName>style.visibility</p:attrName>
+                                        </p:attrNameLst>
+                                      </p:cBhvr>
+                                      <p:to>
+                                        <p:strVal val="visible"/>
+                                      </p:to>
+                                    </p:set>
+                                    <p:anim calcmode="lin" valueType="num">
+                                      <p:cBhvr>
+                                        <p:cTn id="27" dur="500" fill="hold"/>
+                                        <p:tgtEl>
+                                          <p:spTgt spid="29">
+                                            <p:graphicEl>
+                                              <a:dgm id="{5920BD7D-0322-AB4C-BE49-E37C38368DCC}"/>
+                                            </p:graphicEl>
+                                          </p:spTgt>
+                                        </p:tgtEl>
+                                        <p:attrNameLst>
+                                          <p:attrName>ppt_w</p:attrName>
+                                        </p:attrNameLst>
+                                      </p:cBhvr>
+                                      <p:tavLst>
+                                        <p:tav tm="0">
+                                          <p:val>
+                                            <p:fltVal val="0"/>
+                                          </p:val>
+                                        </p:tav>
+                                        <p:tav tm="100000">
+                                          <p:val>
+                                            <p:strVal val="#ppt_w"/>
+                                          </p:val>
+                                        </p:tav>
+                                      </p:tavLst>
+                                    </p:anim>
+                                    <p:anim calcmode="lin" valueType="num">
+                                      <p:cBhvr>
+                                        <p:cTn id="28" dur="500" fill="hold"/>
+                                        <p:tgtEl>
+                                          <p:spTgt spid="29">
+                                            <p:graphicEl>
+                                              <a:dgm id="{5920BD7D-0322-AB4C-BE49-E37C38368DCC}"/>
+                                            </p:graphicEl>
+                                          </p:spTgt>
+                                        </p:tgtEl>
+                                        <p:attrNameLst>
+                                          <p:attrName>ppt_h</p:attrName>
+                                        </p:attrNameLst>
+                                      </p:cBhvr>
+                                      <p:tavLst>
+                                        <p:tav tm="0">
+                                          <p:val>
+                                            <p:fltVal val="0"/>
+                                          </p:val>
+                                        </p:tav>
+                                        <p:tav tm="100000">
+                                          <p:val>
+                                            <p:strVal val="#ppt_h"/>
+                                          </p:val>
+                                        </p:tav>
+                                      </p:tavLst>
+                                    </p:anim>
+                                  </p:childTnLst>
+                                </p:cTn>
+                              </p:par>
+                            </p:childTnLst>
+                          </p:cTn>
+                        </p:par>
+                      </p:childTnLst>
+                    </p:cTn>
+                  </p:par>
+                  <p:par>
+                    <p:cTn id="29" fill="hold">
+                      <p:stCondLst>
+                        <p:cond delay="indefinite"/>
+                      </p:stCondLst>
+                      <p:childTnLst>
+                        <p:par>
+                          <p:cTn id="30" fill="hold">
+                            <p:stCondLst>
+                              <p:cond delay="0"/>
+                            </p:stCondLst>
+                            <p:childTnLst>
+                              <p:par>
+                                <p:cTn id="31" presetID="23" presetClass="entr" presetSubtype="16" fill="hold" grpId="0" nodeType="clickEffect">
+                                  <p:stCondLst>
+                                    <p:cond delay="0"/>
+                                  </p:stCondLst>
+                                  <p:childTnLst>
+                                    <p:set>
+                                      <p:cBhvr>
+                                        <p:cTn id="32" dur="1" fill="hold">
+                                          <p:stCondLst>
+                                            <p:cond delay="0"/>
+                                          </p:stCondLst>
+                                        </p:cTn>
+                                        <p:tgtEl>
+                                          <p:spTgt spid="29">
+                                            <p:graphicEl>
+                                              <a:dgm id="{B1B64BFB-4A9D-7248-A990-B9ADA5557F79}"/>
+                                            </p:graphicEl>
+                                          </p:spTgt>
+                                        </p:tgtEl>
+                                        <p:attrNameLst>
+                                          <p:attrName>style.visibility</p:attrName>
+                                        </p:attrNameLst>
+                                      </p:cBhvr>
+                                      <p:to>
+                                        <p:strVal val="visible"/>
+                                      </p:to>
+                                    </p:set>
+                                    <p:anim calcmode="lin" valueType="num">
+                                      <p:cBhvr>
+                                        <p:cTn id="33" dur="500" fill="hold"/>
+                                        <p:tgtEl>
+                                          <p:spTgt spid="29">
+                                            <p:graphicEl>
+                                              <a:dgm id="{B1B64BFB-4A9D-7248-A990-B9ADA5557F79}"/>
+                                            </p:graphicEl>
+                                          </p:spTgt>
+                                        </p:tgtEl>
+                                        <p:attrNameLst>
+                                          <p:attrName>ppt_w</p:attrName>
+                                        </p:attrNameLst>
+                                      </p:cBhvr>
+                                      <p:tavLst>
+                                        <p:tav tm="0">
+                                          <p:val>
+                                            <p:fltVal val="0"/>
+                                          </p:val>
+                                        </p:tav>
+                                        <p:tav tm="100000">
+                                          <p:val>
+                                            <p:strVal val="#ppt_w"/>
+                                          </p:val>
+                                        </p:tav>
+                                      </p:tavLst>
+                                    </p:anim>
+                                    <p:anim calcmode="lin" valueType="num">
+                                      <p:cBhvr>
+                                        <p:cTn id="34" dur="500" fill="hold"/>
+                                        <p:tgtEl>
+                                          <p:spTgt spid="29">
+                                            <p:graphicEl>
+                                              <a:dgm id="{B1B64BFB-4A9D-7248-A990-B9ADA5557F79}"/>
+                                            </p:graphicEl>
+                                          </p:spTgt>
+                                        </p:tgtEl>
+                                        <p:attrNameLst>
+                                          <p:attrName>ppt_h</p:attrName>
+                                        </p:attrNameLst>
+                                      </p:cBhvr>
+                                      <p:tavLst>
+                                        <p:tav tm="0">
+                                          <p:val>
+                                            <p:fltVal val="0"/>
+                                          </p:val>
+                                        </p:tav>
+                                        <p:tav tm="100000">
+                                          <p:val>
+                                            <p:strVal val="#ppt_h"/>
+                                          </p:val>
+                                        </p:tav>
+                                      </p:tavLst>
+                                    </p:anim>
+                                  </p:childTnLst>
+                                </p:cTn>
+                              </p:par>
+                              <p:par>
+                                <p:cTn id="35" presetID="23" presetClass="entr" presetSubtype="16" fill="hold" grpId="0" nodeType="withEffect">
+                                  <p:stCondLst>
+                                    <p:cond delay="0"/>
+                                  </p:stCondLst>
+                                  <p:childTnLst>
+                                    <p:set>
+                                      <p:cBhvr>
+                                        <p:cTn id="36" dur="1" fill="hold">
+                                          <p:stCondLst>
+                                            <p:cond delay="0"/>
+                                          </p:stCondLst>
+                                        </p:cTn>
+                                        <p:tgtEl>
+                                          <p:spTgt spid="29">
+                                            <p:graphicEl>
+                                              <a:dgm id="{08021080-8440-2348-BBF8-2151E19C7BAF}"/>
+                                            </p:graphicEl>
+                                          </p:spTgt>
+                                        </p:tgtEl>
+                                        <p:attrNameLst>
+                                          <p:attrName>style.visibility</p:attrName>
+                                        </p:attrNameLst>
+                                      </p:cBhvr>
+                                      <p:to>
+                                        <p:strVal val="visible"/>
+                                      </p:to>
+                                    </p:set>
+                                    <p:anim calcmode="lin" valueType="num">
+                                      <p:cBhvr>
+                                        <p:cTn id="37" dur="500" fill="hold"/>
+                                        <p:tgtEl>
+                                          <p:spTgt spid="29">
+                                            <p:graphicEl>
+                                              <a:dgm id="{08021080-8440-2348-BBF8-2151E19C7BAF}"/>
+                                            </p:graphicEl>
+                                          </p:spTgt>
+                                        </p:tgtEl>
+                                        <p:attrNameLst>
+                                          <p:attrName>ppt_w</p:attrName>
+                                        </p:attrNameLst>
+                                      </p:cBhvr>
+                                      <p:tavLst>
+                                        <p:tav tm="0">
+                                          <p:val>
+                                            <p:fltVal val="0"/>
+                                          </p:val>
+                                        </p:tav>
+                                        <p:tav tm="100000">
+                                          <p:val>
+                                            <p:strVal val="#ppt_w"/>
+                                          </p:val>
+                                        </p:tav>
+                                      </p:tavLst>
+                                    </p:anim>
+                                    <p:anim calcmode="lin" valueType="num">
+                                      <p:cBhvr>
+                                        <p:cTn id="38" dur="500" fill="hold"/>
+                                        <p:tgtEl>
+                                          <p:spTgt spid="29">
+                                            <p:graphicEl>
+                                              <a:dgm id="{08021080-8440-2348-BBF8-2151E19C7BAF}"/>
+                                            </p:graphicEl>
+                                          </p:spTgt>
+                                        </p:tgtEl>
+                                        <p:attrNameLst>
+                                          <p:attrName>ppt_h</p:attrName>
+                                        </p:attrNameLst>
+                                      </p:cBhvr>
+                                      <p:tavLst>
+                                        <p:tav tm="0">
+                                          <p:val>
+                                            <p:fltVal val="0"/>
+                                          </p:val>
+                                        </p:tav>
+                                        <p:tav tm="100000">
+                                          <p:val>
+                                            <p:strVal val="#ppt_h"/>
+                                          </p:val>
+                                        </p:tav>
+                                      </p:tavLst>
+                                    </p:anim>
+                                  </p:childTnLst>
+                                </p:cTn>
+                              </p:par>
+                            </p:childTnLst>
+                          </p:cTn>
+                        </p:par>
+                      </p:childTnLst>
+                    </p:cTn>
+                  </p:par>
+                  <p:par>
+                    <p:cTn id="39" fill="hold">
+                      <p:stCondLst>
+                        <p:cond delay="indefinite"/>
+                      </p:stCondLst>
+                      <p:childTnLst>
+                        <p:par>
+                          <p:cTn id="40" fill="hold">
+                            <p:stCondLst>
+                              <p:cond delay="0"/>
+                            </p:stCondLst>
+                            <p:childTnLst>
+                              <p:par>
+                                <p:cTn id="41" presetID="23" presetClass="entr" presetSubtype="16" fill="hold" grpId="0" nodeType="clickEffect">
+                                  <p:stCondLst>
+                                    <p:cond delay="0"/>
+                                  </p:stCondLst>
+                                  <p:childTnLst>
+                                    <p:set>
+                                      <p:cBhvr>
+                                        <p:cTn id="42" dur="1" fill="hold">
                                           <p:stCondLst>
                                             <p:cond delay="0"/>
                                           </p:stCondLst>
@@ -21432,7 +22734,7 @@
                                     </p:set>
                                     <p:anim calcmode="lin" valueType="num">
                                       <p:cBhvr>
-                                        <p:cTn id="17" dur="500" fill="hold"/>
+                                        <p:cTn id="43" dur="500" fill="hold"/>
                                         <p:tgtEl>
                                           <p:spTgt spid="29">
                                             <p:graphicEl>
@@ -21459,7 +22761,7 @@
                                     </p:anim>
                                     <p:anim calcmode="lin" valueType="num">
                                       <p:cBhvr>
-                                        <p:cTn id="18" dur="500" fill="hold"/>
+                                        <p:cTn id="44" dur="500" fill="hold"/>
                                         <p:tgtEl>
                                           <p:spTgt spid="29">
                                             <p:graphicEl>
@@ -21488,14 +22790,14 @@
                                 </p:cTn>
                               </p:par>
                               <p:par>
-                                <p:cTn id="19" presetID="23" presetClass="entr" presetSubtype="16" fill="hold" grpId="0" nodeType="withEffect">
+                                <p:cTn id="45" presetID="23" presetClass="entr" presetSubtype="16" fill="hold" grpId="0" nodeType="withEffect">
                                   <p:stCondLst>
                                     <p:cond delay="0"/>
                                   </p:stCondLst>
                                   <p:childTnLst>
                                     <p:set>
                                       <p:cBhvr>
-                                        <p:cTn id="20" dur="1" fill="hold">
+                                        <p:cTn id="46" dur="1" fill="hold">
                                           <p:stCondLst>
                                             <p:cond delay="0"/>
                                           </p:stCondLst>
@@ -21517,7 +22819,7 @@
                                     </p:set>
                                     <p:anim calcmode="lin" valueType="num">
                                       <p:cBhvr>
-                                        <p:cTn id="21" dur="500" fill="hold"/>
+                                        <p:cTn id="47" dur="500" fill="hold"/>
                                         <p:tgtEl>
                                           <p:spTgt spid="29">
                                             <p:graphicEl>
@@ -21544,7 +22846,7 @@
                                     </p:anim>
                                     <p:anim calcmode="lin" valueType="num">
                                       <p:cBhvr>
-                                        <p:cTn id="22" dur="500" fill="hold"/>
+                                        <p:cTn id="48" dur="500" fill="hold"/>
                                         <p:tgtEl>
                                           <p:spTgt spid="29">
                                             <p:graphicEl>
@@ -21579,26 +22881,26 @@
                     </p:cTn>
                   </p:par>
                   <p:par>
-                    <p:cTn id="23" fill="hold">
+                    <p:cTn id="49" fill="hold">
                       <p:stCondLst>
                         <p:cond delay="indefinite"/>
                       </p:stCondLst>
                       <p:childTnLst>
                         <p:par>
-                          <p:cTn id="24" fill="hold">
+                          <p:cTn id="50" fill="hold">
                             <p:stCondLst>
                               <p:cond delay="0"/>
                             </p:stCondLst>
                             <p:childTnLst>
                               <p:par>
-                                <p:cTn id="25" presetID="23" presetClass="entr" presetSubtype="16" fill="hold" grpId="0" nodeType="clickEffect">
+                                <p:cTn id="51" presetID="23" presetClass="entr" presetSubtype="16" fill="hold" grpId="0" nodeType="clickEffect">
                                   <p:stCondLst>
                                     <p:cond delay="0"/>
                                   </p:stCondLst>
                                   <p:childTnLst>
                                     <p:set>
                                       <p:cBhvr>
-                                        <p:cTn id="26" dur="1" fill="hold">
+                                        <p:cTn id="52" dur="1" fill="hold">
                                           <p:stCondLst>
                                             <p:cond delay="0"/>
                                           </p:stCondLst>
@@ -21606,7 +22908,7 @@
                                         <p:tgtEl>
                                           <p:spTgt spid="29">
                                             <p:graphicEl>
-                                              <a:dgm id="{514F042E-B533-444E-AD23-EEC170E9106B}"/>
+                                              <a:dgm id="{7BA6AFF8-01FB-574D-A406-4817CC5DEECD}"/>
                                             </p:graphicEl>
                                           </p:spTgt>
                                         </p:tgtEl>
@@ -21620,11 +22922,11 @@
                                     </p:set>
                                     <p:anim calcmode="lin" valueType="num">
                                       <p:cBhvr>
-                                        <p:cTn id="27" dur="500" fill="hold"/>
+                                        <p:cTn id="53" dur="500" fill="hold"/>
                                         <p:tgtEl>
                                           <p:spTgt spid="29">
                                             <p:graphicEl>
-                                              <a:dgm id="{514F042E-B533-444E-AD23-EEC170E9106B}"/>
+                                              <a:dgm id="{7BA6AFF8-01FB-574D-A406-4817CC5DEECD}"/>
                                             </p:graphicEl>
                                           </p:spTgt>
                                         </p:tgtEl>
@@ -21647,11 +22949,11 @@
                                     </p:anim>
                                     <p:anim calcmode="lin" valueType="num">
                                       <p:cBhvr>
-                                        <p:cTn id="28" dur="500" fill="hold"/>
+                                        <p:cTn id="54" dur="500" fill="hold"/>
                                         <p:tgtEl>
                                           <p:spTgt spid="29">
                                             <p:graphicEl>
-                                              <a:dgm id="{514F042E-B533-444E-AD23-EEC170E9106B}"/>
+                                              <a:dgm id="{7BA6AFF8-01FB-574D-A406-4817CC5DEECD}"/>
                                             </p:graphicEl>
                                           </p:spTgt>
                                         </p:tgtEl>
@@ -21676,14 +22978,14 @@
                                 </p:cTn>
                               </p:par>
                               <p:par>
-                                <p:cTn id="29" presetID="23" presetClass="entr" presetSubtype="16" fill="hold" grpId="0" nodeType="withEffect">
+                                <p:cTn id="55" presetID="23" presetClass="entr" presetSubtype="16" fill="hold" grpId="0" nodeType="withEffect">
                                   <p:stCondLst>
                                     <p:cond delay="0"/>
                                   </p:stCondLst>
                                   <p:childTnLst>
                                     <p:set>
                                       <p:cBhvr>
-                                        <p:cTn id="30" dur="1" fill="hold">
+                                        <p:cTn id="56" dur="1" fill="hold">
                                           <p:stCondLst>
                                             <p:cond delay="0"/>
                                           </p:stCondLst>
@@ -21691,7 +22993,7 @@
                                         <p:tgtEl>
                                           <p:spTgt spid="29">
                                             <p:graphicEl>
-                                              <a:dgm id="{08021080-8440-2348-BBF8-2151E19C7BAF}"/>
+                                              <a:dgm id="{1A110707-564F-8949-BA63-EFB62FE4A89A}"/>
                                             </p:graphicEl>
                                           </p:spTgt>
                                         </p:tgtEl>
@@ -21705,11 +23007,11 @@
                                     </p:set>
                                     <p:anim calcmode="lin" valueType="num">
                                       <p:cBhvr>
-                                        <p:cTn id="31" dur="500" fill="hold"/>
+                                        <p:cTn id="57" dur="500" fill="hold"/>
                                         <p:tgtEl>
                                           <p:spTgt spid="29">
                                             <p:graphicEl>
-                                              <a:dgm id="{08021080-8440-2348-BBF8-2151E19C7BAF}"/>
+                                              <a:dgm id="{1A110707-564F-8949-BA63-EFB62FE4A89A}"/>
                                             </p:graphicEl>
                                           </p:spTgt>
                                         </p:tgtEl>
@@ -21732,11 +23034,11 @@
                                     </p:anim>
                                     <p:anim calcmode="lin" valueType="num">
                                       <p:cBhvr>
-                                        <p:cTn id="32" dur="500" fill="hold"/>
+                                        <p:cTn id="58" dur="500" fill="hold"/>
                                         <p:tgtEl>
                                           <p:spTgt spid="29">
                                             <p:graphicEl>
-                                              <a:dgm id="{08021080-8440-2348-BBF8-2151E19C7BAF}"/>
+                                              <a:dgm id="{1A110707-564F-8949-BA63-EFB62FE4A89A}"/>
                                             </p:graphicEl>
                                           </p:spTgt>
                                         </p:tgtEl>
@@ -21767,26 +23069,26 @@
                     </p:cTn>
                   </p:par>
                   <p:par>
-                    <p:cTn id="33" fill="hold">
+                    <p:cTn id="59" fill="hold">
                       <p:stCondLst>
                         <p:cond delay="indefinite"/>
                       </p:stCondLst>
                       <p:childTnLst>
                         <p:par>
-                          <p:cTn id="34" fill="hold">
+                          <p:cTn id="60" fill="hold">
                             <p:stCondLst>
                               <p:cond delay="0"/>
                             </p:stCondLst>
                             <p:childTnLst>
                               <p:par>
-                                <p:cTn id="35" presetID="23" presetClass="entr" presetSubtype="16" fill="hold" grpId="0" nodeType="clickEffect">
+                                <p:cTn id="61" presetID="23" presetClass="entr" presetSubtype="16" fill="hold" grpId="0" nodeType="clickEffect">
                                   <p:stCondLst>
                                     <p:cond delay="0"/>
                                   </p:stCondLst>
                                   <p:childTnLst>
                                     <p:set>
                                       <p:cBhvr>
-                                        <p:cTn id="36" dur="1" fill="hold">
+                                        <p:cTn id="62" dur="1" fill="hold">
                                           <p:stCondLst>
                                             <p:cond delay="0"/>
                                           </p:stCondLst>
@@ -21794,7 +23096,7 @@
                                         <p:tgtEl>
                                           <p:spTgt spid="29">
                                             <p:graphicEl>
-                                              <a:dgm id="{7FB6FC54-5AC3-FF4C-BCA1-537FCB5AF275}"/>
+                                              <a:dgm id="{D87BB7E4-563E-8B47-87CF-5C66BB3E1766}"/>
                                             </p:graphicEl>
                                           </p:spTgt>
                                         </p:tgtEl>
@@ -21808,11 +23110,11 @@
                                     </p:set>
                                     <p:anim calcmode="lin" valueType="num">
                                       <p:cBhvr>
-                                        <p:cTn id="37" dur="500" fill="hold"/>
+                                        <p:cTn id="63" dur="500" fill="hold"/>
                                         <p:tgtEl>
                                           <p:spTgt spid="29">
                                             <p:graphicEl>
-                                              <a:dgm id="{7FB6FC54-5AC3-FF4C-BCA1-537FCB5AF275}"/>
+                                              <a:dgm id="{D87BB7E4-563E-8B47-87CF-5C66BB3E1766}"/>
                                             </p:graphicEl>
                                           </p:spTgt>
                                         </p:tgtEl>
@@ -21835,11 +23137,284 @@
                                     </p:anim>
                                     <p:anim calcmode="lin" valueType="num">
                                       <p:cBhvr>
-                                        <p:cTn id="38" dur="500" fill="hold"/>
+                                        <p:cTn id="64" dur="500" fill="hold"/>
                                         <p:tgtEl>
                                           <p:spTgt spid="29">
                                             <p:graphicEl>
-                                              <a:dgm id="{7FB6FC54-5AC3-FF4C-BCA1-537FCB5AF275}"/>
+                                              <a:dgm id="{D87BB7E4-563E-8B47-87CF-5C66BB3E1766}"/>
+                                            </p:graphicEl>
+                                          </p:spTgt>
+                                        </p:tgtEl>
+                                        <p:attrNameLst>
+                                          <p:attrName>ppt_h</p:attrName>
+                                        </p:attrNameLst>
+                                      </p:cBhvr>
+                                      <p:tavLst>
+                                        <p:tav tm="0">
+                                          <p:val>
+                                            <p:fltVal val="0"/>
+                                          </p:val>
+                                        </p:tav>
+                                        <p:tav tm="100000">
+                                          <p:val>
+                                            <p:strVal val="#ppt_h"/>
+                                          </p:val>
+                                        </p:tav>
+                                      </p:tavLst>
+                                    </p:anim>
+                                  </p:childTnLst>
+                                </p:cTn>
+                              </p:par>
+                              <p:par>
+                                <p:cTn id="65" presetID="23" presetClass="entr" presetSubtype="16" fill="hold" grpId="0" nodeType="withEffect">
+                                  <p:stCondLst>
+                                    <p:cond delay="0"/>
+                                  </p:stCondLst>
+                                  <p:childTnLst>
+                                    <p:set>
+                                      <p:cBhvr>
+                                        <p:cTn id="66" dur="1" fill="hold">
+                                          <p:stCondLst>
+                                            <p:cond delay="0"/>
+                                          </p:stCondLst>
+                                        </p:cTn>
+                                        <p:tgtEl>
+                                          <p:spTgt spid="29">
+                                            <p:graphicEl>
+                                              <a:dgm id="{87D803E3-EB89-BC47-9037-0610E99B4F6F}"/>
+                                            </p:graphicEl>
+                                          </p:spTgt>
+                                        </p:tgtEl>
+                                        <p:attrNameLst>
+                                          <p:attrName>style.visibility</p:attrName>
+                                        </p:attrNameLst>
+                                      </p:cBhvr>
+                                      <p:to>
+                                        <p:strVal val="visible"/>
+                                      </p:to>
+                                    </p:set>
+                                    <p:anim calcmode="lin" valueType="num">
+                                      <p:cBhvr>
+                                        <p:cTn id="67" dur="500" fill="hold"/>
+                                        <p:tgtEl>
+                                          <p:spTgt spid="29">
+                                            <p:graphicEl>
+                                              <a:dgm id="{87D803E3-EB89-BC47-9037-0610E99B4F6F}"/>
+                                            </p:graphicEl>
+                                          </p:spTgt>
+                                        </p:tgtEl>
+                                        <p:attrNameLst>
+                                          <p:attrName>ppt_w</p:attrName>
+                                        </p:attrNameLst>
+                                      </p:cBhvr>
+                                      <p:tavLst>
+                                        <p:tav tm="0">
+                                          <p:val>
+                                            <p:fltVal val="0"/>
+                                          </p:val>
+                                        </p:tav>
+                                        <p:tav tm="100000">
+                                          <p:val>
+                                            <p:strVal val="#ppt_w"/>
+                                          </p:val>
+                                        </p:tav>
+                                      </p:tavLst>
+                                    </p:anim>
+                                    <p:anim calcmode="lin" valueType="num">
+                                      <p:cBhvr>
+                                        <p:cTn id="68" dur="500" fill="hold"/>
+                                        <p:tgtEl>
+                                          <p:spTgt spid="29">
+                                            <p:graphicEl>
+                                              <a:dgm id="{87D803E3-EB89-BC47-9037-0610E99B4F6F}"/>
+                                            </p:graphicEl>
+                                          </p:spTgt>
+                                        </p:tgtEl>
+                                        <p:attrNameLst>
+                                          <p:attrName>ppt_h</p:attrName>
+                                        </p:attrNameLst>
+                                      </p:cBhvr>
+                                      <p:tavLst>
+                                        <p:tav tm="0">
+                                          <p:val>
+                                            <p:fltVal val="0"/>
+                                          </p:val>
+                                        </p:tav>
+                                        <p:tav tm="100000">
+                                          <p:val>
+                                            <p:strVal val="#ppt_h"/>
+                                          </p:val>
+                                        </p:tav>
+                                      </p:tavLst>
+                                    </p:anim>
+                                  </p:childTnLst>
+                                </p:cTn>
+                              </p:par>
+                            </p:childTnLst>
+                          </p:cTn>
+                        </p:par>
+                      </p:childTnLst>
+                    </p:cTn>
+                  </p:par>
+                  <p:par>
+                    <p:cTn id="69" fill="hold">
+                      <p:stCondLst>
+                        <p:cond delay="indefinite"/>
+                      </p:stCondLst>
+                      <p:childTnLst>
+                        <p:par>
+                          <p:cTn id="70" fill="hold">
+                            <p:stCondLst>
+                              <p:cond delay="0"/>
+                            </p:stCondLst>
+                            <p:childTnLst>
+                              <p:par>
+                                <p:cTn id="71" presetID="23" presetClass="entr" presetSubtype="16" fill="hold" grpId="0" nodeType="clickEffect">
+                                  <p:stCondLst>
+                                    <p:cond delay="0"/>
+                                  </p:stCondLst>
+                                  <p:childTnLst>
+                                    <p:set>
+                                      <p:cBhvr>
+                                        <p:cTn id="72" dur="1" fill="hold">
+                                          <p:stCondLst>
+                                            <p:cond delay="0"/>
+                                          </p:stCondLst>
+                                        </p:cTn>
+                                        <p:tgtEl>
+                                          <p:spTgt spid="29">
+                                            <p:graphicEl>
+                                              <a:dgm id="{5BCFA16E-CCDF-644A-9C7E-4482157A7136}"/>
+                                            </p:graphicEl>
+                                          </p:spTgt>
+                                        </p:tgtEl>
+                                        <p:attrNameLst>
+                                          <p:attrName>style.visibility</p:attrName>
+                                        </p:attrNameLst>
+                                      </p:cBhvr>
+                                      <p:to>
+                                        <p:strVal val="visible"/>
+                                      </p:to>
+                                    </p:set>
+                                    <p:anim calcmode="lin" valueType="num">
+                                      <p:cBhvr>
+                                        <p:cTn id="73" dur="500" fill="hold"/>
+                                        <p:tgtEl>
+                                          <p:spTgt spid="29">
+                                            <p:graphicEl>
+                                              <a:dgm id="{5BCFA16E-CCDF-644A-9C7E-4482157A7136}"/>
+                                            </p:graphicEl>
+                                          </p:spTgt>
+                                        </p:tgtEl>
+                                        <p:attrNameLst>
+                                          <p:attrName>ppt_w</p:attrName>
+                                        </p:attrNameLst>
+                                      </p:cBhvr>
+                                      <p:tavLst>
+                                        <p:tav tm="0">
+                                          <p:val>
+                                            <p:fltVal val="0"/>
+                                          </p:val>
+                                        </p:tav>
+                                        <p:tav tm="100000">
+                                          <p:val>
+                                            <p:strVal val="#ppt_w"/>
+                                          </p:val>
+                                        </p:tav>
+                                      </p:tavLst>
+                                    </p:anim>
+                                    <p:anim calcmode="lin" valueType="num">
+                                      <p:cBhvr>
+                                        <p:cTn id="74" dur="500" fill="hold"/>
+                                        <p:tgtEl>
+                                          <p:spTgt spid="29">
+                                            <p:graphicEl>
+                                              <a:dgm id="{5BCFA16E-CCDF-644A-9C7E-4482157A7136}"/>
+                                            </p:graphicEl>
+                                          </p:spTgt>
+                                        </p:tgtEl>
+                                        <p:attrNameLst>
+                                          <p:attrName>ppt_h</p:attrName>
+                                        </p:attrNameLst>
+                                      </p:cBhvr>
+                                      <p:tavLst>
+                                        <p:tav tm="0">
+                                          <p:val>
+                                            <p:fltVal val="0"/>
+                                          </p:val>
+                                        </p:tav>
+                                        <p:tav tm="100000">
+                                          <p:val>
+                                            <p:strVal val="#ppt_h"/>
+                                          </p:val>
+                                        </p:tav>
+                                      </p:tavLst>
+                                    </p:anim>
+                                  </p:childTnLst>
+                                </p:cTn>
+                              </p:par>
+                              <p:par>
+                                <p:cTn id="75" presetID="23" presetClass="entr" presetSubtype="16" fill="hold" grpId="0" nodeType="withEffect">
+                                  <p:stCondLst>
+                                    <p:cond delay="0"/>
+                                  </p:stCondLst>
+                                  <p:childTnLst>
+                                    <p:set>
+                                      <p:cBhvr>
+                                        <p:cTn id="76" dur="1" fill="hold">
+                                          <p:stCondLst>
+                                            <p:cond delay="0"/>
+                                          </p:stCondLst>
+                                        </p:cTn>
+                                        <p:tgtEl>
+                                          <p:spTgt spid="29">
+                                            <p:graphicEl>
+                                              <a:dgm id="{2C5E49C2-67BA-C04A-B93E-53C81992EB48}"/>
+                                            </p:graphicEl>
+                                          </p:spTgt>
+                                        </p:tgtEl>
+                                        <p:attrNameLst>
+                                          <p:attrName>style.visibility</p:attrName>
+                                        </p:attrNameLst>
+                                      </p:cBhvr>
+                                      <p:to>
+                                        <p:strVal val="visible"/>
+                                      </p:to>
+                                    </p:set>
+                                    <p:anim calcmode="lin" valueType="num">
+                                      <p:cBhvr>
+                                        <p:cTn id="77" dur="500" fill="hold"/>
+                                        <p:tgtEl>
+                                          <p:spTgt spid="29">
+                                            <p:graphicEl>
+                                              <a:dgm id="{2C5E49C2-67BA-C04A-B93E-53C81992EB48}"/>
+                                            </p:graphicEl>
+                                          </p:spTgt>
+                                        </p:tgtEl>
+                                        <p:attrNameLst>
+                                          <p:attrName>ppt_w</p:attrName>
+                                        </p:attrNameLst>
+                                      </p:cBhvr>
+                                      <p:tavLst>
+                                        <p:tav tm="0">
+                                          <p:val>
+                                            <p:fltVal val="0"/>
+                                          </p:val>
+                                        </p:tav>
+                                        <p:tav tm="100000">
+                                          <p:val>
+                                            <p:strVal val="#ppt_w"/>
+                                          </p:val>
+                                        </p:tav>
+                                      </p:tavLst>
+                                    </p:anim>
+                                    <p:anim calcmode="lin" valueType="num">
+                                      <p:cBhvr>
+                                        <p:cTn id="78" dur="500" fill="hold"/>
+                                        <p:tgtEl>
+                                          <p:spTgt spid="29">
+                                            <p:graphicEl>
+                                              <a:dgm id="{2C5E49C2-67BA-C04A-B93E-53C81992EB48}"/>
                                             </p:graphicEl>
                                           </p:spTgt>
                                         </p:tgtEl>

--- a/boilerplate-slides.pptx
+++ b/boilerplate-slides.pptx
@@ -12,9 +12,9 @@
     <p:sldId id="386" r:id="rId7"/>
     <p:sldId id="390" r:id="rId8"/>
     <p:sldId id="394" r:id="rId9"/>
-    <p:sldId id="395" r:id="rId10"/>
-    <p:sldId id="389" r:id="rId11"/>
-    <p:sldId id="410" r:id="rId12"/>
+    <p:sldId id="411" r:id="rId10"/>
+    <p:sldId id="395" r:id="rId11"/>
+    <p:sldId id="389" r:id="rId12"/>
     <p:sldId id="400" r:id="rId13"/>
     <p:sldId id="406" r:id="rId14"/>
     <p:sldId id="396" r:id="rId15"/>
@@ -125,7 +125,7 @@
   </p:defaultTextStyle>
   <p:extLst>
     <p:ext uri="{EFAFB233-063F-42B5-8137-9DF3F51BA10A}">
-      <p15:sldGuideLst xmlns:p15="http://schemas.microsoft.com/office/powerpoint/2012/main" xmlns="">
+      <p15:sldGuideLst xmlns="" xmlns:p15="http://schemas.microsoft.com/office/powerpoint/2012/main">
         <p15:guide id="1" orient="horz" pos="430" userDrawn="1">
           <p15:clr>
             <a:srgbClr val="A4A3A4"/>
@@ -1742,6 +1742,788 @@
 </file>
 
 <file path=ppt/diagrams/colors3.xml><?xml version="1.0" encoding="utf-8"?>
+<dgm:colorsDef xmlns:dgm="http://schemas.openxmlformats.org/drawingml/2006/diagram" xmlns:a="http://schemas.openxmlformats.org/drawingml/2006/main" uniqueId="urn:microsoft.com/office/officeart/2005/8/colors/colorful5">
+  <dgm:title val=""/>
+  <dgm:desc val=""/>
+  <dgm:catLst>
+    <dgm:cat type="colorful" pri="10500"/>
+  </dgm:catLst>
+  <dgm:styleLbl name="node0">
+    <dgm:fillClrLst meth="repeat">
+      <a:schemeClr val="accent4"/>
+    </dgm:fillClrLst>
+    <dgm:linClrLst meth="repeat">
+      <a:schemeClr val="lt1"/>
+    </dgm:linClrLst>
+    <dgm:effectClrLst/>
+    <dgm:txLinClrLst/>
+    <dgm:txFillClrLst/>
+    <dgm:txEffectClrLst/>
+  </dgm:styleLbl>
+  <dgm:styleLbl name="node1">
+    <dgm:fillClrLst>
+      <a:schemeClr val="accent5"/>
+      <a:schemeClr val="accent6"/>
+    </dgm:fillClrLst>
+    <dgm:linClrLst meth="repeat">
+      <a:schemeClr val="lt1"/>
+    </dgm:linClrLst>
+    <dgm:effectClrLst/>
+    <dgm:txLinClrLst/>
+    <dgm:txFillClrLst/>
+    <dgm:txEffectClrLst/>
+  </dgm:styleLbl>
+  <dgm:styleLbl name="alignNode1">
+    <dgm:fillClrLst>
+      <a:schemeClr val="accent5"/>
+      <a:schemeClr val="accent6"/>
+    </dgm:fillClrLst>
+    <dgm:linClrLst>
+      <a:schemeClr val="accent5"/>
+      <a:schemeClr val="accent6"/>
+    </dgm:linClrLst>
+    <dgm:effectClrLst/>
+    <dgm:txLinClrLst/>
+    <dgm:txFillClrLst/>
+    <dgm:txEffectClrLst/>
+  </dgm:styleLbl>
+  <dgm:styleLbl name="lnNode1">
+    <dgm:fillClrLst>
+      <a:schemeClr val="accent5"/>
+      <a:schemeClr val="accent6"/>
+    </dgm:fillClrLst>
+    <dgm:linClrLst meth="repeat">
+      <a:schemeClr val="lt1"/>
+    </dgm:linClrLst>
+    <dgm:effectClrLst/>
+    <dgm:txLinClrLst/>
+    <dgm:txFillClrLst/>
+    <dgm:txEffectClrLst/>
+  </dgm:styleLbl>
+  <dgm:styleLbl name="vennNode1">
+    <dgm:fillClrLst>
+      <a:schemeClr val="accent5">
+        <a:alpha val="50000"/>
+      </a:schemeClr>
+      <a:schemeClr val="accent6">
+        <a:alpha val="50000"/>
+      </a:schemeClr>
+    </dgm:fillClrLst>
+    <dgm:linClrLst meth="repeat">
+      <a:schemeClr val="lt1"/>
+    </dgm:linClrLst>
+    <dgm:effectClrLst/>
+    <dgm:txLinClrLst/>
+    <dgm:txFillClrLst/>
+    <dgm:txEffectClrLst/>
+  </dgm:styleLbl>
+  <dgm:styleLbl name="node2">
+    <dgm:fillClrLst>
+      <a:schemeClr val="accent6"/>
+    </dgm:fillClrLst>
+    <dgm:linClrLst meth="repeat">
+      <a:schemeClr val="lt1"/>
+    </dgm:linClrLst>
+    <dgm:effectClrLst/>
+    <dgm:txLinClrLst/>
+    <dgm:txFillClrLst/>
+    <dgm:txEffectClrLst/>
+  </dgm:styleLbl>
+  <dgm:styleLbl name="node3">
+    <dgm:fillClrLst>
+      <a:schemeClr val="accent1"/>
+    </dgm:fillClrLst>
+    <dgm:linClrLst meth="repeat">
+      <a:schemeClr val="lt1"/>
+    </dgm:linClrLst>
+    <dgm:effectClrLst/>
+    <dgm:txLinClrLst/>
+    <dgm:txFillClrLst/>
+    <dgm:txEffectClrLst/>
+  </dgm:styleLbl>
+  <dgm:styleLbl name="node4">
+    <dgm:fillClrLst>
+      <a:schemeClr val="accent2"/>
+    </dgm:fillClrLst>
+    <dgm:linClrLst meth="repeat">
+      <a:schemeClr val="lt1"/>
+    </dgm:linClrLst>
+    <dgm:effectClrLst/>
+    <dgm:txLinClrLst/>
+    <dgm:txFillClrLst/>
+    <dgm:txEffectClrLst/>
+  </dgm:styleLbl>
+  <dgm:styleLbl name="fgImgPlace1">
+    <dgm:fillClrLst>
+      <a:schemeClr val="accent5">
+        <a:tint val="50000"/>
+      </a:schemeClr>
+      <a:schemeClr val="accent6">
+        <a:tint val="50000"/>
+      </a:schemeClr>
+    </dgm:fillClrLst>
+    <dgm:linClrLst meth="repeat">
+      <a:schemeClr val="lt1"/>
+    </dgm:linClrLst>
+    <dgm:effectClrLst/>
+    <dgm:txLinClrLst/>
+    <dgm:txFillClrLst meth="repeat">
+      <a:schemeClr val="lt1"/>
+    </dgm:txFillClrLst>
+    <dgm:txEffectClrLst/>
+  </dgm:styleLbl>
+  <dgm:styleLbl name="alignImgPlace1">
+    <dgm:fillClrLst>
+      <a:schemeClr val="accent5">
+        <a:tint val="50000"/>
+      </a:schemeClr>
+      <a:schemeClr val="accent6">
+        <a:tint val="20000"/>
+      </a:schemeClr>
+    </dgm:fillClrLst>
+    <dgm:linClrLst meth="repeat">
+      <a:schemeClr val="lt1"/>
+    </dgm:linClrLst>
+    <dgm:effectClrLst/>
+    <dgm:txLinClrLst/>
+    <dgm:txFillClrLst meth="repeat">
+      <a:schemeClr val="lt1"/>
+    </dgm:txFillClrLst>
+    <dgm:txEffectClrLst/>
+  </dgm:styleLbl>
+  <dgm:styleLbl name="bgImgPlace1">
+    <dgm:fillClrLst>
+      <a:schemeClr val="accent5">
+        <a:tint val="50000"/>
+      </a:schemeClr>
+      <a:schemeClr val="accent6">
+        <a:tint val="20000"/>
+      </a:schemeClr>
+    </dgm:fillClrLst>
+    <dgm:linClrLst meth="repeat">
+      <a:schemeClr val="lt1"/>
+    </dgm:linClrLst>
+    <dgm:effectClrLst/>
+    <dgm:txLinClrLst/>
+    <dgm:txFillClrLst meth="repeat">
+      <a:schemeClr val="lt1"/>
+    </dgm:txFillClrLst>
+    <dgm:txEffectClrLst/>
+  </dgm:styleLbl>
+  <dgm:styleLbl name="sibTrans2D1">
+    <dgm:fillClrLst>
+      <a:schemeClr val="accent5"/>
+      <a:schemeClr val="accent6"/>
+    </dgm:fillClrLst>
+    <dgm:linClrLst meth="repeat">
+      <a:schemeClr val="lt1"/>
+    </dgm:linClrLst>
+    <dgm:effectClrLst/>
+    <dgm:txLinClrLst/>
+    <dgm:txFillClrLst/>
+    <dgm:txEffectClrLst/>
+  </dgm:styleLbl>
+  <dgm:styleLbl name="fgSibTrans2D1">
+    <dgm:fillClrLst>
+      <a:schemeClr val="accent5"/>
+      <a:schemeClr val="accent6"/>
+    </dgm:fillClrLst>
+    <dgm:linClrLst meth="repeat">
+      <a:schemeClr val="lt1"/>
+    </dgm:linClrLst>
+    <dgm:effectClrLst/>
+    <dgm:txLinClrLst/>
+    <dgm:txFillClrLst meth="repeat">
+      <a:schemeClr val="lt1"/>
+    </dgm:txFillClrLst>
+    <dgm:txEffectClrLst/>
+  </dgm:styleLbl>
+  <dgm:styleLbl name="bgSibTrans2D1">
+    <dgm:fillClrLst>
+      <a:schemeClr val="accent5"/>
+      <a:schemeClr val="accent6"/>
+    </dgm:fillClrLst>
+    <dgm:linClrLst meth="repeat">
+      <a:schemeClr val="lt1"/>
+    </dgm:linClrLst>
+    <dgm:effectClrLst/>
+    <dgm:txLinClrLst/>
+    <dgm:txFillClrLst meth="repeat">
+      <a:schemeClr val="lt1"/>
+    </dgm:txFillClrLst>
+    <dgm:txEffectClrLst/>
+  </dgm:styleLbl>
+  <dgm:styleLbl name="sibTrans1D1">
+    <dgm:fillClrLst/>
+    <dgm:linClrLst>
+      <a:schemeClr val="accent5"/>
+      <a:schemeClr val="accent6"/>
+    </dgm:linClrLst>
+    <dgm:effectClrLst/>
+    <dgm:txLinClrLst/>
+    <dgm:txFillClrLst meth="repeat">
+      <a:schemeClr val="tx1"/>
+    </dgm:txFillClrLst>
+    <dgm:txEffectClrLst/>
+  </dgm:styleLbl>
+  <dgm:styleLbl name="callout">
+    <dgm:fillClrLst meth="repeat">
+      <a:schemeClr val="accent5"/>
+    </dgm:fillClrLst>
+    <dgm:linClrLst meth="repeat">
+      <a:schemeClr val="accent5">
+        <a:tint val="50000"/>
+      </a:schemeClr>
+    </dgm:linClrLst>
+    <dgm:effectClrLst/>
+    <dgm:txLinClrLst/>
+    <dgm:txFillClrLst meth="repeat">
+      <a:schemeClr val="tx1"/>
+    </dgm:txFillClrLst>
+    <dgm:txEffectClrLst/>
+  </dgm:styleLbl>
+  <dgm:styleLbl name="asst0">
+    <dgm:fillClrLst meth="repeat">
+      <a:schemeClr val="accent5"/>
+    </dgm:fillClrLst>
+    <dgm:linClrLst meth="repeat">
+      <a:schemeClr val="lt1">
+        <a:shade val="80000"/>
+      </a:schemeClr>
+    </dgm:linClrLst>
+    <dgm:effectClrLst/>
+    <dgm:txLinClrLst/>
+    <dgm:txFillClrLst/>
+    <dgm:txEffectClrLst/>
+  </dgm:styleLbl>
+  <dgm:styleLbl name="asst1">
+    <dgm:fillClrLst meth="repeat">
+      <a:schemeClr val="accent6"/>
+    </dgm:fillClrLst>
+    <dgm:linClrLst meth="repeat">
+      <a:schemeClr val="lt1">
+        <a:shade val="80000"/>
+      </a:schemeClr>
+    </dgm:linClrLst>
+    <dgm:effectClrLst/>
+    <dgm:txLinClrLst/>
+    <dgm:txFillClrLst/>
+    <dgm:txEffectClrLst/>
+  </dgm:styleLbl>
+  <dgm:styleLbl name="asst2">
+    <dgm:fillClrLst>
+      <a:schemeClr val="accent1"/>
+    </dgm:fillClrLst>
+    <dgm:linClrLst meth="repeat">
+      <a:schemeClr val="lt1"/>
+    </dgm:linClrLst>
+    <dgm:effectClrLst/>
+    <dgm:txLinClrLst/>
+    <dgm:txFillClrLst/>
+    <dgm:txEffectClrLst/>
+  </dgm:styleLbl>
+  <dgm:styleLbl name="asst3">
+    <dgm:fillClrLst>
+      <a:schemeClr val="accent2"/>
+    </dgm:fillClrLst>
+    <dgm:linClrLst meth="repeat">
+      <a:schemeClr val="lt1"/>
+    </dgm:linClrLst>
+    <dgm:effectClrLst/>
+    <dgm:txLinClrLst/>
+    <dgm:txFillClrLst/>
+    <dgm:txEffectClrLst/>
+  </dgm:styleLbl>
+  <dgm:styleLbl name="asst4">
+    <dgm:fillClrLst>
+      <a:schemeClr val="accent3"/>
+    </dgm:fillClrLst>
+    <dgm:linClrLst meth="repeat">
+      <a:schemeClr val="lt1"/>
+    </dgm:linClrLst>
+    <dgm:effectClrLst/>
+    <dgm:txLinClrLst/>
+    <dgm:txFillClrLst/>
+    <dgm:txEffectClrLst/>
+  </dgm:styleLbl>
+  <dgm:styleLbl name="parChTrans2D1">
+    <dgm:fillClrLst meth="repeat">
+      <a:schemeClr val="accent5"/>
+    </dgm:fillClrLst>
+    <dgm:linClrLst meth="repeat">
+      <a:schemeClr val="lt1"/>
+    </dgm:linClrLst>
+    <dgm:effectClrLst/>
+    <dgm:txLinClrLst/>
+    <dgm:txFillClrLst meth="repeat">
+      <a:schemeClr val="lt1"/>
+    </dgm:txFillClrLst>
+    <dgm:txEffectClrLst/>
+  </dgm:styleLbl>
+  <dgm:styleLbl name="parChTrans2D2">
+    <dgm:fillClrLst meth="repeat">
+      <a:schemeClr val="accent6"/>
+    </dgm:fillClrLst>
+    <dgm:linClrLst meth="repeat">
+      <a:schemeClr val="lt1"/>
+    </dgm:linClrLst>
+    <dgm:effectClrLst/>
+    <dgm:txLinClrLst/>
+    <dgm:txFillClrLst/>
+    <dgm:txEffectClrLst/>
+  </dgm:styleLbl>
+  <dgm:styleLbl name="parChTrans2D3">
+    <dgm:fillClrLst meth="repeat">
+      <a:schemeClr val="accent6"/>
+    </dgm:fillClrLst>
+    <dgm:linClrLst meth="repeat">
+      <a:schemeClr val="lt1"/>
+    </dgm:linClrLst>
+    <dgm:effectClrLst/>
+    <dgm:txLinClrLst/>
+    <dgm:txFillClrLst/>
+    <dgm:txEffectClrLst/>
+  </dgm:styleLbl>
+  <dgm:styleLbl name="parChTrans2D4">
+    <dgm:fillClrLst meth="repeat">
+      <a:schemeClr val="accent1"/>
+    </dgm:fillClrLst>
+    <dgm:linClrLst meth="repeat">
+      <a:schemeClr val="lt1"/>
+    </dgm:linClrLst>
+    <dgm:effectClrLst/>
+    <dgm:txLinClrLst/>
+    <dgm:txFillClrLst meth="repeat">
+      <a:schemeClr val="lt1"/>
+    </dgm:txFillClrLst>
+    <dgm:txEffectClrLst/>
+  </dgm:styleLbl>
+  <dgm:styleLbl name="parChTrans1D1">
+    <dgm:fillClrLst meth="repeat">
+      <a:schemeClr val="accent5"/>
+    </dgm:fillClrLst>
+    <dgm:linClrLst meth="repeat">
+      <a:schemeClr val="accent5"/>
+    </dgm:linClrLst>
+    <dgm:effectClrLst/>
+    <dgm:txLinClrLst/>
+    <dgm:txFillClrLst meth="repeat">
+      <a:schemeClr val="tx1"/>
+    </dgm:txFillClrLst>
+    <dgm:txEffectClrLst/>
+  </dgm:styleLbl>
+  <dgm:styleLbl name="parChTrans1D2">
+    <dgm:fillClrLst meth="repeat">
+      <a:schemeClr val="accent6">
+        <a:tint val="90000"/>
+      </a:schemeClr>
+    </dgm:fillClrLst>
+    <dgm:linClrLst meth="repeat">
+      <a:schemeClr val="accent6"/>
+    </dgm:linClrLst>
+    <dgm:effectClrLst/>
+    <dgm:txLinClrLst/>
+    <dgm:txFillClrLst meth="repeat">
+      <a:schemeClr val="tx1"/>
+    </dgm:txFillClrLst>
+    <dgm:txEffectClrLst/>
+  </dgm:styleLbl>
+  <dgm:styleLbl name="parChTrans1D3">
+    <dgm:fillClrLst meth="repeat">
+      <a:schemeClr val="accent6">
+        <a:tint val="70000"/>
+      </a:schemeClr>
+    </dgm:fillClrLst>
+    <dgm:linClrLst meth="repeat">
+      <a:schemeClr val="accent1"/>
+    </dgm:linClrLst>
+    <dgm:effectClrLst/>
+    <dgm:txLinClrLst/>
+    <dgm:txFillClrLst meth="repeat">
+      <a:schemeClr val="tx1"/>
+    </dgm:txFillClrLst>
+    <dgm:txEffectClrLst/>
+  </dgm:styleLbl>
+  <dgm:styleLbl name="parChTrans1D4">
+    <dgm:fillClrLst meth="repeat">
+      <a:schemeClr val="accent6">
+        <a:tint val="50000"/>
+      </a:schemeClr>
+    </dgm:fillClrLst>
+    <dgm:linClrLst meth="repeat">
+      <a:schemeClr val="accent2"/>
+    </dgm:linClrLst>
+    <dgm:effectClrLst/>
+    <dgm:txLinClrLst/>
+    <dgm:txFillClrLst meth="repeat">
+      <a:schemeClr val="tx1"/>
+    </dgm:txFillClrLst>
+    <dgm:txEffectClrLst/>
+  </dgm:styleLbl>
+  <dgm:styleLbl name="fgAcc1">
+    <dgm:fillClrLst meth="repeat">
+      <a:schemeClr val="lt1">
+        <a:alpha val="90000"/>
+      </a:schemeClr>
+    </dgm:fillClrLst>
+    <dgm:linClrLst>
+      <a:schemeClr val="accent5"/>
+      <a:schemeClr val="accent6"/>
+    </dgm:linClrLst>
+    <dgm:effectClrLst/>
+    <dgm:txLinClrLst/>
+    <dgm:txFillClrLst meth="repeat">
+      <a:schemeClr val="dk1"/>
+    </dgm:txFillClrLst>
+    <dgm:txEffectClrLst/>
+  </dgm:styleLbl>
+  <dgm:styleLbl name="conFgAcc1">
+    <dgm:fillClrLst meth="repeat">
+      <a:schemeClr val="lt1">
+        <a:alpha val="90000"/>
+      </a:schemeClr>
+    </dgm:fillClrLst>
+    <dgm:linClrLst>
+      <a:schemeClr val="accent5"/>
+      <a:schemeClr val="accent6"/>
+    </dgm:linClrLst>
+    <dgm:effectClrLst/>
+    <dgm:txLinClrLst/>
+    <dgm:txFillClrLst meth="repeat">
+      <a:schemeClr val="dk1"/>
+    </dgm:txFillClrLst>
+    <dgm:txEffectClrLst/>
+  </dgm:styleLbl>
+  <dgm:styleLbl name="alignAcc1">
+    <dgm:fillClrLst meth="repeat">
+      <a:schemeClr val="lt1">
+        <a:alpha val="90000"/>
+      </a:schemeClr>
+    </dgm:fillClrLst>
+    <dgm:linClrLst>
+      <a:schemeClr val="accent5"/>
+      <a:schemeClr val="accent6"/>
+    </dgm:linClrLst>
+    <dgm:effectClrLst/>
+    <dgm:txLinClrLst/>
+    <dgm:txFillClrLst meth="repeat">
+      <a:schemeClr val="dk1"/>
+    </dgm:txFillClrLst>
+    <dgm:txEffectClrLst/>
+  </dgm:styleLbl>
+  <dgm:styleLbl name="trAlignAcc1">
+    <dgm:fillClrLst meth="repeat">
+      <a:schemeClr val="lt1">
+        <a:alpha val="40000"/>
+      </a:schemeClr>
+    </dgm:fillClrLst>
+    <dgm:linClrLst meth="repeat">
+      <a:schemeClr val="accent5"/>
+    </dgm:linClrLst>
+    <dgm:effectClrLst/>
+    <dgm:txLinClrLst/>
+    <dgm:txFillClrLst meth="repeat">
+      <a:schemeClr val="dk1"/>
+    </dgm:txFillClrLst>
+    <dgm:txEffectClrLst/>
+  </dgm:styleLbl>
+  <dgm:styleLbl name="bgAcc1">
+    <dgm:fillClrLst meth="repeat">
+      <a:schemeClr val="lt1">
+        <a:alpha val="90000"/>
+      </a:schemeClr>
+    </dgm:fillClrLst>
+    <dgm:linClrLst>
+      <a:schemeClr val="accent5"/>
+      <a:schemeClr val="accent6"/>
+    </dgm:linClrLst>
+    <dgm:effectClrLst/>
+    <dgm:txLinClrLst/>
+    <dgm:txFillClrLst meth="repeat">
+      <a:schemeClr val="dk1"/>
+    </dgm:txFillClrLst>
+    <dgm:txEffectClrLst/>
+  </dgm:styleLbl>
+  <dgm:styleLbl name="solidFgAcc1">
+    <dgm:fillClrLst meth="repeat">
+      <a:schemeClr val="lt1"/>
+    </dgm:fillClrLst>
+    <dgm:linClrLst>
+      <a:schemeClr val="accent5"/>
+      <a:schemeClr val="accent6"/>
+    </dgm:linClrLst>
+    <dgm:effectClrLst/>
+    <dgm:txLinClrLst/>
+    <dgm:txFillClrLst meth="repeat">
+      <a:schemeClr val="dk1"/>
+    </dgm:txFillClrLst>
+    <dgm:txEffectClrLst/>
+  </dgm:styleLbl>
+  <dgm:styleLbl name="solidAlignAcc1">
+    <dgm:fillClrLst meth="repeat">
+      <a:schemeClr val="lt1"/>
+    </dgm:fillClrLst>
+    <dgm:linClrLst>
+      <a:schemeClr val="accent5"/>
+      <a:schemeClr val="accent6"/>
+    </dgm:linClrLst>
+    <dgm:effectClrLst/>
+    <dgm:txLinClrLst/>
+    <dgm:txFillClrLst meth="repeat">
+      <a:schemeClr val="dk1"/>
+    </dgm:txFillClrLst>
+    <dgm:txEffectClrLst/>
+  </dgm:styleLbl>
+  <dgm:styleLbl name="solidBgAcc1">
+    <dgm:fillClrLst meth="repeat">
+      <a:schemeClr val="lt1"/>
+    </dgm:fillClrLst>
+    <dgm:linClrLst>
+      <a:schemeClr val="accent5"/>
+      <a:schemeClr val="accent6"/>
+    </dgm:linClrLst>
+    <dgm:effectClrLst/>
+    <dgm:txLinClrLst/>
+    <dgm:txFillClrLst meth="repeat">
+      <a:schemeClr val="dk1"/>
+    </dgm:txFillClrLst>
+    <dgm:txEffectClrLst/>
+  </dgm:styleLbl>
+  <dgm:styleLbl name="fgAccFollowNode1">
+    <dgm:fillClrLst>
+      <a:schemeClr val="accent5">
+        <a:tint val="40000"/>
+        <a:alpha val="90000"/>
+      </a:schemeClr>
+      <a:schemeClr val="accent6">
+        <a:tint val="40000"/>
+        <a:alpha val="90000"/>
+      </a:schemeClr>
+    </dgm:fillClrLst>
+    <dgm:linClrLst>
+      <a:schemeClr val="accent5">
+        <a:tint val="40000"/>
+        <a:alpha val="90000"/>
+      </a:schemeClr>
+      <a:schemeClr val="accent5">
+        <a:tint val="40000"/>
+        <a:alpha val="90000"/>
+      </a:schemeClr>
+    </dgm:linClrLst>
+    <dgm:effectClrLst/>
+    <dgm:txLinClrLst/>
+    <dgm:txFillClrLst meth="repeat">
+      <a:schemeClr val="dk1"/>
+    </dgm:txFillClrLst>
+    <dgm:txEffectClrLst/>
+  </dgm:styleLbl>
+  <dgm:styleLbl name="alignAccFollowNode1">
+    <dgm:fillClrLst>
+      <a:schemeClr val="accent5">
+        <a:tint val="40000"/>
+        <a:alpha val="90000"/>
+      </a:schemeClr>
+      <a:schemeClr val="accent6">
+        <a:tint val="40000"/>
+        <a:alpha val="90000"/>
+      </a:schemeClr>
+    </dgm:fillClrLst>
+    <dgm:linClrLst>
+      <a:schemeClr val="accent5">
+        <a:tint val="40000"/>
+        <a:alpha val="90000"/>
+      </a:schemeClr>
+      <a:schemeClr val="accent6">
+        <a:tint val="40000"/>
+        <a:alpha val="90000"/>
+      </a:schemeClr>
+    </dgm:linClrLst>
+    <dgm:effectClrLst/>
+    <dgm:txLinClrLst/>
+    <dgm:txFillClrLst meth="repeat">
+      <a:schemeClr val="dk1"/>
+    </dgm:txFillClrLst>
+    <dgm:txEffectClrLst/>
+  </dgm:styleLbl>
+  <dgm:styleLbl name="bgAccFollowNode1">
+    <dgm:fillClrLst>
+      <a:schemeClr val="accent5">
+        <a:tint val="40000"/>
+        <a:alpha val="90000"/>
+      </a:schemeClr>
+      <a:schemeClr val="accent6">
+        <a:tint val="40000"/>
+        <a:alpha val="90000"/>
+      </a:schemeClr>
+    </dgm:fillClrLst>
+    <dgm:linClrLst>
+      <a:schemeClr val="accent5">
+        <a:tint val="40000"/>
+        <a:alpha val="90000"/>
+      </a:schemeClr>
+      <a:schemeClr val="accent6">
+        <a:tint val="40000"/>
+        <a:alpha val="90000"/>
+      </a:schemeClr>
+    </dgm:linClrLst>
+    <dgm:effectClrLst/>
+    <dgm:txLinClrLst/>
+    <dgm:txFillClrLst meth="repeat">
+      <a:schemeClr val="dk1"/>
+    </dgm:txFillClrLst>
+    <dgm:txEffectClrLst/>
+  </dgm:styleLbl>
+  <dgm:styleLbl name="fgAcc0">
+    <dgm:fillClrLst meth="repeat">
+      <a:schemeClr val="lt1">
+        <a:alpha val="90000"/>
+      </a:schemeClr>
+    </dgm:fillClrLst>
+    <dgm:linClrLst>
+      <a:schemeClr val="accent4"/>
+    </dgm:linClrLst>
+    <dgm:effectClrLst/>
+    <dgm:txLinClrLst/>
+    <dgm:txFillClrLst meth="repeat">
+      <a:schemeClr val="dk1"/>
+    </dgm:txFillClrLst>
+    <dgm:txEffectClrLst/>
+  </dgm:styleLbl>
+  <dgm:styleLbl name="fgAcc2">
+    <dgm:fillClrLst meth="repeat">
+      <a:schemeClr val="lt1">
+        <a:alpha val="90000"/>
+      </a:schemeClr>
+    </dgm:fillClrLst>
+    <dgm:linClrLst>
+      <a:schemeClr val="accent6"/>
+    </dgm:linClrLst>
+    <dgm:effectClrLst/>
+    <dgm:txLinClrLst/>
+    <dgm:txFillClrLst meth="repeat">
+      <a:schemeClr val="dk1"/>
+    </dgm:txFillClrLst>
+    <dgm:txEffectClrLst/>
+  </dgm:styleLbl>
+  <dgm:styleLbl name="fgAcc3">
+    <dgm:fillClrLst meth="repeat">
+      <a:schemeClr val="lt1">
+        <a:alpha val="90000"/>
+      </a:schemeClr>
+    </dgm:fillClrLst>
+    <dgm:linClrLst>
+      <a:schemeClr val="accent1"/>
+    </dgm:linClrLst>
+    <dgm:effectClrLst/>
+    <dgm:txLinClrLst/>
+    <dgm:txFillClrLst meth="repeat">
+      <a:schemeClr val="dk1"/>
+    </dgm:txFillClrLst>
+    <dgm:txEffectClrLst/>
+  </dgm:styleLbl>
+  <dgm:styleLbl name="fgAcc4">
+    <dgm:fillClrLst meth="repeat">
+      <a:schemeClr val="lt1">
+        <a:alpha val="90000"/>
+      </a:schemeClr>
+    </dgm:fillClrLst>
+    <dgm:linClrLst>
+      <a:schemeClr val="accent2"/>
+    </dgm:linClrLst>
+    <dgm:effectClrLst/>
+    <dgm:txLinClrLst/>
+    <dgm:txFillClrLst meth="repeat">
+      <a:schemeClr val="dk1"/>
+    </dgm:txFillClrLst>
+    <dgm:txEffectClrLst/>
+  </dgm:styleLbl>
+  <dgm:styleLbl name="bgShp">
+    <dgm:fillClrLst meth="repeat">
+      <a:schemeClr val="accent5">
+        <a:tint val="40000"/>
+      </a:schemeClr>
+    </dgm:fillClrLst>
+    <dgm:linClrLst meth="repeat">
+      <a:schemeClr val="dk1"/>
+    </dgm:linClrLst>
+    <dgm:effectClrLst/>
+    <dgm:txLinClrLst/>
+    <dgm:txFillClrLst meth="repeat">
+      <a:schemeClr val="dk1"/>
+    </dgm:txFillClrLst>
+    <dgm:txEffectClrLst/>
+  </dgm:styleLbl>
+  <dgm:styleLbl name="dkBgShp">
+    <dgm:fillClrLst meth="repeat">
+      <a:schemeClr val="accent5">
+        <a:shade val="90000"/>
+      </a:schemeClr>
+    </dgm:fillClrLst>
+    <dgm:linClrLst meth="repeat">
+      <a:schemeClr val="dk1"/>
+    </dgm:linClrLst>
+    <dgm:effectClrLst/>
+    <dgm:txLinClrLst/>
+    <dgm:txFillClrLst meth="repeat">
+      <a:schemeClr val="lt1"/>
+    </dgm:txFillClrLst>
+    <dgm:txEffectClrLst/>
+  </dgm:styleLbl>
+  <dgm:styleLbl name="trBgShp">
+    <dgm:fillClrLst meth="repeat">
+      <a:schemeClr val="accent5">
+        <a:tint val="50000"/>
+        <a:alpha val="40000"/>
+      </a:schemeClr>
+    </dgm:fillClrLst>
+    <dgm:linClrLst meth="repeat">
+      <a:schemeClr val="accent5"/>
+    </dgm:linClrLst>
+    <dgm:effectClrLst/>
+    <dgm:txLinClrLst/>
+    <dgm:txFillClrLst meth="repeat">
+      <a:schemeClr val="lt1"/>
+    </dgm:txFillClrLst>
+    <dgm:txEffectClrLst/>
+  </dgm:styleLbl>
+  <dgm:styleLbl name="fgShp">
+    <dgm:fillClrLst meth="repeat">
+      <a:schemeClr val="accent5">
+        <a:tint val="40000"/>
+      </a:schemeClr>
+    </dgm:fillClrLst>
+    <dgm:linClrLst meth="repeat">
+      <a:schemeClr val="lt1"/>
+    </dgm:linClrLst>
+    <dgm:effectClrLst/>
+    <dgm:txLinClrLst/>
+    <dgm:txFillClrLst meth="repeat">
+      <a:schemeClr val="dk1"/>
+    </dgm:txFillClrLst>
+    <dgm:txEffectClrLst/>
+  </dgm:styleLbl>
+  <dgm:styleLbl name="revTx">
+    <dgm:fillClrLst meth="repeat">
+      <a:schemeClr val="lt1">
+        <a:alpha val="0"/>
+      </a:schemeClr>
+    </dgm:fillClrLst>
+    <dgm:linClrLst meth="repeat">
+      <a:schemeClr val="dk1">
+        <a:alpha val="0"/>
+      </a:schemeClr>
+    </dgm:linClrLst>
+    <dgm:effectClrLst/>
+    <dgm:txLinClrLst/>
+    <dgm:txFillClrLst meth="repeat">
+      <a:schemeClr val="tx1"/>
+    </dgm:txFillClrLst>
+    <dgm:txEffectClrLst/>
+  </dgm:styleLbl>
+</dgm:colorsDef>
+</file>
+
+<file path=ppt/diagrams/colors4.xml><?xml version="1.0" encoding="utf-8"?>
 <dgm:colorsDef xmlns:dgm="http://schemas.openxmlformats.org/drawingml/2006/diagram" xmlns:a="http://schemas.openxmlformats.org/drawingml/2006/main" uniqueId="urn:microsoft.com/office/officeart/2005/8/colors/colorful5">
   <dgm:title val=""/>
   <dgm:desc val=""/>
@@ -3538,6 +4320,886 @@
         <a:p>
           <a:r>
             <a:rPr lang="en-US" dirty="0" smtClean="0"/>
+            <a:t>Items</a:t>
+          </a:r>
+          <a:endParaRPr lang="en-US" dirty="0"/>
+        </a:p>
+      </dgm:t>
+    </dgm:pt>
+    <dgm:pt modelId="{A56974B8-1563-7646-8C32-4074AC3B63D2}" type="parTrans" cxnId="{C74DFA76-8D69-DE40-BEDA-DA28A336032D}">
+      <dgm:prSet/>
+      <dgm:spPr/>
+      <dgm:t>
+        <a:bodyPr/>
+        <a:lstStyle/>
+        <a:p>
+          <a:endParaRPr lang="en-US"/>
+        </a:p>
+      </dgm:t>
+    </dgm:pt>
+    <dgm:pt modelId="{CE562522-21D6-B040-843A-26C246D957D9}" type="sibTrans" cxnId="{C74DFA76-8D69-DE40-BEDA-DA28A336032D}">
+      <dgm:prSet/>
+      <dgm:spPr/>
+      <dgm:t>
+        <a:bodyPr/>
+        <a:lstStyle/>
+        <a:p>
+          <a:endParaRPr lang="en-US"/>
+        </a:p>
+      </dgm:t>
+    </dgm:pt>
+    <dgm:pt modelId="{ACED6185-D1EA-E841-94D0-FA658C08E905}">
+      <dgm:prSet/>
+      <dgm:spPr/>
+      <dgm:t>
+        <a:bodyPr/>
+        <a:lstStyle/>
+        <a:p>
+          <a:r>
+            <a:rPr lang="en-US" dirty="0" smtClean="0"/>
+            <a:t>Authentication</a:t>
+          </a:r>
+          <a:endParaRPr lang="en-US" dirty="0"/>
+        </a:p>
+      </dgm:t>
+    </dgm:pt>
+    <dgm:pt modelId="{7D12F082-A350-9E4C-858E-2675761D3CDB}" type="parTrans" cxnId="{C134308A-BB0C-6140-BA41-EC9027CDB4C9}">
+      <dgm:prSet/>
+      <dgm:spPr/>
+      <dgm:t>
+        <a:bodyPr/>
+        <a:lstStyle/>
+        <a:p>
+          <a:endParaRPr lang="en-US"/>
+        </a:p>
+      </dgm:t>
+    </dgm:pt>
+    <dgm:pt modelId="{2FCDBDCD-D88E-E343-B9C1-7FBF0C85508B}" type="sibTrans" cxnId="{C134308A-BB0C-6140-BA41-EC9027CDB4C9}">
+      <dgm:prSet/>
+      <dgm:spPr/>
+      <dgm:t>
+        <a:bodyPr/>
+        <a:lstStyle/>
+        <a:p>
+          <a:endParaRPr lang="en-US"/>
+        </a:p>
+      </dgm:t>
+    </dgm:pt>
+    <dgm:pt modelId="{084BD119-9D83-0C42-AF16-BF9B1F0889B2}">
+      <dgm:prSet/>
+      <dgm:spPr/>
+      <dgm:t>
+        <a:bodyPr/>
+        <a:lstStyle/>
+        <a:p>
+          <a:r>
+            <a:rPr lang="en-US" dirty="0" smtClean="0"/>
+            <a:t>Dependencies</a:t>
+          </a:r>
+          <a:endParaRPr lang="en-US" dirty="0"/>
+        </a:p>
+      </dgm:t>
+    </dgm:pt>
+    <dgm:pt modelId="{D587217C-2A83-1548-883E-2EFBFF3AE070}" type="parTrans" cxnId="{22E7E96A-6AB8-7C47-BDD1-2F89B7BB9ED5}">
+      <dgm:prSet/>
+      <dgm:spPr/>
+      <dgm:t>
+        <a:bodyPr/>
+        <a:lstStyle/>
+        <a:p>
+          <a:endParaRPr lang="en-US"/>
+        </a:p>
+      </dgm:t>
+    </dgm:pt>
+    <dgm:pt modelId="{462AB36D-E1B3-6147-AFCB-A2C449E5C2DB}" type="sibTrans" cxnId="{22E7E96A-6AB8-7C47-BDD1-2F89B7BB9ED5}">
+      <dgm:prSet/>
+      <dgm:spPr/>
+      <dgm:t>
+        <a:bodyPr/>
+        <a:lstStyle/>
+        <a:p>
+          <a:endParaRPr lang="en-US"/>
+        </a:p>
+      </dgm:t>
+    </dgm:pt>
+    <dgm:pt modelId="{91D3E728-E422-1849-B6A1-54C1499177B7}">
+      <dgm:prSet/>
+      <dgm:spPr/>
+      <dgm:t>
+        <a:bodyPr/>
+        <a:lstStyle/>
+        <a:p>
+          <a:r>
+            <a:rPr lang="en-US" dirty="0" smtClean="0"/>
+            <a:t>I18n</a:t>
+          </a:r>
+          <a:endParaRPr lang="en-US" dirty="0"/>
+        </a:p>
+      </dgm:t>
+    </dgm:pt>
+    <dgm:pt modelId="{856C4676-3ACD-B24A-B525-993221C31617}" type="parTrans" cxnId="{0A845884-B5DF-1240-A6AE-576EE1B8E40A}">
+      <dgm:prSet/>
+      <dgm:spPr/>
+      <dgm:t>
+        <a:bodyPr/>
+        <a:lstStyle/>
+        <a:p>
+          <a:endParaRPr lang="en-US"/>
+        </a:p>
+      </dgm:t>
+    </dgm:pt>
+    <dgm:pt modelId="{6E9AC3B4-6912-A04A-88FE-6095BBE0C70A}" type="sibTrans" cxnId="{0A845884-B5DF-1240-A6AE-576EE1B8E40A}">
+      <dgm:prSet/>
+      <dgm:spPr/>
+      <dgm:t>
+        <a:bodyPr/>
+        <a:lstStyle/>
+        <a:p>
+          <a:endParaRPr lang="en-US"/>
+        </a:p>
+      </dgm:t>
+    </dgm:pt>
+    <dgm:pt modelId="{A7B02B15-D9C1-2745-9F3A-A4C4B7AF1050}">
+      <dgm:prSet/>
+      <dgm:spPr/>
+      <dgm:t>
+        <a:bodyPr/>
+        <a:lstStyle/>
+        <a:p>
+          <a:r>
+            <a:rPr lang="en-US" dirty="0" smtClean="0"/>
+            <a:t>Application</a:t>
+          </a:r>
+          <a:endParaRPr lang="en-US" dirty="0"/>
+        </a:p>
+      </dgm:t>
+    </dgm:pt>
+    <dgm:pt modelId="{C20502A7-32D7-D541-8A28-6D63BDE543D6}" type="parTrans" cxnId="{D58EEAFF-9ACA-7049-A855-4A91790746CB}">
+      <dgm:prSet/>
+      <dgm:spPr/>
+      <dgm:t>
+        <a:bodyPr/>
+        <a:lstStyle/>
+        <a:p>
+          <a:endParaRPr lang="en-US"/>
+        </a:p>
+      </dgm:t>
+    </dgm:pt>
+    <dgm:pt modelId="{0FE0E021-A145-D74C-8148-0E4BFE4EC653}" type="sibTrans" cxnId="{D58EEAFF-9ACA-7049-A855-4A91790746CB}">
+      <dgm:prSet/>
+      <dgm:spPr/>
+      <dgm:t>
+        <a:bodyPr/>
+        <a:lstStyle/>
+        <a:p>
+          <a:endParaRPr lang="en-US"/>
+        </a:p>
+      </dgm:t>
+    </dgm:pt>
+    <dgm:pt modelId="{B26318ED-3C47-5C4D-BD56-61C084BE69A2}">
+      <dgm:prSet/>
+      <dgm:spPr/>
+      <dgm:t>
+        <a:bodyPr/>
+        <a:lstStyle/>
+        <a:p>
+          <a:r>
+            <a:rPr lang="en-US" dirty="0" smtClean="0"/>
+            <a:t>Create Portal</a:t>
+          </a:r>
+          <a:endParaRPr lang="en-US" dirty="0"/>
+        </a:p>
+      </dgm:t>
+    </dgm:pt>
+    <dgm:pt modelId="{A8A0C006-2C7A-9142-B715-6EDD0A1DF2EC}" type="parTrans" cxnId="{52249541-3D56-2446-9AC2-07CCF5BE9B54}">
+      <dgm:prSet/>
+      <dgm:spPr/>
+      <dgm:t>
+        <a:bodyPr/>
+        <a:lstStyle/>
+        <a:p>
+          <a:endParaRPr lang="en-US"/>
+        </a:p>
+      </dgm:t>
+    </dgm:pt>
+    <dgm:pt modelId="{C3697F98-0013-E14A-BECA-517511B24A38}" type="sibTrans" cxnId="{52249541-3D56-2446-9AC2-07CCF5BE9B54}">
+      <dgm:prSet/>
+      <dgm:spPr/>
+      <dgm:t>
+        <a:bodyPr/>
+        <a:lstStyle/>
+        <a:p>
+          <a:endParaRPr lang="en-US"/>
+        </a:p>
+      </dgm:t>
+    </dgm:pt>
+    <dgm:pt modelId="{BA40BBC7-D7D6-A24F-B210-1CD6732D8D1B}">
+      <dgm:prSet/>
+      <dgm:spPr/>
+      <dgm:t>
+        <a:bodyPr/>
+        <a:lstStyle/>
+        <a:p>
+          <a:r>
+            <a:rPr lang="en-US" dirty="0" smtClean="0"/>
+            <a:t>Org Settings</a:t>
+          </a:r>
+          <a:endParaRPr lang="en-US" dirty="0"/>
+        </a:p>
+      </dgm:t>
+    </dgm:pt>
+    <dgm:pt modelId="{1324E05F-B49B-D24E-BBA8-BA1DED0A8A71}" type="parTrans" cxnId="{EAF10B6B-3FAD-9243-8945-F96B057BA58C}">
+      <dgm:prSet/>
+      <dgm:spPr/>
+      <dgm:t>
+        <a:bodyPr/>
+        <a:lstStyle/>
+        <a:p>
+          <a:endParaRPr lang="en-US"/>
+        </a:p>
+      </dgm:t>
+    </dgm:pt>
+    <dgm:pt modelId="{B8EA4B0F-88C7-3046-BE87-706644201484}" type="sibTrans" cxnId="{EAF10B6B-3FAD-9243-8945-F96B057BA58C}">
+      <dgm:prSet/>
+      <dgm:spPr/>
+      <dgm:t>
+        <a:bodyPr/>
+        <a:lstStyle/>
+        <a:p>
+          <a:endParaRPr lang="en-US"/>
+        </a:p>
+      </dgm:t>
+    </dgm:pt>
+    <dgm:pt modelId="{7AFDDD02-3AFE-1A4B-9E5A-D244AD099772}">
+      <dgm:prSet phldrT="[Text]"/>
+      <dgm:spPr/>
+      <dgm:t>
+        <a:bodyPr/>
+        <a:lstStyle/>
+        <a:p>
+          <a:r>
+            <a:rPr lang="en-US" dirty="0" err="1" smtClean="0"/>
+            <a:t>Webmap</a:t>
+          </a:r>
+          <a:r>
+            <a:rPr lang="en-US" dirty="0" smtClean="0"/>
+            <a:t> Item</a:t>
+          </a:r>
+        </a:p>
+      </dgm:t>
+    </dgm:pt>
+    <dgm:pt modelId="{305B4CA5-14B4-0F40-AC42-F032DAEC1870}" type="parTrans" cxnId="{D140C763-745F-3240-9892-6C34179C69BE}">
+      <dgm:prSet/>
+      <dgm:spPr/>
+      <dgm:t>
+        <a:bodyPr/>
+        <a:lstStyle/>
+        <a:p>
+          <a:endParaRPr lang="en-US"/>
+        </a:p>
+      </dgm:t>
+    </dgm:pt>
+    <dgm:pt modelId="{D6A1AD1D-8F9E-3544-8B9A-F91B5F3454B5}" type="sibTrans" cxnId="{D140C763-745F-3240-9892-6C34179C69BE}">
+      <dgm:prSet/>
+      <dgm:spPr/>
+      <dgm:t>
+        <a:bodyPr/>
+        <a:lstStyle/>
+        <a:p>
+          <a:endParaRPr lang="en-US"/>
+        </a:p>
+      </dgm:t>
+    </dgm:pt>
+    <dgm:pt modelId="{D741E95A-2069-9E49-9C00-8EC221C62545}">
+      <dgm:prSet/>
+      <dgm:spPr/>
+      <dgm:t>
+        <a:bodyPr/>
+        <a:lstStyle/>
+        <a:p>
+          <a:r>
+            <a:rPr lang="en-US" dirty="0" smtClean="0"/>
+            <a:t>Group Info</a:t>
+          </a:r>
+          <a:endParaRPr lang="en-US" dirty="0"/>
+        </a:p>
+      </dgm:t>
+    </dgm:pt>
+    <dgm:pt modelId="{58B7CA81-747D-B746-8E7B-A5AD757BF59E}" type="parTrans" cxnId="{10B26848-1A59-5342-9516-046AB0BBA0DE}">
+      <dgm:prSet/>
+      <dgm:spPr/>
+      <dgm:t>
+        <a:bodyPr/>
+        <a:lstStyle/>
+        <a:p>
+          <a:endParaRPr lang="en-US"/>
+        </a:p>
+      </dgm:t>
+    </dgm:pt>
+    <dgm:pt modelId="{BD66332A-6343-6A45-A9FF-46B266778924}" type="sibTrans" cxnId="{10B26848-1A59-5342-9516-046AB0BBA0DE}">
+      <dgm:prSet/>
+      <dgm:spPr/>
+      <dgm:t>
+        <a:bodyPr/>
+        <a:lstStyle/>
+        <a:p>
+          <a:endParaRPr lang="en-US"/>
+        </a:p>
+      </dgm:t>
+    </dgm:pt>
+    <dgm:pt modelId="{329A3AF0-D1E6-EB41-AF92-D51A1EDCE4A8}">
+      <dgm:prSet/>
+      <dgm:spPr/>
+      <dgm:t>
+        <a:bodyPr/>
+        <a:lstStyle/>
+        <a:p>
+          <a:r>
+            <a:rPr lang="en-US" dirty="0" smtClean="0"/>
+            <a:t>Group Items</a:t>
+          </a:r>
+          <a:endParaRPr lang="en-US" dirty="0"/>
+        </a:p>
+      </dgm:t>
+    </dgm:pt>
+    <dgm:pt modelId="{9442748A-E4B1-614E-B891-AACE0AA0B94D}" type="parTrans" cxnId="{25829A93-9407-DA4D-8C1D-77CA1B2DC8E6}">
+      <dgm:prSet/>
+      <dgm:spPr/>
+      <dgm:t>
+        <a:bodyPr/>
+        <a:lstStyle/>
+        <a:p>
+          <a:endParaRPr lang="en-US"/>
+        </a:p>
+      </dgm:t>
+    </dgm:pt>
+    <dgm:pt modelId="{B5EFCF2A-44E0-C44D-901B-D82A36C51673}" type="sibTrans" cxnId="{25829A93-9407-DA4D-8C1D-77CA1B2DC8E6}">
+      <dgm:prSet/>
+      <dgm:spPr/>
+      <dgm:t>
+        <a:bodyPr/>
+        <a:lstStyle/>
+        <a:p>
+          <a:endParaRPr lang="en-US"/>
+        </a:p>
+      </dgm:t>
+    </dgm:pt>
+    <dgm:pt modelId="{7C8A6384-C5ED-D349-BBDC-4A3788752C37}">
+      <dgm:prSet/>
+      <dgm:spPr/>
+      <dgm:t>
+        <a:bodyPr/>
+        <a:lstStyle/>
+        <a:p>
+          <a:r>
+            <a:rPr lang="en-US" dirty="0" smtClean="0"/>
+            <a:t>Initialize</a:t>
+          </a:r>
+          <a:endParaRPr lang="en-US" dirty="0"/>
+        </a:p>
+      </dgm:t>
+    </dgm:pt>
+    <dgm:pt modelId="{BE09C12F-DCBA-244A-8F95-2DE77952F1C0}" type="parTrans" cxnId="{8432109C-0835-9E4E-8F12-06AEE1D2DF7C}">
+      <dgm:prSet/>
+      <dgm:spPr/>
+      <dgm:t>
+        <a:bodyPr/>
+        <a:lstStyle/>
+        <a:p>
+          <a:endParaRPr lang="en-US"/>
+        </a:p>
+      </dgm:t>
+    </dgm:pt>
+    <dgm:pt modelId="{F9AEB661-B5F1-0C4A-87E4-1F00512A301B}" type="sibTrans" cxnId="{8432109C-0835-9E4E-8F12-06AEE1D2DF7C}">
+      <dgm:prSet/>
+      <dgm:spPr/>
+      <dgm:t>
+        <a:bodyPr/>
+        <a:lstStyle/>
+        <a:p>
+          <a:endParaRPr lang="en-US"/>
+        </a:p>
+      </dgm:t>
+    </dgm:pt>
+    <dgm:pt modelId="{EA72084F-3808-2441-94BE-EEFCF92DE97A}">
+      <dgm:prSet/>
+      <dgm:spPr/>
+      <dgm:t>
+        <a:bodyPr/>
+        <a:lstStyle/>
+        <a:p>
+          <a:r>
+            <a:rPr lang="en-US" dirty="0" smtClean="0"/>
+            <a:t>Proxy</a:t>
+          </a:r>
+          <a:endParaRPr lang="en-US" dirty="0"/>
+        </a:p>
+      </dgm:t>
+    </dgm:pt>
+    <dgm:pt modelId="{DC2DF096-99F9-854D-8BDD-73F5EFD7F3D7}" type="parTrans" cxnId="{0B9E15B7-0AFD-BF44-AF82-3AB9E52E7836}">
+      <dgm:prSet/>
+      <dgm:spPr/>
+      <dgm:t>
+        <a:bodyPr/>
+        <a:lstStyle/>
+        <a:p>
+          <a:endParaRPr lang="en-US"/>
+        </a:p>
+      </dgm:t>
+    </dgm:pt>
+    <dgm:pt modelId="{78FB7EC6-31BC-2F42-B777-EFBA8F2FC35D}" type="sibTrans" cxnId="{0B9E15B7-0AFD-BF44-AF82-3AB9E52E7836}">
+      <dgm:prSet/>
+      <dgm:spPr/>
+      <dgm:t>
+        <a:bodyPr/>
+        <a:lstStyle/>
+        <a:p>
+          <a:endParaRPr lang="en-US"/>
+        </a:p>
+      </dgm:t>
+    </dgm:pt>
+    <dgm:pt modelId="{38F1C970-EB5D-AE40-827D-3E3353887D9F}">
+      <dgm:prSet/>
+      <dgm:spPr/>
+      <dgm:t>
+        <a:bodyPr/>
+        <a:lstStyle/>
+        <a:p>
+          <a:r>
+            <a:rPr lang="en-US" dirty="0" smtClean="0"/>
+            <a:t>Host URL</a:t>
+          </a:r>
+          <a:endParaRPr lang="en-US" dirty="0"/>
+        </a:p>
+      </dgm:t>
+    </dgm:pt>
+    <dgm:pt modelId="{F2E20F2A-D9FC-AC44-A675-F67DAC901EFF}" type="parTrans" cxnId="{48E0B96F-4792-9C44-998A-3307194D68A8}">
+      <dgm:prSet/>
+      <dgm:spPr/>
+      <dgm:t>
+        <a:bodyPr/>
+        <a:lstStyle/>
+        <a:p>
+          <a:endParaRPr lang="en-US"/>
+        </a:p>
+      </dgm:t>
+    </dgm:pt>
+    <dgm:pt modelId="{C94F8DBE-849A-8F4F-A044-9427D1C3D2B2}" type="sibTrans" cxnId="{48E0B96F-4792-9C44-998A-3307194D68A8}">
+      <dgm:prSet/>
+      <dgm:spPr/>
+      <dgm:t>
+        <a:bodyPr/>
+        <a:lstStyle/>
+        <a:p>
+          <a:endParaRPr lang="en-US"/>
+        </a:p>
+      </dgm:t>
+    </dgm:pt>
+    <dgm:pt modelId="{3AD685FE-A213-0741-A1F7-8C1B5BB9FBF1}">
+      <dgm:prSet/>
+      <dgm:spPr/>
+      <dgm:t>
+        <a:bodyPr/>
+        <a:lstStyle/>
+        <a:p>
+          <a:r>
+            <a:rPr lang="en-US" dirty="0" smtClean="0"/>
+            <a:t>Finish Up</a:t>
+          </a:r>
+          <a:endParaRPr lang="en-US" dirty="0"/>
+        </a:p>
+      </dgm:t>
+    </dgm:pt>
+    <dgm:pt modelId="{49D2BCAD-053F-B54B-B76A-2D1C3B5B748C}" type="parTrans" cxnId="{61CF5A40-1B45-E043-980B-8EB4CDBC65C7}">
+      <dgm:prSet/>
+      <dgm:spPr/>
+      <dgm:t>
+        <a:bodyPr/>
+        <a:lstStyle/>
+        <a:p>
+          <a:endParaRPr lang="en-US"/>
+        </a:p>
+      </dgm:t>
+    </dgm:pt>
+    <dgm:pt modelId="{09EF7297-789B-B245-BC3A-6CF8A6976F38}" type="sibTrans" cxnId="{61CF5A40-1B45-E043-980B-8EB4CDBC65C7}">
+      <dgm:prSet/>
+      <dgm:spPr/>
+      <dgm:t>
+        <a:bodyPr/>
+        <a:lstStyle/>
+        <a:p>
+          <a:endParaRPr lang="en-US"/>
+        </a:p>
+      </dgm:t>
+    </dgm:pt>
+    <dgm:pt modelId="{698B7B9A-5BB8-8C47-8FA2-A74A093B5185}">
+      <dgm:prSet/>
+      <dgm:spPr/>
+      <dgm:t>
+        <a:bodyPr/>
+        <a:lstStyle/>
+        <a:p>
+          <a:r>
+            <a:rPr lang="en-US" dirty="0" smtClean="0"/>
+            <a:t>Geometry Service</a:t>
+          </a:r>
+          <a:endParaRPr lang="en-US" dirty="0"/>
+        </a:p>
+      </dgm:t>
+    </dgm:pt>
+    <dgm:pt modelId="{D1FBDB4A-E62F-A84A-A4B2-31CB7BA2D5F2}" type="parTrans" cxnId="{147E459B-4A7D-ED4A-9D9B-AC2377614CA1}">
+      <dgm:prSet/>
+      <dgm:spPr/>
+      <dgm:t>
+        <a:bodyPr/>
+        <a:lstStyle/>
+        <a:p>
+          <a:endParaRPr lang="en-US"/>
+        </a:p>
+      </dgm:t>
+    </dgm:pt>
+    <dgm:pt modelId="{8A531702-51DB-9D40-AF8F-2563BA282A3D}" type="sibTrans" cxnId="{147E459B-4A7D-ED4A-9D9B-AC2377614CA1}">
+      <dgm:prSet/>
+      <dgm:spPr/>
+      <dgm:t>
+        <a:bodyPr/>
+        <a:lstStyle/>
+        <a:p>
+          <a:endParaRPr lang="en-US"/>
+        </a:p>
+      </dgm:t>
+    </dgm:pt>
+    <dgm:pt modelId="{817DD736-E0CE-7842-A207-EFA6367A9664}">
+      <dgm:prSet/>
+      <dgm:spPr/>
+      <dgm:t>
+        <a:bodyPr/>
+        <a:lstStyle/>
+        <a:p>
+          <a:r>
+            <a:rPr lang="en-US" dirty="0" smtClean="0"/>
+            <a:t>Application Extent</a:t>
+          </a:r>
+          <a:endParaRPr lang="en-US" dirty="0"/>
+        </a:p>
+      </dgm:t>
+    </dgm:pt>
+    <dgm:pt modelId="{47246AA7-35B9-8B43-B585-D5200711227C}" type="parTrans" cxnId="{AE5D47BC-F1A2-0647-9E6F-BC7AFFB7757D}">
+      <dgm:prSet/>
+      <dgm:spPr/>
+      <dgm:t>
+        <a:bodyPr/>
+        <a:lstStyle/>
+        <a:p>
+          <a:endParaRPr lang="en-US"/>
+        </a:p>
+      </dgm:t>
+    </dgm:pt>
+    <dgm:pt modelId="{36B1E867-7BF8-CB48-A065-DC21C4A34028}" type="sibTrans" cxnId="{AE5D47BC-F1A2-0647-9E6F-BC7AFFB7757D}">
+      <dgm:prSet/>
+      <dgm:spPr/>
+      <dgm:t>
+        <a:bodyPr/>
+        <a:lstStyle/>
+        <a:p>
+          <a:endParaRPr lang="en-US"/>
+        </a:p>
+      </dgm:t>
+    </dgm:pt>
+    <dgm:pt modelId="{D0A01783-5F35-DB4A-B337-DD00B60FDF61}">
+      <dgm:prSet/>
+      <dgm:spPr/>
+      <dgm:t>
+        <a:bodyPr/>
+        <a:lstStyle/>
+        <a:p>
+          <a:r>
+            <a:rPr lang="en-US" dirty="0" smtClean="0"/>
+            <a:t>Signed-in status</a:t>
+          </a:r>
+          <a:endParaRPr lang="en-US" dirty="0"/>
+        </a:p>
+      </dgm:t>
+    </dgm:pt>
+    <dgm:pt modelId="{471541A4-ED21-AD4C-AEF3-1479B1D72EAC}" type="parTrans" cxnId="{A96725CE-BB07-B745-9A19-C73F046EF690}">
+      <dgm:prSet/>
+      <dgm:spPr/>
+      <dgm:t>
+        <a:bodyPr/>
+        <a:lstStyle/>
+        <a:p>
+          <a:endParaRPr lang="en-US"/>
+        </a:p>
+      </dgm:t>
+    </dgm:pt>
+    <dgm:pt modelId="{B9F962A3-30DB-5A4E-815F-CBAEBD4684E4}" type="sibTrans" cxnId="{A96725CE-BB07-B745-9A19-C73F046EF690}">
+      <dgm:prSet/>
+      <dgm:spPr/>
+      <dgm:t>
+        <a:bodyPr/>
+        <a:lstStyle/>
+        <a:p>
+          <a:endParaRPr lang="en-US"/>
+        </a:p>
+      </dgm:t>
+    </dgm:pt>
+    <dgm:pt modelId="{6CB31142-5EF1-D343-AA3A-1696A47FAB7A}" type="pres">
+      <dgm:prSet presAssocID="{08E54ECB-9517-A345-A1A6-FCB13B1D9F7A}" presName="Name0" presStyleCnt="0">
+        <dgm:presLayoutVars>
+          <dgm:dir/>
+          <dgm:resizeHandles val="exact"/>
+        </dgm:presLayoutVars>
+      </dgm:prSet>
+      <dgm:spPr/>
+    </dgm:pt>
+    <dgm:pt modelId="{89C3E660-7837-0541-9431-3AFCAC771FE2}" type="pres">
+      <dgm:prSet presAssocID="{7C8A6384-C5ED-D349-BBDC-4A3788752C37}" presName="node" presStyleLbl="node1" presStyleIdx="0" presStyleCnt="5">
+        <dgm:presLayoutVars>
+          <dgm:bulletEnabled val="1"/>
+        </dgm:presLayoutVars>
+      </dgm:prSet>
+      <dgm:spPr/>
+      <dgm:t>
+        <a:bodyPr/>
+        <a:lstStyle/>
+        <a:p>
+          <a:endParaRPr lang="en-US"/>
+        </a:p>
+      </dgm:t>
+    </dgm:pt>
+    <dgm:pt modelId="{C51FA075-84CC-554C-8FBD-86C2243AB7A6}" type="pres">
+      <dgm:prSet presAssocID="{F9AEB661-B5F1-0C4A-87E4-1F00512A301B}" presName="sibTrans" presStyleLbl="sibTrans2D1" presStyleIdx="0" presStyleCnt="4"/>
+      <dgm:spPr/>
+      <dgm:t>
+        <a:bodyPr/>
+        <a:lstStyle/>
+        <a:p>
+          <a:endParaRPr lang="en-US"/>
+        </a:p>
+      </dgm:t>
+    </dgm:pt>
+    <dgm:pt modelId="{4EA3ACDE-6BD6-8D44-BAAB-9591D3C3CBA5}" type="pres">
+      <dgm:prSet presAssocID="{F9AEB661-B5F1-0C4A-87E4-1F00512A301B}" presName="connectorText" presStyleLbl="sibTrans2D1" presStyleIdx="0" presStyleCnt="4"/>
+      <dgm:spPr/>
+      <dgm:t>
+        <a:bodyPr/>
+        <a:lstStyle/>
+        <a:p>
+          <a:endParaRPr lang="en-US"/>
+        </a:p>
+      </dgm:t>
+    </dgm:pt>
+    <dgm:pt modelId="{2C5E49C2-67BA-C04A-B93E-53C81992EB48}" type="pres">
+      <dgm:prSet presAssocID="{ACED6185-D1EA-E841-94D0-FA658C08E905}" presName="node" presStyleLbl="node1" presStyleIdx="1" presStyleCnt="5">
+        <dgm:presLayoutVars>
+          <dgm:bulletEnabled val="1"/>
+        </dgm:presLayoutVars>
+      </dgm:prSet>
+      <dgm:spPr/>
+      <dgm:t>
+        <a:bodyPr/>
+        <a:lstStyle/>
+        <a:p>
+          <a:endParaRPr lang="en-US"/>
+        </a:p>
+      </dgm:t>
+    </dgm:pt>
+    <dgm:pt modelId="{44B8A148-9838-2842-AA8F-AAB39540FFF4}" type="pres">
+      <dgm:prSet presAssocID="{2FCDBDCD-D88E-E343-B9C1-7FBF0C85508B}" presName="sibTrans" presStyleLbl="sibTrans2D1" presStyleIdx="1" presStyleCnt="4"/>
+      <dgm:spPr/>
+      <dgm:t>
+        <a:bodyPr/>
+        <a:lstStyle/>
+        <a:p>
+          <a:endParaRPr lang="en-US"/>
+        </a:p>
+      </dgm:t>
+    </dgm:pt>
+    <dgm:pt modelId="{14E49438-9D77-8F46-9C69-C00DF8EB107F}" type="pres">
+      <dgm:prSet presAssocID="{2FCDBDCD-D88E-E343-B9C1-7FBF0C85508B}" presName="connectorText" presStyleLbl="sibTrans2D1" presStyleIdx="1" presStyleCnt="4"/>
+      <dgm:spPr/>
+      <dgm:t>
+        <a:bodyPr/>
+        <a:lstStyle/>
+        <a:p>
+          <a:endParaRPr lang="en-US"/>
+        </a:p>
+      </dgm:t>
+    </dgm:pt>
+    <dgm:pt modelId="{1A110707-564F-8949-BA63-EFB62FE4A89A}" type="pres">
+      <dgm:prSet presAssocID="{084BD119-9D83-0C42-AF16-BF9B1F0889B2}" presName="node" presStyleLbl="node1" presStyleIdx="2" presStyleCnt="5">
+        <dgm:presLayoutVars>
+          <dgm:bulletEnabled val="1"/>
+        </dgm:presLayoutVars>
+      </dgm:prSet>
+      <dgm:spPr/>
+      <dgm:t>
+        <a:bodyPr/>
+        <a:lstStyle/>
+        <a:p>
+          <a:endParaRPr lang="en-US"/>
+        </a:p>
+      </dgm:t>
+    </dgm:pt>
+    <dgm:pt modelId="{D87BB7E4-563E-8B47-87CF-5C66BB3E1766}" type="pres">
+      <dgm:prSet presAssocID="{462AB36D-E1B3-6147-AFCB-A2C449E5C2DB}" presName="sibTrans" presStyleLbl="sibTrans2D1" presStyleIdx="2" presStyleCnt="4"/>
+      <dgm:spPr/>
+      <dgm:t>
+        <a:bodyPr/>
+        <a:lstStyle/>
+        <a:p>
+          <a:endParaRPr lang="en-US"/>
+        </a:p>
+      </dgm:t>
+    </dgm:pt>
+    <dgm:pt modelId="{BE25B0AC-AB8F-1048-B676-1B6F35D3151A}" type="pres">
+      <dgm:prSet presAssocID="{462AB36D-E1B3-6147-AFCB-A2C449E5C2DB}" presName="connectorText" presStyleLbl="sibTrans2D1" presStyleIdx="2" presStyleCnt="4"/>
+      <dgm:spPr/>
+      <dgm:t>
+        <a:bodyPr/>
+        <a:lstStyle/>
+        <a:p>
+          <a:endParaRPr lang="en-US"/>
+        </a:p>
+      </dgm:t>
+    </dgm:pt>
+    <dgm:pt modelId="{4A8E0414-497C-F54A-AE02-48206D011499}" type="pres">
+      <dgm:prSet presAssocID="{2AA78337-0235-DA48-A96D-081D3368F6BF}" presName="node" presStyleLbl="node1" presStyleIdx="3" presStyleCnt="5">
+        <dgm:presLayoutVars>
+          <dgm:bulletEnabled val="1"/>
+        </dgm:presLayoutVars>
+      </dgm:prSet>
+      <dgm:spPr/>
+      <dgm:t>
+        <a:bodyPr/>
+        <a:lstStyle/>
+        <a:p>
+          <a:endParaRPr lang="en-US"/>
+        </a:p>
+      </dgm:t>
+    </dgm:pt>
+    <dgm:pt modelId="{7BA6AFF8-01FB-574D-A406-4817CC5DEECD}" type="pres">
+      <dgm:prSet presAssocID="{CE562522-21D6-B040-843A-26C246D957D9}" presName="sibTrans" presStyleLbl="sibTrans2D1" presStyleIdx="3" presStyleCnt="4"/>
+      <dgm:spPr/>
+      <dgm:t>
+        <a:bodyPr/>
+        <a:lstStyle/>
+        <a:p>
+          <a:endParaRPr lang="en-US"/>
+        </a:p>
+      </dgm:t>
+    </dgm:pt>
+    <dgm:pt modelId="{0692C0CE-CD73-B242-A4C1-1E3A6E1E5F9D}" type="pres">
+      <dgm:prSet presAssocID="{CE562522-21D6-B040-843A-26C246D957D9}" presName="connectorText" presStyleLbl="sibTrans2D1" presStyleIdx="3" presStyleCnt="4"/>
+      <dgm:spPr/>
+      <dgm:t>
+        <a:bodyPr/>
+        <a:lstStyle/>
+        <a:p>
+          <a:endParaRPr lang="en-US"/>
+        </a:p>
+      </dgm:t>
+    </dgm:pt>
+    <dgm:pt modelId="{4FF5F294-AAD0-8348-AA10-99638F8857AF}" type="pres">
+      <dgm:prSet presAssocID="{3AD685FE-A213-0741-A1F7-8C1B5BB9FBF1}" presName="node" presStyleLbl="node1" presStyleIdx="4" presStyleCnt="5">
+        <dgm:presLayoutVars>
+          <dgm:bulletEnabled val="1"/>
+        </dgm:presLayoutVars>
+      </dgm:prSet>
+      <dgm:spPr/>
+      <dgm:t>
+        <a:bodyPr/>
+        <a:lstStyle/>
+        <a:p>
+          <a:endParaRPr lang="en-US"/>
+        </a:p>
+      </dgm:t>
+    </dgm:pt>
+  </dgm:ptLst>
+  <dgm:cxnLst>
+    <dgm:cxn modelId="{25829A93-9407-DA4D-8C1D-77CA1B2DC8E6}" srcId="{2AA78337-0235-DA48-A96D-081D3368F6BF}" destId="{329A3AF0-D1E6-EB41-AF92-D51A1EDCE4A8}" srcOrd="2" destOrd="0" parTransId="{9442748A-E4B1-614E-B891-AACE0AA0B94D}" sibTransId="{B5EFCF2A-44E0-C44D-901B-D82A36C51673}"/>
+    <dgm:cxn modelId="{D07A7599-3DFA-CE4B-AA1D-8BC6A64F1816}" type="presOf" srcId="{462AB36D-E1B3-6147-AFCB-A2C449E5C2DB}" destId="{D87BB7E4-563E-8B47-87CF-5C66BB3E1766}" srcOrd="0" destOrd="0" presId="urn:microsoft.com/office/officeart/2005/8/layout/process1"/>
+    <dgm:cxn modelId="{EB02ADE8-621B-3747-941C-6F8C1C3D9DF3}" type="presOf" srcId="{2AA78337-0235-DA48-A96D-081D3368F6BF}" destId="{4A8E0414-497C-F54A-AE02-48206D011499}" srcOrd="0" destOrd="0" presId="urn:microsoft.com/office/officeart/2005/8/layout/process1"/>
+    <dgm:cxn modelId="{ED1D05E7-BDDE-D94D-9193-4FC0FB2CB957}" type="presOf" srcId="{2FCDBDCD-D88E-E343-B9C1-7FBF0C85508B}" destId="{14E49438-9D77-8F46-9C69-C00DF8EB107F}" srcOrd="1" destOrd="0" presId="urn:microsoft.com/office/officeart/2005/8/layout/process1"/>
+    <dgm:cxn modelId="{10153506-AEB4-3244-9093-3F8429941105}" type="presOf" srcId="{38F1C970-EB5D-AE40-827D-3E3353887D9F}" destId="{89C3E660-7837-0541-9431-3AFCAC771FE2}" srcOrd="0" destOrd="2" presId="urn:microsoft.com/office/officeart/2005/8/layout/process1"/>
+    <dgm:cxn modelId="{22E7E96A-6AB8-7C47-BDD1-2F89B7BB9ED5}" srcId="{08E54ECB-9517-A345-A1A6-FCB13B1D9F7A}" destId="{084BD119-9D83-0C42-AF16-BF9B1F0889B2}" srcOrd="2" destOrd="0" parTransId="{D587217C-2A83-1548-883E-2EFBFF3AE070}" sibTransId="{462AB36D-E1B3-6147-AFCB-A2C449E5C2DB}"/>
+    <dgm:cxn modelId="{05E8AB7A-7B45-1B42-BEE3-2BBC959B96D1}" type="presOf" srcId="{CE562522-21D6-B040-843A-26C246D957D9}" destId="{0692C0CE-CD73-B242-A4C1-1E3A6E1E5F9D}" srcOrd="1" destOrd="0" presId="urn:microsoft.com/office/officeart/2005/8/layout/process1"/>
+    <dgm:cxn modelId="{77FA5896-2E5F-3C43-9D86-1D6AFF80BFAA}" type="presOf" srcId="{ACED6185-D1EA-E841-94D0-FA658C08E905}" destId="{2C5E49C2-67BA-C04A-B93E-53C81992EB48}" srcOrd="0" destOrd="0" presId="urn:microsoft.com/office/officeart/2005/8/layout/process1"/>
+    <dgm:cxn modelId="{4AACD5B3-C009-D047-8910-B49A87927F32}" type="presOf" srcId="{CE562522-21D6-B040-843A-26C246D957D9}" destId="{7BA6AFF8-01FB-574D-A406-4817CC5DEECD}" srcOrd="0" destOrd="0" presId="urn:microsoft.com/office/officeart/2005/8/layout/process1"/>
+    <dgm:cxn modelId="{D71FC663-20F5-DE4C-9DB5-05ECDACF04E6}" type="presOf" srcId="{B26318ED-3C47-5C4D-BD56-61C084BE69A2}" destId="{1A110707-564F-8949-BA63-EFB62FE4A89A}" srcOrd="0" destOrd="4" presId="urn:microsoft.com/office/officeart/2005/8/layout/process1"/>
+    <dgm:cxn modelId="{D58EEAFF-9ACA-7049-A855-4A91790746CB}" srcId="{084BD119-9D83-0C42-AF16-BF9B1F0889B2}" destId="{A7B02B15-D9C1-2745-9F3A-A4C4B7AF1050}" srcOrd="1" destOrd="0" parTransId="{C20502A7-32D7-D541-8A28-6D63BDE543D6}" sibTransId="{0FE0E021-A145-D74C-8148-0E4BFE4EC653}"/>
+    <dgm:cxn modelId="{F6F9B8AB-335C-7C44-B563-827B4BACB4C3}" type="presOf" srcId="{7AFDDD02-3AFE-1A4B-9E5A-D244AD099772}" destId="{4A8E0414-497C-F54A-AE02-48206D011499}" srcOrd="0" destOrd="1" presId="urn:microsoft.com/office/officeart/2005/8/layout/process1"/>
+    <dgm:cxn modelId="{495027C0-AB5A-B540-88DD-6F84C84613D6}" type="presOf" srcId="{084BD119-9D83-0C42-AF16-BF9B1F0889B2}" destId="{1A110707-564F-8949-BA63-EFB62FE4A89A}" srcOrd="0" destOrd="0" presId="urn:microsoft.com/office/officeart/2005/8/layout/process1"/>
+    <dgm:cxn modelId="{D140C763-745F-3240-9892-6C34179C69BE}" srcId="{2AA78337-0235-DA48-A96D-081D3368F6BF}" destId="{7AFDDD02-3AFE-1A4B-9E5A-D244AD099772}" srcOrd="0" destOrd="0" parTransId="{305B4CA5-14B4-0F40-AC42-F032DAEC1870}" sibTransId="{D6A1AD1D-8F9E-3544-8B9A-F91B5F3454B5}"/>
+    <dgm:cxn modelId="{15BA055D-4E62-2949-92AC-4B8866E70F7C}" type="presOf" srcId="{F9AEB661-B5F1-0C4A-87E4-1F00512A301B}" destId="{C51FA075-84CC-554C-8FBD-86C2243AB7A6}" srcOrd="0" destOrd="0" presId="urn:microsoft.com/office/officeart/2005/8/layout/process1"/>
+    <dgm:cxn modelId="{61CF5A40-1B45-E043-980B-8EB4CDBC65C7}" srcId="{08E54ECB-9517-A345-A1A6-FCB13B1D9F7A}" destId="{3AD685FE-A213-0741-A1F7-8C1B5BB9FBF1}" srcOrd="4" destOrd="0" parTransId="{49D2BCAD-053F-B54B-B76A-2D1C3B5B748C}" sibTransId="{09EF7297-789B-B245-BC3A-6CF8A6976F38}"/>
+    <dgm:cxn modelId="{45897C0B-94D2-2B4E-A90D-1DB0A2BA250B}" type="presOf" srcId="{BA40BBC7-D7D6-A24F-B210-1CD6732D8D1B}" destId="{1A110707-564F-8949-BA63-EFB62FE4A89A}" srcOrd="0" destOrd="3" presId="urn:microsoft.com/office/officeart/2005/8/layout/process1"/>
+    <dgm:cxn modelId="{EF57A101-5210-054E-BE50-448D4D9EF7B9}" type="presOf" srcId="{329A3AF0-D1E6-EB41-AF92-D51A1EDCE4A8}" destId="{4A8E0414-497C-F54A-AE02-48206D011499}" srcOrd="0" destOrd="3" presId="urn:microsoft.com/office/officeart/2005/8/layout/process1"/>
+    <dgm:cxn modelId="{98C97EB1-7794-A145-ABA5-7657CDC1CBBC}" type="presOf" srcId="{7C8A6384-C5ED-D349-BBDC-4A3788752C37}" destId="{89C3E660-7837-0541-9431-3AFCAC771FE2}" srcOrd="0" destOrd="0" presId="urn:microsoft.com/office/officeart/2005/8/layout/process1"/>
+    <dgm:cxn modelId="{9F641B90-F02F-BC41-9D36-C3E245275A68}" type="presOf" srcId="{91D3E728-E422-1849-B6A1-54C1499177B7}" destId="{1A110707-564F-8949-BA63-EFB62FE4A89A}" srcOrd="0" destOrd="1" presId="urn:microsoft.com/office/officeart/2005/8/layout/process1"/>
+    <dgm:cxn modelId="{DEB4B6EC-BDDE-A145-AECE-607CF4254639}" type="presOf" srcId="{3AD685FE-A213-0741-A1F7-8C1B5BB9FBF1}" destId="{4FF5F294-AAD0-8348-AA10-99638F8857AF}" srcOrd="0" destOrd="0" presId="urn:microsoft.com/office/officeart/2005/8/layout/process1"/>
+    <dgm:cxn modelId="{EAF10B6B-3FAD-9243-8945-F96B057BA58C}" srcId="{084BD119-9D83-0C42-AF16-BF9B1F0889B2}" destId="{BA40BBC7-D7D6-A24F-B210-1CD6732D8D1B}" srcOrd="2" destOrd="0" parTransId="{1324E05F-B49B-D24E-BBA8-BA1DED0A8A71}" sibTransId="{B8EA4B0F-88C7-3046-BE87-706644201484}"/>
+    <dgm:cxn modelId="{E0F21690-D58B-3F44-823E-568A47FFA8BA}" type="presOf" srcId="{08E54ECB-9517-A345-A1A6-FCB13B1D9F7A}" destId="{6CB31142-5EF1-D343-AA3A-1696A47FAB7A}" srcOrd="0" destOrd="0" presId="urn:microsoft.com/office/officeart/2005/8/layout/process1"/>
+    <dgm:cxn modelId="{A798543C-1713-3441-9E6A-8FB46252FB99}" type="presOf" srcId="{F9AEB661-B5F1-0C4A-87E4-1F00512A301B}" destId="{4EA3ACDE-6BD6-8D44-BAAB-9591D3C3CBA5}" srcOrd="1" destOrd="0" presId="urn:microsoft.com/office/officeart/2005/8/layout/process1"/>
+    <dgm:cxn modelId="{10B26848-1A59-5342-9516-046AB0BBA0DE}" srcId="{2AA78337-0235-DA48-A96D-081D3368F6BF}" destId="{D741E95A-2069-9E49-9C00-8EC221C62545}" srcOrd="1" destOrd="0" parTransId="{58B7CA81-747D-B746-8E7B-A5AD757BF59E}" sibTransId="{BD66332A-6343-6A45-A9FF-46B266778924}"/>
+    <dgm:cxn modelId="{4EF509DC-C0AC-5D45-B25F-56AD7FC0927B}" type="presOf" srcId="{2FCDBDCD-D88E-E343-B9C1-7FBF0C85508B}" destId="{44B8A148-9838-2842-AA8F-AAB39540FFF4}" srcOrd="0" destOrd="0" presId="urn:microsoft.com/office/officeart/2005/8/layout/process1"/>
+    <dgm:cxn modelId="{147E459B-4A7D-ED4A-9D9B-AC2377614CA1}" srcId="{3AD685FE-A213-0741-A1F7-8C1B5BB9FBF1}" destId="{698B7B9A-5BB8-8C47-8FA2-A74A093B5185}" srcOrd="0" destOrd="0" parTransId="{D1FBDB4A-E62F-A84A-A4B2-31CB7BA2D5F2}" sibTransId="{8A531702-51DB-9D40-AF8F-2563BA282A3D}"/>
+    <dgm:cxn modelId="{52249541-3D56-2446-9AC2-07CCF5BE9B54}" srcId="{084BD119-9D83-0C42-AF16-BF9B1F0889B2}" destId="{B26318ED-3C47-5C4D-BD56-61C084BE69A2}" srcOrd="3" destOrd="0" parTransId="{A8A0C006-2C7A-9142-B715-6EDD0A1DF2EC}" sibTransId="{C3697F98-0013-E14A-BECA-517511B24A38}"/>
+    <dgm:cxn modelId="{FBC05167-F160-0945-9CFC-FF64C260C20C}" type="presOf" srcId="{817DD736-E0CE-7842-A207-EFA6367A9664}" destId="{4FF5F294-AAD0-8348-AA10-99638F8857AF}" srcOrd="0" destOrd="2" presId="urn:microsoft.com/office/officeart/2005/8/layout/process1"/>
+    <dgm:cxn modelId="{A96725CE-BB07-B745-9A19-C73F046EF690}" srcId="{ACED6185-D1EA-E841-94D0-FA658C08E905}" destId="{D0A01783-5F35-DB4A-B337-DD00B60FDF61}" srcOrd="0" destOrd="0" parTransId="{471541A4-ED21-AD4C-AEF3-1479B1D72EAC}" sibTransId="{B9F962A3-30DB-5A4E-815F-CBAEBD4684E4}"/>
+    <dgm:cxn modelId="{AE5D47BC-F1A2-0647-9E6F-BC7AFFB7757D}" srcId="{3AD685FE-A213-0741-A1F7-8C1B5BB9FBF1}" destId="{817DD736-E0CE-7842-A207-EFA6367A9664}" srcOrd="1" destOrd="0" parTransId="{47246AA7-35B9-8B43-B585-D5200711227C}" sibTransId="{36B1E867-7BF8-CB48-A065-DC21C4A34028}"/>
+    <dgm:cxn modelId="{18C75F12-3E87-1B48-BD78-7E0016048D79}" type="presOf" srcId="{462AB36D-E1B3-6147-AFCB-A2C449E5C2DB}" destId="{BE25B0AC-AB8F-1048-B676-1B6F35D3151A}" srcOrd="1" destOrd="0" presId="urn:microsoft.com/office/officeart/2005/8/layout/process1"/>
+    <dgm:cxn modelId="{988BE16C-6F37-EB48-8ECC-608A5C8C80B9}" type="presOf" srcId="{EA72084F-3808-2441-94BE-EEFCF92DE97A}" destId="{89C3E660-7837-0541-9431-3AFCAC771FE2}" srcOrd="0" destOrd="1" presId="urn:microsoft.com/office/officeart/2005/8/layout/process1"/>
+    <dgm:cxn modelId="{8432109C-0835-9E4E-8F12-06AEE1D2DF7C}" srcId="{08E54ECB-9517-A345-A1A6-FCB13B1D9F7A}" destId="{7C8A6384-C5ED-D349-BBDC-4A3788752C37}" srcOrd="0" destOrd="0" parTransId="{BE09C12F-DCBA-244A-8F95-2DE77952F1C0}" sibTransId="{F9AEB661-B5F1-0C4A-87E4-1F00512A301B}"/>
+    <dgm:cxn modelId="{92E7548A-DDC9-D34B-A6D4-B5F23DE9EB41}" type="presOf" srcId="{698B7B9A-5BB8-8C47-8FA2-A74A093B5185}" destId="{4FF5F294-AAD0-8348-AA10-99638F8857AF}" srcOrd="0" destOrd="1" presId="urn:microsoft.com/office/officeart/2005/8/layout/process1"/>
+    <dgm:cxn modelId="{1A3AD78A-6AFB-9F4D-A8E3-F256FBC42C2B}" type="presOf" srcId="{A7B02B15-D9C1-2745-9F3A-A4C4B7AF1050}" destId="{1A110707-564F-8949-BA63-EFB62FE4A89A}" srcOrd="0" destOrd="2" presId="urn:microsoft.com/office/officeart/2005/8/layout/process1"/>
+    <dgm:cxn modelId="{C134308A-BB0C-6140-BA41-EC9027CDB4C9}" srcId="{08E54ECB-9517-A345-A1A6-FCB13B1D9F7A}" destId="{ACED6185-D1EA-E841-94D0-FA658C08E905}" srcOrd="1" destOrd="0" parTransId="{7D12F082-A350-9E4C-858E-2675761D3CDB}" sibTransId="{2FCDBDCD-D88E-E343-B9C1-7FBF0C85508B}"/>
+    <dgm:cxn modelId="{C74DFA76-8D69-DE40-BEDA-DA28A336032D}" srcId="{08E54ECB-9517-A345-A1A6-FCB13B1D9F7A}" destId="{2AA78337-0235-DA48-A96D-081D3368F6BF}" srcOrd="3" destOrd="0" parTransId="{A56974B8-1563-7646-8C32-4074AC3B63D2}" sibTransId="{CE562522-21D6-B040-843A-26C246D957D9}"/>
+    <dgm:cxn modelId="{48E0B96F-4792-9C44-998A-3307194D68A8}" srcId="{7C8A6384-C5ED-D349-BBDC-4A3788752C37}" destId="{38F1C970-EB5D-AE40-827D-3E3353887D9F}" srcOrd="1" destOrd="0" parTransId="{F2E20F2A-D9FC-AC44-A675-F67DAC901EFF}" sibTransId="{C94F8DBE-849A-8F4F-A044-9427D1C3D2B2}"/>
+    <dgm:cxn modelId="{0A845884-B5DF-1240-A6AE-576EE1B8E40A}" srcId="{084BD119-9D83-0C42-AF16-BF9B1F0889B2}" destId="{91D3E728-E422-1849-B6A1-54C1499177B7}" srcOrd="0" destOrd="0" parTransId="{856C4676-3ACD-B24A-B525-993221C31617}" sibTransId="{6E9AC3B4-6912-A04A-88FE-6095BBE0C70A}"/>
+    <dgm:cxn modelId="{115D6D4D-24D0-7545-972C-C73B7818FF24}" type="presOf" srcId="{D0A01783-5F35-DB4A-B337-DD00B60FDF61}" destId="{2C5E49C2-67BA-C04A-B93E-53C81992EB48}" srcOrd="0" destOrd="1" presId="urn:microsoft.com/office/officeart/2005/8/layout/process1"/>
+    <dgm:cxn modelId="{3FDC7298-A0BB-7641-BEA5-6ACB3347A989}" type="presOf" srcId="{D741E95A-2069-9E49-9C00-8EC221C62545}" destId="{4A8E0414-497C-F54A-AE02-48206D011499}" srcOrd="0" destOrd="2" presId="urn:microsoft.com/office/officeart/2005/8/layout/process1"/>
+    <dgm:cxn modelId="{0B9E15B7-0AFD-BF44-AF82-3AB9E52E7836}" srcId="{7C8A6384-C5ED-D349-BBDC-4A3788752C37}" destId="{EA72084F-3808-2441-94BE-EEFCF92DE97A}" srcOrd="0" destOrd="0" parTransId="{DC2DF096-99F9-854D-8BDD-73F5EFD7F3D7}" sibTransId="{78FB7EC6-31BC-2F42-B777-EFBA8F2FC35D}"/>
+    <dgm:cxn modelId="{CB95B161-9C28-E149-BDE3-2D4500A66477}" type="presParOf" srcId="{6CB31142-5EF1-D343-AA3A-1696A47FAB7A}" destId="{89C3E660-7837-0541-9431-3AFCAC771FE2}" srcOrd="0" destOrd="0" presId="urn:microsoft.com/office/officeart/2005/8/layout/process1"/>
+    <dgm:cxn modelId="{82D5D1BF-C8B7-1D4E-83FD-14CE1A9C0B6A}" type="presParOf" srcId="{6CB31142-5EF1-D343-AA3A-1696A47FAB7A}" destId="{C51FA075-84CC-554C-8FBD-86C2243AB7A6}" srcOrd="1" destOrd="0" presId="urn:microsoft.com/office/officeart/2005/8/layout/process1"/>
+    <dgm:cxn modelId="{ED01B0AB-3390-8C42-970A-029C0BCF7507}" type="presParOf" srcId="{C51FA075-84CC-554C-8FBD-86C2243AB7A6}" destId="{4EA3ACDE-6BD6-8D44-BAAB-9591D3C3CBA5}" srcOrd="0" destOrd="0" presId="urn:microsoft.com/office/officeart/2005/8/layout/process1"/>
+    <dgm:cxn modelId="{0D6C7503-C2C3-0841-ABDA-E60F2E80E9F2}" type="presParOf" srcId="{6CB31142-5EF1-D343-AA3A-1696A47FAB7A}" destId="{2C5E49C2-67BA-C04A-B93E-53C81992EB48}" srcOrd="2" destOrd="0" presId="urn:microsoft.com/office/officeart/2005/8/layout/process1"/>
+    <dgm:cxn modelId="{AC6A1796-DBE5-6245-987A-47337C6491EA}" type="presParOf" srcId="{6CB31142-5EF1-D343-AA3A-1696A47FAB7A}" destId="{44B8A148-9838-2842-AA8F-AAB39540FFF4}" srcOrd="3" destOrd="0" presId="urn:microsoft.com/office/officeart/2005/8/layout/process1"/>
+    <dgm:cxn modelId="{4D350C94-DAFC-9547-B5B5-51CC4759DCAF}" type="presParOf" srcId="{44B8A148-9838-2842-AA8F-AAB39540FFF4}" destId="{14E49438-9D77-8F46-9C69-C00DF8EB107F}" srcOrd="0" destOrd="0" presId="urn:microsoft.com/office/officeart/2005/8/layout/process1"/>
+    <dgm:cxn modelId="{18743BEA-1038-E149-8CF6-798934188B63}" type="presParOf" srcId="{6CB31142-5EF1-D343-AA3A-1696A47FAB7A}" destId="{1A110707-564F-8949-BA63-EFB62FE4A89A}" srcOrd="4" destOrd="0" presId="urn:microsoft.com/office/officeart/2005/8/layout/process1"/>
+    <dgm:cxn modelId="{1ED78B7F-3237-CC48-A427-85473B6BB214}" type="presParOf" srcId="{6CB31142-5EF1-D343-AA3A-1696A47FAB7A}" destId="{D87BB7E4-563E-8B47-87CF-5C66BB3E1766}" srcOrd="5" destOrd="0" presId="urn:microsoft.com/office/officeart/2005/8/layout/process1"/>
+    <dgm:cxn modelId="{AB2EC87A-8CF5-C44B-A4A4-807420F20D0B}" type="presParOf" srcId="{D87BB7E4-563E-8B47-87CF-5C66BB3E1766}" destId="{BE25B0AC-AB8F-1048-B676-1B6F35D3151A}" srcOrd="0" destOrd="0" presId="urn:microsoft.com/office/officeart/2005/8/layout/process1"/>
+    <dgm:cxn modelId="{4CDD65E2-E7E6-2F4B-BFBE-050B50828771}" type="presParOf" srcId="{6CB31142-5EF1-D343-AA3A-1696A47FAB7A}" destId="{4A8E0414-497C-F54A-AE02-48206D011499}" srcOrd="6" destOrd="0" presId="urn:microsoft.com/office/officeart/2005/8/layout/process1"/>
+    <dgm:cxn modelId="{109235B9-CC5E-CD42-81F2-874B34EB2B8F}" type="presParOf" srcId="{6CB31142-5EF1-D343-AA3A-1696A47FAB7A}" destId="{7BA6AFF8-01FB-574D-A406-4817CC5DEECD}" srcOrd="7" destOrd="0" presId="urn:microsoft.com/office/officeart/2005/8/layout/process1"/>
+    <dgm:cxn modelId="{C5BB749F-0B32-874D-AFA9-A12FD7619BE2}" type="presParOf" srcId="{7BA6AFF8-01FB-574D-A406-4817CC5DEECD}" destId="{0692C0CE-CD73-B242-A4C1-1E3A6E1E5F9D}" srcOrd="0" destOrd="0" presId="urn:microsoft.com/office/officeart/2005/8/layout/process1"/>
+    <dgm:cxn modelId="{8C11CCCB-78FA-9945-9761-927F1E2134F6}" type="presParOf" srcId="{6CB31142-5EF1-D343-AA3A-1696A47FAB7A}" destId="{4FF5F294-AAD0-8348-AA10-99638F8857AF}" srcOrd="8" destOrd="0" presId="urn:microsoft.com/office/officeart/2005/8/layout/process1"/>
+  </dgm:cxnLst>
+  <dgm:bg/>
+  <dgm:whole/>
+  <dgm:extLst>
+    <a:ext uri="http://schemas.microsoft.com/office/drawing/2008/diagram">
+      <dsp:dataModelExt xmlns:dsp="http://schemas.microsoft.com/office/drawing/2008/diagram" relId="rId7" minVer="http://schemas.openxmlformats.org/drawingml/2006/diagram"/>
+    </a:ext>
+  </dgm:extLst>
+</dgm:dataModel>
+</file>
+
+<file path=ppt/diagrams/data4.xml><?xml version="1.0" encoding="utf-8"?>
+<dgm:dataModel xmlns:dgm="http://schemas.openxmlformats.org/drawingml/2006/diagram" xmlns:a="http://schemas.openxmlformats.org/drawingml/2006/main">
+  <dgm:ptLst>
+    <dgm:pt modelId="{08E54ECB-9517-A345-A1A6-FCB13B1D9F7A}" type="doc">
+      <dgm:prSet loTypeId="urn:microsoft.com/office/officeart/2005/8/layout/process1" loCatId="" qsTypeId="urn:microsoft.com/office/officeart/2005/8/quickstyle/simple1" qsCatId="simple" csTypeId="urn:microsoft.com/office/officeart/2005/8/colors/colorful5" csCatId="colorful" phldr="1"/>
+      <dgm:spPr/>
+    </dgm:pt>
+    <dgm:pt modelId="{2AA78337-0235-DA48-A96D-081D3368F6BF}">
+      <dgm:prSet phldrT="[Text]"/>
+      <dgm:spPr/>
+      <dgm:t>
+        <a:bodyPr/>
+        <a:lstStyle/>
+        <a:p>
+          <a:r>
+            <a:rPr lang="en-US" dirty="0" smtClean="0"/>
             <a:t>Organization</a:t>
           </a:r>
         </a:p>
@@ -3911,10 +5573,24 @@
     <dgm:pt modelId="{5BCFA16E-CCDF-644A-9C7E-4482157A7136}" type="pres">
       <dgm:prSet presAssocID="{41B1D054-F0D4-B847-8169-2659FD194CEB}" presName="sibTrans" presStyleLbl="sibTrans2D1" presStyleIdx="1" presStyleCnt="7"/>
       <dgm:spPr/>
+      <dgm:t>
+        <a:bodyPr/>
+        <a:lstStyle/>
+        <a:p>
+          <a:endParaRPr lang="en-US"/>
+        </a:p>
+      </dgm:t>
     </dgm:pt>
     <dgm:pt modelId="{17D90017-9F6A-A049-986C-8F506B116FD6}" type="pres">
       <dgm:prSet presAssocID="{41B1D054-F0D4-B847-8169-2659FD194CEB}" presName="connectorText" presStyleLbl="sibTrans2D1" presStyleIdx="1" presStyleCnt="7"/>
       <dgm:spPr/>
+      <dgm:t>
+        <a:bodyPr/>
+        <a:lstStyle/>
+        <a:p>
+          <a:endParaRPr lang="en-US"/>
+        </a:p>
+      </dgm:t>
     </dgm:pt>
     <dgm:pt modelId="{4C6D66A1-89C2-5045-9CF6-AE19FF69C2E4}" type="pres">
       <dgm:prSet presAssocID="{BA01AD93-52BD-CC42-890B-2DE72FC01A42}" presName="node" presStyleLbl="node1" presStyleIdx="2" presStyleCnt="8">
@@ -3934,10 +5610,24 @@
     <dgm:pt modelId="{322E1A56-CEEF-1842-B9B3-2F1A14649CBB}" type="pres">
       <dgm:prSet presAssocID="{02D89CA1-D01F-5C43-B577-1FECE3873161}" presName="sibTrans" presStyleLbl="sibTrans2D1" presStyleIdx="2" presStyleCnt="7"/>
       <dgm:spPr/>
+      <dgm:t>
+        <a:bodyPr/>
+        <a:lstStyle/>
+        <a:p>
+          <a:endParaRPr lang="en-US"/>
+        </a:p>
+      </dgm:t>
     </dgm:pt>
     <dgm:pt modelId="{B81CB57E-AF36-B841-AFEC-D750065D705E}" type="pres">
       <dgm:prSet presAssocID="{02D89CA1-D01F-5C43-B577-1FECE3873161}" presName="connectorText" presStyleLbl="sibTrans2D1" presStyleIdx="2" presStyleCnt="7"/>
       <dgm:spPr/>
+      <dgm:t>
+        <a:bodyPr/>
+        <a:lstStyle/>
+        <a:p>
+          <a:endParaRPr lang="en-US"/>
+        </a:p>
+      </dgm:t>
     </dgm:pt>
     <dgm:pt modelId="{5920BD7D-0322-AB4C-BE49-E37C38368DCC}" type="pres">
       <dgm:prSet presAssocID="{B725634D-9612-D143-9B8A-1F4BA8FC94EF}" presName="node" presStyleLbl="node1" presStyleIdx="3" presStyleCnt="8">
@@ -3957,10 +5647,24 @@
     <dgm:pt modelId="{B1B64BFB-4A9D-7248-A990-B9ADA5557F79}" type="pres">
       <dgm:prSet presAssocID="{8037F5A5-CB5F-C348-9C24-D025F5454818}" presName="sibTrans" presStyleLbl="sibTrans2D1" presStyleIdx="3" presStyleCnt="7"/>
       <dgm:spPr/>
+      <dgm:t>
+        <a:bodyPr/>
+        <a:lstStyle/>
+        <a:p>
+          <a:endParaRPr lang="en-US"/>
+        </a:p>
+      </dgm:t>
     </dgm:pt>
     <dgm:pt modelId="{15B3EA7A-CA85-0B43-89DD-48258819E549}" type="pres">
       <dgm:prSet presAssocID="{8037F5A5-CB5F-C348-9C24-D025F5454818}" presName="connectorText" presStyleLbl="sibTrans2D1" presStyleIdx="3" presStyleCnt="7"/>
       <dgm:spPr/>
+      <dgm:t>
+        <a:bodyPr/>
+        <a:lstStyle/>
+        <a:p>
+          <a:endParaRPr lang="en-US"/>
+        </a:p>
+      </dgm:t>
     </dgm:pt>
     <dgm:pt modelId="{08021080-8440-2348-BBF8-2151E19C7BAF}" type="pres">
       <dgm:prSet presAssocID="{F9173228-3A3E-EA49-A3BC-761DC46ABA3A}" presName="node" presStyleLbl="node1" presStyleIdx="4" presStyleCnt="8">
@@ -4054,10 +5758,24 @@
     <dgm:pt modelId="{D87BB7E4-563E-8B47-87CF-5C66BB3E1766}" type="pres">
       <dgm:prSet presAssocID="{462AB36D-E1B3-6147-AFCB-A2C449E5C2DB}" presName="sibTrans" presStyleLbl="sibTrans2D1" presStyleIdx="6" presStyleCnt="7"/>
       <dgm:spPr/>
+      <dgm:t>
+        <a:bodyPr/>
+        <a:lstStyle/>
+        <a:p>
+          <a:endParaRPr lang="en-US"/>
+        </a:p>
+      </dgm:t>
     </dgm:pt>
     <dgm:pt modelId="{BE25B0AC-AB8F-1048-B676-1B6F35D3151A}" type="pres">
       <dgm:prSet presAssocID="{462AB36D-E1B3-6147-AFCB-A2C449E5C2DB}" presName="connectorText" presStyleLbl="sibTrans2D1" presStyleIdx="6" presStyleCnt="7"/>
       <dgm:spPr/>
+      <dgm:t>
+        <a:bodyPr/>
+        <a:lstStyle/>
+        <a:p>
+          <a:endParaRPr lang="en-US"/>
+        </a:p>
+      </dgm:t>
     </dgm:pt>
     <dgm:pt modelId="{2C5E49C2-67BA-C04A-B93E-53C81992EB48}" type="pres">
       <dgm:prSet presAssocID="{ACED6185-D1EA-E841-94D0-FA658C08E905}" presName="node" presStyleLbl="node1" presStyleIdx="7" presStyleCnt="8">
@@ -4076,37 +5794,37 @@
     </dgm:pt>
   </dgm:ptLst>
   <dgm:cxnLst>
+    <dgm:cxn modelId="{2997C465-C4BD-B945-BCE1-D6A83EF8B179}" type="presOf" srcId="{6CDDC22F-B390-BC4E-B054-CA58445F957A}" destId="{81C71DB6-4FFD-8D46-A23A-E4547AB2CF14}" srcOrd="1" destOrd="0" presId="urn:microsoft.com/office/officeart/2005/8/layout/process1"/>
+    <dgm:cxn modelId="{54710C19-E1B2-5949-AD9F-7426A72791FF}" type="presOf" srcId="{08E54ECB-9517-A345-A1A6-FCB13B1D9F7A}" destId="{6CB31142-5EF1-D343-AA3A-1696A47FAB7A}" srcOrd="0" destOrd="0" presId="urn:microsoft.com/office/officeart/2005/8/layout/process1"/>
+    <dgm:cxn modelId="{1F43EFDD-4DC4-FB4C-BB54-4C68845F4AA8}" type="presOf" srcId="{CE562522-21D6-B040-843A-26C246D957D9}" destId="{0692C0CE-CD73-B242-A4C1-1E3A6E1E5F9D}" srcOrd="1" destOrd="0" presId="urn:microsoft.com/office/officeart/2005/8/layout/process1"/>
+    <dgm:cxn modelId="{E8068B93-F769-A741-9F98-C139BFB05B44}" type="presOf" srcId="{8037F5A5-CB5F-C348-9C24-D025F5454818}" destId="{B1B64BFB-4A9D-7248-A990-B9ADA5557F79}" srcOrd="0" destOrd="0" presId="urn:microsoft.com/office/officeart/2005/8/layout/process1"/>
+    <dgm:cxn modelId="{0F4F47FB-3A45-8944-B272-E98A4910AFCA}" type="presOf" srcId="{8037F5A5-CB5F-C348-9C24-D025F5454818}" destId="{15B3EA7A-CA85-0B43-89DD-48258819E549}" srcOrd="1" destOrd="0" presId="urn:microsoft.com/office/officeart/2005/8/layout/process1"/>
+    <dgm:cxn modelId="{22E7E96A-6AB8-7C47-BDD1-2F89B7BB9ED5}" srcId="{08E54ECB-9517-A345-A1A6-FCB13B1D9F7A}" destId="{084BD119-9D83-0C42-AF16-BF9B1F0889B2}" srcOrd="6" destOrd="0" parTransId="{D587217C-2A83-1548-883E-2EFBFF3AE070}" sibTransId="{462AB36D-E1B3-6147-AFCB-A2C449E5C2DB}"/>
+    <dgm:cxn modelId="{85B3EB2C-49D8-3B41-BF15-E54976CB7B63}" type="presOf" srcId="{86357CF9-32CD-CB45-8285-89E41A2404E2}" destId="{514F042E-B533-444E-AD23-EEC170E9106B}" srcOrd="0" destOrd="0" presId="urn:microsoft.com/office/officeart/2005/8/layout/process1"/>
+    <dgm:cxn modelId="{2BACA9F3-C421-7141-9766-B25A2733CE08}" type="presOf" srcId="{41B1D054-F0D4-B847-8169-2659FD194CEB}" destId="{17D90017-9F6A-A049-986C-8F506B116FD6}" srcOrd="1" destOrd="0" presId="urn:microsoft.com/office/officeart/2005/8/layout/process1"/>
+    <dgm:cxn modelId="{84BA78C8-08B5-6743-BA00-C24AEFA14959}" srcId="{08E54ECB-9517-A345-A1A6-FCB13B1D9F7A}" destId="{8EA9C801-76E9-6A48-AB99-8B5612F3CACD}" srcOrd="0" destOrd="0" parTransId="{03DF6D97-ECF1-304D-8218-417E33B46855}" sibTransId="{86357CF9-32CD-CB45-8285-89E41A2404E2}"/>
+    <dgm:cxn modelId="{4950661D-2C49-754C-9A6A-89A6F5666367}" type="presOf" srcId="{BA01AD93-52BD-CC42-890B-2DE72FC01A42}" destId="{4C6D66A1-89C2-5045-9CF6-AE19FF69C2E4}" srcOrd="0" destOrd="0" presId="urn:microsoft.com/office/officeart/2005/8/layout/process1"/>
+    <dgm:cxn modelId="{0A7DCB3A-B950-3F44-A32E-C974FA1E9E06}" type="presOf" srcId="{462AB36D-E1B3-6147-AFCB-A2C449E5C2DB}" destId="{D87BB7E4-563E-8B47-87CF-5C66BB3E1766}" srcOrd="0" destOrd="0" presId="urn:microsoft.com/office/officeart/2005/8/layout/process1"/>
+    <dgm:cxn modelId="{2CEF6358-3A86-7845-9617-709C698FBFE1}" type="presOf" srcId="{B725634D-9612-D143-9B8A-1F4BA8FC94EF}" destId="{5920BD7D-0322-AB4C-BE49-E37C38368DCC}" srcOrd="0" destOrd="0" presId="urn:microsoft.com/office/officeart/2005/8/layout/process1"/>
+    <dgm:cxn modelId="{FEAB9250-F2D5-5241-9E5B-D1ED897B2B0A}" type="presOf" srcId="{02D89CA1-D01F-5C43-B577-1FECE3873161}" destId="{B81CB57E-AF36-B841-AFEC-D750065D705E}" srcOrd="1" destOrd="0" presId="urn:microsoft.com/office/officeart/2005/8/layout/process1"/>
+    <dgm:cxn modelId="{C1FF2FF0-03DD-254E-9D9C-6E5AC96E30D6}" type="presOf" srcId="{41B1D054-F0D4-B847-8169-2659FD194CEB}" destId="{5BCFA16E-CCDF-644A-9C7E-4482157A7136}" srcOrd="0" destOrd="0" presId="urn:microsoft.com/office/officeart/2005/8/layout/process1"/>
+    <dgm:cxn modelId="{2B4DC71C-9CBE-B842-9A15-C8E3842F4DC3}" srcId="{08E54ECB-9517-A345-A1A6-FCB13B1D9F7A}" destId="{F9173228-3A3E-EA49-A3BC-761DC46ABA3A}" srcOrd="4" destOrd="0" parTransId="{5060515D-3887-894D-AB41-56E1882B6BFC}" sibTransId="{6CDDC22F-B390-BC4E-B054-CA58445F957A}"/>
+    <dgm:cxn modelId="{61611C02-A877-BC4F-A5C4-8B615B8C39CE}" type="presOf" srcId="{F9173228-3A3E-EA49-A3BC-761DC46ABA3A}" destId="{08021080-8440-2348-BBF8-2151E19C7BAF}" srcOrd="0" destOrd="0" presId="urn:microsoft.com/office/officeart/2005/8/layout/process1"/>
+    <dgm:cxn modelId="{F48D43B1-478A-E641-AF94-1F387FB6D136}" type="presOf" srcId="{084BD119-9D83-0C42-AF16-BF9B1F0889B2}" destId="{1A110707-564F-8949-BA63-EFB62FE4A89A}" srcOrd="0" destOrd="0" presId="urn:microsoft.com/office/officeart/2005/8/layout/process1"/>
     <dgm:cxn modelId="{CB1EE71B-CFDC-C541-A3AD-B10F7ADC1391}" type="presOf" srcId="{6CDDC22F-B390-BC4E-B054-CA58445F957A}" destId="{DD442D23-0A48-BC4C-BE1C-928FDDFFF2B9}" srcOrd="0" destOrd="0" presId="urn:microsoft.com/office/officeart/2005/8/layout/process1"/>
-    <dgm:cxn modelId="{2BACA9F3-C421-7141-9766-B25A2733CE08}" type="presOf" srcId="{41B1D054-F0D4-B847-8169-2659FD194CEB}" destId="{17D90017-9F6A-A049-986C-8F506B116FD6}" srcOrd="1" destOrd="0" presId="urn:microsoft.com/office/officeart/2005/8/layout/process1"/>
+    <dgm:cxn modelId="{BBBFACFC-FBDA-B444-8F8F-3B810F3C5F68}" type="presOf" srcId="{02D89CA1-D01F-5C43-B577-1FECE3873161}" destId="{322E1A56-CEEF-1842-B9B3-2F1A14649CBB}" srcOrd="0" destOrd="0" presId="urn:microsoft.com/office/officeart/2005/8/layout/process1"/>
+    <dgm:cxn modelId="{C741E381-7733-5846-B494-CD849A3EBDE9}" type="presOf" srcId="{6D1F3F87-943C-0848-812A-DDC1880D987F}" destId="{87D803E3-EB89-BC47-9037-0610E99B4F6F}" srcOrd="0" destOrd="0" presId="urn:microsoft.com/office/officeart/2005/8/layout/process1"/>
+    <dgm:cxn modelId="{71241E2B-ECE9-EF4F-8F6A-2AA25B68AC0F}" type="presOf" srcId="{462AB36D-E1B3-6147-AFCB-A2C449E5C2DB}" destId="{BE25B0AC-AB8F-1048-B676-1B6F35D3151A}" srcOrd="1" destOrd="0" presId="urn:microsoft.com/office/officeart/2005/8/layout/process1"/>
+    <dgm:cxn modelId="{AC255C3B-7113-7643-B418-CF424915DC71}" type="presOf" srcId="{8EA9C801-76E9-6A48-AB99-8B5612F3CACD}" destId="{7FB6FC54-5AC3-FF4C-BCA1-537FCB5AF275}" srcOrd="0" destOrd="0" presId="urn:microsoft.com/office/officeart/2005/8/layout/process1"/>
+    <dgm:cxn modelId="{FCE1328D-7F2A-3148-ACF3-CC7C68AB6A6B}" type="presOf" srcId="{ACED6185-D1EA-E841-94D0-FA658C08E905}" destId="{2C5E49C2-67BA-C04A-B93E-53C81992EB48}" srcOrd="0" destOrd="0" presId="urn:microsoft.com/office/officeart/2005/8/layout/process1"/>
+    <dgm:cxn modelId="{66AC96E7-D6B7-E140-88AE-E6A3DBA694C9}" srcId="{08E54ECB-9517-A345-A1A6-FCB13B1D9F7A}" destId="{BA01AD93-52BD-CC42-890B-2DE72FC01A42}" srcOrd="2" destOrd="0" parTransId="{40A9AB8F-2863-FD44-83EB-AC2EC30F8ACD}" sibTransId="{02D89CA1-D01F-5C43-B577-1FECE3873161}"/>
+    <dgm:cxn modelId="{1CADCD1C-479F-7D42-98F2-2F8331106313}" type="presOf" srcId="{CE562522-21D6-B040-843A-26C246D957D9}" destId="{7BA6AFF8-01FB-574D-A406-4817CC5DEECD}" srcOrd="0" destOrd="0" presId="urn:microsoft.com/office/officeart/2005/8/layout/process1"/>
+    <dgm:cxn modelId="{36B8B178-95C4-4549-AEAC-2CD6D860589A}" type="presOf" srcId="{86357CF9-32CD-CB45-8285-89E41A2404E2}" destId="{0479FFE0-93F1-8248-ACA9-769C6992DADB}" srcOrd="1" destOrd="0" presId="urn:microsoft.com/office/officeart/2005/8/layout/process1"/>
+    <dgm:cxn modelId="{EF7FBE96-632F-9E43-B51D-4AC43C5CF428}" srcId="{08E54ECB-9517-A345-A1A6-FCB13B1D9F7A}" destId="{B725634D-9612-D143-9B8A-1F4BA8FC94EF}" srcOrd="3" destOrd="0" parTransId="{16FADB52-14F6-2E4E-AC58-BF34A922F125}" sibTransId="{8037F5A5-CB5F-C348-9C24-D025F5454818}"/>
     <dgm:cxn modelId="{193A3540-6971-2147-A103-E3E197AFB02D}" type="presOf" srcId="{2AA78337-0235-DA48-A96D-081D3368F6BF}" destId="{4A8E0414-497C-F54A-AE02-48206D011499}" srcOrd="0" destOrd="0" presId="urn:microsoft.com/office/officeart/2005/8/layout/process1"/>
-    <dgm:cxn modelId="{2997C465-C4BD-B945-BCE1-D6A83EF8B179}" type="presOf" srcId="{6CDDC22F-B390-BC4E-B054-CA58445F957A}" destId="{81C71DB6-4FFD-8D46-A23A-E4547AB2CF14}" srcOrd="1" destOrd="0" presId="urn:microsoft.com/office/officeart/2005/8/layout/process1"/>
+    <dgm:cxn modelId="{C134308A-BB0C-6140-BA41-EC9027CDB4C9}" srcId="{08E54ECB-9517-A345-A1A6-FCB13B1D9F7A}" destId="{ACED6185-D1EA-E841-94D0-FA658C08E905}" srcOrd="7" destOrd="0" parTransId="{7D12F082-A350-9E4C-858E-2675761D3CDB}" sibTransId="{2FCDBDCD-D88E-E343-B9C1-7FBF0C85508B}"/>
     <dgm:cxn modelId="{C74DFA76-8D69-DE40-BEDA-DA28A336032D}" srcId="{08E54ECB-9517-A345-A1A6-FCB13B1D9F7A}" destId="{2AA78337-0235-DA48-A96D-081D3368F6BF}" srcOrd="5" destOrd="0" parTransId="{A56974B8-1563-7646-8C32-4074AC3B63D2}" sibTransId="{CE562522-21D6-B040-843A-26C246D957D9}"/>
-    <dgm:cxn modelId="{BBBFACFC-FBDA-B444-8F8F-3B810F3C5F68}" type="presOf" srcId="{02D89CA1-D01F-5C43-B577-1FECE3873161}" destId="{322E1A56-CEEF-1842-B9B3-2F1A14649CBB}" srcOrd="0" destOrd="0" presId="urn:microsoft.com/office/officeart/2005/8/layout/process1"/>
-    <dgm:cxn modelId="{1CADCD1C-479F-7D42-98F2-2F8331106313}" type="presOf" srcId="{CE562522-21D6-B040-843A-26C246D957D9}" destId="{7BA6AFF8-01FB-574D-A406-4817CC5DEECD}" srcOrd="0" destOrd="0" presId="urn:microsoft.com/office/officeart/2005/8/layout/process1"/>
-    <dgm:cxn modelId="{2CEF6358-3A86-7845-9617-709C698FBFE1}" type="presOf" srcId="{B725634D-9612-D143-9B8A-1F4BA8FC94EF}" destId="{5920BD7D-0322-AB4C-BE49-E37C38368DCC}" srcOrd="0" destOrd="0" presId="urn:microsoft.com/office/officeart/2005/8/layout/process1"/>
-    <dgm:cxn modelId="{36B8B178-95C4-4549-AEAC-2CD6D860589A}" type="presOf" srcId="{86357CF9-32CD-CB45-8285-89E41A2404E2}" destId="{0479FFE0-93F1-8248-ACA9-769C6992DADB}" srcOrd="1" destOrd="0" presId="urn:microsoft.com/office/officeart/2005/8/layout/process1"/>
-    <dgm:cxn modelId="{C1FF2FF0-03DD-254E-9D9C-6E5AC96E30D6}" type="presOf" srcId="{41B1D054-F0D4-B847-8169-2659FD194CEB}" destId="{5BCFA16E-CCDF-644A-9C7E-4482157A7136}" srcOrd="0" destOrd="0" presId="urn:microsoft.com/office/officeart/2005/8/layout/process1"/>
-    <dgm:cxn modelId="{F48D43B1-478A-E641-AF94-1F387FB6D136}" type="presOf" srcId="{084BD119-9D83-0C42-AF16-BF9B1F0889B2}" destId="{1A110707-564F-8949-BA63-EFB62FE4A89A}" srcOrd="0" destOrd="0" presId="urn:microsoft.com/office/officeart/2005/8/layout/process1"/>
-    <dgm:cxn modelId="{503AD609-5D34-8A44-B424-840EF14F5100}" type="presOf" srcId="{ACED6185-D1EA-E841-94D0-FA658C08E905}" destId="{2C5E49C2-67BA-C04A-B93E-53C81992EB48}" srcOrd="0" destOrd="0" presId="urn:microsoft.com/office/officeart/2005/8/layout/process1"/>
-    <dgm:cxn modelId="{2B4DC71C-9CBE-B842-9A15-C8E3842F4DC3}" srcId="{08E54ECB-9517-A345-A1A6-FCB13B1D9F7A}" destId="{F9173228-3A3E-EA49-A3BC-761DC46ABA3A}" srcOrd="4" destOrd="0" parTransId="{5060515D-3887-894D-AB41-56E1882B6BFC}" sibTransId="{6CDDC22F-B390-BC4E-B054-CA58445F957A}"/>
-    <dgm:cxn modelId="{85B3EB2C-49D8-3B41-BF15-E54976CB7B63}" type="presOf" srcId="{86357CF9-32CD-CB45-8285-89E41A2404E2}" destId="{514F042E-B533-444E-AD23-EEC170E9106B}" srcOrd="0" destOrd="0" presId="urn:microsoft.com/office/officeart/2005/8/layout/process1"/>
-    <dgm:cxn modelId="{AC255C3B-7113-7643-B418-CF424915DC71}" type="presOf" srcId="{8EA9C801-76E9-6A48-AB99-8B5612F3CACD}" destId="{7FB6FC54-5AC3-FF4C-BCA1-537FCB5AF275}" srcOrd="0" destOrd="0" presId="urn:microsoft.com/office/officeart/2005/8/layout/process1"/>
-    <dgm:cxn modelId="{FEAB9250-F2D5-5241-9E5B-D1ED897B2B0A}" type="presOf" srcId="{02D89CA1-D01F-5C43-B577-1FECE3873161}" destId="{B81CB57E-AF36-B841-AFEC-D750065D705E}" srcOrd="1" destOrd="0" presId="urn:microsoft.com/office/officeart/2005/8/layout/process1"/>
-    <dgm:cxn modelId="{4950661D-2C49-754C-9A6A-89A6F5666367}" type="presOf" srcId="{BA01AD93-52BD-CC42-890B-2DE72FC01A42}" destId="{4C6D66A1-89C2-5045-9CF6-AE19FF69C2E4}" srcOrd="0" destOrd="0" presId="urn:microsoft.com/office/officeart/2005/8/layout/process1"/>
-    <dgm:cxn modelId="{EF7FBE96-632F-9E43-B51D-4AC43C5CF428}" srcId="{08E54ECB-9517-A345-A1A6-FCB13B1D9F7A}" destId="{B725634D-9612-D143-9B8A-1F4BA8FC94EF}" srcOrd="3" destOrd="0" parTransId="{16FADB52-14F6-2E4E-AC58-BF34A922F125}" sibTransId="{8037F5A5-CB5F-C348-9C24-D025F5454818}"/>
-    <dgm:cxn modelId="{0F4F47FB-3A45-8944-B272-E98A4910AFCA}" type="presOf" srcId="{8037F5A5-CB5F-C348-9C24-D025F5454818}" destId="{15B3EA7A-CA85-0B43-89DD-48258819E549}" srcOrd="1" destOrd="0" presId="urn:microsoft.com/office/officeart/2005/8/layout/process1"/>
-    <dgm:cxn modelId="{E8068B93-F769-A741-9F98-C139BFB05B44}" type="presOf" srcId="{8037F5A5-CB5F-C348-9C24-D025F5454818}" destId="{B1B64BFB-4A9D-7248-A990-B9ADA5557F79}" srcOrd="0" destOrd="0" presId="urn:microsoft.com/office/officeart/2005/8/layout/process1"/>
-    <dgm:cxn modelId="{4CD43B59-CB61-DE45-A9F9-FA343F057BC2}" type="presOf" srcId="{462AB36D-E1B3-6147-AFCB-A2C449E5C2DB}" destId="{BE25B0AC-AB8F-1048-B676-1B6F35D3151A}" srcOrd="1" destOrd="0" presId="urn:microsoft.com/office/officeart/2005/8/layout/process1"/>
-    <dgm:cxn modelId="{54710C19-E1B2-5949-AD9F-7426A72791FF}" type="presOf" srcId="{08E54ECB-9517-A345-A1A6-FCB13B1D9F7A}" destId="{6CB31142-5EF1-D343-AA3A-1696A47FAB7A}" srcOrd="0" destOrd="0" presId="urn:microsoft.com/office/officeart/2005/8/layout/process1"/>
-    <dgm:cxn modelId="{C134308A-BB0C-6140-BA41-EC9027CDB4C9}" srcId="{08E54ECB-9517-A345-A1A6-FCB13B1D9F7A}" destId="{ACED6185-D1EA-E841-94D0-FA658C08E905}" srcOrd="7" destOrd="0" parTransId="{7D12F082-A350-9E4C-858E-2675761D3CDB}" sibTransId="{2FCDBDCD-D88E-E343-B9C1-7FBF0C85508B}"/>
-    <dgm:cxn modelId="{C1DC3D98-31F2-2F4F-8323-AC7CC1E4234E}" type="presOf" srcId="{462AB36D-E1B3-6147-AFCB-A2C449E5C2DB}" destId="{D87BB7E4-563E-8B47-87CF-5C66BB3E1766}" srcOrd="0" destOrd="0" presId="urn:microsoft.com/office/officeart/2005/8/layout/process1"/>
     <dgm:cxn modelId="{80688565-53DA-CD48-A5D4-B015FFFDD1D7}" srcId="{08E54ECB-9517-A345-A1A6-FCB13B1D9F7A}" destId="{6D1F3F87-943C-0848-812A-DDC1880D987F}" srcOrd="1" destOrd="0" parTransId="{4AF3EC19-3E69-254F-939A-43EF8B1BB5B4}" sibTransId="{41B1D054-F0D4-B847-8169-2659FD194CEB}"/>
-    <dgm:cxn modelId="{61611C02-A877-BC4F-A5C4-8B615B8C39CE}" type="presOf" srcId="{F9173228-3A3E-EA49-A3BC-761DC46ABA3A}" destId="{08021080-8440-2348-BBF8-2151E19C7BAF}" srcOrd="0" destOrd="0" presId="urn:microsoft.com/office/officeart/2005/8/layout/process1"/>
-    <dgm:cxn modelId="{66AC96E7-D6B7-E140-88AE-E6A3DBA694C9}" srcId="{08E54ECB-9517-A345-A1A6-FCB13B1D9F7A}" destId="{BA01AD93-52BD-CC42-890B-2DE72FC01A42}" srcOrd="2" destOrd="0" parTransId="{40A9AB8F-2863-FD44-83EB-AC2EC30F8ACD}" sibTransId="{02D89CA1-D01F-5C43-B577-1FECE3873161}"/>
-    <dgm:cxn modelId="{22E7E96A-6AB8-7C47-BDD1-2F89B7BB9ED5}" srcId="{08E54ECB-9517-A345-A1A6-FCB13B1D9F7A}" destId="{084BD119-9D83-0C42-AF16-BF9B1F0889B2}" srcOrd="6" destOrd="0" parTransId="{D587217C-2A83-1548-883E-2EFBFF3AE070}" sibTransId="{462AB36D-E1B3-6147-AFCB-A2C449E5C2DB}"/>
-    <dgm:cxn modelId="{84BA78C8-08B5-6743-BA00-C24AEFA14959}" srcId="{08E54ECB-9517-A345-A1A6-FCB13B1D9F7A}" destId="{8EA9C801-76E9-6A48-AB99-8B5612F3CACD}" srcOrd="0" destOrd="0" parTransId="{03DF6D97-ECF1-304D-8218-417E33B46855}" sibTransId="{86357CF9-32CD-CB45-8285-89E41A2404E2}"/>
-    <dgm:cxn modelId="{1F43EFDD-4DC4-FB4C-BB54-4C68845F4AA8}" type="presOf" srcId="{CE562522-21D6-B040-843A-26C246D957D9}" destId="{0692C0CE-CD73-B242-A4C1-1E3A6E1E5F9D}" srcOrd="1" destOrd="0" presId="urn:microsoft.com/office/officeart/2005/8/layout/process1"/>
-    <dgm:cxn modelId="{C741E381-7733-5846-B494-CD849A3EBDE9}" type="presOf" srcId="{6D1F3F87-943C-0848-812A-DDC1880D987F}" destId="{87D803E3-EB89-BC47-9037-0610E99B4F6F}" srcOrd="0" destOrd="0" presId="urn:microsoft.com/office/officeart/2005/8/layout/process1"/>
     <dgm:cxn modelId="{40C14DCF-E9EC-BB4D-8264-C24419400E71}" type="presParOf" srcId="{6CB31142-5EF1-D343-AA3A-1696A47FAB7A}" destId="{7FB6FC54-5AC3-FF4C-BCA1-537FCB5AF275}" srcOrd="0" destOrd="0" presId="urn:microsoft.com/office/officeart/2005/8/layout/process1"/>
     <dgm:cxn modelId="{9D4AE957-D57A-894B-B569-B08E353EF272}" type="presParOf" srcId="{6CB31142-5EF1-D343-AA3A-1696A47FAB7A}" destId="{514F042E-B533-444E-AD23-EEC170E9106B}" srcOrd="1" destOrd="0" presId="urn:microsoft.com/office/officeart/2005/8/layout/process1"/>
     <dgm:cxn modelId="{6C7BFDA8-CA2C-FC4F-9CA1-5E2052F4BD5A}" type="presParOf" srcId="{514F042E-B533-444E-AD23-EEC170E9106B}" destId="{0479FFE0-93F1-8248-ACA9-769C6992DADB}" srcOrd="0" destOrd="0" presId="urn:microsoft.com/office/officeart/2005/8/layout/process1"/>
@@ -4126,9 +5844,9 @@
     <dgm:cxn modelId="{1879877F-BE21-724D-B7D2-4CB778B43B99}" type="presParOf" srcId="{6CB31142-5EF1-D343-AA3A-1696A47FAB7A}" destId="{7BA6AFF8-01FB-574D-A406-4817CC5DEECD}" srcOrd="11" destOrd="0" presId="urn:microsoft.com/office/officeart/2005/8/layout/process1"/>
     <dgm:cxn modelId="{8254C19E-F050-4B4A-B4DE-C4E452D4F83B}" type="presParOf" srcId="{7BA6AFF8-01FB-574D-A406-4817CC5DEECD}" destId="{0692C0CE-CD73-B242-A4C1-1E3A6E1E5F9D}" srcOrd="0" destOrd="0" presId="urn:microsoft.com/office/officeart/2005/8/layout/process1"/>
     <dgm:cxn modelId="{1C240BE5-295B-1B4F-BACD-121C43A8A4DD}" type="presParOf" srcId="{6CB31142-5EF1-D343-AA3A-1696A47FAB7A}" destId="{1A110707-564F-8949-BA63-EFB62FE4A89A}" srcOrd="12" destOrd="0" presId="urn:microsoft.com/office/officeart/2005/8/layout/process1"/>
-    <dgm:cxn modelId="{95E99C46-5FAC-5E46-BDEF-37231B988D11}" type="presParOf" srcId="{6CB31142-5EF1-D343-AA3A-1696A47FAB7A}" destId="{D87BB7E4-563E-8B47-87CF-5C66BB3E1766}" srcOrd="13" destOrd="0" presId="urn:microsoft.com/office/officeart/2005/8/layout/process1"/>
-    <dgm:cxn modelId="{8DFDC45F-7D1A-F348-867F-8319933046C5}" type="presParOf" srcId="{D87BB7E4-563E-8B47-87CF-5C66BB3E1766}" destId="{BE25B0AC-AB8F-1048-B676-1B6F35D3151A}" srcOrd="0" destOrd="0" presId="urn:microsoft.com/office/officeart/2005/8/layout/process1"/>
-    <dgm:cxn modelId="{E3B3BD3C-990D-7D4A-B2BB-D53F75D924F1}" type="presParOf" srcId="{6CB31142-5EF1-D343-AA3A-1696A47FAB7A}" destId="{2C5E49C2-67BA-C04A-B93E-53C81992EB48}" srcOrd="14" destOrd="0" presId="urn:microsoft.com/office/officeart/2005/8/layout/process1"/>
+    <dgm:cxn modelId="{457985B4-95C0-684F-B1A9-F6D025E4A7AD}" type="presParOf" srcId="{6CB31142-5EF1-D343-AA3A-1696A47FAB7A}" destId="{D87BB7E4-563E-8B47-87CF-5C66BB3E1766}" srcOrd="13" destOrd="0" presId="urn:microsoft.com/office/officeart/2005/8/layout/process1"/>
+    <dgm:cxn modelId="{3207E1F3-550B-2E4F-9F2B-4634F138F199}" type="presParOf" srcId="{D87BB7E4-563E-8B47-87CF-5C66BB3E1766}" destId="{BE25B0AC-AB8F-1048-B676-1B6F35D3151A}" srcOrd="0" destOrd="0" presId="urn:microsoft.com/office/officeart/2005/8/layout/process1"/>
+    <dgm:cxn modelId="{37291D1D-14DA-6649-94B3-1F1F77EB6E3D}" type="presParOf" srcId="{6CB31142-5EF1-D343-AA3A-1696A47FAB7A}" destId="{2C5E49C2-67BA-C04A-B93E-53C81992EB48}" srcOrd="14" destOrd="0" presId="urn:microsoft.com/office/officeart/2005/8/layout/process1"/>
   </dgm:cxnLst>
   <dgm:bg/>
   <dgm:whole/>
@@ -5381,6 +7099,916 @@
 </file>
 
 <file path=ppt/diagrams/drawing3.xml><?xml version="1.0" encoding="utf-8"?>
+<dsp:drawing xmlns:dgm="http://schemas.openxmlformats.org/drawingml/2006/diagram" xmlns:dsp="http://schemas.microsoft.com/office/drawing/2008/diagram" xmlns:a="http://schemas.openxmlformats.org/drawingml/2006/main">
+  <dsp:spTree>
+    <dsp:nvGrpSpPr>
+      <dsp:cNvPr id="0" name=""/>
+      <dsp:cNvGrpSpPr/>
+    </dsp:nvGrpSpPr>
+    <dsp:grpSpPr/>
+    <dsp:sp modelId="{89C3E660-7837-0541-9431-3AFCAC771FE2}">
+      <dsp:nvSpPr>
+        <dsp:cNvPr id="0" name=""/>
+        <dsp:cNvSpPr/>
+      </dsp:nvSpPr>
+      <dsp:spPr>
+        <a:xfrm>
+          <a:off x="4762" y="1105495"/>
+          <a:ext cx="1476375" cy="1218009"/>
+        </a:xfrm>
+        <a:prstGeom prst="roundRect">
+          <a:avLst>
+            <a:gd name="adj" fmla="val 10000"/>
+          </a:avLst>
+        </a:prstGeom>
+        <a:solidFill>
+          <a:schemeClr val="accent5">
+            <a:hueOff val="0"/>
+            <a:satOff val="0"/>
+            <a:lumOff val="0"/>
+            <a:alphaOff val="0"/>
+          </a:schemeClr>
+        </a:solidFill>
+        <a:ln w="25400" cap="flat" cmpd="sng" algn="ctr">
+          <a:solidFill>
+            <a:schemeClr val="lt1">
+              <a:hueOff val="0"/>
+              <a:satOff val="0"/>
+              <a:lumOff val="0"/>
+              <a:alphaOff val="0"/>
+            </a:schemeClr>
+          </a:solidFill>
+          <a:prstDash val="solid"/>
+        </a:ln>
+        <a:effectLst/>
+      </dsp:spPr>
+      <dsp:style>
+        <a:lnRef idx="2">
+          <a:scrgbClr r="0" g="0" b="0"/>
+        </a:lnRef>
+        <a:fillRef idx="1">
+          <a:scrgbClr r="0" g="0" b="0"/>
+        </a:fillRef>
+        <a:effectRef idx="0">
+          <a:scrgbClr r="0" g="0" b="0"/>
+        </a:effectRef>
+        <a:fontRef idx="minor">
+          <a:schemeClr val="lt1"/>
+        </a:fontRef>
+      </dsp:style>
+      <dsp:txBody>
+        <a:bodyPr spcFirstLastPara="0" vert="horz" wrap="square" lIns="57150" tIns="57150" rIns="57150" bIns="57150" numCol="1" spcCol="1270" anchor="t" anchorCtr="0">
+          <a:noAutofit/>
+        </a:bodyPr>
+        <a:lstStyle/>
+        <a:p>
+          <a:pPr lvl="0" algn="l" defTabSz="666750">
+            <a:lnSpc>
+              <a:spcPct val="90000"/>
+            </a:lnSpc>
+            <a:spcBef>
+              <a:spcPct val="0"/>
+            </a:spcBef>
+            <a:spcAft>
+              <a:spcPct val="35000"/>
+            </a:spcAft>
+          </a:pPr>
+          <a:r>
+            <a:rPr lang="en-US" sz="1500" kern="1200" dirty="0" smtClean="0"/>
+            <a:t>Initialize</a:t>
+          </a:r>
+          <a:endParaRPr lang="en-US" sz="1500" kern="1200" dirty="0"/>
+        </a:p>
+        <a:p>
+          <a:pPr marL="114300" lvl="1" indent="-114300" algn="l" defTabSz="533400">
+            <a:lnSpc>
+              <a:spcPct val="90000"/>
+            </a:lnSpc>
+            <a:spcBef>
+              <a:spcPct val="0"/>
+            </a:spcBef>
+            <a:spcAft>
+              <a:spcPct val="15000"/>
+            </a:spcAft>
+            <a:buChar char="••"/>
+          </a:pPr>
+          <a:r>
+            <a:rPr lang="en-US" sz="1200" kern="1200" dirty="0" smtClean="0"/>
+            <a:t>Proxy</a:t>
+          </a:r>
+          <a:endParaRPr lang="en-US" sz="1200" kern="1200" dirty="0"/>
+        </a:p>
+        <a:p>
+          <a:pPr marL="114300" lvl="1" indent="-114300" algn="l" defTabSz="533400">
+            <a:lnSpc>
+              <a:spcPct val="90000"/>
+            </a:lnSpc>
+            <a:spcBef>
+              <a:spcPct val="0"/>
+            </a:spcBef>
+            <a:spcAft>
+              <a:spcPct val="15000"/>
+            </a:spcAft>
+            <a:buChar char="••"/>
+          </a:pPr>
+          <a:r>
+            <a:rPr lang="en-US" sz="1200" kern="1200" dirty="0" smtClean="0"/>
+            <a:t>Host URL</a:t>
+          </a:r>
+          <a:endParaRPr lang="en-US" sz="1200" kern="1200" dirty="0"/>
+        </a:p>
+      </dsp:txBody>
+      <dsp:txXfrm>
+        <a:off x="40436" y="1141169"/>
+        <a:ext cx="1405027" cy="1146661"/>
+      </dsp:txXfrm>
+    </dsp:sp>
+    <dsp:sp modelId="{C51FA075-84CC-554C-8FBD-86C2243AB7A6}">
+      <dsp:nvSpPr>
+        <dsp:cNvPr id="0" name=""/>
+        <dsp:cNvSpPr/>
+      </dsp:nvSpPr>
+      <dsp:spPr>
+        <a:xfrm>
+          <a:off x="1628774" y="1531429"/>
+          <a:ext cx="312991" cy="366141"/>
+        </a:xfrm>
+        <a:prstGeom prst="rightArrow">
+          <a:avLst>
+            <a:gd name="adj1" fmla="val 60000"/>
+            <a:gd name="adj2" fmla="val 50000"/>
+          </a:avLst>
+        </a:prstGeom>
+        <a:solidFill>
+          <a:schemeClr val="accent5">
+            <a:hueOff val="0"/>
+            <a:satOff val="0"/>
+            <a:lumOff val="0"/>
+            <a:alphaOff val="0"/>
+          </a:schemeClr>
+        </a:solidFill>
+        <a:ln>
+          <a:noFill/>
+        </a:ln>
+        <a:effectLst/>
+      </dsp:spPr>
+      <dsp:style>
+        <a:lnRef idx="0">
+          <a:scrgbClr r="0" g="0" b="0"/>
+        </a:lnRef>
+        <a:fillRef idx="1">
+          <a:scrgbClr r="0" g="0" b="0"/>
+        </a:fillRef>
+        <a:effectRef idx="0">
+          <a:scrgbClr r="0" g="0" b="0"/>
+        </a:effectRef>
+        <a:fontRef idx="minor">
+          <a:schemeClr val="lt1"/>
+        </a:fontRef>
+      </dsp:style>
+      <dsp:txBody>
+        <a:bodyPr spcFirstLastPara="0" vert="horz" wrap="square" lIns="0" tIns="0" rIns="0" bIns="0" numCol="1" spcCol="1270" anchor="ctr" anchorCtr="0">
+          <a:noAutofit/>
+        </a:bodyPr>
+        <a:lstStyle/>
+        <a:p>
+          <a:pPr lvl="0" algn="ctr" defTabSz="533400">
+            <a:lnSpc>
+              <a:spcPct val="90000"/>
+            </a:lnSpc>
+            <a:spcBef>
+              <a:spcPct val="0"/>
+            </a:spcBef>
+            <a:spcAft>
+              <a:spcPct val="35000"/>
+            </a:spcAft>
+          </a:pPr>
+          <a:endParaRPr lang="en-US" sz="1200" kern="1200"/>
+        </a:p>
+      </dsp:txBody>
+      <dsp:txXfrm>
+        <a:off x="1628774" y="1604657"/>
+        <a:ext cx="219094" cy="219685"/>
+      </dsp:txXfrm>
+    </dsp:sp>
+    <dsp:sp modelId="{2C5E49C2-67BA-C04A-B93E-53C81992EB48}">
+      <dsp:nvSpPr>
+        <dsp:cNvPr id="0" name=""/>
+        <dsp:cNvSpPr/>
+      </dsp:nvSpPr>
+      <dsp:spPr>
+        <a:xfrm>
+          <a:off x="2071687" y="1105495"/>
+          <a:ext cx="1476375" cy="1218009"/>
+        </a:xfrm>
+        <a:prstGeom prst="roundRect">
+          <a:avLst>
+            <a:gd name="adj" fmla="val 10000"/>
+          </a:avLst>
+        </a:prstGeom>
+        <a:solidFill>
+          <a:schemeClr val="accent5">
+            <a:hueOff val="-3849070"/>
+            <a:satOff val="893"/>
+            <a:lumOff val="3284"/>
+            <a:alphaOff val="0"/>
+          </a:schemeClr>
+        </a:solidFill>
+        <a:ln w="25400" cap="flat" cmpd="sng" algn="ctr">
+          <a:solidFill>
+            <a:schemeClr val="lt1">
+              <a:hueOff val="0"/>
+              <a:satOff val="0"/>
+              <a:lumOff val="0"/>
+              <a:alphaOff val="0"/>
+            </a:schemeClr>
+          </a:solidFill>
+          <a:prstDash val="solid"/>
+        </a:ln>
+        <a:effectLst/>
+      </dsp:spPr>
+      <dsp:style>
+        <a:lnRef idx="2">
+          <a:scrgbClr r="0" g="0" b="0"/>
+        </a:lnRef>
+        <a:fillRef idx="1">
+          <a:scrgbClr r="0" g="0" b="0"/>
+        </a:fillRef>
+        <a:effectRef idx="0">
+          <a:scrgbClr r="0" g="0" b="0"/>
+        </a:effectRef>
+        <a:fontRef idx="minor">
+          <a:schemeClr val="lt1"/>
+        </a:fontRef>
+      </dsp:style>
+      <dsp:txBody>
+        <a:bodyPr spcFirstLastPara="0" vert="horz" wrap="square" lIns="57150" tIns="57150" rIns="57150" bIns="57150" numCol="1" spcCol="1270" anchor="t" anchorCtr="0">
+          <a:noAutofit/>
+        </a:bodyPr>
+        <a:lstStyle/>
+        <a:p>
+          <a:pPr lvl="0" algn="l" defTabSz="666750">
+            <a:lnSpc>
+              <a:spcPct val="90000"/>
+            </a:lnSpc>
+            <a:spcBef>
+              <a:spcPct val="0"/>
+            </a:spcBef>
+            <a:spcAft>
+              <a:spcPct val="35000"/>
+            </a:spcAft>
+          </a:pPr>
+          <a:r>
+            <a:rPr lang="en-US" sz="1500" kern="1200" dirty="0" smtClean="0"/>
+            <a:t>Authentication</a:t>
+          </a:r>
+          <a:endParaRPr lang="en-US" sz="1500" kern="1200" dirty="0"/>
+        </a:p>
+        <a:p>
+          <a:pPr marL="114300" lvl="1" indent="-114300" algn="l" defTabSz="533400">
+            <a:lnSpc>
+              <a:spcPct val="90000"/>
+            </a:lnSpc>
+            <a:spcBef>
+              <a:spcPct val="0"/>
+            </a:spcBef>
+            <a:spcAft>
+              <a:spcPct val="15000"/>
+            </a:spcAft>
+            <a:buChar char="••"/>
+          </a:pPr>
+          <a:r>
+            <a:rPr lang="en-US" sz="1200" kern="1200" dirty="0" smtClean="0"/>
+            <a:t>Signed-in status</a:t>
+          </a:r>
+          <a:endParaRPr lang="en-US" sz="1200" kern="1200" dirty="0"/>
+        </a:p>
+      </dsp:txBody>
+      <dsp:txXfrm>
+        <a:off x="2107361" y="1141169"/>
+        <a:ext cx="1405027" cy="1146661"/>
+      </dsp:txXfrm>
+    </dsp:sp>
+    <dsp:sp modelId="{44B8A148-9838-2842-AA8F-AAB39540FFF4}">
+      <dsp:nvSpPr>
+        <dsp:cNvPr id="0" name=""/>
+        <dsp:cNvSpPr/>
+      </dsp:nvSpPr>
+      <dsp:spPr>
+        <a:xfrm>
+          <a:off x="3695700" y="1531429"/>
+          <a:ext cx="312991" cy="366141"/>
+        </a:xfrm>
+        <a:prstGeom prst="rightArrow">
+          <a:avLst>
+            <a:gd name="adj1" fmla="val 60000"/>
+            <a:gd name="adj2" fmla="val 50000"/>
+          </a:avLst>
+        </a:prstGeom>
+        <a:solidFill>
+          <a:schemeClr val="accent5">
+            <a:hueOff val="-5132093"/>
+            <a:satOff val="1190"/>
+            <a:lumOff val="4379"/>
+            <a:alphaOff val="0"/>
+          </a:schemeClr>
+        </a:solidFill>
+        <a:ln>
+          <a:noFill/>
+        </a:ln>
+        <a:effectLst/>
+      </dsp:spPr>
+      <dsp:style>
+        <a:lnRef idx="0">
+          <a:scrgbClr r="0" g="0" b="0"/>
+        </a:lnRef>
+        <a:fillRef idx="1">
+          <a:scrgbClr r="0" g="0" b="0"/>
+        </a:fillRef>
+        <a:effectRef idx="0">
+          <a:scrgbClr r="0" g="0" b="0"/>
+        </a:effectRef>
+        <a:fontRef idx="minor">
+          <a:schemeClr val="lt1"/>
+        </a:fontRef>
+      </dsp:style>
+      <dsp:txBody>
+        <a:bodyPr spcFirstLastPara="0" vert="horz" wrap="square" lIns="0" tIns="0" rIns="0" bIns="0" numCol="1" spcCol="1270" anchor="ctr" anchorCtr="0">
+          <a:noAutofit/>
+        </a:bodyPr>
+        <a:lstStyle/>
+        <a:p>
+          <a:pPr lvl="0" algn="ctr" defTabSz="533400">
+            <a:lnSpc>
+              <a:spcPct val="90000"/>
+            </a:lnSpc>
+            <a:spcBef>
+              <a:spcPct val="0"/>
+            </a:spcBef>
+            <a:spcAft>
+              <a:spcPct val="35000"/>
+            </a:spcAft>
+          </a:pPr>
+          <a:endParaRPr lang="en-US" sz="1200" kern="1200"/>
+        </a:p>
+      </dsp:txBody>
+      <dsp:txXfrm>
+        <a:off x="3695700" y="1604657"/>
+        <a:ext cx="219094" cy="219685"/>
+      </dsp:txXfrm>
+    </dsp:sp>
+    <dsp:sp modelId="{1A110707-564F-8949-BA63-EFB62FE4A89A}">
+      <dsp:nvSpPr>
+        <dsp:cNvPr id="0" name=""/>
+        <dsp:cNvSpPr/>
+      </dsp:nvSpPr>
+      <dsp:spPr>
+        <a:xfrm>
+          <a:off x="4138612" y="1105495"/>
+          <a:ext cx="1476375" cy="1218009"/>
+        </a:xfrm>
+        <a:prstGeom prst="roundRect">
+          <a:avLst>
+            <a:gd name="adj" fmla="val 10000"/>
+          </a:avLst>
+        </a:prstGeom>
+        <a:solidFill>
+          <a:schemeClr val="accent5">
+            <a:hueOff val="-7698139"/>
+            <a:satOff val="1786"/>
+            <a:lumOff val="6569"/>
+            <a:alphaOff val="0"/>
+          </a:schemeClr>
+        </a:solidFill>
+        <a:ln w="25400" cap="flat" cmpd="sng" algn="ctr">
+          <a:solidFill>
+            <a:schemeClr val="lt1">
+              <a:hueOff val="0"/>
+              <a:satOff val="0"/>
+              <a:lumOff val="0"/>
+              <a:alphaOff val="0"/>
+            </a:schemeClr>
+          </a:solidFill>
+          <a:prstDash val="solid"/>
+        </a:ln>
+        <a:effectLst/>
+      </dsp:spPr>
+      <dsp:style>
+        <a:lnRef idx="2">
+          <a:scrgbClr r="0" g="0" b="0"/>
+        </a:lnRef>
+        <a:fillRef idx="1">
+          <a:scrgbClr r="0" g="0" b="0"/>
+        </a:fillRef>
+        <a:effectRef idx="0">
+          <a:scrgbClr r="0" g="0" b="0"/>
+        </a:effectRef>
+        <a:fontRef idx="minor">
+          <a:schemeClr val="lt1"/>
+        </a:fontRef>
+      </dsp:style>
+      <dsp:txBody>
+        <a:bodyPr spcFirstLastPara="0" vert="horz" wrap="square" lIns="57150" tIns="57150" rIns="57150" bIns="57150" numCol="1" spcCol="1270" anchor="t" anchorCtr="0">
+          <a:noAutofit/>
+        </a:bodyPr>
+        <a:lstStyle/>
+        <a:p>
+          <a:pPr lvl="0" algn="l" defTabSz="666750">
+            <a:lnSpc>
+              <a:spcPct val="90000"/>
+            </a:lnSpc>
+            <a:spcBef>
+              <a:spcPct val="0"/>
+            </a:spcBef>
+            <a:spcAft>
+              <a:spcPct val="35000"/>
+            </a:spcAft>
+          </a:pPr>
+          <a:r>
+            <a:rPr lang="en-US" sz="1500" kern="1200" dirty="0" smtClean="0"/>
+            <a:t>Dependencies</a:t>
+          </a:r>
+          <a:endParaRPr lang="en-US" sz="1500" kern="1200" dirty="0"/>
+        </a:p>
+        <a:p>
+          <a:pPr marL="114300" lvl="1" indent="-114300" algn="l" defTabSz="533400">
+            <a:lnSpc>
+              <a:spcPct val="90000"/>
+            </a:lnSpc>
+            <a:spcBef>
+              <a:spcPct val="0"/>
+            </a:spcBef>
+            <a:spcAft>
+              <a:spcPct val="15000"/>
+            </a:spcAft>
+            <a:buChar char="••"/>
+          </a:pPr>
+          <a:r>
+            <a:rPr lang="en-US" sz="1200" kern="1200" dirty="0" smtClean="0"/>
+            <a:t>I18n</a:t>
+          </a:r>
+          <a:endParaRPr lang="en-US" sz="1200" kern="1200" dirty="0"/>
+        </a:p>
+        <a:p>
+          <a:pPr marL="114300" lvl="1" indent="-114300" algn="l" defTabSz="533400">
+            <a:lnSpc>
+              <a:spcPct val="90000"/>
+            </a:lnSpc>
+            <a:spcBef>
+              <a:spcPct val="0"/>
+            </a:spcBef>
+            <a:spcAft>
+              <a:spcPct val="15000"/>
+            </a:spcAft>
+            <a:buChar char="••"/>
+          </a:pPr>
+          <a:r>
+            <a:rPr lang="en-US" sz="1200" kern="1200" dirty="0" smtClean="0"/>
+            <a:t>Application</a:t>
+          </a:r>
+          <a:endParaRPr lang="en-US" sz="1200" kern="1200" dirty="0"/>
+        </a:p>
+        <a:p>
+          <a:pPr marL="114300" lvl="1" indent="-114300" algn="l" defTabSz="533400">
+            <a:lnSpc>
+              <a:spcPct val="90000"/>
+            </a:lnSpc>
+            <a:spcBef>
+              <a:spcPct val="0"/>
+            </a:spcBef>
+            <a:spcAft>
+              <a:spcPct val="15000"/>
+            </a:spcAft>
+            <a:buChar char="••"/>
+          </a:pPr>
+          <a:r>
+            <a:rPr lang="en-US" sz="1200" kern="1200" dirty="0" smtClean="0"/>
+            <a:t>Org Settings</a:t>
+          </a:r>
+          <a:endParaRPr lang="en-US" sz="1200" kern="1200" dirty="0"/>
+        </a:p>
+        <a:p>
+          <a:pPr marL="114300" lvl="1" indent="-114300" algn="l" defTabSz="533400">
+            <a:lnSpc>
+              <a:spcPct val="90000"/>
+            </a:lnSpc>
+            <a:spcBef>
+              <a:spcPct val="0"/>
+            </a:spcBef>
+            <a:spcAft>
+              <a:spcPct val="15000"/>
+            </a:spcAft>
+            <a:buChar char="••"/>
+          </a:pPr>
+          <a:r>
+            <a:rPr lang="en-US" sz="1200" kern="1200" dirty="0" smtClean="0"/>
+            <a:t>Create Portal</a:t>
+          </a:r>
+          <a:endParaRPr lang="en-US" sz="1200" kern="1200" dirty="0"/>
+        </a:p>
+      </dsp:txBody>
+      <dsp:txXfrm>
+        <a:off x="4174286" y="1141169"/>
+        <a:ext cx="1405027" cy="1146661"/>
+      </dsp:txXfrm>
+    </dsp:sp>
+    <dsp:sp modelId="{D87BB7E4-563E-8B47-87CF-5C66BB3E1766}">
+      <dsp:nvSpPr>
+        <dsp:cNvPr id="0" name=""/>
+        <dsp:cNvSpPr/>
+      </dsp:nvSpPr>
+      <dsp:spPr>
+        <a:xfrm>
+          <a:off x="5762625" y="1531429"/>
+          <a:ext cx="312991" cy="366141"/>
+        </a:xfrm>
+        <a:prstGeom prst="rightArrow">
+          <a:avLst>
+            <a:gd name="adj1" fmla="val 60000"/>
+            <a:gd name="adj2" fmla="val 50000"/>
+          </a:avLst>
+        </a:prstGeom>
+        <a:solidFill>
+          <a:schemeClr val="accent5">
+            <a:hueOff val="-10264186"/>
+            <a:satOff val="2381"/>
+            <a:lumOff val="8758"/>
+            <a:alphaOff val="0"/>
+          </a:schemeClr>
+        </a:solidFill>
+        <a:ln>
+          <a:noFill/>
+        </a:ln>
+        <a:effectLst/>
+      </dsp:spPr>
+      <dsp:style>
+        <a:lnRef idx="0">
+          <a:scrgbClr r="0" g="0" b="0"/>
+        </a:lnRef>
+        <a:fillRef idx="1">
+          <a:scrgbClr r="0" g="0" b="0"/>
+        </a:fillRef>
+        <a:effectRef idx="0">
+          <a:scrgbClr r="0" g="0" b="0"/>
+        </a:effectRef>
+        <a:fontRef idx="minor">
+          <a:schemeClr val="lt1"/>
+        </a:fontRef>
+      </dsp:style>
+      <dsp:txBody>
+        <a:bodyPr spcFirstLastPara="0" vert="horz" wrap="square" lIns="0" tIns="0" rIns="0" bIns="0" numCol="1" spcCol="1270" anchor="ctr" anchorCtr="0">
+          <a:noAutofit/>
+        </a:bodyPr>
+        <a:lstStyle/>
+        <a:p>
+          <a:pPr lvl="0" algn="ctr" defTabSz="533400">
+            <a:lnSpc>
+              <a:spcPct val="90000"/>
+            </a:lnSpc>
+            <a:spcBef>
+              <a:spcPct val="0"/>
+            </a:spcBef>
+            <a:spcAft>
+              <a:spcPct val="35000"/>
+            </a:spcAft>
+          </a:pPr>
+          <a:endParaRPr lang="en-US" sz="1200" kern="1200"/>
+        </a:p>
+      </dsp:txBody>
+      <dsp:txXfrm>
+        <a:off x="5762625" y="1604657"/>
+        <a:ext cx="219094" cy="219685"/>
+      </dsp:txXfrm>
+    </dsp:sp>
+    <dsp:sp modelId="{4A8E0414-497C-F54A-AE02-48206D011499}">
+      <dsp:nvSpPr>
+        <dsp:cNvPr id="0" name=""/>
+        <dsp:cNvSpPr/>
+      </dsp:nvSpPr>
+      <dsp:spPr>
+        <a:xfrm>
+          <a:off x="6205537" y="1105495"/>
+          <a:ext cx="1476375" cy="1218009"/>
+        </a:xfrm>
+        <a:prstGeom prst="roundRect">
+          <a:avLst>
+            <a:gd name="adj" fmla="val 10000"/>
+          </a:avLst>
+        </a:prstGeom>
+        <a:solidFill>
+          <a:schemeClr val="accent5">
+            <a:hueOff val="-11547209"/>
+            <a:satOff val="2678"/>
+            <a:lumOff val="9853"/>
+            <a:alphaOff val="0"/>
+          </a:schemeClr>
+        </a:solidFill>
+        <a:ln w="25400" cap="flat" cmpd="sng" algn="ctr">
+          <a:solidFill>
+            <a:schemeClr val="lt1">
+              <a:hueOff val="0"/>
+              <a:satOff val="0"/>
+              <a:lumOff val="0"/>
+              <a:alphaOff val="0"/>
+            </a:schemeClr>
+          </a:solidFill>
+          <a:prstDash val="solid"/>
+        </a:ln>
+        <a:effectLst/>
+      </dsp:spPr>
+      <dsp:style>
+        <a:lnRef idx="2">
+          <a:scrgbClr r="0" g="0" b="0"/>
+        </a:lnRef>
+        <a:fillRef idx="1">
+          <a:scrgbClr r="0" g="0" b="0"/>
+        </a:fillRef>
+        <a:effectRef idx="0">
+          <a:scrgbClr r="0" g="0" b="0"/>
+        </a:effectRef>
+        <a:fontRef idx="minor">
+          <a:schemeClr val="lt1"/>
+        </a:fontRef>
+      </dsp:style>
+      <dsp:txBody>
+        <a:bodyPr spcFirstLastPara="0" vert="horz" wrap="square" lIns="57150" tIns="57150" rIns="57150" bIns="57150" numCol="1" spcCol="1270" anchor="t" anchorCtr="0">
+          <a:noAutofit/>
+        </a:bodyPr>
+        <a:lstStyle/>
+        <a:p>
+          <a:pPr lvl="0" algn="l" defTabSz="666750">
+            <a:lnSpc>
+              <a:spcPct val="90000"/>
+            </a:lnSpc>
+            <a:spcBef>
+              <a:spcPct val="0"/>
+            </a:spcBef>
+            <a:spcAft>
+              <a:spcPct val="35000"/>
+            </a:spcAft>
+          </a:pPr>
+          <a:r>
+            <a:rPr lang="en-US" sz="1500" kern="1200" dirty="0" smtClean="0"/>
+            <a:t>Items</a:t>
+          </a:r>
+          <a:endParaRPr lang="en-US" sz="1500" kern="1200" dirty="0"/>
+        </a:p>
+        <a:p>
+          <a:pPr marL="114300" lvl="1" indent="-114300" algn="l" defTabSz="533400">
+            <a:lnSpc>
+              <a:spcPct val="90000"/>
+            </a:lnSpc>
+            <a:spcBef>
+              <a:spcPct val="0"/>
+            </a:spcBef>
+            <a:spcAft>
+              <a:spcPct val="15000"/>
+            </a:spcAft>
+            <a:buChar char="••"/>
+          </a:pPr>
+          <a:r>
+            <a:rPr lang="en-US" sz="1200" kern="1200" dirty="0" err="1" smtClean="0"/>
+            <a:t>Webmap</a:t>
+          </a:r>
+          <a:r>
+            <a:rPr lang="en-US" sz="1200" kern="1200" dirty="0" smtClean="0"/>
+            <a:t> Item</a:t>
+          </a:r>
+        </a:p>
+        <a:p>
+          <a:pPr marL="114300" lvl="1" indent="-114300" algn="l" defTabSz="533400">
+            <a:lnSpc>
+              <a:spcPct val="90000"/>
+            </a:lnSpc>
+            <a:spcBef>
+              <a:spcPct val="0"/>
+            </a:spcBef>
+            <a:spcAft>
+              <a:spcPct val="15000"/>
+            </a:spcAft>
+            <a:buChar char="••"/>
+          </a:pPr>
+          <a:r>
+            <a:rPr lang="en-US" sz="1200" kern="1200" dirty="0" smtClean="0"/>
+            <a:t>Group Info</a:t>
+          </a:r>
+          <a:endParaRPr lang="en-US" sz="1200" kern="1200" dirty="0"/>
+        </a:p>
+        <a:p>
+          <a:pPr marL="114300" lvl="1" indent="-114300" algn="l" defTabSz="533400">
+            <a:lnSpc>
+              <a:spcPct val="90000"/>
+            </a:lnSpc>
+            <a:spcBef>
+              <a:spcPct val="0"/>
+            </a:spcBef>
+            <a:spcAft>
+              <a:spcPct val="15000"/>
+            </a:spcAft>
+            <a:buChar char="••"/>
+          </a:pPr>
+          <a:r>
+            <a:rPr lang="en-US" sz="1200" kern="1200" dirty="0" smtClean="0"/>
+            <a:t>Group Items</a:t>
+          </a:r>
+          <a:endParaRPr lang="en-US" sz="1200" kern="1200" dirty="0"/>
+        </a:p>
+      </dsp:txBody>
+      <dsp:txXfrm>
+        <a:off x="6241211" y="1141169"/>
+        <a:ext cx="1405027" cy="1146661"/>
+      </dsp:txXfrm>
+    </dsp:sp>
+    <dsp:sp modelId="{7BA6AFF8-01FB-574D-A406-4817CC5DEECD}">
+      <dsp:nvSpPr>
+        <dsp:cNvPr id="0" name=""/>
+        <dsp:cNvSpPr/>
+      </dsp:nvSpPr>
+      <dsp:spPr>
+        <a:xfrm>
+          <a:off x="7829550" y="1531429"/>
+          <a:ext cx="312991" cy="366141"/>
+        </a:xfrm>
+        <a:prstGeom prst="rightArrow">
+          <a:avLst>
+            <a:gd name="adj1" fmla="val 60000"/>
+            <a:gd name="adj2" fmla="val 50000"/>
+          </a:avLst>
+        </a:prstGeom>
+        <a:solidFill>
+          <a:schemeClr val="accent5">
+            <a:hueOff val="-15396279"/>
+            <a:satOff val="3571"/>
+            <a:lumOff val="13137"/>
+            <a:alphaOff val="0"/>
+          </a:schemeClr>
+        </a:solidFill>
+        <a:ln>
+          <a:noFill/>
+        </a:ln>
+        <a:effectLst/>
+      </dsp:spPr>
+      <dsp:style>
+        <a:lnRef idx="0">
+          <a:scrgbClr r="0" g="0" b="0"/>
+        </a:lnRef>
+        <a:fillRef idx="1">
+          <a:scrgbClr r="0" g="0" b="0"/>
+        </a:fillRef>
+        <a:effectRef idx="0">
+          <a:scrgbClr r="0" g="0" b="0"/>
+        </a:effectRef>
+        <a:fontRef idx="minor">
+          <a:schemeClr val="lt1"/>
+        </a:fontRef>
+      </dsp:style>
+      <dsp:txBody>
+        <a:bodyPr spcFirstLastPara="0" vert="horz" wrap="square" lIns="0" tIns="0" rIns="0" bIns="0" numCol="1" spcCol="1270" anchor="ctr" anchorCtr="0">
+          <a:noAutofit/>
+        </a:bodyPr>
+        <a:lstStyle/>
+        <a:p>
+          <a:pPr lvl="0" algn="ctr" defTabSz="533400">
+            <a:lnSpc>
+              <a:spcPct val="90000"/>
+            </a:lnSpc>
+            <a:spcBef>
+              <a:spcPct val="0"/>
+            </a:spcBef>
+            <a:spcAft>
+              <a:spcPct val="35000"/>
+            </a:spcAft>
+          </a:pPr>
+          <a:endParaRPr lang="en-US" sz="1200" kern="1200"/>
+        </a:p>
+      </dsp:txBody>
+      <dsp:txXfrm>
+        <a:off x="7829550" y="1604657"/>
+        <a:ext cx="219094" cy="219685"/>
+      </dsp:txXfrm>
+    </dsp:sp>
+    <dsp:sp modelId="{4FF5F294-AAD0-8348-AA10-99638F8857AF}">
+      <dsp:nvSpPr>
+        <dsp:cNvPr id="0" name=""/>
+        <dsp:cNvSpPr/>
+      </dsp:nvSpPr>
+      <dsp:spPr>
+        <a:xfrm>
+          <a:off x="8272462" y="1105495"/>
+          <a:ext cx="1476375" cy="1218009"/>
+        </a:xfrm>
+        <a:prstGeom prst="roundRect">
+          <a:avLst>
+            <a:gd name="adj" fmla="val 10000"/>
+          </a:avLst>
+        </a:prstGeom>
+        <a:solidFill>
+          <a:schemeClr val="accent5">
+            <a:hueOff val="-15396279"/>
+            <a:satOff val="3571"/>
+            <a:lumOff val="13137"/>
+            <a:alphaOff val="0"/>
+          </a:schemeClr>
+        </a:solidFill>
+        <a:ln w="25400" cap="flat" cmpd="sng" algn="ctr">
+          <a:solidFill>
+            <a:schemeClr val="lt1">
+              <a:hueOff val="0"/>
+              <a:satOff val="0"/>
+              <a:lumOff val="0"/>
+              <a:alphaOff val="0"/>
+            </a:schemeClr>
+          </a:solidFill>
+          <a:prstDash val="solid"/>
+        </a:ln>
+        <a:effectLst/>
+      </dsp:spPr>
+      <dsp:style>
+        <a:lnRef idx="2">
+          <a:scrgbClr r="0" g="0" b="0"/>
+        </a:lnRef>
+        <a:fillRef idx="1">
+          <a:scrgbClr r="0" g="0" b="0"/>
+        </a:fillRef>
+        <a:effectRef idx="0">
+          <a:scrgbClr r="0" g="0" b="0"/>
+        </a:effectRef>
+        <a:fontRef idx="minor">
+          <a:schemeClr val="lt1"/>
+        </a:fontRef>
+      </dsp:style>
+      <dsp:txBody>
+        <a:bodyPr spcFirstLastPara="0" vert="horz" wrap="square" lIns="57150" tIns="57150" rIns="57150" bIns="57150" numCol="1" spcCol="1270" anchor="t" anchorCtr="0">
+          <a:noAutofit/>
+        </a:bodyPr>
+        <a:lstStyle/>
+        <a:p>
+          <a:pPr lvl="0" algn="l" defTabSz="666750">
+            <a:lnSpc>
+              <a:spcPct val="90000"/>
+            </a:lnSpc>
+            <a:spcBef>
+              <a:spcPct val="0"/>
+            </a:spcBef>
+            <a:spcAft>
+              <a:spcPct val="35000"/>
+            </a:spcAft>
+          </a:pPr>
+          <a:r>
+            <a:rPr lang="en-US" sz="1500" kern="1200" dirty="0" smtClean="0"/>
+            <a:t>Finish Up</a:t>
+          </a:r>
+          <a:endParaRPr lang="en-US" sz="1500" kern="1200" dirty="0"/>
+        </a:p>
+        <a:p>
+          <a:pPr marL="114300" lvl="1" indent="-114300" algn="l" defTabSz="533400">
+            <a:lnSpc>
+              <a:spcPct val="90000"/>
+            </a:lnSpc>
+            <a:spcBef>
+              <a:spcPct val="0"/>
+            </a:spcBef>
+            <a:spcAft>
+              <a:spcPct val="15000"/>
+            </a:spcAft>
+            <a:buChar char="••"/>
+          </a:pPr>
+          <a:r>
+            <a:rPr lang="en-US" sz="1200" kern="1200" dirty="0" smtClean="0"/>
+            <a:t>Geometry Service</a:t>
+          </a:r>
+          <a:endParaRPr lang="en-US" sz="1200" kern="1200" dirty="0"/>
+        </a:p>
+        <a:p>
+          <a:pPr marL="114300" lvl="1" indent="-114300" algn="l" defTabSz="533400">
+            <a:lnSpc>
+              <a:spcPct val="90000"/>
+            </a:lnSpc>
+            <a:spcBef>
+              <a:spcPct val="0"/>
+            </a:spcBef>
+            <a:spcAft>
+              <a:spcPct val="15000"/>
+            </a:spcAft>
+            <a:buChar char="••"/>
+          </a:pPr>
+          <a:r>
+            <a:rPr lang="en-US" sz="1200" kern="1200" dirty="0" smtClean="0"/>
+            <a:t>Application Extent</a:t>
+          </a:r>
+          <a:endParaRPr lang="en-US" sz="1200" kern="1200" dirty="0"/>
+        </a:p>
+      </dsp:txBody>
+      <dsp:txXfrm>
+        <a:off x="8308136" y="1141169"/>
+        <a:ext cx="1405027" cy="1146661"/>
+      </dsp:txXfrm>
+    </dsp:sp>
+  </dsp:spTree>
+</dsp:drawing>
+</file>
+
+<file path=ppt/diagrams/drawing4.xml><?xml version="1.0" encoding="utf-8"?>
 <dsp:drawing xmlns:dgm="http://schemas.openxmlformats.org/drawingml/2006/diagram" xmlns:dsp="http://schemas.microsoft.com/office/drawing/2008/diagram" xmlns:a="http://schemas.openxmlformats.org/drawingml/2006/main">
   <dsp:spTree>
     <dsp:nvGrpSpPr>
@@ -7035,6 +9663,152 @@
 </dgm:layoutDef>
 </file>
 
+<file path=ppt/diagrams/layout4.xml><?xml version="1.0" encoding="utf-8"?>
+<dgm:layoutDef xmlns:dgm="http://schemas.openxmlformats.org/drawingml/2006/diagram" xmlns:a="http://schemas.openxmlformats.org/drawingml/2006/main" uniqueId="urn:microsoft.com/office/officeart/2005/8/layout/process1">
+  <dgm:title val=""/>
+  <dgm:desc val=""/>
+  <dgm:catLst>
+    <dgm:cat type="process" pri="1000"/>
+    <dgm:cat type="convert" pri="15000"/>
+  </dgm:catLst>
+  <dgm:sampData useDef="1">
+    <dgm:dataModel>
+      <dgm:ptLst/>
+      <dgm:bg/>
+      <dgm:whole/>
+    </dgm:dataModel>
+  </dgm:sampData>
+  <dgm:styleData>
+    <dgm:dataModel>
+      <dgm:ptLst>
+        <dgm:pt modelId="0" type="doc"/>
+        <dgm:pt modelId="1"/>
+        <dgm:pt modelId="2"/>
+      </dgm:ptLst>
+      <dgm:cxnLst>
+        <dgm:cxn modelId="3" srcId="0" destId="1" srcOrd="0" destOrd="0"/>
+        <dgm:cxn modelId="4" srcId="0" destId="2" srcOrd="1" destOrd="0"/>
+      </dgm:cxnLst>
+      <dgm:bg/>
+      <dgm:whole/>
+    </dgm:dataModel>
+  </dgm:styleData>
+  <dgm:clrData>
+    <dgm:dataModel>
+      <dgm:ptLst>
+        <dgm:pt modelId="0" type="doc"/>
+        <dgm:pt modelId="1"/>
+        <dgm:pt modelId="2"/>
+        <dgm:pt modelId="3"/>
+        <dgm:pt modelId="4"/>
+      </dgm:ptLst>
+      <dgm:cxnLst>
+        <dgm:cxn modelId="5" srcId="0" destId="1" srcOrd="0" destOrd="0"/>
+        <dgm:cxn modelId="6" srcId="0" destId="2" srcOrd="1" destOrd="0"/>
+        <dgm:cxn modelId="7" srcId="0" destId="3" srcOrd="2" destOrd="0"/>
+        <dgm:cxn modelId="8" srcId="0" destId="4" srcOrd="3" destOrd="0"/>
+      </dgm:cxnLst>
+      <dgm:bg/>
+      <dgm:whole/>
+    </dgm:dataModel>
+  </dgm:clrData>
+  <dgm:layoutNode name="Name0">
+    <dgm:varLst>
+      <dgm:dir/>
+      <dgm:resizeHandles val="exact"/>
+    </dgm:varLst>
+    <dgm:choose name="Name1">
+      <dgm:if name="Name2" func="var" arg="dir" op="equ" val="norm">
+        <dgm:alg type="lin"/>
+      </dgm:if>
+      <dgm:else name="Name3">
+        <dgm:alg type="lin">
+          <dgm:param type="linDir" val="fromR"/>
+        </dgm:alg>
+      </dgm:else>
+    </dgm:choose>
+    <dgm:shape xmlns:r="http://schemas.openxmlformats.org/officeDocument/2006/relationships" r:blip="">
+      <dgm:adjLst/>
+    </dgm:shape>
+    <dgm:presOf/>
+    <dgm:constrLst>
+      <dgm:constr type="w" for="ch" ptType="node" refType="w"/>
+      <dgm:constr type="h" for="ch" ptType="node" op="equ"/>
+      <dgm:constr type="primFontSz" for="ch" ptType="node" op="equ" val="65"/>
+      <dgm:constr type="w" for="ch" ptType="sibTrans" refType="w" refFor="ch" refPtType="node" op="equ" fact="0.4"/>
+      <dgm:constr type="h" for="ch" ptType="sibTrans" op="equ"/>
+      <dgm:constr type="primFontSz" for="des" forName="connectorText" op="equ" val="55"/>
+      <dgm:constr type="primFontSz" for="des" forName="connectorText" refType="primFontSz" refFor="ch" refPtType="node" op="lte" fact="0.8"/>
+    </dgm:constrLst>
+    <dgm:ruleLst/>
+    <dgm:forEach name="nodesForEach" axis="ch" ptType="node">
+      <dgm:layoutNode name="node">
+        <dgm:varLst>
+          <dgm:bulletEnabled val="1"/>
+        </dgm:varLst>
+        <dgm:alg type="tx"/>
+        <dgm:shape xmlns:r="http://schemas.openxmlformats.org/officeDocument/2006/relationships" type="roundRect" r:blip="">
+          <dgm:adjLst>
+            <dgm:adj idx="1" val="0.1"/>
+          </dgm:adjLst>
+        </dgm:shape>
+        <dgm:presOf axis="desOrSelf" ptType="node"/>
+        <dgm:constrLst>
+          <dgm:constr type="h" refType="w" fact="0.6"/>
+          <dgm:constr type="tMarg" refType="primFontSz" fact="0.3"/>
+          <dgm:constr type="bMarg" refType="primFontSz" fact="0.3"/>
+          <dgm:constr type="lMarg" refType="primFontSz" fact="0.3"/>
+          <dgm:constr type="rMarg" refType="primFontSz" fact="0.3"/>
+        </dgm:constrLst>
+        <dgm:ruleLst>
+          <dgm:rule type="primFontSz" val="18" fact="NaN" max="NaN"/>
+          <dgm:rule type="h" val="NaN" fact="1.5" max="NaN"/>
+          <dgm:rule type="primFontSz" val="5" fact="NaN" max="NaN"/>
+          <dgm:rule type="h" val="INF" fact="NaN" max="NaN"/>
+        </dgm:ruleLst>
+      </dgm:layoutNode>
+      <dgm:forEach name="sibTransForEach" axis="followSib" ptType="sibTrans" cnt="1">
+        <dgm:layoutNode name="sibTrans">
+          <dgm:alg type="conn">
+            <dgm:param type="begPts" val="auto"/>
+            <dgm:param type="endPts" val="auto"/>
+          </dgm:alg>
+          <dgm:shape xmlns:r="http://schemas.openxmlformats.org/officeDocument/2006/relationships" type="conn" r:blip="">
+            <dgm:adjLst/>
+          </dgm:shape>
+          <dgm:presOf axis="self"/>
+          <dgm:constrLst>
+            <dgm:constr type="h" refType="w" fact="0.62"/>
+            <dgm:constr type="connDist"/>
+            <dgm:constr type="begPad" refType="connDist" fact="0.25"/>
+            <dgm:constr type="endPad" refType="connDist" fact="0.22"/>
+          </dgm:constrLst>
+          <dgm:ruleLst/>
+          <dgm:layoutNode name="connectorText">
+            <dgm:alg type="tx">
+              <dgm:param type="autoTxRot" val="grav"/>
+            </dgm:alg>
+            <dgm:shape xmlns:r="http://schemas.openxmlformats.org/officeDocument/2006/relationships" type="conn" r:blip="" hideGeom="1">
+              <dgm:adjLst/>
+            </dgm:shape>
+            <dgm:presOf axis="self"/>
+            <dgm:constrLst>
+              <dgm:constr type="lMarg"/>
+              <dgm:constr type="rMarg"/>
+              <dgm:constr type="tMarg"/>
+              <dgm:constr type="bMarg"/>
+            </dgm:constrLst>
+            <dgm:ruleLst>
+              <dgm:rule type="primFontSz" val="5" fact="NaN" max="NaN"/>
+            </dgm:ruleLst>
+          </dgm:layoutNode>
+        </dgm:layoutNode>
+      </dgm:forEach>
+    </dgm:forEach>
+  </dgm:layoutNode>
+</dgm:layoutDef>
+</file>
+
 <file path=ppt/diagrams/quickStyle1.xml><?xml version="1.0" encoding="utf-8"?>
 <dgm:styleDef xmlns:dgm="http://schemas.openxmlformats.org/drawingml/2006/diagram" xmlns:a="http://schemas.openxmlformats.org/drawingml/2006/main" uniqueId="urn:microsoft.com/office/officeart/2005/8/quickstyle/simple4">
   <dgm:title val=""/>
@@ -9104,6 +11878,1040 @@
 </file>
 
 <file path=ppt/diagrams/quickStyle3.xml><?xml version="1.0" encoding="utf-8"?>
+<dgm:styleDef xmlns:dgm="http://schemas.openxmlformats.org/drawingml/2006/diagram" xmlns:a="http://schemas.openxmlformats.org/drawingml/2006/main" uniqueId="urn:microsoft.com/office/officeart/2005/8/quickstyle/simple1">
+  <dgm:title val=""/>
+  <dgm:desc val=""/>
+  <dgm:catLst>
+    <dgm:cat type="simple" pri="10100"/>
+  </dgm:catLst>
+  <dgm:scene3d>
+    <a:camera prst="orthographicFront"/>
+    <a:lightRig rig="threePt" dir="t"/>
+  </dgm:scene3d>
+  <dgm:styleLbl name="node0">
+    <dgm:scene3d>
+      <a:camera prst="orthographicFront"/>
+      <a:lightRig rig="threePt" dir="t"/>
+    </dgm:scene3d>
+    <dgm:sp3d/>
+    <dgm:txPr/>
+    <dgm:style>
+      <a:lnRef idx="2">
+        <a:scrgbClr r="0" g="0" b="0"/>
+      </a:lnRef>
+      <a:fillRef idx="1">
+        <a:scrgbClr r="0" g="0" b="0"/>
+      </a:fillRef>
+      <a:effectRef idx="0">
+        <a:scrgbClr r="0" g="0" b="0"/>
+      </a:effectRef>
+      <a:fontRef idx="minor">
+        <a:schemeClr val="lt1"/>
+      </a:fontRef>
+    </dgm:style>
+  </dgm:styleLbl>
+  <dgm:styleLbl name="lnNode1">
+    <dgm:scene3d>
+      <a:camera prst="orthographicFront"/>
+      <a:lightRig rig="threePt" dir="t"/>
+    </dgm:scene3d>
+    <dgm:sp3d/>
+    <dgm:txPr/>
+    <dgm:style>
+      <a:lnRef idx="2">
+        <a:scrgbClr r="0" g="0" b="0"/>
+      </a:lnRef>
+      <a:fillRef idx="1">
+        <a:scrgbClr r="0" g="0" b="0"/>
+      </a:fillRef>
+      <a:effectRef idx="0">
+        <a:scrgbClr r="0" g="0" b="0"/>
+      </a:effectRef>
+      <a:fontRef idx="minor">
+        <a:schemeClr val="lt1"/>
+      </a:fontRef>
+    </dgm:style>
+  </dgm:styleLbl>
+  <dgm:styleLbl name="vennNode1">
+    <dgm:scene3d>
+      <a:camera prst="orthographicFront"/>
+      <a:lightRig rig="threePt" dir="t"/>
+    </dgm:scene3d>
+    <dgm:sp3d/>
+    <dgm:txPr/>
+    <dgm:style>
+      <a:lnRef idx="2">
+        <a:scrgbClr r="0" g="0" b="0"/>
+      </a:lnRef>
+      <a:fillRef idx="1">
+        <a:scrgbClr r="0" g="0" b="0"/>
+      </a:fillRef>
+      <a:effectRef idx="0">
+        <a:scrgbClr r="0" g="0" b="0"/>
+      </a:effectRef>
+      <a:fontRef idx="minor">
+        <a:schemeClr val="tx1"/>
+      </a:fontRef>
+    </dgm:style>
+  </dgm:styleLbl>
+  <dgm:styleLbl name="alignNode1">
+    <dgm:scene3d>
+      <a:camera prst="orthographicFront"/>
+      <a:lightRig rig="threePt" dir="t"/>
+    </dgm:scene3d>
+    <dgm:sp3d/>
+    <dgm:txPr/>
+    <dgm:style>
+      <a:lnRef idx="2">
+        <a:scrgbClr r="0" g="0" b="0"/>
+      </a:lnRef>
+      <a:fillRef idx="1">
+        <a:scrgbClr r="0" g="0" b="0"/>
+      </a:fillRef>
+      <a:effectRef idx="0">
+        <a:scrgbClr r="0" g="0" b="0"/>
+      </a:effectRef>
+      <a:fontRef idx="minor">
+        <a:schemeClr val="lt1"/>
+      </a:fontRef>
+    </dgm:style>
+  </dgm:styleLbl>
+  <dgm:styleLbl name="node1">
+    <dgm:scene3d>
+      <a:camera prst="orthographicFront"/>
+      <a:lightRig rig="threePt" dir="t"/>
+    </dgm:scene3d>
+    <dgm:sp3d/>
+    <dgm:txPr/>
+    <dgm:style>
+      <a:lnRef idx="2">
+        <a:scrgbClr r="0" g="0" b="0"/>
+      </a:lnRef>
+      <a:fillRef idx="1">
+        <a:scrgbClr r="0" g="0" b="0"/>
+      </a:fillRef>
+      <a:effectRef idx="0">
+        <a:scrgbClr r="0" g="0" b="0"/>
+      </a:effectRef>
+      <a:fontRef idx="minor">
+        <a:schemeClr val="lt1"/>
+      </a:fontRef>
+    </dgm:style>
+  </dgm:styleLbl>
+  <dgm:styleLbl name="node2">
+    <dgm:scene3d>
+      <a:camera prst="orthographicFront"/>
+      <a:lightRig rig="threePt" dir="t"/>
+    </dgm:scene3d>
+    <dgm:sp3d/>
+    <dgm:txPr/>
+    <dgm:style>
+      <a:lnRef idx="2">
+        <a:scrgbClr r="0" g="0" b="0"/>
+      </a:lnRef>
+      <a:fillRef idx="1">
+        <a:scrgbClr r="0" g="0" b="0"/>
+      </a:fillRef>
+      <a:effectRef idx="0">
+        <a:scrgbClr r="0" g="0" b="0"/>
+      </a:effectRef>
+      <a:fontRef idx="minor">
+        <a:schemeClr val="lt1"/>
+      </a:fontRef>
+    </dgm:style>
+  </dgm:styleLbl>
+  <dgm:styleLbl name="node3">
+    <dgm:scene3d>
+      <a:camera prst="orthographicFront"/>
+      <a:lightRig rig="threePt" dir="t"/>
+    </dgm:scene3d>
+    <dgm:sp3d/>
+    <dgm:txPr/>
+    <dgm:style>
+      <a:lnRef idx="2">
+        <a:scrgbClr r="0" g="0" b="0"/>
+      </a:lnRef>
+      <a:fillRef idx="1">
+        <a:scrgbClr r="0" g="0" b="0"/>
+      </a:fillRef>
+      <a:effectRef idx="0">
+        <a:scrgbClr r="0" g="0" b="0"/>
+      </a:effectRef>
+      <a:fontRef idx="minor">
+        <a:schemeClr val="lt1"/>
+      </a:fontRef>
+    </dgm:style>
+  </dgm:styleLbl>
+  <dgm:styleLbl name="node4">
+    <dgm:scene3d>
+      <a:camera prst="orthographicFront"/>
+      <a:lightRig rig="threePt" dir="t"/>
+    </dgm:scene3d>
+    <dgm:sp3d/>
+    <dgm:txPr/>
+    <dgm:style>
+      <a:lnRef idx="2">
+        <a:scrgbClr r="0" g="0" b="0"/>
+      </a:lnRef>
+      <a:fillRef idx="1">
+        <a:scrgbClr r="0" g="0" b="0"/>
+      </a:fillRef>
+      <a:effectRef idx="0">
+        <a:scrgbClr r="0" g="0" b="0"/>
+      </a:effectRef>
+      <a:fontRef idx="minor">
+        <a:schemeClr val="lt1"/>
+      </a:fontRef>
+    </dgm:style>
+  </dgm:styleLbl>
+  <dgm:styleLbl name="fgImgPlace1">
+    <dgm:scene3d>
+      <a:camera prst="orthographicFront"/>
+      <a:lightRig rig="threePt" dir="t"/>
+    </dgm:scene3d>
+    <dgm:sp3d/>
+    <dgm:txPr/>
+    <dgm:style>
+      <a:lnRef idx="2">
+        <a:scrgbClr r="0" g="0" b="0"/>
+      </a:lnRef>
+      <a:fillRef idx="1">
+        <a:scrgbClr r="0" g="0" b="0"/>
+      </a:fillRef>
+      <a:effectRef idx="0">
+        <a:scrgbClr r="0" g="0" b="0"/>
+      </a:effectRef>
+      <a:fontRef idx="minor"/>
+    </dgm:style>
+  </dgm:styleLbl>
+  <dgm:styleLbl name="alignImgPlace1">
+    <dgm:scene3d>
+      <a:camera prst="orthographicFront"/>
+      <a:lightRig rig="threePt" dir="t"/>
+    </dgm:scene3d>
+    <dgm:sp3d/>
+    <dgm:txPr/>
+    <dgm:style>
+      <a:lnRef idx="2">
+        <a:scrgbClr r="0" g="0" b="0"/>
+      </a:lnRef>
+      <a:fillRef idx="1">
+        <a:scrgbClr r="0" g="0" b="0"/>
+      </a:fillRef>
+      <a:effectRef idx="0">
+        <a:scrgbClr r="0" g="0" b="0"/>
+      </a:effectRef>
+      <a:fontRef idx="minor"/>
+    </dgm:style>
+  </dgm:styleLbl>
+  <dgm:styleLbl name="bgImgPlace1">
+    <dgm:scene3d>
+      <a:camera prst="orthographicFront"/>
+      <a:lightRig rig="threePt" dir="t"/>
+    </dgm:scene3d>
+    <dgm:sp3d/>
+    <dgm:txPr/>
+    <dgm:style>
+      <a:lnRef idx="2">
+        <a:scrgbClr r="0" g="0" b="0"/>
+      </a:lnRef>
+      <a:fillRef idx="1">
+        <a:scrgbClr r="0" g="0" b="0"/>
+      </a:fillRef>
+      <a:effectRef idx="0">
+        <a:scrgbClr r="0" g="0" b="0"/>
+      </a:effectRef>
+      <a:fontRef idx="minor"/>
+    </dgm:style>
+  </dgm:styleLbl>
+  <dgm:styleLbl name="sibTrans2D1">
+    <dgm:scene3d>
+      <a:camera prst="orthographicFront"/>
+      <a:lightRig rig="threePt" dir="t"/>
+    </dgm:scene3d>
+    <dgm:sp3d/>
+    <dgm:txPr/>
+    <dgm:style>
+      <a:lnRef idx="0">
+        <a:scrgbClr r="0" g="0" b="0"/>
+      </a:lnRef>
+      <a:fillRef idx="1">
+        <a:scrgbClr r="0" g="0" b="0"/>
+      </a:fillRef>
+      <a:effectRef idx="0">
+        <a:scrgbClr r="0" g="0" b="0"/>
+      </a:effectRef>
+      <a:fontRef idx="minor">
+        <a:schemeClr val="lt1"/>
+      </a:fontRef>
+    </dgm:style>
+  </dgm:styleLbl>
+  <dgm:styleLbl name="fgSibTrans2D1">
+    <dgm:scene3d>
+      <a:camera prst="orthographicFront"/>
+      <a:lightRig rig="threePt" dir="t"/>
+    </dgm:scene3d>
+    <dgm:sp3d/>
+    <dgm:txPr/>
+    <dgm:style>
+      <a:lnRef idx="0">
+        <a:scrgbClr r="0" g="0" b="0"/>
+      </a:lnRef>
+      <a:fillRef idx="1">
+        <a:scrgbClr r="0" g="0" b="0"/>
+      </a:fillRef>
+      <a:effectRef idx="0">
+        <a:scrgbClr r="0" g="0" b="0"/>
+      </a:effectRef>
+      <a:fontRef idx="minor">
+        <a:schemeClr val="lt1"/>
+      </a:fontRef>
+    </dgm:style>
+  </dgm:styleLbl>
+  <dgm:styleLbl name="bgSibTrans2D1">
+    <dgm:scene3d>
+      <a:camera prst="orthographicFront"/>
+      <a:lightRig rig="threePt" dir="t"/>
+    </dgm:scene3d>
+    <dgm:sp3d/>
+    <dgm:txPr/>
+    <dgm:style>
+      <a:lnRef idx="0">
+        <a:scrgbClr r="0" g="0" b="0"/>
+      </a:lnRef>
+      <a:fillRef idx="1">
+        <a:scrgbClr r="0" g="0" b="0"/>
+      </a:fillRef>
+      <a:effectRef idx="0">
+        <a:scrgbClr r="0" g="0" b="0"/>
+      </a:effectRef>
+      <a:fontRef idx="minor">
+        <a:schemeClr val="lt1"/>
+      </a:fontRef>
+    </dgm:style>
+  </dgm:styleLbl>
+  <dgm:styleLbl name="sibTrans1D1">
+    <dgm:scene3d>
+      <a:camera prst="orthographicFront"/>
+      <a:lightRig rig="threePt" dir="t"/>
+    </dgm:scene3d>
+    <dgm:sp3d/>
+    <dgm:txPr/>
+    <dgm:style>
+      <a:lnRef idx="1">
+        <a:scrgbClr r="0" g="0" b="0"/>
+      </a:lnRef>
+      <a:fillRef idx="0">
+        <a:scrgbClr r="0" g="0" b="0"/>
+      </a:fillRef>
+      <a:effectRef idx="0">
+        <a:scrgbClr r="0" g="0" b="0"/>
+      </a:effectRef>
+      <a:fontRef idx="minor"/>
+    </dgm:style>
+  </dgm:styleLbl>
+  <dgm:styleLbl name="callout">
+    <dgm:scene3d>
+      <a:camera prst="orthographicFront"/>
+      <a:lightRig rig="threePt" dir="t"/>
+    </dgm:scene3d>
+    <dgm:sp3d/>
+    <dgm:txPr/>
+    <dgm:style>
+      <a:lnRef idx="2">
+        <a:scrgbClr r="0" g="0" b="0"/>
+      </a:lnRef>
+      <a:fillRef idx="1">
+        <a:scrgbClr r="0" g="0" b="0"/>
+      </a:fillRef>
+      <a:effectRef idx="0">
+        <a:scrgbClr r="0" g="0" b="0"/>
+      </a:effectRef>
+      <a:fontRef idx="minor"/>
+    </dgm:style>
+  </dgm:styleLbl>
+  <dgm:styleLbl name="asst0">
+    <dgm:scene3d>
+      <a:camera prst="orthographicFront"/>
+      <a:lightRig rig="threePt" dir="t"/>
+    </dgm:scene3d>
+    <dgm:sp3d/>
+    <dgm:txPr/>
+    <dgm:style>
+      <a:lnRef idx="2">
+        <a:scrgbClr r="0" g="0" b="0"/>
+      </a:lnRef>
+      <a:fillRef idx="1">
+        <a:scrgbClr r="0" g="0" b="0"/>
+      </a:fillRef>
+      <a:effectRef idx="0">
+        <a:scrgbClr r="0" g="0" b="0"/>
+      </a:effectRef>
+      <a:fontRef idx="minor">
+        <a:schemeClr val="lt1"/>
+      </a:fontRef>
+    </dgm:style>
+  </dgm:styleLbl>
+  <dgm:styleLbl name="asst1">
+    <dgm:scene3d>
+      <a:camera prst="orthographicFront"/>
+      <a:lightRig rig="threePt" dir="t"/>
+    </dgm:scene3d>
+    <dgm:sp3d/>
+    <dgm:txPr/>
+    <dgm:style>
+      <a:lnRef idx="2">
+        <a:scrgbClr r="0" g="0" b="0"/>
+      </a:lnRef>
+      <a:fillRef idx="1">
+        <a:scrgbClr r="0" g="0" b="0"/>
+      </a:fillRef>
+      <a:effectRef idx="0">
+        <a:scrgbClr r="0" g="0" b="0"/>
+      </a:effectRef>
+      <a:fontRef idx="minor">
+        <a:schemeClr val="lt1"/>
+      </a:fontRef>
+    </dgm:style>
+  </dgm:styleLbl>
+  <dgm:styleLbl name="asst2">
+    <dgm:scene3d>
+      <a:camera prst="orthographicFront"/>
+      <a:lightRig rig="threePt" dir="t"/>
+    </dgm:scene3d>
+    <dgm:sp3d/>
+    <dgm:txPr/>
+    <dgm:style>
+      <a:lnRef idx="2">
+        <a:scrgbClr r="0" g="0" b="0"/>
+      </a:lnRef>
+      <a:fillRef idx="1">
+        <a:scrgbClr r="0" g="0" b="0"/>
+      </a:fillRef>
+      <a:effectRef idx="0">
+        <a:scrgbClr r="0" g="0" b="0"/>
+      </a:effectRef>
+      <a:fontRef idx="minor">
+        <a:schemeClr val="lt1"/>
+      </a:fontRef>
+    </dgm:style>
+  </dgm:styleLbl>
+  <dgm:styleLbl name="asst3">
+    <dgm:scene3d>
+      <a:camera prst="orthographicFront"/>
+      <a:lightRig rig="threePt" dir="t"/>
+    </dgm:scene3d>
+    <dgm:sp3d/>
+    <dgm:txPr/>
+    <dgm:style>
+      <a:lnRef idx="2">
+        <a:scrgbClr r="0" g="0" b="0"/>
+      </a:lnRef>
+      <a:fillRef idx="1">
+        <a:scrgbClr r="0" g="0" b="0"/>
+      </a:fillRef>
+      <a:effectRef idx="0">
+        <a:scrgbClr r="0" g="0" b="0"/>
+      </a:effectRef>
+      <a:fontRef idx="minor">
+        <a:schemeClr val="lt1"/>
+      </a:fontRef>
+    </dgm:style>
+  </dgm:styleLbl>
+  <dgm:styleLbl name="asst4">
+    <dgm:scene3d>
+      <a:camera prst="orthographicFront"/>
+      <a:lightRig rig="threePt" dir="t"/>
+    </dgm:scene3d>
+    <dgm:sp3d/>
+    <dgm:txPr/>
+    <dgm:style>
+      <a:lnRef idx="2">
+        <a:scrgbClr r="0" g="0" b="0"/>
+      </a:lnRef>
+      <a:fillRef idx="1">
+        <a:scrgbClr r="0" g="0" b="0"/>
+      </a:fillRef>
+      <a:effectRef idx="0">
+        <a:scrgbClr r="0" g="0" b="0"/>
+      </a:effectRef>
+      <a:fontRef idx="minor">
+        <a:schemeClr val="lt1"/>
+      </a:fontRef>
+    </dgm:style>
+  </dgm:styleLbl>
+  <dgm:styleLbl name="parChTrans2D1">
+    <dgm:scene3d>
+      <a:camera prst="orthographicFront"/>
+      <a:lightRig rig="threePt" dir="t"/>
+    </dgm:scene3d>
+    <dgm:sp3d/>
+    <dgm:txPr/>
+    <dgm:style>
+      <a:lnRef idx="2">
+        <a:scrgbClr r="0" g="0" b="0"/>
+      </a:lnRef>
+      <a:fillRef idx="1">
+        <a:scrgbClr r="0" g="0" b="0"/>
+      </a:fillRef>
+      <a:effectRef idx="0">
+        <a:scrgbClr r="0" g="0" b="0"/>
+      </a:effectRef>
+      <a:fontRef idx="minor">
+        <a:schemeClr val="lt1"/>
+      </a:fontRef>
+    </dgm:style>
+  </dgm:styleLbl>
+  <dgm:styleLbl name="parChTrans2D2">
+    <dgm:scene3d>
+      <a:camera prst="orthographicFront"/>
+      <a:lightRig rig="threePt" dir="t"/>
+    </dgm:scene3d>
+    <dgm:sp3d/>
+    <dgm:txPr/>
+    <dgm:style>
+      <a:lnRef idx="2">
+        <a:scrgbClr r="0" g="0" b="0"/>
+      </a:lnRef>
+      <a:fillRef idx="1">
+        <a:scrgbClr r="0" g="0" b="0"/>
+      </a:fillRef>
+      <a:effectRef idx="0">
+        <a:scrgbClr r="0" g="0" b="0"/>
+      </a:effectRef>
+      <a:fontRef idx="minor">
+        <a:schemeClr val="lt1"/>
+      </a:fontRef>
+    </dgm:style>
+  </dgm:styleLbl>
+  <dgm:styleLbl name="parChTrans2D3">
+    <dgm:scene3d>
+      <a:camera prst="orthographicFront"/>
+      <a:lightRig rig="threePt" dir="t"/>
+    </dgm:scene3d>
+    <dgm:sp3d/>
+    <dgm:txPr/>
+    <dgm:style>
+      <a:lnRef idx="2">
+        <a:scrgbClr r="0" g="0" b="0"/>
+      </a:lnRef>
+      <a:fillRef idx="1">
+        <a:scrgbClr r="0" g="0" b="0"/>
+      </a:fillRef>
+      <a:effectRef idx="0">
+        <a:scrgbClr r="0" g="0" b="0"/>
+      </a:effectRef>
+      <a:fontRef idx="minor">
+        <a:schemeClr val="lt1"/>
+      </a:fontRef>
+    </dgm:style>
+  </dgm:styleLbl>
+  <dgm:styleLbl name="parChTrans2D4">
+    <dgm:scene3d>
+      <a:camera prst="orthographicFront"/>
+      <a:lightRig rig="threePt" dir="t"/>
+    </dgm:scene3d>
+    <dgm:sp3d/>
+    <dgm:txPr/>
+    <dgm:style>
+      <a:lnRef idx="2">
+        <a:scrgbClr r="0" g="0" b="0"/>
+      </a:lnRef>
+      <a:fillRef idx="1">
+        <a:scrgbClr r="0" g="0" b="0"/>
+      </a:fillRef>
+      <a:effectRef idx="0">
+        <a:scrgbClr r="0" g="0" b="0"/>
+      </a:effectRef>
+      <a:fontRef idx="minor">
+        <a:schemeClr val="lt1"/>
+      </a:fontRef>
+    </dgm:style>
+  </dgm:styleLbl>
+  <dgm:styleLbl name="parChTrans1D1">
+    <dgm:scene3d>
+      <a:camera prst="orthographicFront"/>
+      <a:lightRig rig="threePt" dir="t"/>
+    </dgm:scene3d>
+    <dgm:sp3d/>
+    <dgm:txPr/>
+    <dgm:style>
+      <a:lnRef idx="2">
+        <a:scrgbClr r="0" g="0" b="0"/>
+      </a:lnRef>
+      <a:fillRef idx="0">
+        <a:scrgbClr r="0" g="0" b="0"/>
+      </a:fillRef>
+      <a:effectRef idx="0">
+        <a:scrgbClr r="0" g="0" b="0"/>
+      </a:effectRef>
+      <a:fontRef idx="minor"/>
+    </dgm:style>
+  </dgm:styleLbl>
+  <dgm:styleLbl name="parChTrans1D2">
+    <dgm:scene3d>
+      <a:camera prst="orthographicFront"/>
+      <a:lightRig rig="threePt" dir="t"/>
+    </dgm:scene3d>
+    <dgm:sp3d/>
+    <dgm:txPr/>
+    <dgm:style>
+      <a:lnRef idx="2">
+        <a:scrgbClr r="0" g="0" b="0"/>
+      </a:lnRef>
+      <a:fillRef idx="0">
+        <a:scrgbClr r="0" g="0" b="0"/>
+      </a:fillRef>
+      <a:effectRef idx="0">
+        <a:scrgbClr r="0" g="0" b="0"/>
+      </a:effectRef>
+      <a:fontRef idx="minor"/>
+    </dgm:style>
+  </dgm:styleLbl>
+  <dgm:styleLbl name="parChTrans1D3">
+    <dgm:scene3d>
+      <a:camera prst="orthographicFront"/>
+      <a:lightRig rig="threePt" dir="t"/>
+    </dgm:scene3d>
+    <dgm:sp3d/>
+    <dgm:txPr/>
+    <dgm:style>
+      <a:lnRef idx="2">
+        <a:scrgbClr r="0" g="0" b="0"/>
+      </a:lnRef>
+      <a:fillRef idx="0">
+        <a:scrgbClr r="0" g="0" b="0"/>
+      </a:fillRef>
+      <a:effectRef idx="0">
+        <a:scrgbClr r="0" g="0" b="0"/>
+      </a:effectRef>
+      <a:fontRef idx="minor"/>
+    </dgm:style>
+  </dgm:styleLbl>
+  <dgm:styleLbl name="parChTrans1D4">
+    <dgm:scene3d>
+      <a:camera prst="orthographicFront"/>
+      <a:lightRig rig="threePt" dir="t"/>
+    </dgm:scene3d>
+    <dgm:sp3d/>
+    <dgm:txPr/>
+    <dgm:style>
+      <a:lnRef idx="2">
+        <a:scrgbClr r="0" g="0" b="0"/>
+      </a:lnRef>
+      <a:fillRef idx="0">
+        <a:scrgbClr r="0" g="0" b="0"/>
+      </a:fillRef>
+      <a:effectRef idx="0">
+        <a:scrgbClr r="0" g="0" b="0"/>
+      </a:effectRef>
+      <a:fontRef idx="minor"/>
+    </dgm:style>
+  </dgm:styleLbl>
+  <dgm:styleLbl name="fgAcc1">
+    <dgm:scene3d>
+      <a:camera prst="orthographicFront"/>
+      <a:lightRig rig="threePt" dir="t"/>
+    </dgm:scene3d>
+    <dgm:sp3d/>
+    <dgm:txPr/>
+    <dgm:style>
+      <a:lnRef idx="2">
+        <a:scrgbClr r="0" g="0" b="0"/>
+      </a:lnRef>
+      <a:fillRef idx="1">
+        <a:scrgbClr r="0" g="0" b="0"/>
+      </a:fillRef>
+      <a:effectRef idx="0">
+        <a:scrgbClr r="0" g="0" b="0"/>
+      </a:effectRef>
+      <a:fontRef idx="minor"/>
+    </dgm:style>
+  </dgm:styleLbl>
+  <dgm:styleLbl name="conFgAcc1">
+    <dgm:scene3d>
+      <a:camera prst="orthographicFront"/>
+      <a:lightRig rig="threePt" dir="t"/>
+    </dgm:scene3d>
+    <dgm:sp3d/>
+    <dgm:txPr/>
+    <dgm:style>
+      <a:lnRef idx="2">
+        <a:scrgbClr r="0" g="0" b="0"/>
+      </a:lnRef>
+      <a:fillRef idx="1">
+        <a:scrgbClr r="0" g="0" b="0"/>
+      </a:fillRef>
+      <a:effectRef idx="0">
+        <a:scrgbClr r="0" g="0" b="0"/>
+      </a:effectRef>
+      <a:fontRef idx="minor"/>
+    </dgm:style>
+  </dgm:styleLbl>
+  <dgm:styleLbl name="alignAcc1">
+    <dgm:scene3d>
+      <a:camera prst="orthographicFront"/>
+      <a:lightRig rig="threePt" dir="t"/>
+    </dgm:scene3d>
+    <dgm:sp3d/>
+    <dgm:txPr/>
+    <dgm:style>
+      <a:lnRef idx="2">
+        <a:scrgbClr r="0" g="0" b="0"/>
+      </a:lnRef>
+      <a:fillRef idx="1">
+        <a:scrgbClr r="0" g="0" b="0"/>
+      </a:fillRef>
+      <a:effectRef idx="0">
+        <a:scrgbClr r="0" g="0" b="0"/>
+      </a:effectRef>
+      <a:fontRef idx="minor"/>
+    </dgm:style>
+  </dgm:styleLbl>
+  <dgm:styleLbl name="trAlignAcc1">
+    <dgm:scene3d>
+      <a:camera prst="orthographicFront"/>
+      <a:lightRig rig="threePt" dir="t"/>
+    </dgm:scene3d>
+    <dgm:sp3d/>
+    <dgm:txPr/>
+    <dgm:style>
+      <a:lnRef idx="1">
+        <a:scrgbClr r="0" g="0" b="0"/>
+      </a:lnRef>
+      <a:fillRef idx="1">
+        <a:scrgbClr r="0" g="0" b="0"/>
+      </a:fillRef>
+      <a:effectRef idx="0">
+        <a:scrgbClr r="0" g="0" b="0"/>
+      </a:effectRef>
+      <a:fontRef idx="minor"/>
+    </dgm:style>
+  </dgm:styleLbl>
+  <dgm:styleLbl name="bgAcc1">
+    <dgm:scene3d>
+      <a:camera prst="orthographicFront"/>
+      <a:lightRig rig="threePt" dir="t"/>
+    </dgm:scene3d>
+    <dgm:sp3d/>
+    <dgm:txPr/>
+    <dgm:style>
+      <a:lnRef idx="2">
+        <a:scrgbClr r="0" g="0" b="0"/>
+      </a:lnRef>
+      <a:fillRef idx="1">
+        <a:scrgbClr r="0" g="0" b="0"/>
+      </a:fillRef>
+      <a:effectRef idx="0">
+        <a:scrgbClr r="0" g="0" b="0"/>
+      </a:effectRef>
+      <a:fontRef idx="minor"/>
+    </dgm:style>
+  </dgm:styleLbl>
+  <dgm:styleLbl name="solidFgAcc1">
+    <dgm:scene3d>
+      <a:camera prst="orthographicFront"/>
+      <a:lightRig rig="threePt" dir="t"/>
+    </dgm:scene3d>
+    <dgm:sp3d/>
+    <dgm:txPr/>
+    <dgm:style>
+      <a:lnRef idx="2">
+        <a:scrgbClr r="0" g="0" b="0"/>
+      </a:lnRef>
+      <a:fillRef idx="1">
+        <a:scrgbClr r="0" g="0" b="0"/>
+      </a:fillRef>
+      <a:effectRef idx="0">
+        <a:scrgbClr r="0" g="0" b="0"/>
+      </a:effectRef>
+      <a:fontRef idx="minor"/>
+    </dgm:style>
+  </dgm:styleLbl>
+  <dgm:styleLbl name="solidAlignAcc1">
+    <dgm:scene3d>
+      <a:camera prst="orthographicFront"/>
+      <a:lightRig rig="threePt" dir="t"/>
+    </dgm:scene3d>
+    <dgm:sp3d/>
+    <dgm:txPr/>
+    <dgm:style>
+      <a:lnRef idx="2">
+        <a:scrgbClr r="0" g="0" b="0"/>
+      </a:lnRef>
+      <a:fillRef idx="1">
+        <a:scrgbClr r="0" g="0" b="0"/>
+      </a:fillRef>
+      <a:effectRef idx="0">
+        <a:scrgbClr r="0" g="0" b="0"/>
+      </a:effectRef>
+      <a:fontRef idx="minor"/>
+    </dgm:style>
+  </dgm:styleLbl>
+  <dgm:styleLbl name="solidBgAcc1">
+    <dgm:scene3d>
+      <a:camera prst="orthographicFront"/>
+      <a:lightRig rig="threePt" dir="t"/>
+    </dgm:scene3d>
+    <dgm:sp3d/>
+    <dgm:txPr/>
+    <dgm:style>
+      <a:lnRef idx="2">
+        <a:scrgbClr r="0" g="0" b="0"/>
+      </a:lnRef>
+      <a:fillRef idx="1">
+        <a:scrgbClr r="0" g="0" b="0"/>
+      </a:fillRef>
+      <a:effectRef idx="0">
+        <a:scrgbClr r="0" g="0" b="0"/>
+      </a:effectRef>
+      <a:fontRef idx="minor"/>
+    </dgm:style>
+  </dgm:styleLbl>
+  <dgm:styleLbl name="fgAccFollowNode1">
+    <dgm:scene3d>
+      <a:camera prst="orthographicFront"/>
+      <a:lightRig rig="threePt" dir="t"/>
+    </dgm:scene3d>
+    <dgm:sp3d/>
+    <dgm:txPr/>
+    <dgm:style>
+      <a:lnRef idx="2">
+        <a:scrgbClr r="0" g="0" b="0"/>
+      </a:lnRef>
+      <a:fillRef idx="1">
+        <a:scrgbClr r="0" g="0" b="0"/>
+      </a:fillRef>
+      <a:effectRef idx="0">
+        <a:scrgbClr r="0" g="0" b="0"/>
+      </a:effectRef>
+      <a:fontRef idx="minor"/>
+    </dgm:style>
+  </dgm:styleLbl>
+  <dgm:styleLbl name="alignAccFollowNode1">
+    <dgm:scene3d>
+      <a:camera prst="orthographicFront"/>
+      <a:lightRig rig="threePt" dir="t"/>
+    </dgm:scene3d>
+    <dgm:sp3d/>
+    <dgm:txPr/>
+    <dgm:style>
+      <a:lnRef idx="2">
+        <a:scrgbClr r="0" g="0" b="0"/>
+      </a:lnRef>
+      <a:fillRef idx="1">
+        <a:scrgbClr r="0" g="0" b="0"/>
+      </a:fillRef>
+      <a:effectRef idx="0">
+        <a:scrgbClr r="0" g="0" b="0"/>
+      </a:effectRef>
+      <a:fontRef idx="minor"/>
+    </dgm:style>
+  </dgm:styleLbl>
+  <dgm:styleLbl name="bgAccFollowNode1">
+    <dgm:scene3d>
+      <a:camera prst="orthographicFront"/>
+      <a:lightRig rig="threePt" dir="t"/>
+    </dgm:scene3d>
+    <dgm:sp3d/>
+    <dgm:txPr/>
+    <dgm:style>
+      <a:lnRef idx="2">
+        <a:scrgbClr r="0" g="0" b="0"/>
+      </a:lnRef>
+      <a:fillRef idx="1">
+        <a:scrgbClr r="0" g="0" b="0"/>
+      </a:fillRef>
+      <a:effectRef idx="0">
+        <a:scrgbClr r="0" g="0" b="0"/>
+      </a:effectRef>
+      <a:fontRef idx="minor"/>
+    </dgm:style>
+  </dgm:styleLbl>
+  <dgm:styleLbl name="fgAcc0">
+    <dgm:scene3d>
+      <a:camera prst="orthographicFront"/>
+      <a:lightRig rig="threePt" dir="t"/>
+    </dgm:scene3d>
+    <dgm:sp3d/>
+    <dgm:txPr/>
+    <dgm:style>
+      <a:lnRef idx="2">
+        <a:scrgbClr r="0" g="0" b="0"/>
+      </a:lnRef>
+      <a:fillRef idx="1">
+        <a:scrgbClr r="0" g="0" b="0"/>
+      </a:fillRef>
+      <a:effectRef idx="0">
+        <a:scrgbClr r="0" g="0" b="0"/>
+      </a:effectRef>
+      <a:fontRef idx="minor"/>
+    </dgm:style>
+  </dgm:styleLbl>
+  <dgm:styleLbl name="fgAcc2">
+    <dgm:scene3d>
+      <a:camera prst="orthographicFront"/>
+      <a:lightRig rig="threePt" dir="t"/>
+    </dgm:scene3d>
+    <dgm:sp3d/>
+    <dgm:txPr/>
+    <dgm:style>
+      <a:lnRef idx="2">
+        <a:scrgbClr r="0" g="0" b="0"/>
+      </a:lnRef>
+      <a:fillRef idx="1">
+        <a:scrgbClr r="0" g="0" b="0"/>
+      </a:fillRef>
+      <a:effectRef idx="0">
+        <a:scrgbClr r="0" g="0" b="0"/>
+      </a:effectRef>
+      <a:fontRef idx="minor"/>
+    </dgm:style>
+  </dgm:styleLbl>
+  <dgm:styleLbl name="fgAcc3">
+    <dgm:scene3d>
+      <a:camera prst="orthographicFront"/>
+      <a:lightRig rig="threePt" dir="t"/>
+    </dgm:scene3d>
+    <dgm:sp3d/>
+    <dgm:txPr/>
+    <dgm:style>
+      <a:lnRef idx="2">
+        <a:scrgbClr r="0" g="0" b="0"/>
+      </a:lnRef>
+      <a:fillRef idx="1">
+        <a:scrgbClr r="0" g="0" b="0"/>
+      </a:fillRef>
+      <a:effectRef idx="0">
+        <a:scrgbClr r="0" g="0" b="0"/>
+      </a:effectRef>
+      <a:fontRef idx="minor"/>
+    </dgm:style>
+  </dgm:styleLbl>
+  <dgm:styleLbl name="fgAcc4">
+    <dgm:scene3d>
+      <a:camera prst="orthographicFront"/>
+      <a:lightRig rig="threePt" dir="t"/>
+    </dgm:scene3d>
+    <dgm:sp3d/>
+    <dgm:txPr/>
+    <dgm:style>
+      <a:lnRef idx="2">
+        <a:scrgbClr r="0" g="0" b="0"/>
+      </a:lnRef>
+      <a:fillRef idx="1">
+        <a:scrgbClr r="0" g="0" b="0"/>
+      </a:fillRef>
+      <a:effectRef idx="0">
+        <a:scrgbClr r="0" g="0" b="0"/>
+      </a:effectRef>
+      <a:fontRef idx="minor"/>
+    </dgm:style>
+  </dgm:styleLbl>
+  <dgm:styleLbl name="bgShp">
+    <dgm:scene3d>
+      <a:camera prst="orthographicFront"/>
+      <a:lightRig rig="threePt" dir="t"/>
+    </dgm:scene3d>
+    <dgm:sp3d/>
+    <dgm:txPr/>
+    <dgm:style>
+      <a:lnRef idx="0">
+        <a:scrgbClr r="0" g="0" b="0"/>
+      </a:lnRef>
+      <a:fillRef idx="1">
+        <a:scrgbClr r="0" g="0" b="0"/>
+      </a:fillRef>
+      <a:effectRef idx="0">
+        <a:scrgbClr r="0" g="0" b="0"/>
+      </a:effectRef>
+      <a:fontRef idx="minor"/>
+    </dgm:style>
+  </dgm:styleLbl>
+  <dgm:styleLbl name="dkBgShp">
+    <dgm:scene3d>
+      <a:camera prst="orthographicFront"/>
+      <a:lightRig rig="threePt" dir="t"/>
+    </dgm:scene3d>
+    <dgm:sp3d/>
+    <dgm:txPr/>
+    <dgm:style>
+      <a:lnRef idx="0">
+        <a:scrgbClr r="0" g="0" b="0"/>
+      </a:lnRef>
+      <a:fillRef idx="1">
+        <a:scrgbClr r="0" g="0" b="0"/>
+      </a:fillRef>
+      <a:effectRef idx="0">
+        <a:scrgbClr r="0" g="0" b="0"/>
+      </a:effectRef>
+      <a:fontRef idx="minor"/>
+    </dgm:style>
+  </dgm:styleLbl>
+  <dgm:styleLbl name="trBgShp">
+    <dgm:scene3d>
+      <a:camera prst="orthographicFront"/>
+      <a:lightRig rig="threePt" dir="t"/>
+    </dgm:scene3d>
+    <dgm:sp3d/>
+    <dgm:txPr/>
+    <dgm:style>
+      <a:lnRef idx="0">
+        <a:scrgbClr r="0" g="0" b="0"/>
+      </a:lnRef>
+      <a:fillRef idx="1">
+        <a:scrgbClr r="0" g="0" b="0"/>
+      </a:fillRef>
+      <a:effectRef idx="0">
+        <a:scrgbClr r="0" g="0" b="0"/>
+      </a:effectRef>
+      <a:fontRef idx="minor"/>
+    </dgm:style>
+  </dgm:styleLbl>
+  <dgm:styleLbl name="fgShp">
+    <dgm:scene3d>
+      <a:camera prst="orthographicFront"/>
+      <a:lightRig rig="threePt" dir="t"/>
+    </dgm:scene3d>
+    <dgm:sp3d/>
+    <dgm:txPr/>
+    <dgm:style>
+      <a:lnRef idx="2">
+        <a:scrgbClr r="0" g="0" b="0"/>
+      </a:lnRef>
+      <a:fillRef idx="1">
+        <a:scrgbClr r="0" g="0" b="0"/>
+      </a:fillRef>
+      <a:effectRef idx="0">
+        <a:scrgbClr r="0" g="0" b="0"/>
+      </a:effectRef>
+      <a:fontRef idx="minor"/>
+    </dgm:style>
+  </dgm:styleLbl>
+  <dgm:styleLbl name="revTx">
+    <dgm:scene3d>
+      <a:camera prst="orthographicFront"/>
+      <a:lightRig rig="threePt" dir="t"/>
+    </dgm:scene3d>
+    <dgm:sp3d/>
+    <dgm:txPr/>
+    <dgm:style>
+      <a:lnRef idx="0">
+        <a:scrgbClr r="0" g="0" b="0"/>
+      </a:lnRef>
+      <a:fillRef idx="0">
+        <a:scrgbClr r="0" g="0" b="0"/>
+      </a:fillRef>
+      <a:effectRef idx="0">
+        <a:scrgbClr r="0" g="0" b="0"/>
+      </a:effectRef>
+      <a:fontRef idx="minor"/>
+    </dgm:style>
+  </dgm:styleLbl>
+</dgm:styleDef>
+</file>
+
+<file path=ppt/diagrams/quickStyle4.xml><?xml version="1.0" encoding="utf-8"?>
 <dgm:styleDef xmlns:dgm="http://schemas.openxmlformats.org/drawingml/2006/diagram" xmlns:a="http://schemas.openxmlformats.org/drawingml/2006/main" uniqueId="urn:microsoft.com/office/officeart/2005/8/quickstyle/simple1">
   <dgm:title val=""/>
   <dgm:desc val=""/>
@@ -10224,7 +14032,7 @@
             <a:fld id="{5498D241-0AB7-BC44-80E8-F0A20AF46E9E}" type="datetimeFigureOut">
               <a:rPr lang="en-US" smtClean="0"/>
               <a:pPr/>
-              <a:t>2/3/15</a:t>
+              <a:t>2/26/15</a:t>
             </a:fld>
             <a:endParaRPr lang="en-US" dirty="0"/>
           </a:p>
@@ -11464,14 +15272,14 @@
               <a:defRPr/>
             </a:pPr>
             <a:r>
-              <a:rPr lang="en-US" smtClean="0"/>
+              <a:rPr lang="en-US" dirty="0" smtClean="0"/>
               <a:t>A</a:t>
             </a:r>
             <a:r>
-              <a:rPr lang="en-US" baseline="0" smtClean="0"/>
+              <a:rPr lang="en-US" baseline="0" dirty="0" smtClean="0"/>
               <a:t> way to organize your code</a:t>
             </a:r>
-            <a:endParaRPr lang="en-US" smtClean="0"/>
+            <a:endParaRPr lang="en-US" dirty="0" smtClean="0"/>
           </a:p>
           <a:p>
             <a:endParaRPr lang="en-US" baseline="0" dirty="0" smtClean="0"/>
@@ -11787,6 +15595,91 @@
           <a:bodyPr/>
           <a:lstStyle/>
           <a:p>
+            <a:endParaRPr lang="en-US" dirty="0"/>
+          </a:p>
+        </p:txBody>
+      </p:sp>
+      <p:sp>
+        <p:nvSpPr>
+          <p:cNvPr id="4" name="Slide Number Placeholder 3"/>
+          <p:cNvSpPr>
+            <a:spLocks noGrp="1"/>
+          </p:cNvSpPr>
+          <p:nvPr>
+            <p:ph type="sldNum" sz="quarter" idx="10"/>
+          </p:nvPr>
+        </p:nvSpPr>
+        <p:spPr/>
+        <p:txBody>
+          <a:bodyPr/>
+          <a:lstStyle/>
+          <a:p>
+            <a:fld id="{3E7143C0-4F23-B545-9533-520B5A87CA1E}" type="slidenum">
+              <a:rPr lang="en-US" smtClean="0"/>
+              <a:pPr/>
+              <a:t>5</a:t>
+            </a:fld>
+            <a:endParaRPr lang="en-US" dirty="0"/>
+          </a:p>
+        </p:txBody>
+      </p:sp>
+    </p:spTree>
+    <p:extLst>
+      <p:ext uri="{BB962C8B-B14F-4D97-AF65-F5344CB8AC3E}">
+        <p14:creationId xmlns:p14="http://schemas.microsoft.com/office/powerpoint/2010/main" val="3596101336"/>
+      </p:ext>
+    </p:extLst>
+  </p:cSld>
+  <p:clrMapOvr>
+    <a:masterClrMapping/>
+  </p:clrMapOvr>
+</p:notes>
+</file>
+
+<file path=ppt/notesSlides/notesSlide6.xml><?xml version="1.0" encoding="utf-8"?>
+<p:notes xmlns:a="http://schemas.openxmlformats.org/drawingml/2006/main" xmlns:r="http://schemas.openxmlformats.org/officeDocument/2006/relationships" xmlns:p="http://schemas.openxmlformats.org/presentationml/2006/main">
+  <p:cSld>
+    <p:spTree>
+      <p:nvGrpSpPr>
+        <p:cNvPr id="1" name=""/>
+        <p:cNvGrpSpPr/>
+        <p:nvPr/>
+      </p:nvGrpSpPr>
+      <p:grpSpPr>
+        <a:xfrm>
+          <a:off x="0" y="0"/>
+          <a:ext cx="0" cy="0"/>
+          <a:chOff x="0" y="0"/>
+          <a:chExt cx="0" cy="0"/>
+        </a:xfrm>
+      </p:grpSpPr>
+      <p:sp>
+        <p:nvSpPr>
+          <p:cNvPr id="2" name="Slide Image Placeholder 1"/>
+          <p:cNvSpPr>
+            <a:spLocks noGrp="1" noRot="1" noChangeAspect="1"/>
+          </p:cNvSpPr>
+          <p:nvPr>
+            <p:ph type="sldImg"/>
+          </p:nvPr>
+        </p:nvSpPr>
+        <p:spPr/>
+      </p:sp>
+      <p:sp>
+        <p:nvSpPr>
+          <p:cNvPr id="3" name="Notes Placeholder 2"/>
+          <p:cNvSpPr>
+            <a:spLocks noGrp="1"/>
+          </p:cNvSpPr>
+          <p:nvPr>
+            <p:ph type="body" idx="1"/>
+          </p:nvPr>
+        </p:nvSpPr>
+        <p:spPr/>
+        <p:txBody>
+          <a:bodyPr/>
+          <a:lstStyle/>
+          <a:p>
             <a:r>
               <a:rPr lang="en-US" dirty="0" smtClean="0"/>
               <a:t>Default application settings via a </a:t>
@@ -11868,7 +15761,7 @@
             <a:fld id="{3E7143C0-4F23-B545-9533-520B5A87CA1E}" type="slidenum">
               <a:rPr lang="en-US" smtClean="0"/>
               <a:pPr/>
-              <a:t>5</a:t>
+              <a:t>6</a:t>
             </a:fld>
             <a:endParaRPr lang="en-US" dirty="0"/>
           </a:p>
@@ -11887,7 +15780,7 @@
 </p:notes>
 </file>
 
-<file path=ppt/notesSlides/notesSlide6.xml><?xml version="1.0" encoding="utf-8"?>
+<file path=ppt/notesSlides/notesSlide7.xml><?xml version="1.0" encoding="utf-8"?>
 <p:notes xmlns:a="http://schemas.openxmlformats.org/drawingml/2006/main" xmlns:r="http://schemas.openxmlformats.org/officeDocument/2006/relationships" xmlns:p="http://schemas.openxmlformats.org/presentationml/2006/main">
   <p:cSld>
     <p:spTree>
@@ -11971,7 +15864,7 @@
             <a:fld id="{3E7143C0-4F23-B545-9533-520B5A87CA1E}" type="slidenum">
               <a:rPr lang="en-US" smtClean="0"/>
               <a:pPr/>
-              <a:t>6</a:t>
+              <a:t>7</a:t>
             </a:fld>
             <a:endParaRPr lang="en-US" dirty="0"/>
           </a:p>
@@ -11981,95 +15874,6 @@
     <p:extLst>
       <p:ext uri="{BB962C8B-B14F-4D97-AF65-F5344CB8AC3E}">
         <p14:creationId xmlns:p14="http://schemas.microsoft.com/office/powerpoint/2010/main" val="1822742248"/>
-      </p:ext>
-    </p:extLst>
-  </p:cSld>
-  <p:clrMapOvr>
-    <a:masterClrMapping/>
-  </p:clrMapOvr>
-</p:notes>
-</file>
-
-<file path=ppt/notesSlides/notesSlide7.xml><?xml version="1.0" encoding="utf-8"?>
-<p:notes xmlns:a="http://schemas.openxmlformats.org/drawingml/2006/main" xmlns:r="http://schemas.openxmlformats.org/officeDocument/2006/relationships" xmlns:p="http://schemas.openxmlformats.org/presentationml/2006/main">
-  <p:cSld>
-    <p:spTree>
-      <p:nvGrpSpPr>
-        <p:cNvPr id="1" name=""/>
-        <p:cNvGrpSpPr/>
-        <p:nvPr/>
-      </p:nvGrpSpPr>
-      <p:grpSpPr>
-        <a:xfrm>
-          <a:off x="0" y="0"/>
-          <a:ext cx="0" cy="0"/>
-          <a:chOff x="0" y="0"/>
-          <a:chExt cx="0" cy="0"/>
-        </a:xfrm>
-      </p:grpSpPr>
-      <p:sp>
-        <p:nvSpPr>
-          <p:cNvPr id="2" name="Slide Image Placeholder 1"/>
-          <p:cNvSpPr>
-            <a:spLocks noGrp="1" noRot="1" noChangeAspect="1"/>
-          </p:cNvSpPr>
-          <p:nvPr>
-            <p:ph type="sldImg"/>
-          </p:nvPr>
-        </p:nvSpPr>
-        <p:spPr/>
-      </p:sp>
-      <p:sp>
-        <p:nvSpPr>
-          <p:cNvPr id="3" name="Notes Placeholder 2"/>
-          <p:cNvSpPr>
-            <a:spLocks noGrp="1"/>
-          </p:cNvSpPr>
-          <p:nvPr>
-            <p:ph type="body" idx="1"/>
-          </p:nvPr>
-        </p:nvSpPr>
-        <p:spPr/>
-        <p:txBody>
-          <a:bodyPr/>
-          <a:lstStyle/>
-          <a:p>
-            <a:r>
-              <a:rPr lang="en-US" dirty="0" smtClean="0"/>
-              <a:t>Show general app structure</a:t>
-            </a:r>
-            <a:endParaRPr lang="en-US" dirty="0"/>
-          </a:p>
-        </p:txBody>
-      </p:sp>
-      <p:sp>
-        <p:nvSpPr>
-          <p:cNvPr id="4" name="Slide Number Placeholder 3"/>
-          <p:cNvSpPr>
-            <a:spLocks noGrp="1"/>
-          </p:cNvSpPr>
-          <p:nvPr>
-            <p:ph type="sldNum" sz="quarter" idx="10"/>
-          </p:nvPr>
-        </p:nvSpPr>
-        <p:spPr/>
-        <p:txBody>
-          <a:bodyPr/>
-          <a:lstStyle/>
-          <a:p>
-            <a:fld id="{3E7143C0-4F23-B545-9533-520B5A87CA1E}" type="slidenum">
-              <a:rPr lang="en-US" smtClean="0"/>
-              <a:pPr/>
-              <a:t>7</a:t>
-            </a:fld>
-            <a:endParaRPr lang="en-US" dirty="0"/>
-          </a:p>
-        </p:txBody>
-      </p:sp>
-    </p:spTree>
-    <p:extLst>
-      <p:ext uri="{BB962C8B-B14F-4D97-AF65-F5344CB8AC3E}">
-        <p14:creationId xmlns:p14="http://schemas.microsoft.com/office/powerpoint/2010/main" val="3318350979"/>
       </p:ext>
     </p:extLst>
   </p:cSld>
@@ -21959,6 +25763,979 @@
           <a:chExt cx="0" cy="0"/>
         </a:xfrm>
       </p:grpSpPr>
+      <p:sp>
+        <p:nvSpPr>
+          <p:cNvPr id="2" name="Title 1"/>
+          <p:cNvSpPr>
+            <a:spLocks noGrp="1"/>
+          </p:cNvSpPr>
+          <p:nvPr>
+            <p:ph type="title"/>
+          </p:nvPr>
+        </p:nvSpPr>
+        <p:spPr/>
+        <p:txBody>
+          <a:bodyPr/>
+          <a:lstStyle/>
+          <a:p>
+            <a:r>
+              <a:rPr lang="en-US" dirty="0" smtClean="0"/>
+              <a:t>Fetching Resources</a:t>
+            </a:r>
+            <a:endParaRPr lang="en-US" dirty="0"/>
+          </a:p>
+        </p:txBody>
+      </p:sp>
+      <p:graphicFrame>
+        <p:nvGraphicFramePr>
+          <p:cNvPr id="5" name="Content Placeholder 4"/>
+          <p:cNvGraphicFramePr>
+            <a:graphicFrameLocks noGrp="1"/>
+          </p:cNvGraphicFramePr>
+          <p:nvPr>
+            <p:ph sz="quarter" idx="10"/>
+            <p:extLst>
+              <p:ext uri="{D42A27DB-BD31-4B8C-83A1-F6EECF244321}">
+                <p14:modId xmlns:p14="http://schemas.microsoft.com/office/powerpoint/2010/main" val="2464056221"/>
+              </p:ext>
+            </p:extLst>
+          </p:nvPr>
+        </p:nvGraphicFramePr>
+        <p:xfrm>
+          <a:off x="1219200" y="1828800"/>
+          <a:ext cx="9753600" cy="3429000"/>
+        </p:xfrm>
+        <a:graphic>
+          <a:graphicData uri="http://schemas.openxmlformats.org/drawingml/2006/diagram">
+            <dgm:relIds xmlns:dgm="http://schemas.openxmlformats.org/drawingml/2006/diagram" xmlns:r="http://schemas.openxmlformats.org/officeDocument/2006/relationships" r:dm="rId3" r:lo="rId4" r:qs="rId5" r:cs="rId6"/>
+          </a:graphicData>
+        </a:graphic>
+      </p:graphicFrame>
+    </p:spTree>
+    <p:extLst>
+      <p:ext uri="{BB962C8B-B14F-4D97-AF65-F5344CB8AC3E}">
+        <p14:creationId xmlns:p14="http://schemas.microsoft.com/office/powerpoint/2010/main" val="899348876"/>
+      </p:ext>
+    </p:extLst>
+  </p:cSld>
+  <p:clrMapOvr>
+    <a:masterClrMapping/>
+  </p:clrMapOvr>
+  <p:transition xmlns:p14="http://schemas.microsoft.com/office/powerpoint/2010/main" spd="med">
+    <p:fade/>
+  </p:transition>
+  <p:timing>
+    <p:tnLst>
+      <p:par>
+        <p:cTn xmlns:p14="http://schemas.microsoft.com/office/powerpoint/2010/main" id="1" dur="indefinite" restart="never" nodeType="tmRoot">
+          <p:childTnLst>
+            <p:seq concurrent="1" nextAc="seek">
+              <p:cTn id="2" dur="indefinite" nodeType="mainSeq">
+                <p:childTnLst>
+                  <p:par>
+                    <p:cTn id="3" fill="hold">
+                      <p:stCondLst>
+                        <p:cond delay="indefinite"/>
+                      </p:stCondLst>
+                      <p:childTnLst>
+                        <p:par>
+                          <p:cTn id="4" fill="hold">
+                            <p:stCondLst>
+                              <p:cond delay="0"/>
+                            </p:stCondLst>
+                            <p:childTnLst>
+                              <p:par>
+                                <p:cTn id="5" presetID="23" presetClass="entr" presetSubtype="16" fill="hold" grpId="0" nodeType="clickEffect">
+                                  <p:stCondLst>
+                                    <p:cond delay="0"/>
+                                  </p:stCondLst>
+                                  <p:childTnLst>
+                                    <p:set>
+                                      <p:cBhvr>
+                                        <p:cTn id="6" dur="1" fill="hold">
+                                          <p:stCondLst>
+                                            <p:cond delay="0"/>
+                                          </p:stCondLst>
+                                        </p:cTn>
+                                        <p:tgtEl>
+                                          <p:spTgt spid="5">
+                                            <p:graphicEl>
+                                              <a:dgm id="{89C3E660-7837-0541-9431-3AFCAC771FE2}"/>
+                                            </p:graphicEl>
+                                          </p:spTgt>
+                                        </p:tgtEl>
+                                        <p:attrNameLst>
+                                          <p:attrName>style.visibility</p:attrName>
+                                        </p:attrNameLst>
+                                      </p:cBhvr>
+                                      <p:to>
+                                        <p:strVal val="visible"/>
+                                      </p:to>
+                                    </p:set>
+                                    <p:anim calcmode="lin" valueType="num">
+                                      <p:cBhvr>
+                                        <p:cTn id="7" dur="500" fill="hold"/>
+                                        <p:tgtEl>
+                                          <p:spTgt spid="5">
+                                            <p:graphicEl>
+                                              <a:dgm id="{89C3E660-7837-0541-9431-3AFCAC771FE2}"/>
+                                            </p:graphicEl>
+                                          </p:spTgt>
+                                        </p:tgtEl>
+                                        <p:attrNameLst>
+                                          <p:attrName>ppt_w</p:attrName>
+                                        </p:attrNameLst>
+                                      </p:cBhvr>
+                                      <p:tavLst>
+                                        <p:tav tm="0">
+                                          <p:val>
+                                            <p:fltVal val="0"/>
+                                          </p:val>
+                                        </p:tav>
+                                        <p:tav tm="100000">
+                                          <p:val>
+                                            <p:strVal val="#ppt_w"/>
+                                          </p:val>
+                                        </p:tav>
+                                      </p:tavLst>
+                                    </p:anim>
+                                    <p:anim calcmode="lin" valueType="num">
+                                      <p:cBhvr>
+                                        <p:cTn id="8" dur="500" fill="hold"/>
+                                        <p:tgtEl>
+                                          <p:spTgt spid="5">
+                                            <p:graphicEl>
+                                              <a:dgm id="{89C3E660-7837-0541-9431-3AFCAC771FE2}"/>
+                                            </p:graphicEl>
+                                          </p:spTgt>
+                                        </p:tgtEl>
+                                        <p:attrNameLst>
+                                          <p:attrName>ppt_h</p:attrName>
+                                        </p:attrNameLst>
+                                      </p:cBhvr>
+                                      <p:tavLst>
+                                        <p:tav tm="0">
+                                          <p:val>
+                                            <p:fltVal val="0"/>
+                                          </p:val>
+                                        </p:tav>
+                                        <p:tav tm="100000">
+                                          <p:val>
+                                            <p:strVal val="#ppt_h"/>
+                                          </p:val>
+                                        </p:tav>
+                                      </p:tavLst>
+                                    </p:anim>
+                                  </p:childTnLst>
+                                </p:cTn>
+                              </p:par>
+                            </p:childTnLst>
+                          </p:cTn>
+                        </p:par>
+                      </p:childTnLst>
+                    </p:cTn>
+                  </p:par>
+                  <p:par>
+                    <p:cTn id="9" fill="hold">
+                      <p:stCondLst>
+                        <p:cond delay="indefinite"/>
+                      </p:stCondLst>
+                      <p:childTnLst>
+                        <p:par>
+                          <p:cTn id="10" fill="hold">
+                            <p:stCondLst>
+                              <p:cond delay="0"/>
+                            </p:stCondLst>
+                            <p:childTnLst>
+                              <p:par>
+                                <p:cTn id="11" presetID="23" presetClass="entr" presetSubtype="16" fill="hold" grpId="0" nodeType="clickEffect">
+                                  <p:stCondLst>
+                                    <p:cond delay="0"/>
+                                  </p:stCondLst>
+                                  <p:childTnLst>
+                                    <p:set>
+                                      <p:cBhvr>
+                                        <p:cTn id="12" dur="1" fill="hold">
+                                          <p:stCondLst>
+                                            <p:cond delay="0"/>
+                                          </p:stCondLst>
+                                        </p:cTn>
+                                        <p:tgtEl>
+                                          <p:spTgt spid="5">
+                                            <p:graphicEl>
+                                              <a:dgm id="{C51FA075-84CC-554C-8FBD-86C2243AB7A6}"/>
+                                            </p:graphicEl>
+                                          </p:spTgt>
+                                        </p:tgtEl>
+                                        <p:attrNameLst>
+                                          <p:attrName>style.visibility</p:attrName>
+                                        </p:attrNameLst>
+                                      </p:cBhvr>
+                                      <p:to>
+                                        <p:strVal val="visible"/>
+                                      </p:to>
+                                    </p:set>
+                                    <p:anim calcmode="lin" valueType="num">
+                                      <p:cBhvr>
+                                        <p:cTn id="13" dur="500" fill="hold"/>
+                                        <p:tgtEl>
+                                          <p:spTgt spid="5">
+                                            <p:graphicEl>
+                                              <a:dgm id="{C51FA075-84CC-554C-8FBD-86C2243AB7A6}"/>
+                                            </p:graphicEl>
+                                          </p:spTgt>
+                                        </p:tgtEl>
+                                        <p:attrNameLst>
+                                          <p:attrName>ppt_w</p:attrName>
+                                        </p:attrNameLst>
+                                      </p:cBhvr>
+                                      <p:tavLst>
+                                        <p:tav tm="0">
+                                          <p:val>
+                                            <p:fltVal val="0"/>
+                                          </p:val>
+                                        </p:tav>
+                                        <p:tav tm="100000">
+                                          <p:val>
+                                            <p:strVal val="#ppt_w"/>
+                                          </p:val>
+                                        </p:tav>
+                                      </p:tavLst>
+                                    </p:anim>
+                                    <p:anim calcmode="lin" valueType="num">
+                                      <p:cBhvr>
+                                        <p:cTn id="14" dur="500" fill="hold"/>
+                                        <p:tgtEl>
+                                          <p:spTgt spid="5">
+                                            <p:graphicEl>
+                                              <a:dgm id="{C51FA075-84CC-554C-8FBD-86C2243AB7A6}"/>
+                                            </p:graphicEl>
+                                          </p:spTgt>
+                                        </p:tgtEl>
+                                        <p:attrNameLst>
+                                          <p:attrName>ppt_h</p:attrName>
+                                        </p:attrNameLst>
+                                      </p:cBhvr>
+                                      <p:tavLst>
+                                        <p:tav tm="0">
+                                          <p:val>
+                                            <p:fltVal val="0"/>
+                                          </p:val>
+                                        </p:tav>
+                                        <p:tav tm="100000">
+                                          <p:val>
+                                            <p:strVal val="#ppt_h"/>
+                                          </p:val>
+                                        </p:tav>
+                                      </p:tavLst>
+                                    </p:anim>
+                                  </p:childTnLst>
+                                </p:cTn>
+                              </p:par>
+                              <p:par>
+                                <p:cTn id="15" presetID="23" presetClass="entr" presetSubtype="16" fill="hold" grpId="0" nodeType="withEffect">
+                                  <p:stCondLst>
+                                    <p:cond delay="0"/>
+                                  </p:stCondLst>
+                                  <p:childTnLst>
+                                    <p:set>
+                                      <p:cBhvr>
+                                        <p:cTn id="16" dur="1" fill="hold">
+                                          <p:stCondLst>
+                                            <p:cond delay="0"/>
+                                          </p:stCondLst>
+                                        </p:cTn>
+                                        <p:tgtEl>
+                                          <p:spTgt spid="5">
+                                            <p:graphicEl>
+                                              <a:dgm id="{2C5E49C2-67BA-C04A-B93E-53C81992EB48}"/>
+                                            </p:graphicEl>
+                                          </p:spTgt>
+                                        </p:tgtEl>
+                                        <p:attrNameLst>
+                                          <p:attrName>style.visibility</p:attrName>
+                                        </p:attrNameLst>
+                                      </p:cBhvr>
+                                      <p:to>
+                                        <p:strVal val="visible"/>
+                                      </p:to>
+                                    </p:set>
+                                    <p:anim calcmode="lin" valueType="num">
+                                      <p:cBhvr>
+                                        <p:cTn id="17" dur="500" fill="hold"/>
+                                        <p:tgtEl>
+                                          <p:spTgt spid="5">
+                                            <p:graphicEl>
+                                              <a:dgm id="{2C5E49C2-67BA-C04A-B93E-53C81992EB48}"/>
+                                            </p:graphicEl>
+                                          </p:spTgt>
+                                        </p:tgtEl>
+                                        <p:attrNameLst>
+                                          <p:attrName>ppt_w</p:attrName>
+                                        </p:attrNameLst>
+                                      </p:cBhvr>
+                                      <p:tavLst>
+                                        <p:tav tm="0">
+                                          <p:val>
+                                            <p:fltVal val="0"/>
+                                          </p:val>
+                                        </p:tav>
+                                        <p:tav tm="100000">
+                                          <p:val>
+                                            <p:strVal val="#ppt_w"/>
+                                          </p:val>
+                                        </p:tav>
+                                      </p:tavLst>
+                                    </p:anim>
+                                    <p:anim calcmode="lin" valueType="num">
+                                      <p:cBhvr>
+                                        <p:cTn id="18" dur="500" fill="hold"/>
+                                        <p:tgtEl>
+                                          <p:spTgt spid="5">
+                                            <p:graphicEl>
+                                              <a:dgm id="{2C5E49C2-67BA-C04A-B93E-53C81992EB48}"/>
+                                            </p:graphicEl>
+                                          </p:spTgt>
+                                        </p:tgtEl>
+                                        <p:attrNameLst>
+                                          <p:attrName>ppt_h</p:attrName>
+                                        </p:attrNameLst>
+                                      </p:cBhvr>
+                                      <p:tavLst>
+                                        <p:tav tm="0">
+                                          <p:val>
+                                            <p:fltVal val="0"/>
+                                          </p:val>
+                                        </p:tav>
+                                        <p:tav tm="100000">
+                                          <p:val>
+                                            <p:strVal val="#ppt_h"/>
+                                          </p:val>
+                                        </p:tav>
+                                      </p:tavLst>
+                                    </p:anim>
+                                  </p:childTnLst>
+                                </p:cTn>
+                              </p:par>
+                            </p:childTnLst>
+                          </p:cTn>
+                        </p:par>
+                      </p:childTnLst>
+                    </p:cTn>
+                  </p:par>
+                  <p:par>
+                    <p:cTn id="19" fill="hold">
+                      <p:stCondLst>
+                        <p:cond delay="indefinite"/>
+                      </p:stCondLst>
+                      <p:childTnLst>
+                        <p:par>
+                          <p:cTn id="20" fill="hold">
+                            <p:stCondLst>
+                              <p:cond delay="0"/>
+                            </p:stCondLst>
+                            <p:childTnLst>
+                              <p:par>
+                                <p:cTn id="21" presetID="23" presetClass="entr" presetSubtype="16" fill="hold" grpId="0" nodeType="clickEffect">
+                                  <p:stCondLst>
+                                    <p:cond delay="0"/>
+                                  </p:stCondLst>
+                                  <p:childTnLst>
+                                    <p:set>
+                                      <p:cBhvr>
+                                        <p:cTn id="22" dur="1" fill="hold">
+                                          <p:stCondLst>
+                                            <p:cond delay="0"/>
+                                          </p:stCondLst>
+                                        </p:cTn>
+                                        <p:tgtEl>
+                                          <p:spTgt spid="5">
+                                            <p:graphicEl>
+                                              <a:dgm id="{44B8A148-9838-2842-AA8F-AAB39540FFF4}"/>
+                                            </p:graphicEl>
+                                          </p:spTgt>
+                                        </p:tgtEl>
+                                        <p:attrNameLst>
+                                          <p:attrName>style.visibility</p:attrName>
+                                        </p:attrNameLst>
+                                      </p:cBhvr>
+                                      <p:to>
+                                        <p:strVal val="visible"/>
+                                      </p:to>
+                                    </p:set>
+                                    <p:anim calcmode="lin" valueType="num">
+                                      <p:cBhvr>
+                                        <p:cTn id="23" dur="500" fill="hold"/>
+                                        <p:tgtEl>
+                                          <p:spTgt spid="5">
+                                            <p:graphicEl>
+                                              <a:dgm id="{44B8A148-9838-2842-AA8F-AAB39540FFF4}"/>
+                                            </p:graphicEl>
+                                          </p:spTgt>
+                                        </p:tgtEl>
+                                        <p:attrNameLst>
+                                          <p:attrName>ppt_w</p:attrName>
+                                        </p:attrNameLst>
+                                      </p:cBhvr>
+                                      <p:tavLst>
+                                        <p:tav tm="0">
+                                          <p:val>
+                                            <p:fltVal val="0"/>
+                                          </p:val>
+                                        </p:tav>
+                                        <p:tav tm="100000">
+                                          <p:val>
+                                            <p:strVal val="#ppt_w"/>
+                                          </p:val>
+                                        </p:tav>
+                                      </p:tavLst>
+                                    </p:anim>
+                                    <p:anim calcmode="lin" valueType="num">
+                                      <p:cBhvr>
+                                        <p:cTn id="24" dur="500" fill="hold"/>
+                                        <p:tgtEl>
+                                          <p:spTgt spid="5">
+                                            <p:graphicEl>
+                                              <a:dgm id="{44B8A148-9838-2842-AA8F-AAB39540FFF4}"/>
+                                            </p:graphicEl>
+                                          </p:spTgt>
+                                        </p:tgtEl>
+                                        <p:attrNameLst>
+                                          <p:attrName>ppt_h</p:attrName>
+                                        </p:attrNameLst>
+                                      </p:cBhvr>
+                                      <p:tavLst>
+                                        <p:tav tm="0">
+                                          <p:val>
+                                            <p:fltVal val="0"/>
+                                          </p:val>
+                                        </p:tav>
+                                        <p:tav tm="100000">
+                                          <p:val>
+                                            <p:strVal val="#ppt_h"/>
+                                          </p:val>
+                                        </p:tav>
+                                      </p:tavLst>
+                                    </p:anim>
+                                  </p:childTnLst>
+                                </p:cTn>
+                              </p:par>
+                              <p:par>
+                                <p:cTn id="25" presetID="23" presetClass="entr" presetSubtype="16" fill="hold" grpId="0" nodeType="withEffect">
+                                  <p:stCondLst>
+                                    <p:cond delay="0"/>
+                                  </p:stCondLst>
+                                  <p:childTnLst>
+                                    <p:set>
+                                      <p:cBhvr>
+                                        <p:cTn id="26" dur="1" fill="hold">
+                                          <p:stCondLst>
+                                            <p:cond delay="0"/>
+                                          </p:stCondLst>
+                                        </p:cTn>
+                                        <p:tgtEl>
+                                          <p:spTgt spid="5">
+                                            <p:graphicEl>
+                                              <a:dgm id="{1A110707-564F-8949-BA63-EFB62FE4A89A}"/>
+                                            </p:graphicEl>
+                                          </p:spTgt>
+                                        </p:tgtEl>
+                                        <p:attrNameLst>
+                                          <p:attrName>style.visibility</p:attrName>
+                                        </p:attrNameLst>
+                                      </p:cBhvr>
+                                      <p:to>
+                                        <p:strVal val="visible"/>
+                                      </p:to>
+                                    </p:set>
+                                    <p:anim calcmode="lin" valueType="num">
+                                      <p:cBhvr>
+                                        <p:cTn id="27" dur="500" fill="hold"/>
+                                        <p:tgtEl>
+                                          <p:spTgt spid="5">
+                                            <p:graphicEl>
+                                              <a:dgm id="{1A110707-564F-8949-BA63-EFB62FE4A89A}"/>
+                                            </p:graphicEl>
+                                          </p:spTgt>
+                                        </p:tgtEl>
+                                        <p:attrNameLst>
+                                          <p:attrName>ppt_w</p:attrName>
+                                        </p:attrNameLst>
+                                      </p:cBhvr>
+                                      <p:tavLst>
+                                        <p:tav tm="0">
+                                          <p:val>
+                                            <p:fltVal val="0"/>
+                                          </p:val>
+                                        </p:tav>
+                                        <p:tav tm="100000">
+                                          <p:val>
+                                            <p:strVal val="#ppt_w"/>
+                                          </p:val>
+                                        </p:tav>
+                                      </p:tavLst>
+                                    </p:anim>
+                                    <p:anim calcmode="lin" valueType="num">
+                                      <p:cBhvr>
+                                        <p:cTn id="28" dur="500" fill="hold"/>
+                                        <p:tgtEl>
+                                          <p:spTgt spid="5">
+                                            <p:graphicEl>
+                                              <a:dgm id="{1A110707-564F-8949-BA63-EFB62FE4A89A}"/>
+                                            </p:graphicEl>
+                                          </p:spTgt>
+                                        </p:tgtEl>
+                                        <p:attrNameLst>
+                                          <p:attrName>ppt_h</p:attrName>
+                                        </p:attrNameLst>
+                                      </p:cBhvr>
+                                      <p:tavLst>
+                                        <p:tav tm="0">
+                                          <p:val>
+                                            <p:fltVal val="0"/>
+                                          </p:val>
+                                        </p:tav>
+                                        <p:tav tm="100000">
+                                          <p:val>
+                                            <p:strVal val="#ppt_h"/>
+                                          </p:val>
+                                        </p:tav>
+                                      </p:tavLst>
+                                    </p:anim>
+                                  </p:childTnLst>
+                                </p:cTn>
+                              </p:par>
+                            </p:childTnLst>
+                          </p:cTn>
+                        </p:par>
+                      </p:childTnLst>
+                    </p:cTn>
+                  </p:par>
+                  <p:par>
+                    <p:cTn id="29" fill="hold">
+                      <p:stCondLst>
+                        <p:cond delay="indefinite"/>
+                      </p:stCondLst>
+                      <p:childTnLst>
+                        <p:par>
+                          <p:cTn id="30" fill="hold">
+                            <p:stCondLst>
+                              <p:cond delay="0"/>
+                            </p:stCondLst>
+                            <p:childTnLst>
+                              <p:par>
+                                <p:cTn id="31" presetID="23" presetClass="entr" presetSubtype="16" fill="hold" grpId="0" nodeType="clickEffect">
+                                  <p:stCondLst>
+                                    <p:cond delay="0"/>
+                                  </p:stCondLst>
+                                  <p:childTnLst>
+                                    <p:set>
+                                      <p:cBhvr>
+                                        <p:cTn id="32" dur="1" fill="hold">
+                                          <p:stCondLst>
+                                            <p:cond delay="0"/>
+                                          </p:stCondLst>
+                                        </p:cTn>
+                                        <p:tgtEl>
+                                          <p:spTgt spid="5">
+                                            <p:graphicEl>
+                                              <a:dgm id="{D87BB7E4-563E-8B47-87CF-5C66BB3E1766}"/>
+                                            </p:graphicEl>
+                                          </p:spTgt>
+                                        </p:tgtEl>
+                                        <p:attrNameLst>
+                                          <p:attrName>style.visibility</p:attrName>
+                                        </p:attrNameLst>
+                                      </p:cBhvr>
+                                      <p:to>
+                                        <p:strVal val="visible"/>
+                                      </p:to>
+                                    </p:set>
+                                    <p:anim calcmode="lin" valueType="num">
+                                      <p:cBhvr>
+                                        <p:cTn id="33" dur="500" fill="hold"/>
+                                        <p:tgtEl>
+                                          <p:spTgt spid="5">
+                                            <p:graphicEl>
+                                              <a:dgm id="{D87BB7E4-563E-8B47-87CF-5C66BB3E1766}"/>
+                                            </p:graphicEl>
+                                          </p:spTgt>
+                                        </p:tgtEl>
+                                        <p:attrNameLst>
+                                          <p:attrName>ppt_w</p:attrName>
+                                        </p:attrNameLst>
+                                      </p:cBhvr>
+                                      <p:tavLst>
+                                        <p:tav tm="0">
+                                          <p:val>
+                                            <p:fltVal val="0"/>
+                                          </p:val>
+                                        </p:tav>
+                                        <p:tav tm="100000">
+                                          <p:val>
+                                            <p:strVal val="#ppt_w"/>
+                                          </p:val>
+                                        </p:tav>
+                                      </p:tavLst>
+                                    </p:anim>
+                                    <p:anim calcmode="lin" valueType="num">
+                                      <p:cBhvr>
+                                        <p:cTn id="34" dur="500" fill="hold"/>
+                                        <p:tgtEl>
+                                          <p:spTgt spid="5">
+                                            <p:graphicEl>
+                                              <a:dgm id="{D87BB7E4-563E-8B47-87CF-5C66BB3E1766}"/>
+                                            </p:graphicEl>
+                                          </p:spTgt>
+                                        </p:tgtEl>
+                                        <p:attrNameLst>
+                                          <p:attrName>ppt_h</p:attrName>
+                                        </p:attrNameLst>
+                                      </p:cBhvr>
+                                      <p:tavLst>
+                                        <p:tav tm="0">
+                                          <p:val>
+                                            <p:fltVal val="0"/>
+                                          </p:val>
+                                        </p:tav>
+                                        <p:tav tm="100000">
+                                          <p:val>
+                                            <p:strVal val="#ppt_h"/>
+                                          </p:val>
+                                        </p:tav>
+                                      </p:tavLst>
+                                    </p:anim>
+                                  </p:childTnLst>
+                                </p:cTn>
+                              </p:par>
+                              <p:par>
+                                <p:cTn id="35" presetID="23" presetClass="entr" presetSubtype="16" fill="hold" grpId="0" nodeType="withEffect">
+                                  <p:stCondLst>
+                                    <p:cond delay="0"/>
+                                  </p:stCondLst>
+                                  <p:childTnLst>
+                                    <p:set>
+                                      <p:cBhvr>
+                                        <p:cTn id="36" dur="1" fill="hold">
+                                          <p:stCondLst>
+                                            <p:cond delay="0"/>
+                                          </p:stCondLst>
+                                        </p:cTn>
+                                        <p:tgtEl>
+                                          <p:spTgt spid="5">
+                                            <p:graphicEl>
+                                              <a:dgm id="{4A8E0414-497C-F54A-AE02-48206D011499}"/>
+                                            </p:graphicEl>
+                                          </p:spTgt>
+                                        </p:tgtEl>
+                                        <p:attrNameLst>
+                                          <p:attrName>style.visibility</p:attrName>
+                                        </p:attrNameLst>
+                                      </p:cBhvr>
+                                      <p:to>
+                                        <p:strVal val="visible"/>
+                                      </p:to>
+                                    </p:set>
+                                    <p:anim calcmode="lin" valueType="num">
+                                      <p:cBhvr>
+                                        <p:cTn id="37" dur="500" fill="hold"/>
+                                        <p:tgtEl>
+                                          <p:spTgt spid="5">
+                                            <p:graphicEl>
+                                              <a:dgm id="{4A8E0414-497C-F54A-AE02-48206D011499}"/>
+                                            </p:graphicEl>
+                                          </p:spTgt>
+                                        </p:tgtEl>
+                                        <p:attrNameLst>
+                                          <p:attrName>ppt_w</p:attrName>
+                                        </p:attrNameLst>
+                                      </p:cBhvr>
+                                      <p:tavLst>
+                                        <p:tav tm="0">
+                                          <p:val>
+                                            <p:fltVal val="0"/>
+                                          </p:val>
+                                        </p:tav>
+                                        <p:tav tm="100000">
+                                          <p:val>
+                                            <p:strVal val="#ppt_w"/>
+                                          </p:val>
+                                        </p:tav>
+                                      </p:tavLst>
+                                    </p:anim>
+                                    <p:anim calcmode="lin" valueType="num">
+                                      <p:cBhvr>
+                                        <p:cTn id="38" dur="500" fill="hold"/>
+                                        <p:tgtEl>
+                                          <p:spTgt spid="5">
+                                            <p:graphicEl>
+                                              <a:dgm id="{4A8E0414-497C-F54A-AE02-48206D011499}"/>
+                                            </p:graphicEl>
+                                          </p:spTgt>
+                                        </p:tgtEl>
+                                        <p:attrNameLst>
+                                          <p:attrName>ppt_h</p:attrName>
+                                        </p:attrNameLst>
+                                      </p:cBhvr>
+                                      <p:tavLst>
+                                        <p:tav tm="0">
+                                          <p:val>
+                                            <p:fltVal val="0"/>
+                                          </p:val>
+                                        </p:tav>
+                                        <p:tav tm="100000">
+                                          <p:val>
+                                            <p:strVal val="#ppt_h"/>
+                                          </p:val>
+                                        </p:tav>
+                                      </p:tavLst>
+                                    </p:anim>
+                                  </p:childTnLst>
+                                </p:cTn>
+                              </p:par>
+                            </p:childTnLst>
+                          </p:cTn>
+                        </p:par>
+                      </p:childTnLst>
+                    </p:cTn>
+                  </p:par>
+                  <p:par>
+                    <p:cTn id="39" fill="hold">
+                      <p:stCondLst>
+                        <p:cond delay="indefinite"/>
+                      </p:stCondLst>
+                      <p:childTnLst>
+                        <p:par>
+                          <p:cTn id="40" fill="hold">
+                            <p:stCondLst>
+                              <p:cond delay="0"/>
+                            </p:stCondLst>
+                            <p:childTnLst>
+                              <p:par>
+                                <p:cTn id="41" presetID="23" presetClass="entr" presetSubtype="16" fill="hold" grpId="0" nodeType="clickEffect">
+                                  <p:stCondLst>
+                                    <p:cond delay="0"/>
+                                  </p:stCondLst>
+                                  <p:childTnLst>
+                                    <p:set>
+                                      <p:cBhvr>
+                                        <p:cTn id="42" dur="1" fill="hold">
+                                          <p:stCondLst>
+                                            <p:cond delay="0"/>
+                                          </p:stCondLst>
+                                        </p:cTn>
+                                        <p:tgtEl>
+                                          <p:spTgt spid="5">
+                                            <p:graphicEl>
+                                              <a:dgm id="{7BA6AFF8-01FB-574D-A406-4817CC5DEECD}"/>
+                                            </p:graphicEl>
+                                          </p:spTgt>
+                                        </p:tgtEl>
+                                        <p:attrNameLst>
+                                          <p:attrName>style.visibility</p:attrName>
+                                        </p:attrNameLst>
+                                      </p:cBhvr>
+                                      <p:to>
+                                        <p:strVal val="visible"/>
+                                      </p:to>
+                                    </p:set>
+                                    <p:anim calcmode="lin" valueType="num">
+                                      <p:cBhvr>
+                                        <p:cTn id="43" dur="500" fill="hold"/>
+                                        <p:tgtEl>
+                                          <p:spTgt spid="5">
+                                            <p:graphicEl>
+                                              <a:dgm id="{7BA6AFF8-01FB-574D-A406-4817CC5DEECD}"/>
+                                            </p:graphicEl>
+                                          </p:spTgt>
+                                        </p:tgtEl>
+                                        <p:attrNameLst>
+                                          <p:attrName>ppt_w</p:attrName>
+                                        </p:attrNameLst>
+                                      </p:cBhvr>
+                                      <p:tavLst>
+                                        <p:tav tm="0">
+                                          <p:val>
+                                            <p:fltVal val="0"/>
+                                          </p:val>
+                                        </p:tav>
+                                        <p:tav tm="100000">
+                                          <p:val>
+                                            <p:strVal val="#ppt_w"/>
+                                          </p:val>
+                                        </p:tav>
+                                      </p:tavLst>
+                                    </p:anim>
+                                    <p:anim calcmode="lin" valueType="num">
+                                      <p:cBhvr>
+                                        <p:cTn id="44" dur="500" fill="hold"/>
+                                        <p:tgtEl>
+                                          <p:spTgt spid="5">
+                                            <p:graphicEl>
+                                              <a:dgm id="{7BA6AFF8-01FB-574D-A406-4817CC5DEECD}"/>
+                                            </p:graphicEl>
+                                          </p:spTgt>
+                                        </p:tgtEl>
+                                        <p:attrNameLst>
+                                          <p:attrName>ppt_h</p:attrName>
+                                        </p:attrNameLst>
+                                      </p:cBhvr>
+                                      <p:tavLst>
+                                        <p:tav tm="0">
+                                          <p:val>
+                                            <p:fltVal val="0"/>
+                                          </p:val>
+                                        </p:tav>
+                                        <p:tav tm="100000">
+                                          <p:val>
+                                            <p:strVal val="#ppt_h"/>
+                                          </p:val>
+                                        </p:tav>
+                                      </p:tavLst>
+                                    </p:anim>
+                                  </p:childTnLst>
+                                </p:cTn>
+                              </p:par>
+                              <p:par>
+                                <p:cTn id="45" presetID="23" presetClass="entr" presetSubtype="16" fill="hold" grpId="0" nodeType="withEffect">
+                                  <p:stCondLst>
+                                    <p:cond delay="0"/>
+                                  </p:stCondLst>
+                                  <p:childTnLst>
+                                    <p:set>
+                                      <p:cBhvr>
+                                        <p:cTn id="46" dur="1" fill="hold">
+                                          <p:stCondLst>
+                                            <p:cond delay="0"/>
+                                          </p:stCondLst>
+                                        </p:cTn>
+                                        <p:tgtEl>
+                                          <p:spTgt spid="5">
+                                            <p:graphicEl>
+                                              <a:dgm id="{4FF5F294-AAD0-8348-AA10-99638F8857AF}"/>
+                                            </p:graphicEl>
+                                          </p:spTgt>
+                                        </p:tgtEl>
+                                        <p:attrNameLst>
+                                          <p:attrName>style.visibility</p:attrName>
+                                        </p:attrNameLst>
+                                      </p:cBhvr>
+                                      <p:to>
+                                        <p:strVal val="visible"/>
+                                      </p:to>
+                                    </p:set>
+                                    <p:anim calcmode="lin" valueType="num">
+                                      <p:cBhvr>
+                                        <p:cTn id="47" dur="500" fill="hold"/>
+                                        <p:tgtEl>
+                                          <p:spTgt spid="5">
+                                            <p:graphicEl>
+                                              <a:dgm id="{4FF5F294-AAD0-8348-AA10-99638F8857AF}"/>
+                                            </p:graphicEl>
+                                          </p:spTgt>
+                                        </p:tgtEl>
+                                        <p:attrNameLst>
+                                          <p:attrName>ppt_w</p:attrName>
+                                        </p:attrNameLst>
+                                      </p:cBhvr>
+                                      <p:tavLst>
+                                        <p:tav tm="0">
+                                          <p:val>
+                                            <p:fltVal val="0"/>
+                                          </p:val>
+                                        </p:tav>
+                                        <p:tav tm="100000">
+                                          <p:val>
+                                            <p:strVal val="#ppt_w"/>
+                                          </p:val>
+                                        </p:tav>
+                                      </p:tavLst>
+                                    </p:anim>
+                                    <p:anim calcmode="lin" valueType="num">
+                                      <p:cBhvr>
+                                        <p:cTn id="48" dur="500" fill="hold"/>
+                                        <p:tgtEl>
+                                          <p:spTgt spid="5">
+                                            <p:graphicEl>
+                                              <a:dgm id="{4FF5F294-AAD0-8348-AA10-99638F8857AF}"/>
+                                            </p:graphicEl>
+                                          </p:spTgt>
+                                        </p:tgtEl>
+                                        <p:attrNameLst>
+                                          <p:attrName>ppt_h</p:attrName>
+                                        </p:attrNameLst>
+                                      </p:cBhvr>
+                                      <p:tavLst>
+                                        <p:tav tm="0">
+                                          <p:val>
+                                            <p:fltVal val="0"/>
+                                          </p:val>
+                                        </p:tav>
+                                        <p:tav tm="100000">
+                                          <p:val>
+                                            <p:strVal val="#ppt_h"/>
+                                          </p:val>
+                                        </p:tav>
+                                      </p:tavLst>
+                                    </p:anim>
+                                  </p:childTnLst>
+                                </p:cTn>
+                              </p:par>
+                            </p:childTnLst>
+                          </p:cTn>
+                        </p:par>
+                      </p:childTnLst>
+                    </p:cTn>
+                  </p:par>
+                </p:childTnLst>
+              </p:cTn>
+              <p:prevCondLst>
+                <p:cond evt="onPrev" delay="0">
+                  <p:tgtEl>
+                    <p:sldTgt/>
+                  </p:tgtEl>
+                </p:cond>
+              </p:prevCondLst>
+              <p:nextCondLst>
+                <p:cond evt="onNext" delay="0">
+                  <p:tgtEl>
+                    <p:sldTgt/>
+                  </p:tgtEl>
+                </p:cond>
+              </p:nextCondLst>
+            </p:seq>
+          </p:childTnLst>
+        </p:cTn>
+      </p:par>
+    </p:tnLst>
+    <p:bldLst>
+      <p:bldGraphic spid="5" grpId="0">
+        <p:bldSub>
+          <a:bldDgm bld="one"/>
+        </p:bldSub>
+      </p:bldGraphic>
+    </p:bldLst>
+  </p:timing>
+</p:sld>
+</file>
+
+<file path=ppt/slides/slide6.xml><?xml version="1.0" encoding="utf-8"?>
+<p:sld xmlns:a="http://schemas.openxmlformats.org/drawingml/2006/main" xmlns:r="http://schemas.openxmlformats.org/officeDocument/2006/relationships" xmlns:p="http://schemas.openxmlformats.org/presentationml/2006/main">
+  <p:cSld>
+    <p:spTree>
+      <p:nvGrpSpPr>
+        <p:cNvPr id="1" name=""/>
+        <p:cNvGrpSpPr/>
+        <p:nvPr/>
+      </p:nvGrpSpPr>
+      <p:grpSpPr>
+        <a:xfrm>
+          <a:off x="0" y="0"/>
+          <a:ext cx="0" cy="0"/>
+          <a:chOff x="0" y="0"/>
+          <a:chExt cx="0" cy="0"/>
+        </a:xfrm>
+      </p:grpSpPr>
       <p:graphicFrame>
         <p:nvGraphicFramePr>
           <p:cNvPr id="29" name="Diagram 28"/>
@@ -21966,7 +26743,7 @@
           <p:nvPr>
             <p:extLst>
               <p:ext uri="{D42A27DB-BD31-4B8C-83A1-F6EECF244321}">
-                <p14:modId xmlns:p14="http://schemas.microsoft.com/office/powerpoint/2010/main" val="836572321"/>
+                <p14:modId xmlns:p14="http://schemas.microsoft.com/office/powerpoint/2010/main" val="1636300207"/>
               </p:ext>
             </p:extLst>
           </p:nvPr>
@@ -22241,7 +27018,7 @@
                                         <p:tgtEl>
                                           <p:spTgt spid="29">
                                             <p:graphicEl>
-                                              <a:dgm id="{4C6D66A1-89C2-5045-9CF6-AE19FF69C2E4}"/>
+                                              <a:dgm id="{87D803E3-EB89-BC47-9037-0610E99B4F6F}"/>
                                             </p:graphicEl>
                                           </p:spTgt>
                                         </p:tgtEl>
@@ -22259,7 +27036,7 @@
                                         <p:tgtEl>
                                           <p:spTgt spid="29">
                                             <p:graphicEl>
-                                              <a:dgm id="{4C6D66A1-89C2-5045-9CF6-AE19FF69C2E4}"/>
+                                              <a:dgm id="{87D803E3-EB89-BC47-9037-0610E99B4F6F}"/>
                                             </p:graphicEl>
                                           </p:spTgt>
                                         </p:tgtEl>
@@ -22286,7 +27063,7 @@
                                         <p:tgtEl>
                                           <p:spTgt spid="29">
                                             <p:graphicEl>
-                                              <a:dgm id="{4C6D66A1-89C2-5045-9CF6-AE19FF69C2E4}"/>
+                                              <a:dgm id="{87D803E3-EB89-BC47-9037-0610E99B4F6F}"/>
                                             </p:graphicEl>
                                           </p:spTgt>
                                         </p:tgtEl>
@@ -22344,7 +27121,7 @@
                                         <p:tgtEl>
                                           <p:spTgt spid="29">
                                             <p:graphicEl>
-                                              <a:dgm id="{322E1A56-CEEF-1842-B9B3-2F1A14649CBB}"/>
+                                              <a:dgm id="{5BCFA16E-CCDF-644A-9C7E-4482157A7136}"/>
                                             </p:graphicEl>
                                           </p:spTgt>
                                         </p:tgtEl>
@@ -22362,7 +27139,7 @@
                                         <p:tgtEl>
                                           <p:spTgt spid="29">
                                             <p:graphicEl>
-                                              <a:dgm id="{322E1A56-CEEF-1842-B9B3-2F1A14649CBB}"/>
+                                              <a:dgm id="{5BCFA16E-CCDF-644A-9C7E-4482157A7136}"/>
                                             </p:graphicEl>
                                           </p:spTgt>
                                         </p:tgtEl>
@@ -22389,7 +27166,7 @@
                                         <p:tgtEl>
                                           <p:spTgt spid="29">
                                             <p:graphicEl>
-                                              <a:dgm id="{322E1A56-CEEF-1842-B9B3-2F1A14649CBB}"/>
+                                              <a:dgm id="{5BCFA16E-CCDF-644A-9C7E-4482157A7136}"/>
                                             </p:graphicEl>
                                           </p:spTgt>
                                         </p:tgtEl>
@@ -22429,7 +27206,7 @@
                                         <p:tgtEl>
                                           <p:spTgt spid="29">
                                             <p:graphicEl>
-                                              <a:dgm id="{5920BD7D-0322-AB4C-BE49-E37C38368DCC}"/>
+                                              <a:dgm id="{4C6D66A1-89C2-5045-9CF6-AE19FF69C2E4}"/>
                                             </p:graphicEl>
                                           </p:spTgt>
                                         </p:tgtEl>
@@ -22447,7 +27224,7 @@
                                         <p:tgtEl>
                                           <p:spTgt spid="29">
                                             <p:graphicEl>
-                                              <a:dgm id="{5920BD7D-0322-AB4C-BE49-E37C38368DCC}"/>
+                                              <a:dgm id="{4C6D66A1-89C2-5045-9CF6-AE19FF69C2E4}"/>
                                             </p:graphicEl>
                                           </p:spTgt>
                                         </p:tgtEl>
@@ -22474,7 +27251,7 @@
                                         <p:tgtEl>
                                           <p:spTgt spid="29">
                                             <p:graphicEl>
-                                              <a:dgm id="{5920BD7D-0322-AB4C-BE49-E37C38368DCC}"/>
+                                              <a:dgm id="{4C6D66A1-89C2-5045-9CF6-AE19FF69C2E4}"/>
                                             </p:graphicEl>
                                           </p:spTgt>
                                         </p:tgtEl>
@@ -22532,7 +27309,7 @@
                                         <p:tgtEl>
                                           <p:spTgt spid="29">
                                             <p:graphicEl>
-                                              <a:dgm id="{B1B64BFB-4A9D-7248-A990-B9ADA5557F79}"/>
+                                              <a:dgm id="{322E1A56-CEEF-1842-B9B3-2F1A14649CBB}"/>
                                             </p:graphicEl>
                                           </p:spTgt>
                                         </p:tgtEl>
@@ -22550,7 +27327,7 @@
                                         <p:tgtEl>
                                           <p:spTgt spid="29">
                                             <p:graphicEl>
-                                              <a:dgm id="{B1B64BFB-4A9D-7248-A990-B9ADA5557F79}"/>
+                                              <a:dgm id="{322E1A56-CEEF-1842-B9B3-2F1A14649CBB}"/>
                                             </p:graphicEl>
                                           </p:spTgt>
                                         </p:tgtEl>
@@ -22577,7 +27354,7 @@
                                         <p:tgtEl>
                                           <p:spTgt spid="29">
                                             <p:graphicEl>
-                                              <a:dgm id="{B1B64BFB-4A9D-7248-A990-B9ADA5557F79}"/>
+                                              <a:dgm id="{322E1A56-CEEF-1842-B9B3-2F1A14649CBB}"/>
                                             </p:graphicEl>
                                           </p:spTgt>
                                         </p:tgtEl>
@@ -22617,7 +27394,7 @@
                                         <p:tgtEl>
                                           <p:spTgt spid="29">
                                             <p:graphicEl>
-                                              <a:dgm id="{08021080-8440-2348-BBF8-2151E19C7BAF}"/>
+                                              <a:dgm id="{5920BD7D-0322-AB4C-BE49-E37C38368DCC}"/>
                                             </p:graphicEl>
                                           </p:spTgt>
                                         </p:tgtEl>
@@ -22635,7 +27412,7 @@
                                         <p:tgtEl>
                                           <p:spTgt spid="29">
                                             <p:graphicEl>
-                                              <a:dgm id="{08021080-8440-2348-BBF8-2151E19C7BAF}"/>
+                                              <a:dgm id="{5920BD7D-0322-AB4C-BE49-E37C38368DCC}"/>
                                             </p:graphicEl>
                                           </p:spTgt>
                                         </p:tgtEl>
@@ -22662,7 +27439,7 @@
                                         <p:tgtEl>
                                           <p:spTgt spid="29">
                                             <p:graphicEl>
-                                              <a:dgm id="{08021080-8440-2348-BBF8-2151E19C7BAF}"/>
+                                              <a:dgm id="{5920BD7D-0322-AB4C-BE49-E37C38368DCC}"/>
                                             </p:graphicEl>
                                           </p:spTgt>
                                         </p:tgtEl>
@@ -22720,7 +27497,7 @@
                                         <p:tgtEl>
                                           <p:spTgt spid="29">
                                             <p:graphicEl>
-                                              <a:dgm id="{DD442D23-0A48-BC4C-BE1C-928FDDFFF2B9}"/>
+                                              <a:dgm id="{B1B64BFB-4A9D-7248-A990-B9ADA5557F79}"/>
                                             </p:graphicEl>
                                           </p:spTgt>
                                         </p:tgtEl>
@@ -22738,7 +27515,7 @@
                                         <p:tgtEl>
                                           <p:spTgt spid="29">
                                             <p:graphicEl>
-                                              <a:dgm id="{DD442D23-0A48-BC4C-BE1C-928FDDFFF2B9}"/>
+                                              <a:dgm id="{B1B64BFB-4A9D-7248-A990-B9ADA5557F79}"/>
                                             </p:graphicEl>
                                           </p:spTgt>
                                         </p:tgtEl>
@@ -22765,7 +27542,7 @@
                                         <p:tgtEl>
                                           <p:spTgt spid="29">
                                             <p:graphicEl>
-                                              <a:dgm id="{DD442D23-0A48-BC4C-BE1C-928FDDFFF2B9}"/>
+                                              <a:dgm id="{B1B64BFB-4A9D-7248-A990-B9ADA5557F79}"/>
                                             </p:graphicEl>
                                           </p:spTgt>
                                         </p:tgtEl>
@@ -22805,7 +27582,7 @@
                                         <p:tgtEl>
                                           <p:spTgt spid="29">
                                             <p:graphicEl>
-                                              <a:dgm id="{4A8E0414-497C-F54A-AE02-48206D011499}"/>
+                                              <a:dgm id="{08021080-8440-2348-BBF8-2151E19C7BAF}"/>
                                             </p:graphicEl>
                                           </p:spTgt>
                                         </p:tgtEl>
@@ -22823,7 +27600,7 @@
                                         <p:tgtEl>
                                           <p:spTgt spid="29">
                                             <p:graphicEl>
-                                              <a:dgm id="{4A8E0414-497C-F54A-AE02-48206D011499}"/>
+                                              <a:dgm id="{08021080-8440-2348-BBF8-2151E19C7BAF}"/>
                                             </p:graphicEl>
                                           </p:spTgt>
                                         </p:tgtEl>
@@ -22850,7 +27627,7 @@
                                         <p:tgtEl>
                                           <p:spTgt spid="29">
                                             <p:graphicEl>
-                                              <a:dgm id="{4A8E0414-497C-F54A-AE02-48206D011499}"/>
+                                              <a:dgm id="{08021080-8440-2348-BBF8-2151E19C7BAF}"/>
                                             </p:graphicEl>
                                           </p:spTgt>
                                         </p:tgtEl>
@@ -22908,7 +27685,7 @@
                                         <p:tgtEl>
                                           <p:spTgt spid="29">
                                             <p:graphicEl>
-                                              <a:dgm id="{7BA6AFF8-01FB-574D-A406-4817CC5DEECD}"/>
+                                              <a:dgm id="{DD442D23-0A48-BC4C-BE1C-928FDDFFF2B9}"/>
                                             </p:graphicEl>
                                           </p:spTgt>
                                         </p:tgtEl>
@@ -22926,7 +27703,7 @@
                                         <p:tgtEl>
                                           <p:spTgt spid="29">
                                             <p:graphicEl>
-                                              <a:dgm id="{7BA6AFF8-01FB-574D-A406-4817CC5DEECD}"/>
+                                              <a:dgm id="{DD442D23-0A48-BC4C-BE1C-928FDDFFF2B9}"/>
                                             </p:graphicEl>
                                           </p:spTgt>
                                         </p:tgtEl>
@@ -22953,7 +27730,7 @@
                                         <p:tgtEl>
                                           <p:spTgt spid="29">
                                             <p:graphicEl>
-                                              <a:dgm id="{7BA6AFF8-01FB-574D-A406-4817CC5DEECD}"/>
+                                              <a:dgm id="{DD442D23-0A48-BC4C-BE1C-928FDDFFF2B9}"/>
                                             </p:graphicEl>
                                           </p:spTgt>
                                         </p:tgtEl>
@@ -22993,7 +27770,7 @@
                                         <p:tgtEl>
                                           <p:spTgt spid="29">
                                             <p:graphicEl>
-                                              <a:dgm id="{1A110707-564F-8949-BA63-EFB62FE4A89A}"/>
+                                              <a:dgm id="{4A8E0414-497C-F54A-AE02-48206D011499}"/>
                                             </p:graphicEl>
                                           </p:spTgt>
                                         </p:tgtEl>
@@ -23011,7 +27788,7 @@
                                         <p:tgtEl>
                                           <p:spTgt spid="29">
                                             <p:graphicEl>
-                                              <a:dgm id="{1A110707-564F-8949-BA63-EFB62FE4A89A}"/>
+                                              <a:dgm id="{4A8E0414-497C-F54A-AE02-48206D011499}"/>
                                             </p:graphicEl>
                                           </p:spTgt>
                                         </p:tgtEl>
@@ -23038,7 +27815,7 @@
                                         <p:tgtEl>
                                           <p:spTgt spid="29">
                                             <p:graphicEl>
-                                              <a:dgm id="{1A110707-564F-8949-BA63-EFB62FE4A89A}"/>
+                                              <a:dgm id="{4A8E0414-497C-F54A-AE02-48206D011499}"/>
                                             </p:graphicEl>
                                           </p:spTgt>
                                         </p:tgtEl>
@@ -23096,7 +27873,7 @@
                                         <p:tgtEl>
                                           <p:spTgt spid="29">
                                             <p:graphicEl>
-                                              <a:dgm id="{D87BB7E4-563E-8B47-87CF-5C66BB3E1766}"/>
+                                              <a:dgm id="{7BA6AFF8-01FB-574D-A406-4817CC5DEECD}"/>
                                             </p:graphicEl>
                                           </p:spTgt>
                                         </p:tgtEl>
@@ -23114,7 +27891,7 @@
                                         <p:tgtEl>
                                           <p:spTgt spid="29">
                                             <p:graphicEl>
-                                              <a:dgm id="{D87BB7E4-563E-8B47-87CF-5C66BB3E1766}"/>
+                                              <a:dgm id="{7BA6AFF8-01FB-574D-A406-4817CC5DEECD}"/>
                                             </p:graphicEl>
                                           </p:spTgt>
                                         </p:tgtEl>
@@ -23141,7 +27918,7 @@
                                         <p:tgtEl>
                                           <p:spTgt spid="29">
                                             <p:graphicEl>
-                                              <a:dgm id="{D87BB7E4-563E-8B47-87CF-5C66BB3E1766}"/>
+                                              <a:dgm id="{7BA6AFF8-01FB-574D-A406-4817CC5DEECD}"/>
                                             </p:graphicEl>
                                           </p:spTgt>
                                         </p:tgtEl>
@@ -23181,7 +27958,7 @@
                                         <p:tgtEl>
                                           <p:spTgt spid="29">
                                             <p:graphicEl>
-                                              <a:dgm id="{87D803E3-EB89-BC47-9037-0610E99B4F6F}"/>
+                                              <a:dgm id="{1A110707-564F-8949-BA63-EFB62FE4A89A}"/>
                                             </p:graphicEl>
                                           </p:spTgt>
                                         </p:tgtEl>
@@ -23199,7 +27976,7 @@
                                         <p:tgtEl>
                                           <p:spTgt spid="29">
                                             <p:graphicEl>
-                                              <a:dgm id="{87D803E3-EB89-BC47-9037-0610E99B4F6F}"/>
+                                              <a:dgm id="{1A110707-564F-8949-BA63-EFB62FE4A89A}"/>
                                             </p:graphicEl>
                                           </p:spTgt>
                                         </p:tgtEl>
@@ -23226,7 +28003,7 @@
                                         <p:tgtEl>
                                           <p:spTgt spid="29">
                                             <p:graphicEl>
-                                              <a:dgm id="{87D803E3-EB89-BC47-9037-0610E99B4F6F}"/>
+                                              <a:dgm id="{1A110707-564F-8949-BA63-EFB62FE4A89A}"/>
                                             </p:graphicEl>
                                           </p:spTgt>
                                         </p:tgtEl>
@@ -23284,7 +28061,7 @@
                                         <p:tgtEl>
                                           <p:spTgt spid="29">
                                             <p:graphicEl>
-                                              <a:dgm id="{5BCFA16E-CCDF-644A-9C7E-4482157A7136}"/>
+                                              <a:dgm id="{D87BB7E4-563E-8B47-87CF-5C66BB3E1766}"/>
                                             </p:graphicEl>
                                           </p:spTgt>
                                         </p:tgtEl>
@@ -23302,7 +28079,7 @@
                                         <p:tgtEl>
                                           <p:spTgt spid="29">
                                             <p:graphicEl>
-                                              <a:dgm id="{5BCFA16E-CCDF-644A-9C7E-4482157A7136}"/>
+                                              <a:dgm id="{D87BB7E4-563E-8B47-87CF-5C66BB3E1766}"/>
                                             </p:graphicEl>
                                           </p:spTgt>
                                         </p:tgtEl>
@@ -23329,7 +28106,7 @@
                                         <p:tgtEl>
                                           <p:spTgt spid="29">
                                             <p:graphicEl>
-                                              <a:dgm id="{5BCFA16E-CCDF-644A-9C7E-4482157A7136}"/>
+                                              <a:dgm id="{D87BB7E4-563E-8B47-87CF-5C66BB3E1766}"/>
                                             </p:graphicEl>
                                           </p:spTgt>
                                         </p:tgtEl>
@@ -23476,7 +28253,7 @@
 </p:sld>
 </file>
 
-<file path=ppt/slides/slide6.xml><?xml version="1.0" encoding="utf-8"?>
+<file path=ppt/slides/slide7.xml><?xml version="1.0" encoding="utf-8"?>
 <p:sld xmlns:a="http://schemas.openxmlformats.org/drawingml/2006/main" xmlns:r="http://schemas.openxmlformats.org/officeDocument/2006/relationships" xmlns:p="http://schemas.openxmlformats.org/presentationml/2006/main">
   <p:cSld>
     <p:spTree>
@@ -24428,408 +29205,6 @@
     </p:tnLst>
     <p:bldLst>
       <p:bldP spid="7" grpId="0" animBg="1"/>
-    </p:bldLst>
-  </p:timing>
-</p:sld>
-</file>
-
-<file path=ppt/slides/slide7.xml><?xml version="1.0" encoding="utf-8"?>
-<p:sld xmlns:a="http://schemas.openxmlformats.org/drawingml/2006/main" xmlns:r="http://schemas.openxmlformats.org/officeDocument/2006/relationships" xmlns:p="http://schemas.openxmlformats.org/presentationml/2006/main">
-  <p:cSld>
-    <p:spTree>
-      <p:nvGrpSpPr>
-        <p:cNvPr id="1" name=""/>
-        <p:cNvGrpSpPr/>
-        <p:nvPr/>
-      </p:nvGrpSpPr>
-      <p:grpSpPr>
-        <a:xfrm>
-          <a:off x="0" y="0"/>
-          <a:ext cx="0" cy="0"/>
-          <a:chOff x="0" y="0"/>
-          <a:chExt cx="0" cy="0"/>
-        </a:xfrm>
-      </p:grpSpPr>
-      <p:sp>
-        <p:nvSpPr>
-          <p:cNvPr id="2" name="Title 1"/>
-          <p:cNvSpPr>
-            <a:spLocks noGrp="1"/>
-          </p:cNvSpPr>
-          <p:nvPr>
-            <p:ph type="title"/>
-          </p:nvPr>
-        </p:nvSpPr>
-        <p:spPr/>
-        <p:txBody>
-          <a:bodyPr/>
-          <a:lstStyle/>
-          <a:p>
-            <a:r>
-              <a:rPr lang="en-US" dirty="0" smtClean="0"/>
-              <a:t>Boilerplate Structure</a:t>
-            </a:r>
-            <a:endParaRPr lang="en-US" dirty="0"/>
-          </a:p>
-        </p:txBody>
-      </p:sp>
-      <p:sp>
-        <p:nvSpPr>
-          <p:cNvPr id="4" name="Rectangle 3"/>
-          <p:cNvSpPr/>
-          <p:nvPr/>
-        </p:nvSpPr>
-        <p:spPr>
-          <a:xfrm>
-            <a:off x="3921332" y="2848637"/>
-            <a:ext cx="3557858" cy="461665"/>
-          </a:xfrm>
-          <a:prstGeom prst="rect">
-            <a:avLst/>
-          </a:prstGeom>
-        </p:spPr>
-        <p:style>
-          <a:lnRef idx="2">
-            <a:schemeClr val="dk1">
-              <a:shade val="50000"/>
-            </a:schemeClr>
-          </a:lnRef>
-          <a:fillRef idx="1">
-            <a:schemeClr val="dk1"/>
-          </a:fillRef>
-          <a:effectRef idx="0">
-            <a:schemeClr val="dk1"/>
-          </a:effectRef>
-          <a:fontRef idx="minor">
-            <a:schemeClr val="lt1"/>
-          </a:fontRef>
-        </p:style>
-        <p:txBody>
-          <a:bodyPr wrap="square">
-            <a:spAutoFit/>
-            <a:scene3d>
-              <a:camera prst="orthographicFront"/>
-              <a:lightRig rig="balanced" dir="t">
-                <a:rot lat="0" lon="0" rev="2100000"/>
-              </a:lightRig>
-            </a:scene3d>
-            <a:sp3d extrusionH="57150" prstMaterial="metal">
-              <a:bevelT w="38100" h="25400"/>
-              <a:contourClr>
-                <a:schemeClr val="bg2"/>
-              </a:contourClr>
-            </a:sp3d>
-          </a:bodyPr>
-          <a:lstStyle/>
-          <a:p>
-            <a:pPr algn="ctr"/>
-            <a:r>
-              <a:rPr lang="en-US" sz="2400" b="1" dirty="0" err="1" smtClean="0">
-                <a:ln w="50800"/>
-                <a:solidFill>
-                  <a:schemeClr val="tx1"/>
-                </a:solidFill>
-              </a:rPr>
-              <a:t>esriurl.com</a:t>
-            </a:r>
-            <a:r>
-              <a:rPr lang="en-US" sz="2400" b="1" dirty="0">
-                <a:ln w="50800"/>
-                <a:solidFill>
-                  <a:schemeClr val="tx1"/>
-                </a:solidFill>
-              </a:rPr>
-              <a:t>/boilerplate</a:t>
-            </a:r>
-          </a:p>
-        </p:txBody>
-      </p:sp>
-    </p:spTree>
-    <p:extLst>
-      <p:ext uri="{BB962C8B-B14F-4D97-AF65-F5344CB8AC3E}">
-        <p14:creationId xmlns:p14="http://schemas.microsoft.com/office/powerpoint/2010/main" val="3663175074"/>
-      </p:ext>
-    </p:extLst>
-  </p:cSld>
-  <p:clrMapOvr>
-    <a:masterClrMapping/>
-  </p:clrMapOvr>
-  <p:transition xmlns:p14="http://schemas.microsoft.com/office/powerpoint/2010/main" spd="med">
-    <p:fade/>
-  </p:transition>
-  <p:timing>
-    <p:tnLst>
-      <p:par>
-        <p:cTn xmlns:p14="http://schemas.microsoft.com/office/powerpoint/2010/main" id="1" dur="indefinite" restart="never" nodeType="tmRoot">
-          <p:childTnLst>
-            <p:seq concurrent="1" nextAc="seek">
-              <p:cTn id="2" dur="indefinite" nodeType="mainSeq">
-                <p:childTnLst>
-                  <p:par>
-                    <p:cTn id="3" fill="hold">
-                      <p:stCondLst>
-                        <p:cond delay="indefinite"/>
-                      </p:stCondLst>
-                      <p:childTnLst>
-                        <p:par>
-                          <p:cTn id="4" fill="hold">
-                            <p:stCondLst>
-                              <p:cond delay="0"/>
-                            </p:stCondLst>
-                            <p:childTnLst>
-                              <p:par>
-                                <p:cTn id="5" presetID="25" presetClass="entr" presetSubtype="0" fill="hold" grpId="0" nodeType="clickEffect">
-                                  <p:stCondLst>
-                                    <p:cond delay="0"/>
-                                  </p:stCondLst>
-                                  <p:childTnLst>
-                                    <p:set>
-                                      <p:cBhvr>
-                                        <p:cTn id="6" dur="1" fill="hold">
-                                          <p:stCondLst>
-                                            <p:cond delay="0"/>
-                                          </p:stCondLst>
-                                        </p:cTn>
-                                        <p:tgtEl>
-                                          <p:spTgt spid="4"/>
-                                        </p:tgtEl>
-                                        <p:attrNameLst>
-                                          <p:attrName>style.visibility</p:attrName>
-                                        </p:attrNameLst>
-                                      </p:cBhvr>
-                                      <p:to>
-                                        <p:strVal val="visible"/>
-                                      </p:to>
-                                    </p:set>
-                                    <p:anim calcmode="lin" valueType="num">
-                                      <p:cBhvr>
-                                        <p:cTn id="7" dur="500" decel="50000" fill="hold">
-                                          <p:stCondLst>
-                                            <p:cond delay="0"/>
-                                          </p:stCondLst>
-                                        </p:cTn>
-                                        <p:tgtEl>
-                                          <p:spTgt spid="4"/>
-                                        </p:tgtEl>
-                                        <p:attrNameLst>
-                                          <p:attrName>style.rotation</p:attrName>
-                                        </p:attrNameLst>
-                                      </p:cBhvr>
-                                      <p:tavLst>
-                                        <p:tav tm="0">
-                                          <p:val>
-                                            <p:fltVal val="-90"/>
-                                          </p:val>
-                                        </p:tav>
-                                        <p:tav tm="100000">
-                                          <p:val>
-                                            <p:fltVal val="0"/>
-                                          </p:val>
-                                        </p:tav>
-                                      </p:tavLst>
-                                    </p:anim>
-                                    <p:anim calcmode="lin" valueType="num">
-                                      <p:cBhvr>
-                                        <p:cTn id="8" dur="500" decel="50000" fill="hold">
-                                          <p:stCondLst>
-                                            <p:cond delay="0"/>
-                                          </p:stCondLst>
-                                        </p:cTn>
-                                        <p:tgtEl>
-                                          <p:spTgt spid="4"/>
-                                        </p:tgtEl>
-                                        <p:attrNameLst>
-                                          <p:attrName>ppt_w</p:attrName>
-                                        </p:attrNameLst>
-                                      </p:cBhvr>
-                                      <p:tavLst>
-                                        <p:tav tm="0">
-                                          <p:val>
-                                            <p:strVal val="#ppt_w"/>
-                                          </p:val>
-                                        </p:tav>
-                                        <p:tav tm="100000">
-                                          <p:val>
-                                            <p:strVal val="#ppt_w*.05"/>
-                                          </p:val>
-                                        </p:tav>
-                                      </p:tavLst>
-                                    </p:anim>
-                                    <p:anim calcmode="lin" valueType="num">
-                                      <p:cBhvr>
-                                        <p:cTn id="9" dur="500" accel="50000" fill="hold">
-                                          <p:stCondLst>
-                                            <p:cond delay="500"/>
-                                          </p:stCondLst>
-                                        </p:cTn>
-                                        <p:tgtEl>
-                                          <p:spTgt spid="4"/>
-                                        </p:tgtEl>
-                                        <p:attrNameLst>
-                                          <p:attrName>ppt_w</p:attrName>
-                                        </p:attrNameLst>
-                                      </p:cBhvr>
-                                      <p:tavLst>
-                                        <p:tav tm="0">
-                                          <p:val>
-                                            <p:strVal val="#ppt_w*.05"/>
-                                          </p:val>
-                                        </p:tav>
-                                        <p:tav tm="100000">
-                                          <p:val>
-                                            <p:strVal val="#ppt_w"/>
-                                          </p:val>
-                                        </p:tav>
-                                      </p:tavLst>
-                                    </p:anim>
-                                    <p:anim calcmode="lin" valueType="num">
-                                      <p:cBhvr>
-                                        <p:cTn id="10" dur="1000" fill="hold"/>
-                                        <p:tgtEl>
-                                          <p:spTgt spid="4"/>
-                                        </p:tgtEl>
-                                        <p:attrNameLst>
-                                          <p:attrName>ppt_h</p:attrName>
-                                        </p:attrNameLst>
-                                      </p:cBhvr>
-                                      <p:tavLst>
-                                        <p:tav tm="0">
-                                          <p:val>
-                                            <p:strVal val="#ppt_h"/>
-                                          </p:val>
-                                        </p:tav>
-                                        <p:tav tm="100000">
-                                          <p:val>
-                                            <p:strVal val="#ppt_h"/>
-                                          </p:val>
-                                        </p:tav>
-                                      </p:tavLst>
-                                    </p:anim>
-                                    <p:anim calcmode="lin" valueType="num">
-                                      <p:cBhvr>
-                                        <p:cTn id="11" dur="500" decel="50000" fill="hold">
-                                          <p:stCondLst>
-                                            <p:cond delay="0"/>
-                                          </p:stCondLst>
-                                        </p:cTn>
-                                        <p:tgtEl>
-                                          <p:spTgt spid="4"/>
-                                        </p:tgtEl>
-                                        <p:attrNameLst>
-                                          <p:attrName>ppt_x</p:attrName>
-                                        </p:attrNameLst>
-                                      </p:cBhvr>
-                                      <p:tavLst>
-                                        <p:tav tm="0">
-                                          <p:val>
-                                            <p:strVal val="#ppt_x+.4"/>
-                                          </p:val>
-                                        </p:tav>
-                                        <p:tav tm="100000">
-                                          <p:val>
-                                            <p:strVal val="#ppt_x"/>
-                                          </p:val>
-                                        </p:tav>
-                                      </p:tavLst>
-                                    </p:anim>
-                                    <p:anim calcmode="lin" valueType="num">
-                                      <p:cBhvr>
-                                        <p:cTn id="12" dur="500" decel="50000" fill="hold">
-                                          <p:stCondLst>
-                                            <p:cond delay="0"/>
-                                          </p:stCondLst>
-                                        </p:cTn>
-                                        <p:tgtEl>
-                                          <p:spTgt spid="4"/>
-                                        </p:tgtEl>
-                                        <p:attrNameLst>
-                                          <p:attrName>ppt_y</p:attrName>
-                                        </p:attrNameLst>
-                                      </p:cBhvr>
-                                      <p:tavLst>
-                                        <p:tav tm="0">
-                                          <p:val>
-                                            <p:strVal val="#ppt_y-.2"/>
-                                          </p:val>
-                                        </p:tav>
-                                        <p:tav tm="100000">
-                                          <p:val>
-                                            <p:strVal val="#ppt_y+.1"/>
-                                          </p:val>
-                                        </p:tav>
-                                      </p:tavLst>
-                                    </p:anim>
-                                    <p:anim calcmode="lin" valueType="num">
-                                      <p:cBhvr>
-                                        <p:cTn id="13" dur="500" accel="50000" fill="hold">
-                                          <p:stCondLst>
-                                            <p:cond delay="500"/>
-                                          </p:stCondLst>
-                                        </p:cTn>
-                                        <p:tgtEl>
-                                          <p:spTgt spid="4"/>
-                                        </p:tgtEl>
-                                        <p:attrNameLst>
-                                          <p:attrName>ppt_y</p:attrName>
-                                        </p:attrNameLst>
-                                      </p:cBhvr>
-                                      <p:tavLst>
-                                        <p:tav tm="0">
-                                          <p:val>
-                                            <p:strVal val="#ppt_y+.1"/>
-                                          </p:val>
-                                        </p:tav>
-                                        <p:tav tm="100000">
-                                          <p:val>
-                                            <p:strVal val="#ppt_y"/>
-                                          </p:val>
-                                        </p:tav>
-                                      </p:tavLst>
-                                    </p:anim>
-                                    <p:animEffect transition="in" filter="fade">
-                                      <p:cBhvr>
-                                        <p:cTn id="14" dur="1000" decel="50000">
-                                          <p:stCondLst>
-                                            <p:cond delay="0"/>
-                                          </p:stCondLst>
-                                        </p:cTn>
-                                        <p:tgtEl>
-                                          <p:spTgt spid="4"/>
-                                        </p:tgtEl>
-                                      </p:cBhvr>
-                                    </p:animEffect>
-                                  </p:childTnLst>
-                                </p:cTn>
-                              </p:par>
-                            </p:childTnLst>
-                          </p:cTn>
-                        </p:par>
-                      </p:childTnLst>
-                    </p:cTn>
-                  </p:par>
-                </p:childTnLst>
-              </p:cTn>
-              <p:prevCondLst>
-                <p:cond evt="onPrev" delay="0">
-                  <p:tgtEl>
-                    <p:sldTgt/>
-                  </p:tgtEl>
-                </p:cond>
-              </p:prevCondLst>
-              <p:nextCondLst>
-                <p:cond evt="onNext" delay="0">
-                  <p:tgtEl>
-                    <p:sldTgt/>
-                  </p:tgtEl>
-                </p:cond>
-              </p:nextCondLst>
-            </p:seq>
-          </p:childTnLst>
-        </p:cTn>
-      </p:par>
-    </p:tnLst>
-    <p:bldLst>
-      <p:bldP spid="4" grpId="0" animBg="1"/>
     </p:bldLst>
   </p:timing>
 </p:sld>
